--- a/JFWM2022 - Introduction.pptx
+++ b/JFWM2022 - Introduction.pptx
@@ -11,9 +11,9 @@
     <p:sldId id="273" r:id="rId5"/>
     <p:sldId id="274" r:id="rId6"/>
     <p:sldId id="260" r:id="rId7"/>
-    <p:sldId id="257" r:id="rId8"/>
-    <p:sldId id="262" r:id="rId9"/>
-    <p:sldId id="263" r:id="rId10"/>
+    <p:sldId id="262" r:id="rId8"/>
+    <p:sldId id="263" r:id="rId9"/>
+    <p:sldId id="275" r:id="rId10"/>
     <p:sldId id="259" r:id="rId11"/>
     <p:sldId id="264" r:id="rId12"/>
     <p:sldId id="266" r:id="rId13"/>
@@ -263,7 +263,7 @@
           <a:p>
             <a:fld id="{9D04ABD5-6E79-405C-B548-03C3D2428518}" type="datetimeFigureOut">
               <a:rPr lang="fr-FR" smtClean="0"/>
-              <a:t>31/08/2022</a:t>
+              <a:t>05/09/2022</a:t>
             </a:fld>
             <a:endParaRPr lang="fr-FR"/>
           </a:p>
@@ -470,7 +470,7 @@
           <a:p>
             <a:fld id="{9D04ABD5-6E79-405C-B548-03C3D2428518}" type="datetimeFigureOut">
               <a:rPr lang="fr-FR" smtClean="0"/>
-              <a:t>31/08/2022</a:t>
+              <a:t>05/09/2022</a:t>
             </a:fld>
             <a:endParaRPr lang="fr-FR"/>
           </a:p>
@@ -650,7 +650,7 @@
           <a:p>
             <a:fld id="{9D04ABD5-6E79-405C-B548-03C3D2428518}" type="datetimeFigureOut">
               <a:rPr lang="fr-FR" smtClean="0"/>
-              <a:t>31/08/2022</a:t>
+              <a:t>05/09/2022</a:t>
             </a:fld>
             <a:endParaRPr lang="fr-FR"/>
           </a:p>
@@ -868,7 +868,7 @@
           <a:p>
             <a:fld id="{9D04ABD5-6E79-405C-B548-03C3D2428518}" type="datetimeFigureOut">
               <a:rPr lang="fr-FR" smtClean="0"/>
-              <a:t>31/08/2022</a:t>
+              <a:t>05/09/2022</a:t>
             </a:fld>
             <a:endParaRPr lang="fr-FR"/>
           </a:p>
@@ -1149,7 +1149,7 @@
           <a:p>
             <a:fld id="{9D04ABD5-6E79-405C-B548-03C3D2428518}" type="datetimeFigureOut">
               <a:rPr lang="fr-FR" smtClean="0"/>
-              <a:t>31/08/2022</a:t>
+              <a:t>05/09/2022</a:t>
             </a:fld>
             <a:endParaRPr lang="fr-FR"/>
           </a:p>
@@ -1381,7 +1381,7 @@
           <a:p>
             <a:fld id="{9D04ABD5-6E79-405C-B548-03C3D2428518}" type="datetimeFigureOut">
               <a:rPr lang="fr-FR" smtClean="0"/>
-              <a:t>31/08/2022</a:t>
+              <a:t>05/09/2022</a:t>
             </a:fld>
             <a:endParaRPr lang="fr-FR"/>
           </a:p>
@@ -1748,7 +1748,7 @@
           <a:p>
             <a:fld id="{9D04ABD5-6E79-405C-B548-03C3D2428518}" type="datetimeFigureOut">
               <a:rPr lang="fr-FR" smtClean="0"/>
-              <a:t>31/08/2022</a:t>
+              <a:t>05/09/2022</a:t>
             </a:fld>
             <a:endParaRPr lang="fr-FR"/>
           </a:p>
@@ -1866,7 +1866,7 @@
           <a:p>
             <a:fld id="{9D04ABD5-6E79-405C-B548-03C3D2428518}" type="datetimeFigureOut">
               <a:rPr lang="fr-FR" smtClean="0"/>
-              <a:t>31/08/2022</a:t>
+              <a:t>05/09/2022</a:t>
             </a:fld>
             <a:endParaRPr lang="fr-FR"/>
           </a:p>
@@ -1961,7 +1961,7 @@
           <a:p>
             <a:fld id="{9D04ABD5-6E79-405C-B548-03C3D2428518}" type="datetimeFigureOut">
               <a:rPr lang="fr-FR" smtClean="0"/>
-              <a:t>31/08/2022</a:t>
+              <a:t>05/09/2022</a:t>
             </a:fld>
             <a:endParaRPr lang="fr-FR"/>
           </a:p>
@@ -2238,7 +2238,7 @@
           <a:p>
             <a:fld id="{9D04ABD5-6E79-405C-B548-03C3D2428518}" type="datetimeFigureOut">
               <a:rPr lang="fr-FR" smtClean="0"/>
-              <a:t>31/08/2022</a:t>
+              <a:t>05/09/2022</a:t>
             </a:fld>
             <a:endParaRPr lang="fr-FR"/>
           </a:p>
@@ -2495,7 +2495,7 @@
           <a:p>
             <a:fld id="{9D04ABD5-6E79-405C-B548-03C3D2428518}" type="datetimeFigureOut">
               <a:rPr lang="fr-FR" smtClean="0"/>
-              <a:t>31/08/2022</a:t>
+              <a:t>05/09/2022</a:t>
             </a:fld>
             <a:endParaRPr lang="fr-FR"/>
           </a:p>
@@ -2708,7 +2708,7 @@
           <a:p>
             <a:fld id="{9D04ABD5-6E79-405C-B548-03C3D2428518}" type="datetimeFigureOut">
               <a:rPr lang="fr-FR" smtClean="0"/>
-              <a:t>31/08/2022</a:t>
+              <a:t>05/09/2022</a:t>
             </a:fld>
             <a:endParaRPr lang="fr-FR"/>
           </a:p>
@@ -3430,13 +3430,13 @@
         </p:nvSpPr>
         <p:spPr>
           <a:xfrm>
-            <a:off x="645718" y="2011796"/>
-            <a:ext cx="8363054" cy="4055778"/>
+            <a:off x="645718" y="2371024"/>
+            <a:ext cx="8345882" cy="4258376"/>
           </a:xfrm>
         </p:spPr>
         <p:txBody>
           <a:bodyPr>
-            <a:normAutofit fontScale="92500" lnSpcReduction="10000"/>
+            <a:normAutofit fontScale="70000" lnSpcReduction="20000"/>
           </a:bodyPr>
           <a:lstStyle/>
           <a:p>
@@ -3447,7 +3447,7 @@
             </a:pPr>
             <a:r>
               <a:rPr lang="fr-FR" dirty="0" smtClean="0"/>
-              <a:t>Friday </a:t>
+              <a:t>Thursday </a:t>
             </a:r>
             <a:r>
               <a:rPr lang="fr-FR" dirty="0" err="1"/>
@@ -3458,9 +3458,10 @@
               <a:t>, </a:t>
             </a:r>
             <a:r>
-              <a:rPr lang="fr-FR" dirty="0" smtClean="0"/>
-              <a:t>13</a:t>
-            </a:r>
+              <a:rPr lang="fr-FR" dirty="0"/>
+              <a:t>8</a:t>
+            </a:r>
+            <a:endParaRPr lang="fr-FR" dirty="0" smtClean="0"/>
           </a:p>
           <a:p>
             <a:pPr marL="457200" lvl="1" indent="0">
@@ -3468,7 +3469,7 @@
             </a:pPr>
             <a:r>
               <a:rPr lang="fr-FR" dirty="0" smtClean="0"/>
-              <a:t>	 90’ min (all groups)</a:t>
+              <a:t>	2 x 90’ min (all groups)</a:t>
             </a:r>
           </a:p>
           <a:p>
@@ -3478,8 +3479,12 @@
               </a:spcBef>
             </a:pPr>
             <a:r>
+              <a:rPr lang="fr-FR" dirty="0" err="1" smtClean="0"/>
+              <a:t>Monday</a:t>
+            </a:r>
+            <a:r>
               <a:rPr lang="fr-FR" dirty="0" smtClean="0"/>
-              <a:t>Tuesday </a:t>
+              <a:t> </a:t>
             </a:r>
             <a:r>
               <a:rPr lang="fr-FR" dirty="0" err="1" smtClean="0"/>
@@ -3491,7 +3496,7 @@
             </a:r>
             <a:r>
               <a:rPr lang="fr-FR" dirty="0" smtClean="0"/>
-              <a:t>17</a:t>
+              <a:t>12</a:t>
             </a:r>
             <a:endParaRPr lang="fr-FR" dirty="0"/>
           </a:p>
@@ -3505,7 +3510,7 @@
             </a:r>
             <a:r>
               <a:rPr lang="fr-FR" dirty="0" smtClean="0"/>
-              <a:t>	90</a:t>
+              <a:t>	3 x 90</a:t>
             </a:r>
             <a:r>
               <a:rPr lang="fr-FR" dirty="0"/>
@@ -3513,9 +3518,12 @@
             </a:r>
             <a:r>
               <a:rPr lang="fr-FR" dirty="0" smtClean="0"/>
-              <a:t>min (group B,C,D)</a:t>
-            </a:r>
-            <a:endParaRPr lang="fr-FR" dirty="0"/>
+              <a:t>min </a:t>
+            </a:r>
+            <a:r>
+              <a:rPr lang="fr-FR" dirty="0"/>
+              <a:t>(all groups)</a:t>
+            </a:r>
           </a:p>
           <a:p>
             <a:pPr marL="228600" lvl="1">
@@ -3524,54 +3532,36 @@
               </a:spcBef>
             </a:pPr>
             <a:r>
+              <a:rPr lang="fr-FR" dirty="0" smtClean="0"/>
+              <a:t>Tuesday </a:t>
+            </a:r>
+            <a:r>
               <a:rPr lang="fr-FR" dirty="0" err="1" smtClean="0"/>
-              <a:t>Wednesday</a:t>
+              <a:t>September</a:t>
             </a:r>
             <a:r>
               <a:rPr lang="fr-FR" dirty="0" smtClean="0"/>
-              <a:t> </a:t>
-            </a:r>
-            <a:r>
-              <a:rPr lang="fr-FR" dirty="0" err="1"/>
-              <a:t>September</a:t>
-            </a:r>
-            <a:r>
-              <a:rPr lang="fr-FR" dirty="0"/>
-              <a:t>, </a:t>
-            </a:r>
-            <a:r>
-              <a:rPr lang="fr-FR" dirty="0" smtClean="0"/>
-              <a:t>18</a:t>
-            </a:r>
-            <a:endParaRPr lang="fr-FR" dirty="0"/>
-          </a:p>
-          <a:p>
-            <a:pPr marL="457200" lvl="1" indent="0">
+              <a:t> 13</a:t>
+            </a:r>
+          </a:p>
+          <a:p>
+            <a:pPr marL="0" lvl="1" indent="0">
+              <a:spcBef>
+                <a:spcPts val="1000"/>
+              </a:spcBef>
               <a:buNone/>
             </a:pPr>
             <a:r>
+              <a:rPr lang="fr-FR" dirty="0" smtClean="0"/>
+              <a:t>	1 </a:t>
+            </a:r>
+            <a:r>
               <a:rPr lang="fr-FR" dirty="0"/>
-              <a:t> </a:t>
+              <a:t>x 90’ min (all groups</a:t>
             </a:r>
             <a:r>
               <a:rPr lang="fr-FR" dirty="0" smtClean="0"/>
-              <a:t>	90</a:t>
-            </a:r>
-            <a:r>
-              <a:rPr lang="fr-FR" dirty="0"/>
-              <a:t>’ </a:t>
-            </a:r>
-            <a:r>
-              <a:rPr lang="fr-FR" dirty="0" smtClean="0"/>
-              <a:t>min (</a:t>
-            </a:r>
-            <a:r>
-              <a:rPr lang="fr-FR" dirty="0"/>
-              <a:t>group </a:t>
-            </a:r>
-            <a:r>
-              <a:rPr lang="fr-FR" dirty="0" smtClean="0"/>
-              <a:t>A)</a:t>
+              <a:t>)</a:t>
             </a:r>
             <a:endParaRPr lang="fr-FR" dirty="0"/>
           </a:p>
@@ -3581,7 +3571,49 @@
                 <a:spcPts val="1000"/>
               </a:spcBef>
             </a:pPr>
-            <a:endParaRPr lang="fr-FR" dirty="0" smtClean="0"/>
+            <a:r>
+              <a:rPr lang="fr-FR" dirty="0" err="1" smtClean="0"/>
+              <a:t>Wednesday</a:t>
+            </a:r>
+            <a:r>
+              <a:rPr lang="fr-FR" dirty="0" smtClean="0"/>
+              <a:t> </a:t>
+            </a:r>
+            <a:r>
+              <a:rPr lang="fr-FR" dirty="0" err="1"/>
+              <a:t>September</a:t>
+            </a:r>
+            <a:r>
+              <a:rPr lang="fr-FR" dirty="0"/>
+              <a:t>, </a:t>
+            </a:r>
+            <a:r>
+              <a:rPr lang="fr-FR" dirty="0" smtClean="0"/>
+              <a:t>14</a:t>
+            </a:r>
+            <a:endParaRPr lang="fr-FR" dirty="0"/>
+          </a:p>
+          <a:p>
+            <a:pPr marL="457200" lvl="1" indent="0">
+              <a:buNone/>
+            </a:pPr>
+            <a:r>
+              <a:rPr lang="fr-FR" dirty="0"/>
+              <a:t> </a:t>
+            </a:r>
+            <a:r>
+              <a:rPr lang="fr-FR" dirty="0" smtClean="0"/>
+              <a:t>	180</a:t>
+            </a:r>
+            <a:r>
+              <a:rPr lang="fr-FR" dirty="0"/>
+              <a:t>’ </a:t>
+            </a:r>
+            <a:r>
+              <a:rPr lang="fr-FR" dirty="0" smtClean="0"/>
+              <a:t>min (all groups)</a:t>
+            </a:r>
+            <a:endParaRPr lang="fr-FR" dirty="0"/>
           </a:p>
           <a:p>
             <a:pPr marL="228600" lvl="1">
@@ -3591,28 +3623,74 @@
             </a:pPr>
             <a:r>
               <a:rPr lang="fr-FR" dirty="0" smtClean="0"/>
-              <a:t>Final </a:t>
+              <a:t>Thursday </a:t>
+            </a:r>
+            <a:r>
+              <a:rPr lang="fr-FR" dirty="0" err="1"/>
+              <a:t>September</a:t>
+            </a:r>
+            <a:r>
+              <a:rPr lang="fr-FR" dirty="0"/>
+              <a:t>, </a:t>
+            </a:r>
+            <a:r>
+              <a:rPr lang="fr-FR" dirty="0" smtClean="0"/>
+              <a:t>15</a:t>
+            </a:r>
+            <a:endParaRPr lang="fr-FR" dirty="0"/>
+          </a:p>
+          <a:p>
+            <a:pPr marL="0" lvl="1" indent="0">
+              <a:spcBef>
+                <a:spcPts val="1000"/>
+              </a:spcBef>
+              <a:buNone/>
+            </a:pPr>
+            <a:r>
+              <a:rPr lang="fr-FR" dirty="0" smtClean="0"/>
+              <a:t>	3 </a:t>
+            </a:r>
+            <a:r>
+              <a:rPr lang="fr-FR" dirty="0"/>
+              <a:t>x 90’ min (all groups)</a:t>
+            </a:r>
+          </a:p>
+          <a:p>
+            <a:pPr marL="0" lvl="1" indent="0">
+              <a:spcBef>
+                <a:spcPts val="1000"/>
+              </a:spcBef>
+              <a:buNone/>
+            </a:pPr>
+            <a:endParaRPr lang="fr-FR" dirty="0" smtClean="0"/>
+          </a:p>
+          <a:p>
+            <a:pPr marL="228600" lvl="1">
+              <a:spcBef>
+                <a:spcPts val="1000"/>
+              </a:spcBef>
+            </a:pPr>
+            <a:r>
+              <a:rPr lang="fr-FR" dirty="0"/>
+              <a:t>Friday </a:t>
+            </a:r>
+            <a:r>
+              <a:rPr lang="fr-FR" dirty="0" err="1"/>
+              <a:t>September</a:t>
+            </a:r>
+            <a:r>
+              <a:rPr lang="fr-FR" dirty="0"/>
+              <a:t>, </a:t>
+            </a:r>
+            <a:r>
+              <a:rPr lang="fr-FR" dirty="0" smtClean="0"/>
+              <a:t>16	 Final </a:t>
             </a:r>
             <a:r>
               <a:rPr lang="fr-FR" dirty="0" err="1" smtClean="0"/>
               <a:t>demonstration</a:t>
             </a:r>
-            <a:r>
-              <a:rPr lang="fr-FR" dirty="0" smtClean="0"/>
-              <a:t>: Friday </a:t>
-            </a:r>
-            <a:r>
-              <a:rPr lang="fr-FR" dirty="0" err="1"/>
-              <a:t>September</a:t>
-            </a:r>
-            <a:r>
-              <a:rPr lang="fr-FR" dirty="0"/>
-              <a:t>, </a:t>
-            </a:r>
-            <a:r>
-              <a:rPr lang="fr-FR" dirty="0" smtClean="0"/>
-              <a:t>20</a:t>
-            </a:r>
+            <a:endParaRPr lang="fr-FR" dirty="0" smtClean="0"/>
           </a:p>
           <a:p>
             <a:pPr marL="1200150" lvl="3" indent="-285750">
@@ -3642,7 +3720,7 @@
                 <a:latin typeface="arial" panose="020B0604020202020204" pitchFamily="34" charset="0"/>
                 <a:sym typeface="Wingdings" panose="05000000000000000000" pitchFamily="2" charset="2"/>
               </a:rPr>
-              <a:t>(achievement of goals, demonstration, teamwork)</a:t>
+              <a:t>(achievement of goals + demonstration + teamwork)</a:t>
             </a:r>
             <a:endParaRPr lang="en-US" sz="2200" b="1" dirty="0">
               <a:latin typeface="arial" panose="020B0604020202020204" pitchFamily="34" charset="0"/>
@@ -3668,7 +3746,7 @@
         </p:nvSpPr>
         <p:spPr bwMode="auto">
           <a:xfrm>
-            <a:off x="645718" y="1348772"/>
+            <a:off x="645718" y="1708000"/>
             <a:ext cx="4527649" cy="461665"/>
           </a:xfrm>
           <a:prstGeom prst="rect">
@@ -3887,11 +3965,7 @@
           <a:p>
             <a:r>
               <a:rPr lang="fr-FR" dirty="0" smtClean="0"/>
-              <a:t>Day trip Saturday </a:t>
-            </a:r>
-            <a:r>
-              <a:rPr lang="fr-FR" dirty="0" smtClean="0"/>
-              <a:t>10</a:t>
+              <a:t>Day trip Saturday 10</a:t>
             </a:r>
             <a:endParaRPr lang="fr-FR" dirty="0"/>
           </a:p>
@@ -4220,17 +4294,37 @@
               <a:rPr lang="fr-FR" sz="2000" dirty="0" smtClean="0"/>
               <a:t>. </a:t>
             </a:r>
+            <a:endParaRPr lang="fr-FR" sz="2000" dirty="0" smtClean="0"/>
+          </a:p>
+          <a:p>
+            <a:pPr marL="0" indent="0">
+              <a:buNone/>
+            </a:pPr>
+            <a:endParaRPr lang="fr-FR" sz="2000" dirty="0"/>
+          </a:p>
+          <a:p>
+            <a:pPr marL="0" indent="0">
+              <a:buNone/>
+            </a:pPr>
             <a:r>
               <a:rPr lang="fr-FR" sz="2000" dirty="0" err="1" smtClean="0"/>
               <a:t>Take</a:t>
             </a:r>
             <a:r>
               <a:rPr lang="fr-FR" sz="2000" dirty="0" smtClean="0"/>
-              <a:t> sports </a:t>
+              <a:t> </a:t>
+            </a:r>
+            <a:r>
+              <a:rPr lang="fr-FR" sz="2000" dirty="0" smtClean="0"/>
+              <a:t>sports </a:t>
             </a:r>
             <a:r>
               <a:rPr lang="fr-FR" sz="2000" dirty="0" err="1" smtClean="0"/>
               <a:t>shoes</a:t>
+            </a:r>
+            <a:r>
+              <a:rPr lang="fr-FR" sz="2000" dirty="0" smtClean="0"/>
+              <a:t> !</a:t>
             </a:r>
             <a:endParaRPr lang="fr-FR" sz="2000" dirty="0" smtClean="0"/>
           </a:p>
@@ -4917,7 +5011,7 @@
       </p:sp>
       <p:pic>
         <p:nvPicPr>
-          <p:cNvPr id="4" name="Image 3"/>
+          <p:cNvPr id="5" name="Image 4"/>
           <p:cNvPicPr>
             <a:picLocks noChangeAspect="1"/>
           </p:cNvPicPr>
@@ -4931,13 +5025,387 @@
               </a:ext>
             </a:extLst>
           </a:blip>
-          <a:srcRect b="46388"/>
+          <a:srcRect l="26347"/>
           <a:stretch/>
         </p:blipFill>
         <p:spPr>
           <a:xfrm>
-            <a:off x="628650" y="3154417"/>
-            <a:ext cx="7953198" cy="1833962"/>
+            <a:off x="3069771" y="5666082"/>
+            <a:ext cx="5963286" cy="503576"/>
+          </a:xfrm>
+          <a:prstGeom prst="rect">
+            <a:avLst/>
+          </a:prstGeom>
+        </p:spPr>
+      </p:pic>
+      <p:sp>
+        <p:nvSpPr>
+          <p:cNvPr id="3" name="Ellipse 2"/>
+          <p:cNvSpPr/>
+          <p:nvPr/>
+        </p:nvSpPr>
+        <p:spPr>
+          <a:xfrm>
+            <a:off x="2706548" y="1638548"/>
+            <a:ext cx="1114338" cy="1113144"/>
+          </a:xfrm>
+          <a:prstGeom prst="ellipse">
+            <a:avLst/>
+          </a:prstGeom>
+          <a:solidFill>
+            <a:srgbClr val="00B8F2"/>
+          </a:solidFill>
+          <a:ln>
+            <a:noFill/>
+          </a:ln>
+        </p:spPr>
+        <p:style>
+          <a:lnRef idx="2">
+            <a:schemeClr val="accent1">
+              <a:shade val="50000"/>
+            </a:schemeClr>
+          </a:lnRef>
+          <a:fillRef idx="1">
+            <a:schemeClr val="accent1"/>
+          </a:fillRef>
+          <a:effectRef idx="0">
+            <a:schemeClr val="accent1"/>
+          </a:effectRef>
+          <a:fontRef idx="minor">
+            <a:schemeClr val="lt1"/>
+          </a:fontRef>
+        </p:style>
+        <p:txBody>
+          <a:bodyPr rtlCol="0" anchor="ctr"/>
+          <a:lstStyle/>
+          <a:p>
+            <a:pPr algn="ctr"/>
+            <a:endParaRPr lang="fr-FR"/>
+          </a:p>
+        </p:txBody>
+      </p:sp>
+      <p:sp>
+        <p:nvSpPr>
+          <p:cNvPr id="7" name="Ellipse 6"/>
+          <p:cNvSpPr/>
+          <p:nvPr/>
+        </p:nvSpPr>
+        <p:spPr>
+          <a:xfrm>
+            <a:off x="4189727" y="1638546"/>
+            <a:ext cx="1114338" cy="1113144"/>
+          </a:xfrm>
+          <a:prstGeom prst="ellipse">
+            <a:avLst/>
+          </a:prstGeom>
+          <a:solidFill>
+            <a:srgbClr val="F03B9A"/>
+          </a:solidFill>
+          <a:ln>
+            <a:noFill/>
+          </a:ln>
+        </p:spPr>
+        <p:style>
+          <a:lnRef idx="2">
+            <a:schemeClr val="accent1">
+              <a:shade val="50000"/>
+            </a:schemeClr>
+          </a:lnRef>
+          <a:fillRef idx="1">
+            <a:schemeClr val="accent1"/>
+          </a:fillRef>
+          <a:effectRef idx="0">
+            <a:schemeClr val="accent1"/>
+          </a:effectRef>
+          <a:fontRef idx="minor">
+            <a:schemeClr val="lt1"/>
+          </a:fontRef>
+        </p:style>
+        <p:txBody>
+          <a:bodyPr rtlCol="0" anchor="ctr"/>
+          <a:lstStyle/>
+          <a:p>
+            <a:pPr algn="ctr"/>
+            <a:endParaRPr lang="fr-FR"/>
+          </a:p>
+        </p:txBody>
+      </p:sp>
+      <p:sp>
+        <p:nvSpPr>
+          <p:cNvPr id="8" name="Ellipse 7"/>
+          <p:cNvSpPr/>
+          <p:nvPr/>
+        </p:nvSpPr>
+        <p:spPr>
+          <a:xfrm>
+            <a:off x="5643942" y="1638546"/>
+            <a:ext cx="1114338" cy="1113144"/>
+          </a:xfrm>
+          <a:prstGeom prst="ellipse">
+            <a:avLst/>
+          </a:prstGeom>
+          <a:solidFill>
+            <a:srgbClr val="004974"/>
+          </a:solidFill>
+          <a:ln>
+            <a:noFill/>
+          </a:ln>
+        </p:spPr>
+        <p:style>
+          <a:lnRef idx="2">
+            <a:schemeClr val="accent1">
+              <a:shade val="50000"/>
+            </a:schemeClr>
+          </a:lnRef>
+          <a:fillRef idx="1">
+            <a:schemeClr val="accent1"/>
+          </a:fillRef>
+          <a:effectRef idx="0">
+            <a:schemeClr val="accent1"/>
+          </a:effectRef>
+          <a:fontRef idx="minor">
+            <a:schemeClr val="lt1"/>
+          </a:fontRef>
+        </p:style>
+        <p:txBody>
+          <a:bodyPr rtlCol="0" anchor="ctr"/>
+          <a:lstStyle/>
+          <a:p>
+            <a:pPr algn="ctr"/>
+            <a:endParaRPr lang="fr-FR"/>
+          </a:p>
+        </p:txBody>
+      </p:sp>
+      <p:sp>
+        <p:nvSpPr>
+          <p:cNvPr id="10" name="Titre 1"/>
+          <p:cNvSpPr txBox="1">
+            <a:spLocks/>
+          </p:cNvSpPr>
+          <p:nvPr/>
+        </p:nvSpPr>
+        <p:spPr>
+          <a:xfrm>
+            <a:off x="4176413" y="1994566"/>
+            <a:ext cx="1140965" cy="400376"/>
+          </a:xfrm>
+          <a:prstGeom prst="rect">
+            <a:avLst/>
+          </a:prstGeom>
+        </p:spPr>
+        <p:txBody>
+          <a:bodyPr vert="horz" lIns="91440" tIns="45720" rIns="91440" bIns="45720" rtlCol="0" anchor="ctr">
+            <a:normAutofit fontScale="92500" lnSpcReduction="20000"/>
+          </a:bodyPr>
+          <a:lstStyle>
+            <a:lvl1pPr algn="l" defTabSz="914400" rtl="0" eaLnBrk="1" latinLnBrk="0" hangingPunct="1">
+              <a:lnSpc>
+                <a:spcPct val="90000"/>
+              </a:lnSpc>
+              <a:spcBef>
+                <a:spcPct val="0"/>
+              </a:spcBef>
+              <a:buNone/>
+              <a:defRPr sz="4400" b="1" kern="1200">
+                <a:solidFill>
+                  <a:schemeClr val="tx1"/>
+                </a:solidFill>
+                <a:latin typeface="Arial" panose="020B0604020202020204" pitchFamily="34" charset="0"/>
+                <a:ea typeface="+mj-ea"/>
+                <a:cs typeface="Arial" panose="020B0604020202020204" pitchFamily="34" charset="0"/>
+              </a:defRPr>
+            </a:lvl1pPr>
+          </a:lstStyle>
+          <a:p>
+            <a:pPr algn="ctr"/>
+            <a:r>
+              <a:rPr lang="fr-FR" sz="1400" dirty="0" smtClean="0">
+                <a:solidFill>
+                  <a:schemeClr val="bg1"/>
+                </a:solidFill>
+              </a:rPr>
+              <a:t>5</a:t>
+            </a:r>
+          </a:p>
+          <a:p>
+            <a:pPr algn="ctr"/>
+            <a:r>
+              <a:rPr lang="fr-FR" sz="1400" dirty="0" err="1" smtClean="0">
+                <a:solidFill>
+                  <a:schemeClr val="bg1"/>
+                </a:solidFill>
+              </a:rPr>
+              <a:t>Companies</a:t>
+            </a:r>
+            <a:endParaRPr lang="fr-FR" sz="1400" dirty="0">
+              <a:solidFill>
+                <a:schemeClr val="bg1"/>
+              </a:solidFill>
+            </a:endParaRPr>
+          </a:p>
+        </p:txBody>
+      </p:sp>
+      <p:sp>
+        <p:nvSpPr>
+          <p:cNvPr id="11" name="Titre 1"/>
+          <p:cNvSpPr txBox="1">
+            <a:spLocks/>
+          </p:cNvSpPr>
+          <p:nvPr/>
+        </p:nvSpPr>
+        <p:spPr>
+          <a:xfrm>
+            <a:off x="2693234" y="1994566"/>
+            <a:ext cx="1140965" cy="400376"/>
+          </a:xfrm>
+          <a:prstGeom prst="rect">
+            <a:avLst/>
+          </a:prstGeom>
+        </p:spPr>
+        <p:txBody>
+          <a:bodyPr vert="horz" lIns="91440" tIns="45720" rIns="91440" bIns="45720" rtlCol="0" anchor="ctr">
+            <a:normAutofit fontScale="92500" lnSpcReduction="20000"/>
+          </a:bodyPr>
+          <a:lstStyle>
+            <a:lvl1pPr algn="l" defTabSz="914400" rtl="0" eaLnBrk="1" latinLnBrk="0" hangingPunct="1">
+              <a:lnSpc>
+                <a:spcPct val="90000"/>
+              </a:lnSpc>
+              <a:spcBef>
+                <a:spcPct val="0"/>
+              </a:spcBef>
+              <a:buNone/>
+              <a:defRPr sz="4400" b="1" kern="1200">
+                <a:solidFill>
+                  <a:schemeClr val="tx1"/>
+                </a:solidFill>
+                <a:latin typeface="Arial" panose="020B0604020202020204" pitchFamily="34" charset="0"/>
+                <a:ea typeface="+mj-ea"/>
+                <a:cs typeface="Arial" panose="020B0604020202020204" pitchFamily="34" charset="0"/>
+              </a:defRPr>
+            </a:lvl1pPr>
+          </a:lstStyle>
+          <a:p>
+            <a:pPr algn="ctr"/>
+            <a:r>
+              <a:rPr lang="fr-FR" sz="1400" dirty="0">
+                <a:solidFill>
+                  <a:schemeClr val="bg1"/>
+                </a:solidFill>
+              </a:rPr>
+              <a:t>4</a:t>
+            </a:r>
+            <a:endParaRPr lang="fr-FR" sz="1400" dirty="0" smtClean="0">
+              <a:solidFill>
+                <a:schemeClr val="bg1"/>
+              </a:solidFill>
+            </a:endParaRPr>
+          </a:p>
+          <a:p>
+            <a:pPr algn="ctr"/>
+            <a:r>
+              <a:rPr lang="fr-FR" sz="1400" dirty="0" err="1" smtClean="0">
+                <a:solidFill>
+                  <a:schemeClr val="bg1"/>
+                </a:solidFill>
+              </a:rPr>
+              <a:t>Universities</a:t>
+            </a:r>
+            <a:endParaRPr lang="fr-FR" sz="1400" dirty="0">
+              <a:solidFill>
+                <a:schemeClr val="bg1"/>
+              </a:solidFill>
+            </a:endParaRPr>
+          </a:p>
+        </p:txBody>
+      </p:sp>
+      <p:sp>
+        <p:nvSpPr>
+          <p:cNvPr id="12" name="Titre 1"/>
+          <p:cNvSpPr txBox="1">
+            <a:spLocks/>
+          </p:cNvSpPr>
+          <p:nvPr/>
+        </p:nvSpPr>
+        <p:spPr>
+          <a:xfrm>
+            <a:off x="5630628" y="1994566"/>
+            <a:ext cx="1140965" cy="400376"/>
+          </a:xfrm>
+          <a:prstGeom prst="rect">
+            <a:avLst/>
+          </a:prstGeom>
+        </p:spPr>
+        <p:txBody>
+          <a:bodyPr vert="horz" lIns="91440" tIns="45720" rIns="91440" bIns="45720" rtlCol="0" anchor="ctr">
+            <a:normAutofit fontScale="92500" lnSpcReduction="20000"/>
+          </a:bodyPr>
+          <a:lstStyle>
+            <a:lvl1pPr algn="l" defTabSz="914400" rtl="0" eaLnBrk="1" latinLnBrk="0" hangingPunct="1">
+              <a:lnSpc>
+                <a:spcPct val="90000"/>
+              </a:lnSpc>
+              <a:spcBef>
+                <a:spcPct val="0"/>
+              </a:spcBef>
+              <a:buNone/>
+              <a:defRPr sz="4400" b="1" kern="1200">
+                <a:solidFill>
+                  <a:schemeClr val="tx1"/>
+                </a:solidFill>
+                <a:latin typeface="Arial" panose="020B0604020202020204" pitchFamily="34" charset="0"/>
+                <a:ea typeface="+mj-ea"/>
+                <a:cs typeface="Arial" panose="020B0604020202020204" pitchFamily="34" charset="0"/>
+              </a:defRPr>
+            </a:lvl1pPr>
+          </a:lstStyle>
+          <a:p>
+            <a:pPr algn="ctr"/>
+            <a:r>
+              <a:rPr lang="fr-FR" sz="1400" dirty="0" smtClean="0">
+                <a:solidFill>
+                  <a:schemeClr val="bg1"/>
+                </a:solidFill>
+              </a:rPr>
+              <a:t>45</a:t>
+            </a:r>
+          </a:p>
+          <a:p>
+            <a:pPr algn="ctr"/>
+            <a:r>
+              <a:rPr lang="fr-FR" sz="1400" dirty="0" err="1" smtClean="0">
+                <a:solidFill>
+                  <a:schemeClr val="bg1"/>
+                </a:solidFill>
+              </a:rPr>
+              <a:t>Students</a:t>
+            </a:r>
+            <a:endParaRPr lang="fr-FR" sz="1400" dirty="0">
+              <a:solidFill>
+                <a:schemeClr val="bg1"/>
+              </a:solidFill>
+            </a:endParaRPr>
+          </a:p>
+        </p:txBody>
+      </p:sp>
+      <p:pic>
+        <p:nvPicPr>
+          <p:cNvPr id="13" name="Image 12"/>
+          <p:cNvPicPr>
+            <a:picLocks noChangeAspect="1"/>
+          </p:cNvPicPr>
+          <p:nvPr/>
+        </p:nvPicPr>
+        <p:blipFill>
+          <a:blip r:embed="rId3"/>
+          <a:stretch>
+            <a:fillRect/>
+          </a:stretch>
+        </p:blipFill>
+        <p:spPr>
+          <a:xfrm>
+            <a:off x="2260989" y="5568041"/>
+            <a:ext cx="624983" cy="658765"/>
           </a:xfrm>
           <a:prstGeom prst="rect">
             <a:avLst/>
@@ -4946,14 +5414,38 @@
       </p:pic>
       <p:pic>
         <p:nvPicPr>
-          <p:cNvPr id="5" name="Image 4"/>
+          <p:cNvPr id="14" name="Image 13"/>
           <p:cNvPicPr>
             <a:picLocks noChangeAspect="1"/>
           </p:cNvPicPr>
           <p:nvPr/>
         </p:nvPicPr>
         <p:blipFill>
-          <a:blip r:embed="rId3" cstate="print">
+          <a:blip r:embed="rId4"/>
+          <a:stretch>
+            <a:fillRect/>
+          </a:stretch>
+        </p:blipFill>
+        <p:spPr>
+          <a:xfrm>
+            <a:off x="236874" y="5655896"/>
+            <a:ext cx="1695450" cy="466725"/>
+          </a:xfrm>
+          <a:prstGeom prst="rect">
+            <a:avLst/>
+          </a:prstGeom>
+        </p:spPr>
+      </p:pic>
+      <p:pic>
+        <p:nvPicPr>
+          <p:cNvPr id="15" name="Image 14"/>
+          <p:cNvPicPr>
+            <a:picLocks noChangeAspect="1"/>
+          </p:cNvPicPr>
+          <p:nvPr/>
+        </p:nvPicPr>
+        <p:blipFill>
+          <a:blip r:embed="rId5" cstate="print">
             <a:extLst>
               <a:ext uri="{28A0092B-C50C-407E-A947-70E740481C1C}">
                 <a14:useLocalDpi xmlns:a14="http://schemas.microsoft.com/office/drawing/2010/main" val="0"/>
@@ -4966,38 +5458,8 @@
         </p:blipFill>
         <p:spPr>
           <a:xfrm>
-            <a:off x="756973" y="6106953"/>
-            <a:ext cx="8096470" cy="503576"/>
-          </a:xfrm>
-          <a:prstGeom prst="rect">
-            <a:avLst/>
-          </a:prstGeom>
-        </p:spPr>
-      </p:pic>
-      <p:pic>
-        <p:nvPicPr>
-          <p:cNvPr id="6" name="Image 5"/>
-          <p:cNvPicPr>
-            <a:picLocks noChangeAspect="1"/>
-          </p:cNvPicPr>
-          <p:nvPr/>
-        </p:nvPicPr>
-        <p:blipFill>
-          <a:blip r:embed="rId4" cstate="print">
-            <a:extLst>
-              <a:ext uri="{28A0092B-C50C-407E-A947-70E740481C1C}">
-                <a14:useLocalDpi xmlns:a14="http://schemas.microsoft.com/office/drawing/2010/main" val="0"/>
-              </a:ext>
-            </a:extLst>
-          </a:blip>
-          <a:stretch>
-            <a:fillRect/>
-          </a:stretch>
-        </p:blipFill>
-        <p:spPr>
-          <a:xfrm>
-            <a:off x="2706548" y="1638547"/>
-            <a:ext cx="5505947" cy="1115743"/>
+            <a:off x="475154" y="3397512"/>
+            <a:ext cx="8111691" cy="1501060"/>
           </a:xfrm>
           <a:prstGeom prst="rect">
             <a:avLst/>
@@ -5854,25 +6316,7 @@
               <a:rPr lang="en-US" sz="1600" b="1" dirty="0" smtClean="0">
                 <a:latin typeface="arial" panose="020B0604020202020204" pitchFamily="34" charset="0"/>
               </a:rPr>
-              <a:t> </a:t>
-            </a:r>
-            <a:r>
-              <a:rPr lang="en-US" sz="1600" b="1" dirty="0" smtClean="0">
-                <a:latin typeface="arial" panose="020B0604020202020204" pitchFamily="34" charset="0"/>
-              </a:rPr>
-              <a:t>TEAMS of </a:t>
-            </a:r>
-            <a:r>
-              <a:rPr lang="en-US" sz="1600" b="1" dirty="0" smtClean="0">
-                <a:latin typeface="arial" panose="020B0604020202020204" pitchFamily="34" charset="0"/>
-              </a:rPr>
-              <a:t>7 </a:t>
-            </a:r>
-            <a:r>
-              <a:rPr lang="en-US" sz="1600" b="1" dirty="0" smtClean="0">
-                <a:latin typeface="arial" panose="020B0604020202020204" pitchFamily="34" charset="0"/>
-              </a:rPr>
-              <a:t>students</a:t>
+              <a:t> TEAMS of 7 students</a:t>
             </a:r>
           </a:p>
           <a:p>
@@ -5988,6 +6432,66 @@
           </a:prstGeom>
         </p:spPr>
       </p:pic>
+      <p:cxnSp>
+        <p:nvCxnSpPr>
+          <p:cNvPr id="4" name="Connecteur droit 3"/>
+          <p:cNvCxnSpPr/>
+          <p:nvPr/>
+        </p:nvCxnSpPr>
+        <p:spPr>
+          <a:xfrm flipV="1">
+            <a:off x="0" y="89807"/>
+            <a:ext cx="9144000" cy="6768193"/>
+          </a:xfrm>
+          <a:prstGeom prst="line">
+            <a:avLst/>
+          </a:prstGeom>
+        </p:spPr>
+        <p:style>
+          <a:lnRef idx="1">
+            <a:schemeClr val="accent1"/>
+          </a:lnRef>
+          <a:fillRef idx="0">
+            <a:schemeClr val="accent1"/>
+          </a:fillRef>
+          <a:effectRef idx="0">
+            <a:schemeClr val="accent1"/>
+          </a:effectRef>
+          <a:fontRef idx="minor">
+            <a:schemeClr val="tx1"/>
+          </a:fontRef>
+        </p:style>
+      </p:cxnSp>
+      <p:cxnSp>
+        <p:nvCxnSpPr>
+          <p:cNvPr id="8" name="Connecteur droit 7"/>
+          <p:cNvCxnSpPr/>
+          <p:nvPr/>
+        </p:nvCxnSpPr>
+        <p:spPr>
+          <a:xfrm>
+            <a:off x="0" y="57150"/>
+            <a:ext cx="9144000" cy="6800850"/>
+          </a:xfrm>
+          <a:prstGeom prst="line">
+            <a:avLst/>
+          </a:prstGeom>
+        </p:spPr>
+        <p:style>
+          <a:lnRef idx="1">
+            <a:schemeClr val="accent1"/>
+          </a:lnRef>
+          <a:fillRef idx="0">
+            <a:schemeClr val="accent1"/>
+          </a:fillRef>
+          <a:effectRef idx="0">
+            <a:schemeClr val="accent1"/>
+          </a:effectRef>
+          <a:fontRef idx="minor">
+            <a:schemeClr val="tx1"/>
+          </a:fontRef>
+        </p:style>
+      </p:cxnSp>
     </p:spTree>
     <p:extLst>
       <p:ext uri="{BB962C8B-B14F-4D97-AF65-F5344CB8AC3E}">
@@ -6025,9 +6529,1758 @@
           <a:chExt cx="0" cy="0"/>
         </a:xfrm>
       </p:grpSpPr>
+      <p:grpSp>
+        <p:nvGrpSpPr>
+          <p:cNvPr id="9" name="Groupe 8"/>
+          <p:cNvGrpSpPr/>
+          <p:nvPr/>
+        </p:nvGrpSpPr>
+        <p:grpSpPr>
+          <a:xfrm>
+            <a:off x="47384" y="2513445"/>
+            <a:ext cx="2900890" cy="2702351"/>
+            <a:chOff x="41022" y="3426176"/>
+            <a:chExt cx="2900890" cy="2702351"/>
+          </a:xfrm>
+        </p:grpSpPr>
+        <p:grpSp>
+          <p:nvGrpSpPr>
+            <p:cNvPr id="34" name="Groupe 33"/>
+            <p:cNvGrpSpPr/>
+            <p:nvPr/>
+          </p:nvGrpSpPr>
+          <p:grpSpPr>
+            <a:xfrm flipV="1">
+              <a:off x="41022" y="3426176"/>
+              <a:ext cx="2900890" cy="2702351"/>
+              <a:chOff x="1522718" y="1730306"/>
+              <a:chExt cx="5310379" cy="4946933"/>
+            </a:xfrm>
+          </p:grpSpPr>
+          <p:grpSp>
+            <p:nvGrpSpPr>
+              <p:cNvPr id="25" name="Groupe 24"/>
+              <p:cNvGrpSpPr/>
+              <p:nvPr/>
+            </p:nvGrpSpPr>
+            <p:grpSpPr>
+              <a:xfrm>
+                <a:off x="2854732" y="1730306"/>
+                <a:ext cx="2645460" cy="2645166"/>
+                <a:chOff x="4896035" y="4149080"/>
+                <a:chExt cx="1656184" cy="1656000"/>
+              </a:xfrm>
+            </p:grpSpPr>
+            <p:sp>
+              <p:nvSpPr>
+                <p:cNvPr id="26" name="Ellipse 25"/>
+                <p:cNvSpPr/>
+                <p:nvPr/>
+              </p:nvSpPr>
+              <p:spPr bwMode="auto">
+                <a:xfrm>
+                  <a:off x="4896035" y="4149080"/>
+                  <a:ext cx="1656184" cy="1656000"/>
+                </a:xfrm>
+                <a:prstGeom prst="ellipse">
+                  <a:avLst/>
+                </a:prstGeom>
+                <a:solidFill>
+                  <a:schemeClr val="bg1">
+                    <a:lumMod val="95000"/>
+                  </a:schemeClr>
+                </a:solidFill>
+                <a:ln w="9525" cap="flat" cmpd="sng" algn="ctr">
+                  <a:solidFill>
+                    <a:schemeClr val="tx1"/>
+                  </a:solidFill>
+                  <a:prstDash val="solid"/>
+                  <a:round/>
+                  <a:headEnd type="none" w="med" len="med"/>
+                  <a:tailEnd type="none" w="med" len="med"/>
+                </a:ln>
+                <a:effectLst/>
+                <a:extLst/>
+              </p:spPr>
+              <p:txBody>
+                <a:bodyPr vert="eaVert" wrap="square" lIns="91440" tIns="45720" rIns="91440" bIns="45720" numCol="1" rtlCol="0" anchor="ctr" anchorCtr="1" compatLnSpc="1">
+                  <a:prstTxWarp prst="textNoShape">
+                    <a:avLst/>
+                  </a:prstTxWarp>
+                </a:bodyPr>
+                <a:lstStyle/>
+                <a:p>
+                  <a:pPr marL="0" marR="0" indent="0" algn="l" defTabSz="914400" rtl="0" eaLnBrk="1" fontAlgn="base" latinLnBrk="0" hangingPunct="1">
+                    <a:lnSpc>
+                      <a:spcPct val="100000"/>
+                    </a:lnSpc>
+                    <a:spcBef>
+                      <a:spcPct val="0"/>
+                    </a:spcBef>
+                    <a:spcAft>
+                      <a:spcPct val="0"/>
+                    </a:spcAft>
+                    <a:buClrTx/>
+                    <a:buSzTx/>
+                    <a:buFontTx/>
+                    <a:buNone/>
+                    <a:tabLst/>
+                  </a:pPr>
+                  <a:endParaRPr kumimoji="0" lang="fr-FR" sz="2000" b="1" i="0" u="none" strike="noStrike" cap="none" normalizeH="0" baseline="0" smtClean="0">
+                    <a:ln>
+                      <a:noFill/>
+                    </a:ln>
+                    <a:solidFill>
+                      <a:srgbClr val="0C2E86"/>
+                    </a:solidFill>
+                    <a:effectLst/>
+                    <a:latin typeface="Eurostile" panose="020B0504020202050204" pitchFamily="34" charset="0"/>
+                  </a:endParaRPr>
+                </a:p>
+              </p:txBody>
+            </p:sp>
+            <p:sp>
+              <p:nvSpPr>
+                <p:cNvPr id="27" name="Ellipse 26"/>
+                <p:cNvSpPr/>
+                <p:nvPr/>
+              </p:nvSpPr>
+              <p:spPr bwMode="auto">
+                <a:xfrm>
+                  <a:off x="5386281" y="4637089"/>
+                  <a:ext cx="675692" cy="675617"/>
+                </a:xfrm>
+                <a:prstGeom prst="ellipse">
+                  <a:avLst/>
+                </a:prstGeom>
+                <a:solidFill>
+                  <a:schemeClr val="bg1"/>
+                </a:solidFill>
+                <a:ln w="9525" cap="flat" cmpd="sng" algn="ctr">
+                  <a:solidFill>
+                    <a:schemeClr val="tx1"/>
+                  </a:solidFill>
+                  <a:prstDash val="solid"/>
+                  <a:round/>
+                  <a:headEnd type="none" w="med" len="med"/>
+                  <a:tailEnd type="none" w="med" len="med"/>
+                </a:ln>
+                <a:effectLst/>
+                <a:extLst/>
+              </p:spPr>
+              <p:txBody>
+                <a:bodyPr vert="eaVert" wrap="square" lIns="91440" tIns="45720" rIns="91440" bIns="45720" numCol="1" rtlCol="0" anchor="ctr" anchorCtr="1" compatLnSpc="1">
+                  <a:prstTxWarp prst="textNoShape">
+                    <a:avLst/>
+                  </a:prstTxWarp>
+                </a:bodyPr>
+                <a:lstStyle/>
+                <a:p>
+                  <a:pPr marL="0" marR="0" indent="0" algn="l" defTabSz="914400" rtl="0" eaLnBrk="1" fontAlgn="base" latinLnBrk="0" hangingPunct="1">
+                    <a:lnSpc>
+                      <a:spcPct val="100000"/>
+                    </a:lnSpc>
+                    <a:spcBef>
+                      <a:spcPct val="0"/>
+                    </a:spcBef>
+                    <a:spcAft>
+                      <a:spcPct val="0"/>
+                    </a:spcAft>
+                    <a:buClrTx/>
+                    <a:buSzTx/>
+                    <a:buFontTx/>
+                    <a:buNone/>
+                    <a:tabLst/>
+                  </a:pPr>
+                  <a:endParaRPr kumimoji="0" lang="fr-FR" sz="2000" b="1" i="0" u="none" strike="noStrike" cap="none" normalizeH="0" baseline="0" smtClean="0">
+                    <a:ln>
+                      <a:noFill/>
+                    </a:ln>
+                    <a:solidFill>
+                      <a:srgbClr val="0C2E86"/>
+                    </a:solidFill>
+                    <a:effectLst/>
+                    <a:latin typeface="Eurostile" panose="020B0504020202050204" pitchFamily="34" charset="0"/>
+                  </a:endParaRPr>
+                </a:p>
+              </p:txBody>
+            </p:sp>
+          </p:grpSp>
+          <p:grpSp>
+            <p:nvGrpSpPr>
+              <p:cNvPr id="28" name="Groupe 27"/>
+              <p:cNvGrpSpPr/>
+              <p:nvPr/>
+            </p:nvGrpSpPr>
+            <p:grpSpPr>
+              <a:xfrm>
+                <a:off x="1522718" y="4032073"/>
+                <a:ext cx="2645460" cy="2645166"/>
+                <a:chOff x="4896035" y="4149080"/>
+                <a:chExt cx="1656184" cy="1656000"/>
+              </a:xfrm>
+            </p:grpSpPr>
+            <p:sp>
+              <p:nvSpPr>
+                <p:cNvPr id="29" name="Ellipse 28"/>
+                <p:cNvSpPr/>
+                <p:nvPr/>
+              </p:nvSpPr>
+              <p:spPr bwMode="auto">
+                <a:xfrm>
+                  <a:off x="4896035" y="4149080"/>
+                  <a:ext cx="1656184" cy="1656000"/>
+                </a:xfrm>
+                <a:prstGeom prst="ellipse">
+                  <a:avLst/>
+                </a:prstGeom>
+                <a:solidFill>
+                  <a:schemeClr val="bg1">
+                    <a:lumMod val="95000"/>
+                  </a:schemeClr>
+                </a:solidFill>
+                <a:ln w="9525" cap="flat" cmpd="sng" algn="ctr">
+                  <a:solidFill>
+                    <a:schemeClr val="tx1"/>
+                  </a:solidFill>
+                  <a:prstDash val="solid"/>
+                  <a:round/>
+                  <a:headEnd type="none" w="med" len="med"/>
+                  <a:tailEnd type="none" w="med" len="med"/>
+                </a:ln>
+                <a:effectLst/>
+                <a:extLst/>
+              </p:spPr>
+              <p:txBody>
+                <a:bodyPr vert="eaVert" wrap="square" lIns="91440" tIns="45720" rIns="91440" bIns="45720" numCol="1" rtlCol="0" anchor="ctr" anchorCtr="1" compatLnSpc="1">
+                  <a:prstTxWarp prst="textNoShape">
+                    <a:avLst/>
+                  </a:prstTxWarp>
+                </a:bodyPr>
+                <a:lstStyle/>
+                <a:p>
+                  <a:pPr marL="0" marR="0" indent="0" algn="l" defTabSz="914400" rtl="0" eaLnBrk="1" fontAlgn="base" latinLnBrk="0" hangingPunct="1">
+                    <a:lnSpc>
+                      <a:spcPct val="100000"/>
+                    </a:lnSpc>
+                    <a:spcBef>
+                      <a:spcPct val="0"/>
+                    </a:spcBef>
+                    <a:spcAft>
+                      <a:spcPct val="0"/>
+                    </a:spcAft>
+                    <a:buClrTx/>
+                    <a:buSzTx/>
+                    <a:buFontTx/>
+                    <a:buNone/>
+                    <a:tabLst/>
+                  </a:pPr>
+                  <a:endParaRPr kumimoji="0" lang="fr-FR" sz="2000" b="1" i="0" u="none" strike="noStrike" cap="none" normalizeH="0" baseline="0" smtClean="0">
+                    <a:ln>
+                      <a:noFill/>
+                    </a:ln>
+                    <a:solidFill>
+                      <a:srgbClr val="0C2E86"/>
+                    </a:solidFill>
+                    <a:effectLst/>
+                    <a:latin typeface="Eurostile" panose="020B0504020202050204" pitchFamily="34" charset="0"/>
+                  </a:endParaRPr>
+                </a:p>
+              </p:txBody>
+            </p:sp>
+            <p:sp>
+              <p:nvSpPr>
+                <p:cNvPr id="30" name="Ellipse 29"/>
+                <p:cNvSpPr/>
+                <p:nvPr/>
+              </p:nvSpPr>
+              <p:spPr bwMode="auto">
+                <a:xfrm>
+                  <a:off x="5386281" y="4637089"/>
+                  <a:ext cx="675692" cy="675617"/>
+                </a:xfrm>
+                <a:prstGeom prst="ellipse">
+                  <a:avLst/>
+                </a:prstGeom>
+                <a:solidFill>
+                  <a:schemeClr val="bg1"/>
+                </a:solidFill>
+                <a:ln w="9525" cap="flat" cmpd="sng" algn="ctr">
+                  <a:solidFill>
+                    <a:schemeClr val="tx1"/>
+                  </a:solidFill>
+                  <a:prstDash val="solid"/>
+                  <a:round/>
+                  <a:headEnd type="none" w="med" len="med"/>
+                  <a:tailEnd type="none" w="med" len="med"/>
+                </a:ln>
+                <a:effectLst/>
+                <a:extLst/>
+              </p:spPr>
+              <p:txBody>
+                <a:bodyPr vert="eaVert" wrap="square" lIns="91440" tIns="45720" rIns="91440" bIns="45720" numCol="1" rtlCol="0" anchor="ctr" anchorCtr="1" compatLnSpc="1">
+                  <a:prstTxWarp prst="textNoShape">
+                    <a:avLst/>
+                  </a:prstTxWarp>
+                </a:bodyPr>
+                <a:lstStyle/>
+                <a:p>
+                  <a:pPr marL="0" marR="0" indent="0" algn="l" defTabSz="914400" rtl="0" eaLnBrk="1" fontAlgn="base" latinLnBrk="0" hangingPunct="1">
+                    <a:lnSpc>
+                      <a:spcPct val="100000"/>
+                    </a:lnSpc>
+                    <a:spcBef>
+                      <a:spcPct val="0"/>
+                    </a:spcBef>
+                    <a:spcAft>
+                      <a:spcPct val="0"/>
+                    </a:spcAft>
+                    <a:buClrTx/>
+                    <a:buSzTx/>
+                    <a:buFontTx/>
+                    <a:buNone/>
+                    <a:tabLst/>
+                  </a:pPr>
+                  <a:endParaRPr kumimoji="0" lang="fr-FR" sz="2000" b="1" i="0" u="none" strike="noStrike" cap="none" normalizeH="0" baseline="0" smtClean="0">
+                    <a:ln>
+                      <a:noFill/>
+                    </a:ln>
+                    <a:solidFill>
+                      <a:srgbClr val="0C2E86"/>
+                    </a:solidFill>
+                    <a:effectLst/>
+                    <a:latin typeface="Eurostile" panose="020B0504020202050204" pitchFamily="34" charset="0"/>
+                  </a:endParaRPr>
+                </a:p>
+              </p:txBody>
+            </p:sp>
+          </p:grpSp>
+          <p:grpSp>
+            <p:nvGrpSpPr>
+              <p:cNvPr id="31" name="Groupe 30"/>
+              <p:cNvGrpSpPr/>
+              <p:nvPr/>
+            </p:nvGrpSpPr>
+            <p:grpSpPr>
+              <a:xfrm>
+                <a:off x="4187637" y="4032073"/>
+                <a:ext cx="2645460" cy="2645166"/>
+                <a:chOff x="4896035" y="4149080"/>
+                <a:chExt cx="1656184" cy="1656000"/>
+              </a:xfrm>
+            </p:grpSpPr>
+            <p:sp>
+              <p:nvSpPr>
+                <p:cNvPr id="32" name="Ellipse 31"/>
+                <p:cNvSpPr/>
+                <p:nvPr/>
+              </p:nvSpPr>
+              <p:spPr bwMode="auto">
+                <a:xfrm>
+                  <a:off x="4896035" y="4149080"/>
+                  <a:ext cx="1656184" cy="1656000"/>
+                </a:xfrm>
+                <a:prstGeom prst="ellipse">
+                  <a:avLst/>
+                </a:prstGeom>
+                <a:solidFill>
+                  <a:schemeClr val="bg1">
+                    <a:lumMod val="95000"/>
+                  </a:schemeClr>
+                </a:solidFill>
+                <a:ln w="9525" cap="flat" cmpd="sng" algn="ctr">
+                  <a:solidFill>
+                    <a:schemeClr val="tx1"/>
+                  </a:solidFill>
+                  <a:prstDash val="solid"/>
+                  <a:round/>
+                  <a:headEnd type="none" w="med" len="med"/>
+                  <a:tailEnd type="none" w="med" len="med"/>
+                </a:ln>
+                <a:effectLst/>
+                <a:extLst/>
+              </p:spPr>
+              <p:txBody>
+                <a:bodyPr vert="eaVert" wrap="square" lIns="91440" tIns="45720" rIns="91440" bIns="45720" numCol="1" rtlCol="0" anchor="ctr" anchorCtr="1" compatLnSpc="1">
+                  <a:prstTxWarp prst="textNoShape">
+                    <a:avLst/>
+                  </a:prstTxWarp>
+                </a:bodyPr>
+                <a:lstStyle/>
+                <a:p>
+                  <a:pPr marL="0" marR="0" indent="0" algn="l" defTabSz="914400" rtl="0" eaLnBrk="1" fontAlgn="base" latinLnBrk="0" hangingPunct="1">
+                    <a:lnSpc>
+                      <a:spcPct val="100000"/>
+                    </a:lnSpc>
+                    <a:spcBef>
+                      <a:spcPct val="0"/>
+                    </a:spcBef>
+                    <a:spcAft>
+                      <a:spcPct val="0"/>
+                    </a:spcAft>
+                    <a:buClrTx/>
+                    <a:buSzTx/>
+                    <a:buFontTx/>
+                    <a:buNone/>
+                    <a:tabLst/>
+                  </a:pPr>
+                  <a:endParaRPr kumimoji="0" lang="fr-FR" sz="2000" b="1" i="0" u="none" strike="noStrike" cap="none" normalizeH="0" baseline="0" smtClean="0">
+                    <a:ln>
+                      <a:noFill/>
+                    </a:ln>
+                    <a:solidFill>
+                      <a:srgbClr val="0C2E86"/>
+                    </a:solidFill>
+                    <a:effectLst/>
+                    <a:latin typeface="Eurostile" panose="020B0504020202050204" pitchFamily="34" charset="0"/>
+                  </a:endParaRPr>
+                </a:p>
+              </p:txBody>
+            </p:sp>
+            <p:sp>
+              <p:nvSpPr>
+                <p:cNvPr id="33" name="Ellipse 32"/>
+                <p:cNvSpPr/>
+                <p:nvPr/>
+              </p:nvSpPr>
+              <p:spPr bwMode="auto">
+                <a:xfrm>
+                  <a:off x="5386281" y="4637089"/>
+                  <a:ext cx="675692" cy="675617"/>
+                </a:xfrm>
+                <a:prstGeom prst="ellipse">
+                  <a:avLst/>
+                </a:prstGeom>
+                <a:solidFill>
+                  <a:schemeClr val="bg1"/>
+                </a:solidFill>
+                <a:ln w="9525" cap="flat" cmpd="sng" algn="ctr">
+                  <a:solidFill>
+                    <a:schemeClr val="tx1"/>
+                  </a:solidFill>
+                  <a:prstDash val="solid"/>
+                  <a:round/>
+                  <a:headEnd type="none" w="med" len="med"/>
+                  <a:tailEnd type="none" w="med" len="med"/>
+                </a:ln>
+                <a:effectLst/>
+                <a:extLst/>
+              </p:spPr>
+              <p:txBody>
+                <a:bodyPr vert="eaVert" wrap="square" lIns="91440" tIns="45720" rIns="91440" bIns="45720" numCol="1" rtlCol="0" anchor="ctr" anchorCtr="1" compatLnSpc="1">
+                  <a:prstTxWarp prst="textNoShape">
+                    <a:avLst/>
+                  </a:prstTxWarp>
+                </a:bodyPr>
+                <a:lstStyle/>
+                <a:p>
+                  <a:pPr marL="0" marR="0" indent="0" algn="l" defTabSz="914400" rtl="0" eaLnBrk="1" fontAlgn="base" latinLnBrk="0" hangingPunct="1">
+                    <a:lnSpc>
+                      <a:spcPct val="100000"/>
+                    </a:lnSpc>
+                    <a:spcBef>
+                      <a:spcPct val="0"/>
+                    </a:spcBef>
+                    <a:spcAft>
+                      <a:spcPct val="0"/>
+                    </a:spcAft>
+                    <a:buClrTx/>
+                    <a:buSzTx/>
+                    <a:buFontTx/>
+                    <a:buNone/>
+                    <a:tabLst/>
+                  </a:pPr>
+                  <a:endParaRPr kumimoji="0" lang="fr-FR" sz="2000" b="1" i="0" u="none" strike="noStrike" cap="none" normalizeH="0" baseline="0" smtClean="0">
+                    <a:ln>
+                      <a:noFill/>
+                    </a:ln>
+                    <a:solidFill>
+                      <a:srgbClr val="0C2E86"/>
+                    </a:solidFill>
+                    <a:effectLst/>
+                    <a:latin typeface="Eurostile" panose="020B0504020202050204" pitchFamily="34" charset="0"/>
+                  </a:endParaRPr>
+                </a:p>
+              </p:txBody>
+            </p:sp>
+          </p:grpSp>
+        </p:grpSp>
+        <p:sp>
+          <p:nvSpPr>
+            <p:cNvPr id="5" name="Forme libre 4"/>
+            <p:cNvSpPr/>
+            <p:nvPr/>
+          </p:nvSpPr>
+          <p:spPr>
+            <a:xfrm rot="563768">
+              <a:off x="1643736" y="3691119"/>
+              <a:ext cx="1268559" cy="849938"/>
+            </a:xfrm>
+            <a:custGeom>
+              <a:avLst/>
+              <a:gdLst>
+                <a:gd name="connsiteX0" fmla="*/ 0 w 1076325"/>
+                <a:gd name="connsiteY0" fmla="*/ 0 h 519681"/>
+                <a:gd name="connsiteX1" fmla="*/ 190500 w 1076325"/>
+                <a:gd name="connsiteY1" fmla="*/ 247650 h 519681"/>
+                <a:gd name="connsiteX2" fmla="*/ 523875 w 1076325"/>
+                <a:gd name="connsiteY2" fmla="*/ 247650 h 519681"/>
+                <a:gd name="connsiteX3" fmla="*/ 762000 w 1076325"/>
+                <a:gd name="connsiteY3" fmla="*/ 514350 h 519681"/>
+                <a:gd name="connsiteX4" fmla="*/ 1076325 w 1076325"/>
+                <a:gd name="connsiteY4" fmla="*/ 400050 h 519681"/>
+              </a:gdLst>
+              <a:ahLst/>
+              <a:cxnLst>
+                <a:cxn ang="0">
+                  <a:pos x="connsiteX0" y="connsiteY0"/>
+                </a:cxn>
+                <a:cxn ang="0">
+                  <a:pos x="connsiteX1" y="connsiteY1"/>
+                </a:cxn>
+                <a:cxn ang="0">
+                  <a:pos x="connsiteX2" y="connsiteY2"/>
+                </a:cxn>
+                <a:cxn ang="0">
+                  <a:pos x="connsiteX3" y="connsiteY3"/>
+                </a:cxn>
+                <a:cxn ang="0">
+                  <a:pos x="connsiteX4" y="connsiteY4"/>
+                </a:cxn>
+              </a:cxnLst>
+              <a:rect l="l" t="t" r="r" b="b"/>
+              <a:pathLst>
+                <a:path w="1076325" h="519681">
+                  <a:moveTo>
+                    <a:pt x="0" y="0"/>
+                  </a:moveTo>
+                  <a:cubicBezTo>
+                    <a:pt x="51594" y="103187"/>
+                    <a:pt x="103188" y="206375"/>
+                    <a:pt x="190500" y="247650"/>
+                  </a:cubicBezTo>
+                  <a:cubicBezTo>
+                    <a:pt x="277813" y="288925"/>
+                    <a:pt x="428625" y="203200"/>
+                    <a:pt x="523875" y="247650"/>
+                  </a:cubicBezTo>
+                  <a:cubicBezTo>
+                    <a:pt x="619125" y="292100"/>
+                    <a:pt x="669925" y="488950"/>
+                    <a:pt x="762000" y="514350"/>
+                  </a:cubicBezTo>
+                  <a:cubicBezTo>
+                    <a:pt x="854075" y="539750"/>
+                    <a:pt x="965200" y="469900"/>
+                    <a:pt x="1076325" y="400050"/>
+                  </a:cubicBezTo>
+                </a:path>
+              </a:pathLst>
+            </a:custGeom>
+            <a:noFill/>
+            <a:ln w="28575">
+              <a:solidFill>
+                <a:schemeClr val="tx2">
+                  <a:lumMod val="75000"/>
+                </a:schemeClr>
+              </a:solidFill>
+            </a:ln>
+          </p:spPr>
+          <p:style>
+            <a:lnRef idx="2">
+              <a:schemeClr val="accent1">
+                <a:shade val="50000"/>
+              </a:schemeClr>
+            </a:lnRef>
+            <a:fillRef idx="1">
+              <a:schemeClr val="accent1"/>
+            </a:fillRef>
+            <a:effectRef idx="0">
+              <a:schemeClr val="accent1"/>
+            </a:effectRef>
+            <a:fontRef idx="minor">
+              <a:schemeClr val="lt1"/>
+            </a:fontRef>
+          </p:style>
+          <p:txBody>
+            <a:bodyPr rtlCol="0" anchor="ctr"/>
+            <a:lstStyle/>
+            <a:p>
+              <a:pPr algn="ctr"/>
+              <a:endParaRPr lang="en-US"/>
+            </a:p>
+          </p:txBody>
+        </p:sp>
+      </p:grpSp>
+      <p:grpSp>
+        <p:nvGrpSpPr>
+          <p:cNvPr id="121" name="Groupe 120"/>
+          <p:cNvGrpSpPr/>
+          <p:nvPr/>
+        </p:nvGrpSpPr>
+        <p:grpSpPr>
+          <a:xfrm>
+            <a:off x="6190468" y="2513445"/>
+            <a:ext cx="2900890" cy="2702351"/>
+            <a:chOff x="41022" y="3426176"/>
+            <a:chExt cx="2900890" cy="2702351"/>
+          </a:xfrm>
+        </p:grpSpPr>
+        <p:grpSp>
+          <p:nvGrpSpPr>
+            <p:cNvPr id="122" name="Groupe 121"/>
+            <p:cNvGrpSpPr/>
+            <p:nvPr/>
+          </p:nvGrpSpPr>
+          <p:grpSpPr>
+            <a:xfrm flipV="1">
+              <a:off x="41022" y="3426176"/>
+              <a:ext cx="2900890" cy="2702351"/>
+              <a:chOff x="1522718" y="1730306"/>
+              <a:chExt cx="5310379" cy="4946933"/>
+            </a:xfrm>
+          </p:grpSpPr>
+          <p:grpSp>
+            <p:nvGrpSpPr>
+              <p:cNvPr id="124" name="Groupe 123"/>
+              <p:cNvGrpSpPr/>
+              <p:nvPr/>
+            </p:nvGrpSpPr>
+            <p:grpSpPr>
+              <a:xfrm>
+                <a:off x="2854732" y="1730306"/>
+                <a:ext cx="2645460" cy="2645166"/>
+                <a:chOff x="4896035" y="4149080"/>
+                <a:chExt cx="1656184" cy="1656000"/>
+              </a:xfrm>
+            </p:grpSpPr>
+            <p:sp>
+              <p:nvSpPr>
+                <p:cNvPr id="131" name="Ellipse 130"/>
+                <p:cNvSpPr/>
+                <p:nvPr/>
+              </p:nvSpPr>
+              <p:spPr bwMode="auto">
+                <a:xfrm>
+                  <a:off x="4896035" y="4149080"/>
+                  <a:ext cx="1656184" cy="1656000"/>
+                </a:xfrm>
+                <a:prstGeom prst="ellipse">
+                  <a:avLst/>
+                </a:prstGeom>
+                <a:solidFill>
+                  <a:schemeClr val="bg1">
+                    <a:lumMod val="95000"/>
+                  </a:schemeClr>
+                </a:solidFill>
+                <a:ln w="9525" cap="flat" cmpd="sng" algn="ctr">
+                  <a:solidFill>
+                    <a:schemeClr val="tx1"/>
+                  </a:solidFill>
+                  <a:prstDash val="solid"/>
+                  <a:round/>
+                  <a:headEnd type="none" w="med" len="med"/>
+                  <a:tailEnd type="none" w="med" len="med"/>
+                </a:ln>
+                <a:effectLst/>
+                <a:extLst/>
+              </p:spPr>
+              <p:txBody>
+                <a:bodyPr vert="eaVert" wrap="square" lIns="91440" tIns="45720" rIns="91440" bIns="45720" numCol="1" rtlCol="0" anchor="ctr" anchorCtr="1" compatLnSpc="1">
+                  <a:prstTxWarp prst="textNoShape">
+                    <a:avLst/>
+                  </a:prstTxWarp>
+                </a:bodyPr>
+                <a:lstStyle/>
+                <a:p>
+                  <a:pPr marL="0" marR="0" indent="0" algn="l" defTabSz="914400" rtl="0" eaLnBrk="1" fontAlgn="base" latinLnBrk="0" hangingPunct="1">
+                    <a:lnSpc>
+                      <a:spcPct val="100000"/>
+                    </a:lnSpc>
+                    <a:spcBef>
+                      <a:spcPct val="0"/>
+                    </a:spcBef>
+                    <a:spcAft>
+                      <a:spcPct val="0"/>
+                    </a:spcAft>
+                    <a:buClrTx/>
+                    <a:buSzTx/>
+                    <a:buFontTx/>
+                    <a:buNone/>
+                    <a:tabLst/>
+                  </a:pPr>
+                  <a:endParaRPr kumimoji="0" lang="fr-FR" sz="2000" b="1" i="0" u="none" strike="noStrike" cap="none" normalizeH="0" baseline="0" smtClean="0">
+                    <a:ln>
+                      <a:noFill/>
+                    </a:ln>
+                    <a:solidFill>
+                      <a:srgbClr val="0C2E86"/>
+                    </a:solidFill>
+                    <a:effectLst/>
+                    <a:latin typeface="Eurostile" panose="020B0504020202050204" pitchFamily="34" charset="0"/>
+                  </a:endParaRPr>
+                </a:p>
+              </p:txBody>
+            </p:sp>
+            <p:sp>
+              <p:nvSpPr>
+                <p:cNvPr id="132" name="Ellipse 131"/>
+                <p:cNvSpPr/>
+                <p:nvPr/>
+              </p:nvSpPr>
+              <p:spPr bwMode="auto">
+                <a:xfrm>
+                  <a:off x="5386281" y="4637089"/>
+                  <a:ext cx="675692" cy="675617"/>
+                </a:xfrm>
+                <a:prstGeom prst="ellipse">
+                  <a:avLst/>
+                </a:prstGeom>
+                <a:solidFill>
+                  <a:schemeClr val="bg1"/>
+                </a:solidFill>
+                <a:ln w="9525" cap="flat" cmpd="sng" algn="ctr">
+                  <a:solidFill>
+                    <a:schemeClr val="tx1"/>
+                  </a:solidFill>
+                  <a:prstDash val="solid"/>
+                  <a:round/>
+                  <a:headEnd type="none" w="med" len="med"/>
+                  <a:tailEnd type="none" w="med" len="med"/>
+                </a:ln>
+                <a:effectLst/>
+                <a:extLst/>
+              </p:spPr>
+              <p:txBody>
+                <a:bodyPr vert="eaVert" wrap="square" lIns="91440" tIns="45720" rIns="91440" bIns="45720" numCol="1" rtlCol="0" anchor="ctr" anchorCtr="1" compatLnSpc="1">
+                  <a:prstTxWarp prst="textNoShape">
+                    <a:avLst/>
+                  </a:prstTxWarp>
+                </a:bodyPr>
+                <a:lstStyle/>
+                <a:p>
+                  <a:pPr marL="0" marR="0" indent="0" algn="l" defTabSz="914400" rtl="0" eaLnBrk="1" fontAlgn="base" latinLnBrk="0" hangingPunct="1">
+                    <a:lnSpc>
+                      <a:spcPct val="100000"/>
+                    </a:lnSpc>
+                    <a:spcBef>
+                      <a:spcPct val="0"/>
+                    </a:spcBef>
+                    <a:spcAft>
+                      <a:spcPct val="0"/>
+                    </a:spcAft>
+                    <a:buClrTx/>
+                    <a:buSzTx/>
+                    <a:buFontTx/>
+                    <a:buNone/>
+                    <a:tabLst/>
+                  </a:pPr>
+                  <a:endParaRPr kumimoji="0" lang="fr-FR" sz="2000" b="1" i="0" u="none" strike="noStrike" cap="none" normalizeH="0" baseline="0" smtClean="0">
+                    <a:ln>
+                      <a:noFill/>
+                    </a:ln>
+                    <a:solidFill>
+                      <a:srgbClr val="0C2E86"/>
+                    </a:solidFill>
+                    <a:effectLst/>
+                    <a:latin typeface="Eurostile" panose="020B0504020202050204" pitchFamily="34" charset="0"/>
+                  </a:endParaRPr>
+                </a:p>
+              </p:txBody>
+            </p:sp>
+          </p:grpSp>
+          <p:grpSp>
+            <p:nvGrpSpPr>
+              <p:cNvPr id="125" name="Groupe 124"/>
+              <p:cNvGrpSpPr/>
+              <p:nvPr/>
+            </p:nvGrpSpPr>
+            <p:grpSpPr>
+              <a:xfrm>
+                <a:off x="1522718" y="4032073"/>
+                <a:ext cx="2645460" cy="2645166"/>
+                <a:chOff x="4896035" y="4149080"/>
+                <a:chExt cx="1656184" cy="1656000"/>
+              </a:xfrm>
+            </p:grpSpPr>
+            <p:sp>
+              <p:nvSpPr>
+                <p:cNvPr id="129" name="Ellipse 128"/>
+                <p:cNvSpPr/>
+                <p:nvPr/>
+              </p:nvSpPr>
+              <p:spPr bwMode="auto">
+                <a:xfrm>
+                  <a:off x="4896035" y="4149080"/>
+                  <a:ext cx="1656184" cy="1656000"/>
+                </a:xfrm>
+                <a:prstGeom prst="ellipse">
+                  <a:avLst/>
+                </a:prstGeom>
+                <a:solidFill>
+                  <a:schemeClr val="bg1">
+                    <a:lumMod val="95000"/>
+                  </a:schemeClr>
+                </a:solidFill>
+                <a:ln w="9525" cap="flat" cmpd="sng" algn="ctr">
+                  <a:solidFill>
+                    <a:schemeClr val="tx1"/>
+                  </a:solidFill>
+                  <a:prstDash val="solid"/>
+                  <a:round/>
+                  <a:headEnd type="none" w="med" len="med"/>
+                  <a:tailEnd type="none" w="med" len="med"/>
+                </a:ln>
+                <a:effectLst/>
+                <a:extLst/>
+              </p:spPr>
+              <p:txBody>
+                <a:bodyPr vert="eaVert" wrap="square" lIns="91440" tIns="45720" rIns="91440" bIns="45720" numCol="1" rtlCol="0" anchor="ctr" anchorCtr="1" compatLnSpc="1">
+                  <a:prstTxWarp prst="textNoShape">
+                    <a:avLst/>
+                  </a:prstTxWarp>
+                </a:bodyPr>
+                <a:lstStyle/>
+                <a:p>
+                  <a:pPr marL="0" marR="0" indent="0" algn="l" defTabSz="914400" rtl="0" eaLnBrk="1" fontAlgn="base" latinLnBrk="0" hangingPunct="1">
+                    <a:lnSpc>
+                      <a:spcPct val="100000"/>
+                    </a:lnSpc>
+                    <a:spcBef>
+                      <a:spcPct val="0"/>
+                    </a:spcBef>
+                    <a:spcAft>
+                      <a:spcPct val="0"/>
+                    </a:spcAft>
+                    <a:buClrTx/>
+                    <a:buSzTx/>
+                    <a:buFontTx/>
+                    <a:buNone/>
+                    <a:tabLst/>
+                  </a:pPr>
+                  <a:endParaRPr kumimoji="0" lang="fr-FR" sz="2000" b="1" i="0" u="none" strike="noStrike" cap="none" normalizeH="0" baseline="0" smtClean="0">
+                    <a:ln>
+                      <a:noFill/>
+                    </a:ln>
+                    <a:solidFill>
+                      <a:srgbClr val="0C2E86"/>
+                    </a:solidFill>
+                    <a:effectLst/>
+                    <a:latin typeface="Eurostile" panose="020B0504020202050204" pitchFamily="34" charset="0"/>
+                  </a:endParaRPr>
+                </a:p>
+              </p:txBody>
+            </p:sp>
+            <p:sp>
+              <p:nvSpPr>
+                <p:cNvPr id="130" name="Ellipse 129"/>
+                <p:cNvSpPr/>
+                <p:nvPr/>
+              </p:nvSpPr>
+              <p:spPr bwMode="auto">
+                <a:xfrm>
+                  <a:off x="5386281" y="4637089"/>
+                  <a:ext cx="675692" cy="675617"/>
+                </a:xfrm>
+                <a:prstGeom prst="ellipse">
+                  <a:avLst/>
+                </a:prstGeom>
+                <a:solidFill>
+                  <a:schemeClr val="bg1"/>
+                </a:solidFill>
+                <a:ln w="9525" cap="flat" cmpd="sng" algn="ctr">
+                  <a:solidFill>
+                    <a:schemeClr val="tx1"/>
+                  </a:solidFill>
+                  <a:prstDash val="solid"/>
+                  <a:round/>
+                  <a:headEnd type="none" w="med" len="med"/>
+                  <a:tailEnd type="none" w="med" len="med"/>
+                </a:ln>
+                <a:effectLst/>
+                <a:extLst/>
+              </p:spPr>
+              <p:txBody>
+                <a:bodyPr vert="eaVert" wrap="square" lIns="91440" tIns="45720" rIns="91440" bIns="45720" numCol="1" rtlCol="0" anchor="ctr" anchorCtr="1" compatLnSpc="1">
+                  <a:prstTxWarp prst="textNoShape">
+                    <a:avLst/>
+                  </a:prstTxWarp>
+                </a:bodyPr>
+                <a:lstStyle/>
+                <a:p>
+                  <a:pPr marL="0" marR="0" indent="0" algn="l" defTabSz="914400" rtl="0" eaLnBrk="1" fontAlgn="base" latinLnBrk="0" hangingPunct="1">
+                    <a:lnSpc>
+                      <a:spcPct val="100000"/>
+                    </a:lnSpc>
+                    <a:spcBef>
+                      <a:spcPct val="0"/>
+                    </a:spcBef>
+                    <a:spcAft>
+                      <a:spcPct val="0"/>
+                    </a:spcAft>
+                    <a:buClrTx/>
+                    <a:buSzTx/>
+                    <a:buFontTx/>
+                    <a:buNone/>
+                    <a:tabLst/>
+                  </a:pPr>
+                  <a:endParaRPr kumimoji="0" lang="fr-FR" sz="2000" b="1" i="0" u="none" strike="noStrike" cap="none" normalizeH="0" baseline="0" smtClean="0">
+                    <a:ln>
+                      <a:noFill/>
+                    </a:ln>
+                    <a:solidFill>
+                      <a:srgbClr val="0C2E86"/>
+                    </a:solidFill>
+                    <a:effectLst/>
+                    <a:latin typeface="Eurostile" panose="020B0504020202050204" pitchFamily="34" charset="0"/>
+                  </a:endParaRPr>
+                </a:p>
+              </p:txBody>
+            </p:sp>
+          </p:grpSp>
+          <p:grpSp>
+            <p:nvGrpSpPr>
+              <p:cNvPr id="126" name="Groupe 125"/>
+              <p:cNvGrpSpPr/>
+              <p:nvPr/>
+            </p:nvGrpSpPr>
+            <p:grpSpPr>
+              <a:xfrm>
+                <a:off x="4187637" y="4032073"/>
+                <a:ext cx="2645460" cy="2645166"/>
+                <a:chOff x="4896035" y="4149080"/>
+                <a:chExt cx="1656184" cy="1656000"/>
+              </a:xfrm>
+            </p:grpSpPr>
+            <p:sp>
+              <p:nvSpPr>
+                <p:cNvPr id="127" name="Ellipse 126"/>
+                <p:cNvSpPr/>
+                <p:nvPr/>
+              </p:nvSpPr>
+              <p:spPr bwMode="auto">
+                <a:xfrm>
+                  <a:off x="4896035" y="4149080"/>
+                  <a:ext cx="1656184" cy="1656000"/>
+                </a:xfrm>
+                <a:prstGeom prst="ellipse">
+                  <a:avLst/>
+                </a:prstGeom>
+                <a:solidFill>
+                  <a:schemeClr val="bg1">
+                    <a:lumMod val="95000"/>
+                  </a:schemeClr>
+                </a:solidFill>
+                <a:ln w="9525" cap="flat" cmpd="sng" algn="ctr">
+                  <a:solidFill>
+                    <a:schemeClr val="tx1"/>
+                  </a:solidFill>
+                  <a:prstDash val="solid"/>
+                  <a:round/>
+                  <a:headEnd type="none" w="med" len="med"/>
+                  <a:tailEnd type="none" w="med" len="med"/>
+                </a:ln>
+                <a:effectLst/>
+                <a:extLst/>
+              </p:spPr>
+              <p:txBody>
+                <a:bodyPr vert="eaVert" wrap="square" lIns="91440" tIns="45720" rIns="91440" bIns="45720" numCol="1" rtlCol="0" anchor="ctr" anchorCtr="1" compatLnSpc="1">
+                  <a:prstTxWarp prst="textNoShape">
+                    <a:avLst/>
+                  </a:prstTxWarp>
+                </a:bodyPr>
+                <a:lstStyle/>
+                <a:p>
+                  <a:pPr marL="0" marR="0" indent="0" algn="l" defTabSz="914400" rtl="0" eaLnBrk="1" fontAlgn="base" latinLnBrk="0" hangingPunct="1">
+                    <a:lnSpc>
+                      <a:spcPct val="100000"/>
+                    </a:lnSpc>
+                    <a:spcBef>
+                      <a:spcPct val="0"/>
+                    </a:spcBef>
+                    <a:spcAft>
+                      <a:spcPct val="0"/>
+                    </a:spcAft>
+                    <a:buClrTx/>
+                    <a:buSzTx/>
+                    <a:buFontTx/>
+                    <a:buNone/>
+                    <a:tabLst/>
+                  </a:pPr>
+                  <a:endParaRPr kumimoji="0" lang="fr-FR" sz="2000" b="1" i="0" u="none" strike="noStrike" cap="none" normalizeH="0" baseline="0" smtClean="0">
+                    <a:ln>
+                      <a:noFill/>
+                    </a:ln>
+                    <a:solidFill>
+                      <a:srgbClr val="0C2E86"/>
+                    </a:solidFill>
+                    <a:effectLst/>
+                    <a:latin typeface="Eurostile" panose="020B0504020202050204" pitchFamily="34" charset="0"/>
+                  </a:endParaRPr>
+                </a:p>
+              </p:txBody>
+            </p:sp>
+            <p:sp>
+              <p:nvSpPr>
+                <p:cNvPr id="128" name="Ellipse 127"/>
+                <p:cNvSpPr/>
+                <p:nvPr/>
+              </p:nvSpPr>
+              <p:spPr bwMode="auto">
+                <a:xfrm>
+                  <a:off x="5386281" y="4637089"/>
+                  <a:ext cx="675692" cy="675617"/>
+                </a:xfrm>
+                <a:prstGeom prst="ellipse">
+                  <a:avLst/>
+                </a:prstGeom>
+                <a:solidFill>
+                  <a:schemeClr val="bg1"/>
+                </a:solidFill>
+                <a:ln w="9525" cap="flat" cmpd="sng" algn="ctr">
+                  <a:solidFill>
+                    <a:schemeClr val="tx1"/>
+                  </a:solidFill>
+                  <a:prstDash val="solid"/>
+                  <a:round/>
+                  <a:headEnd type="none" w="med" len="med"/>
+                  <a:tailEnd type="none" w="med" len="med"/>
+                </a:ln>
+                <a:effectLst/>
+                <a:extLst/>
+              </p:spPr>
+              <p:txBody>
+                <a:bodyPr vert="eaVert" wrap="square" lIns="91440" tIns="45720" rIns="91440" bIns="45720" numCol="1" rtlCol="0" anchor="ctr" anchorCtr="1" compatLnSpc="1">
+                  <a:prstTxWarp prst="textNoShape">
+                    <a:avLst/>
+                  </a:prstTxWarp>
+                </a:bodyPr>
+                <a:lstStyle/>
+                <a:p>
+                  <a:pPr marL="0" marR="0" indent="0" algn="l" defTabSz="914400" rtl="0" eaLnBrk="1" fontAlgn="base" latinLnBrk="0" hangingPunct="1">
+                    <a:lnSpc>
+                      <a:spcPct val="100000"/>
+                    </a:lnSpc>
+                    <a:spcBef>
+                      <a:spcPct val="0"/>
+                    </a:spcBef>
+                    <a:spcAft>
+                      <a:spcPct val="0"/>
+                    </a:spcAft>
+                    <a:buClrTx/>
+                    <a:buSzTx/>
+                    <a:buFontTx/>
+                    <a:buNone/>
+                    <a:tabLst/>
+                  </a:pPr>
+                  <a:endParaRPr kumimoji="0" lang="fr-FR" sz="2000" b="1" i="0" u="none" strike="noStrike" cap="none" normalizeH="0" baseline="0" smtClean="0">
+                    <a:ln>
+                      <a:noFill/>
+                    </a:ln>
+                    <a:solidFill>
+                      <a:srgbClr val="0C2E86"/>
+                    </a:solidFill>
+                    <a:effectLst/>
+                    <a:latin typeface="Eurostile" panose="020B0504020202050204" pitchFamily="34" charset="0"/>
+                  </a:endParaRPr>
+                </a:p>
+              </p:txBody>
+            </p:sp>
+          </p:grpSp>
+        </p:grpSp>
+        <p:sp>
+          <p:nvSpPr>
+            <p:cNvPr id="123" name="Forme libre 122"/>
+            <p:cNvSpPr/>
+            <p:nvPr/>
+          </p:nvSpPr>
+          <p:spPr>
+            <a:xfrm rot="563768">
+              <a:off x="1643736" y="3691119"/>
+              <a:ext cx="1268559" cy="849938"/>
+            </a:xfrm>
+            <a:custGeom>
+              <a:avLst/>
+              <a:gdLst>
+                <a:gd name="connsiteX0" fmla="*/ 0 w 1076325"/>
+                <a:gd name="connsiteY0" fmla="*/ 0 h 519681"/>
+                <a:gd name="connsiteX1" fmla="*/ 190500 w 1076325"/>
+                <a:gd name="connsiteY1" fmla="*/ 247650 h 519681"/>
+                <a:gd name="connsiteX2" fmla="*/ 523875 w 1076325"/>
+                <a:gd name="connsiteY2" fmla="*/ 247650 h 519681"/>
+                <a:gd name="connsiteX3" fmla="*/ 762000 w 1076325"/>
+                <a:gd name="connsiteY3" fmla="*/ 514350 h 519681"/>
+                <a:gd name="connsiteX4" fmla="*/ 1076325 w 1076325"/>
+                <a:gd name="connsiteY4" fmla="*/ 400050 h 519681"/>
+              </a:gdLst>
+              <a:ahLst/>
+              <a:cxnLst>
+                <a:cxn ang="0">
+                  <a:pos x="connsiteX0" y="connsiteY0"/>
+                </a:cxn>
+                <a:cxn ang="0">
+                  <a:pos x="connsiteX1" y="connsiteY1"/>
+                </a:cxn>
+                <a:cxn ang="0">
+                  <a:pos x="connsiteX2" y="connsiteY2"/>
+                </a:cxn>
+                <a:cxn ang="0">
+                  <a:pos x="connsiteX3" y="connsiteY3"/>
+                </a:cxn>
+                <a:cxn ang="0">
+                  <a:pos x="connsiteX4" y="connsiteY4"/>
+                </a:cxn>
+              </a:cxnLst>
+              <a:rect l="l" t="t" r="r" b="b"/>
+              <a:pathLst>
+                <a:path w="1076325" h="519681">
+                  <a:moveTo>
+                    <a:pt x="0" y="0"/>
+                  </a:moveTo>
+                  <a:cubicBezTo>
+                    <a:pt x="51594" y="103187"/>
+                    <a:pt x="103188" y="206375"/>
+                    <a:pt x="190500" y="247650"/>
+                  </a:cubicBezTo>
+                  <a:cubicBezTo>
+                    <a:pt x="277813" y="288925"/>
+                    <a:pt x="428625" y="203200"/>
+                    <a:pt x="523875" y="247650"/>
+                  </a:cubicBezTo>
+                  <a:cubicBezTo>
+                    <a:pt x="619125" y="292100"/>
+                    <a:pt x="669925" y="488950"/>
+                    <a:pt x="762000" y="514350"/>
+                  </a:cubicBezTo>
+                  <a:cubicBezTo>
+                    <a:pt x="854075" y="539750"/>
+                    <a:pt x="965200" y="469900"/>
+                    <a:pt x="1076325" y="400050"/>
+                  </a:cubicBezTo>
+                </a:path>
+              </a:pathLst>
+            </a:custGeom>
+            <a:noFill/>
+            <a:ln w="28575">
+              <a:solidFill>
+                <a:schemeClr val="tx2">
+                  <a:lumMod val="75000"/>
+                </a:schemeClr>
+              </a:solidFill>
+            </a:ln>
+          </p:spPr>
+          <p:style>
+            <a:lnRef idx="2">
+              <a:schemeClr val="accent1">
+                <a:shade val="50000"/>
+              </a:schemeClr>
+            </a:lnRef>
+            <a:fillRef idx="1">
+              <a:schemeClr val="accent1"/>
+            </a:fillRef>
+            <a:effectRef idx="0">
+              <a:schemeClr val="accent1"/>
+            </a:effectRef>
+            <a:fontRef idx="minor">
+              <a:schemeClr val="lt1"/>
+            </a:fontRef>
+          </p:style>
+          <p:txBody>
+            <a:bodyPr rtlCol="0" anchor="ctr"/>
+            <a:lstStyle/>
+            <a:p>
+              <a:pPr algn="ctr"/>
+              <a:endParaRPr lang="en-US"/>
+            </a:p>
+          </p:txBody>
+        </p:sp>
+      </p:grpSp>
+      <p:grpSp>
+        <p:nvGrpSpPr>
+          <p:cNvPr id="96" name="Groupe 95"/>
+          <p:cNvGrpSpPr/>
+          <p:nvPr/>
+        </p:nvGrpSpPr>
+        <p:grpSpPr>
+          <a:xfrm>
+            <a:off x="3118926" y="2513445"/>
+            <a:ext cx="2900890" cy="2702351"/>
+            <a:chOff x="41022" y="3426176"/>
+            <a:chExt cx="2900890" cy="2702351"/>
+          </a:xfrm>
+        </p:grpSpPr>
+        <p:grpSp>
+          <p:nvGrpSpPr>
+            <p:cNvPr id="97" name="Groupe 96"/>
+            <p:cNvGrpSpPr/>
+            <p:nvPr/>
+          </p:nvGrpSpPr>
+          <p:grpSpPr>
+            <a:xfrm flipV="1">
+              <a:off x="41022" y="3426176"/>
+              <a:ext cx="2900890" cy="2702351"/>
+              <a:chOff x="1522718" y="1730306"/>
+              <a:chExt cx="5310379" cy="4946933"/>
+            </a:xfrm>
+          </p:grpSpPr>
+          <p:grpSp>
+            <p:nvGrpSpPr>
+              <p:cNvPr id="99" name="Groupe 98"/>
+              <p:cNvGrpSpPr/>
+              <p:nvPr/>
+            </p:nvGrpSpPr>
+            <p:grpSpPr>
+              <a:xfrm>
+                <a:off x="2854732" y="1730306"/>
+                <a:ext cx="2645460" cy="2645166"/>
+                <a:chOff x="4896035" y="4149080"/>
+                <a:chExt cx="1656184" cy="1656000"/>
+              </a:xfrm>
+            </p:grpSpPr>
+            <p:sp>
+              <p:nvSpPr>
+                <p:cNvPr id="119" name="Ellipse 118"/>
+                <p:cNvSpPr/>
+                <p:nvPr/>
+              </p:nvSpPr>
+              <p:spPr bwMode="auto">
+                <a:xfrm>
+                  <a:off x="4896035" y="4149080"/>
+                  <a:ext cx="1656184" cy="1656000"/>
+                </a:xfrm>
+                <a:prstGeom prst="ellipse">
+                  <a:avLst/>
+                </a:prstGeom>
+                <a:solidFill>
+                  <a:schemeClr val="bg1">
+                    <a:lumMod val="95000"/>
+                  </a:schemeClr>
+                </a:solidFill>
+                <a:ln w="9525" cap="flat" cmpd="sng" algn="ctr">
+                  <a:solidFill>
+                    <a:schemeClr val="tx1"/>
+                  </a:solidFill>
+                  <a:prstDash val="solid"/>
+                  <a:round/>
+                  <a:headEnd type="none" w="med" len="med"/>
+                  <a:tailEnd type="none" w="med" len="med"/>
+                </a:ln>
+                <a:effectLst/>
+                <a:extLst/>
+              </p:spPr>
+              <p:txBody>
+                <a:bodyPr vert="eaVert" wrap="square" lIns="91440" tIns="45720" rIns="91440" bIns="45720" numCol="1" rtlCol="0" anchor="ctr" anchorCtr="1" compatLnSpc="1">
+                  <a:prstTxWarp prst="textNoShape">
+                    <a:avLst/>
+                  </a:prstTxWarp>
+                </a:bodyPr>
+                <a:lstStyle/>
+                <a:p>
+                  <a:pPr marL="0" marR="0" indent="0" algn="l" defTabSz="914400" rtl="0" eaLnBrk="1" fontAlgn="base" latinLnBrk="0" hangingPunct="1">
+                    <a:lnSpc>
+                      <a:spcPct val="100000"/>
+                    </a:lnSpc>
+                    <a:spcBef>
+                      <a:spcPct val="0"/>
+                    </a:spcBef>
+                    <a:spcAft>
+                      <a:spcPct val="0"/>
+                    </a:spcAft>
+                    <a:buClrTx/>
+                    <a:buSzTx/>
+                    <a:buFontTx/>
+                    <a:buNone/>
+                    <a:tabLst/>
+                  </a:pPr>
+                  <a:endParaRPr kumimoji="0" lang="fr-FR" sz="2000" b="1" i="0" u="none" strike="noStrike" cap="none" normalizeH="0" baseline="0" smtClean="0">
+                    <a:ln>
+                      <a:noFill/>
+                    </a:ln>
+                    <a:solidFill>
+                      <a:srgbClr val="0C2E86"/>
+                    </a:solidFill>
+                    <a:effectLst/>
+                    <a:latin typeface="Eurostile" panose="020B0504020202050204" pitchFamily="34" charset="0"/>
+                  </a:endParaRPr>
+                </a:p>
+              </p:txBody>
+            </p:sp>
+            <p:sp>
+              <p:nvSpPr>
+                <p:cNvPr id="120" name="Ellipse 119"/>
+                <p:cNvSpPr/>
+                <p:nvPr/>
+              </p:nvSpPr>
+              <p:spPr bwMode="auto">
+                <a:xfrm>
+                  <a:off x="5386281" y="4637089"/>
+                  <a:ext cx="675692" cy="675617"/>
+                </a:xfrm>
+                <a:prstGeom prst="ellipse">
+                  <a:avLst/>
+                </a:prstGeom>
+                <a:solidFill>
+                  <a:schemeClr val="bg1"/>
+                </a:solidFill>
+                <a:ln w="9525" cap="flat" cmpd="sng" algn="ctr">
+                  <a:solidFill>
+                    <a:schemeClr val="tx1"/>
+                  </a:solidFill>
+                  <a:prstDash val="solid"/>
+                  <a:round/>
+                  <a:headEnd type="none" w="med" len="med"/>
+                  <a:tailEnd type="none" w="med" len="med"/>
+                </a:ln>
+                <a:effectLst/>
+                <a:extLst/>
+              </p:spPr>
+              <p:txBody>
+                <a:bodyPr vert="eaVert" wrap="square" lIns="91440" tIns="45720" rIns="91440" bIns="45720" numCol="1" rtlCol="0" anchor="ctr" anchorCtr="1" compatLnSpc="1">
+                  <a:prstTxWarp prst="textNoShape">
+                    <a:avLst/>
+                  </a:prstTxWarp>
+                </a:bodyPr>
+                <a:lstStyle/>
+                <a:p>
+                  <a:pPr marL="0" marR="0" indent="0" algn="l" defTabSz="914400" rtl="0" eaLnBrk="1" fontAlgn="base" latinLnBrk="0" hangingPunct="1">
+                    <a:lnSpc>
+                      <a:spcPct val="100000"/>
+                    </a:lnSpc>
+                    <a:spcBef>
+                      <a:spcPct val="0"/>
+                    </a:spcBef>
+                    <a:spcAft>
+                      <a:spcPct val="0"/>
+                    </a:spcAft>
+                    <a:buClrTx/>
+                    <a:buSzTx/>
+                    <a:buFontTx/>
+                    <a:buNone/>
+                    <a:tabLst/>
+                  </a:pPr>
+                  <a:endParaRPr kumimoji="0" lang="fr-FR" sz="2000" b="1" i="0" u="none" strike="noStrike" cap="none" normalizeH="0" baseline="0" smtClean="0">
+                    <a:ln>
+                      <a:noFill/>
+                    </a:ln>
+                    <a:solidFill>
+                      <a:srgbClr val="0C2E86"/>
+                    </a:solidFill>
+                    <a:effectLst/>
+                    <a:latin typeface="Eurostile" panose="020B0504020202050204" pitchFamily="34" charset="0"/>
+                  </a:endParaRPr>
+                </a:p>
+              </p:txBody>
+            </p:sp>
+          </p:grpSp>
+          <p:grpSp>
+            <p:nvGrpSpPr>
+              <p:cNvPr id="100" name="Groupe 99"/>
+              <p:cNvGrpSpPr/>
+              <p:nvPr/>
+            </p:nvGrpSpPr>
+            <p:grpSpPr>
+              <a:xfrm>
+                <a:off x="1522718" y="4032073"/>
+                <a:ext cx="2645460" cy="2645166"/>
+                <a:chOff x="4896035" y="4149080"/>
+                <a:chExt cx="1656184" cy="1656000"/>
+              </a:xfrm>
+            </p:grpSpPr>
+            <p:sp>
+              <p:nvSpPr>
+                <p:cNvPr id="117" name="Ellipse 116"/>
+                <p:cNvSpPr/>
+                <p:nvPr/>
+              </p:nvSpPr>
+              <p:spPr bwMode="auto">
+                <a:xfrm>
+                  <a:off x="4896035" y="4149080"/>
+                  <a:ext cx="1656184" cy="1656000"/>
+                </a:xfrm>
+                <a:prstGeom prst="ellipse">
+                  <a:avLst/>
+                </a:prstGeom>
+                <a:solidFill>
+                  <a:schemeClr val="bg1">
+                    <a:lumMod val="95000"/>
+                  </a:schemeClr>
+                </a:solidFill>
+                <a:ln w="9525" cap="flat" cmpd="sng" algn="ctr">
+                  <a:solidFill>
+                    <a:schemeClr val="tx1"/>
+                  </a:solidFill>
+                  <a:prstDash val="solid"/>
+                  <a:round/>
+                  <a:headEnd type="none" w="med" len="med"/>
+                  <a:tailEnd type="none" w="med" len="med"/>
+                </a:ln>
+                <a:effectLst/>
+                <a:extLst/>
+              </p:spPr>
+              <p:txBody>
+                <a:bodyPr vert="eaVert" wrap="square" lIns="91440" tIns="45720" rIns="91440" bIns="45720" numCol="1" rtlCol="0" anchor="ctr" anchorCtr="1" compatLnSpc="1">
+                  <a:prstTxWarp prst="textNoShape">
+                    <a:avLst/>
+                  </a:prstTxWarp>
+                </a:bodyPr>
+                <a:lstStyle/>
+                <a:p>
+                  <a:pPr marL="0" marR="0" indent="0" algn="l" defTabSz="914400" rtl="0" eaLnBrk="1" fontAlgn="base" latinLnBrk="0" hangingPunct="1">
+                    <a:lnSpc>
+                      <a:spcPct val="100000"/>
+                    </a:lnSpc>
+                    <a:spcBef>
+                      <a:spcPct val="0"/>
+                    </a:spcBef>
+                    <a:spcAft>
+                      <a:spcPct val="0"/>
+                    </a:spcAft>
+                    <a:buClrTx/>
+                    <a:buSzTx/>
+                    <a:buFontTx/>
+                    <a:buNone/>
+                    <a:tabLst/>
+                  </a:pPr>
+                  <a:endParaRPr kumimoji="0" lang="fr-FR" sz="2000" b="1" i="0" u="none" strike="noStrike" cap="none" normalizeH="0" baseline="0" smtClean="0">
+                    <a:ln>
+                      <a:noFill/>
+                    </a:ln>
+                    <a:solidFill>
+                      <a:srgbClr val="0C2E86"/>
+                    </a:solidFill>
+                    <a:effectLst/>
+                    <a:latin typeface="Eurostile" panose="020B0504020202050204" pitchFamily="34" charset="0"/>
+                  </a:endParaRPr>
+                </a:p>
+              </p:txBody>
+            </p:sp>
+            <p:sp>
+              <p:nvSpPr>
+                <p:cNvPr id="118" name="Ellipse 117"/>
+                <p:cNvSpPr/>
+                <p:nvPr/>
+              </p:nvSpPr>
+              <p:spPr bwMode="auto">
+                <a:xfrm>
+                  <a:off x="5386281" y="4637089"/>
+                  <a:ext cx="675692" cy="675617"/>
+                </a:xfrm>
+                <a:prstGeom prst="ellipse">
+                  <a:avLst/>
+                </a:prstGeom>
+                <a:solidFill>
+                  <a:schemeClr val="bg1"/>
+                </a:solidFill>
+                <a:ln w="9525" cap="flat" cmpd="sng" algn="ctr">
+                  <a:solidFill>
+                    <a:schemeClr val="tx1"/>
+                  </a:solidFill>
+                  <a:prstDash val="solid"/>
+                  <a:round/>
+                  <a:headEnd type="none" w="med" len="med"/>
+                  <a:tailEnd type="none" w="med" len="med"/>
+                </a:ln>
+                <a:effectLst/>
+                <a:extLst/>
+              </p:spPr>
+              <p:txBody>
+                <a:bodyPr vert="eaVert" wrap="square" lIns="91440" tIns="45720" rIns="91440" bIns="45720" numCol="1" rtlCol="0" anchor="ctr" anchorCtr="1" compatLnSpc="1">
+                  <a:prstTxWarp prst="textNoShape">
+                    <a:avLst/>
+                  </a:prstTxWarp>
+                </a:bodyPr>
+                <a:lstStyle/>
+                <a:p>
+                  <a:pPr marL="0" marR="0" indent="0" algn="l" defTabSz="914400" rtl="0" eaLnBrk="1" fontAlgn="base" latinLnBrk="0" hangingPunct="1">
+                    <a:lnSpc>
+                      <a:spcPct val="100000"/>
+                    </a:lnSpc>
+                    <a:spcBef>
+                      <a:spcPct val="0"/>
+                    </a:spcBef>
+                    <a:spcAft>
+                      <a:spcPct val="0"/>
+                    </a:spcAft>
+                    <a:buClrTx/>
+                    <a:buSzTx/>
+                    <a:buFontTx/>
+                    <a:buNone/>
+                    <a:tabLst/>
+                  </a:pPr>
+                  <a:endParaRPr kumimoji="0" lang="fr-FR" sz="2000" b="1" i="0" u="none" strike="noStrike" cap="none" normalizeH="0" baseline="0" smtClean="0">
+                    <a:ln>
+                      <a:noFill/>
+                    </a:ln>
+                    <a:solidFill>
+                      <a:srgbClr val="0C2E86"/>
+                    </a:solidFill>
+                    <a:effectLst/>
+                    <a:latin typeface="Eurostile" panose="020B0504020202050204" pitchFamily="34" charset="0"/>
+                  </a:endParaRPr>
+                </a:p>
+              </p:txBody>
+            </p:sp>
+          </p:grpSp>
+          <p:grpSp>
+            <p:nvGrpSpPr>
+              <p:cNvPr id="101" name="Groupe 100"/>
+              <p:cNvGrpSpPr/>
+              <p:nvPr/>
+            </p:nvGrpSpPr>
+            <p:grpSpPr>
+              <a:xfrm>
+                <a:off x="4187637" y="4032073"/>
+                <a:ext cx="2645460" cy="2645166"/>
+                <a:chOff x="4896035" y="4149080"/>
+                <a:chExt cx="1656184" cy="1656000"/>
+              </a:xfrm>
+            </p:grpSpPr>
+            <p:sp>
+              <p:nvSpPr>
+                <p:cNvPr id="102" name="Ellipse 101"/>
+                <p:cNvSpPr/>
+                <p:nvPr/>
+              </p:nvSpPr>
+              <p:spPr bwMode="auto">
+                <a:xfrm>
+                  <a:off x="4896035" y="4149080"/>
+                  <a:ext cx="1656184" cy="1656000"/>
+                </a:xfrm>
+                <a:prstGeom prst="ellipse">
+                  <a:avLst/>
+                </a:prstGeom>
+                <a:solidFill>
+                  <a:schemeClr val="bg1">
+                    <a:lumMod val="95000"/>
+                  </a:schemeClr>
+                </a:solidFill>
+                <a:ln w="9525" cap="flat" cmpd="sng" algn="ctr">
+                  <a:solidFill>
+                    <a:schemeClr val="tx1"/>
+                  </a:solidFill>
+                  <a:prstDash val="solid"/>
+                  <a:round/>
+                  <a:headEnd type="none" w="med" len="med"/>
+                  <a:tailEnd type="none" w="med" len="med"/>
+                </a:ln>
+                <a:effectLst/>
+                <a:extLst/>
+              </p:spPr>
+              <p:txBody>
+                <a:bodyPr vert="eaVert" wrap="square" lIns="91440" tIns="45720" rIns="91440" bIns="45720" numCol="1" rtlCol="0" anchor="ctr" anchorCtr="1" compatLnSpc="1">
+                  <a:prstTxWarp prst="textNoShape">
+                    <a:avLst/>
+                  </a:prstTxWarp>
+                </a:bodyPr>
+                <a:lstStyle/>
+                <a:p>
+                  <a:pPr marL="0" marR="0" indent="0" algn="l" defTabSz="914400" rtl="0" eaLnBrk="1" fontAlgn="base" latinLnBrk="0" hangingPunct="1">
+                    <a:lnSpc>
+                      <a:spcPct val="100000"/>
+                    </a:lnSpc>
+                    <a:spcBef>
+                      <a:spcPct val="0"/>
+                    </a:spcBef>
+                    <a:spcAft>
+                      <a:spcPct val="0"/>
+                    </a:spcAft>
+                    <a:buClrTx/>
+                    <a:buSzTx/>
+                    <a:buFontTx/>
+                    <a:buNone/>
+                    <a:tabLst/>
+                  </a:pPr>
+                  <a:endParaRPr kumimoji="0" lang="fr-FR" sz="2000" b="1" i="0" u="none" strike="noStrike" cap="none" normalizeH="0" baseline="0" smtClean="0">
+                    <a:ln>
+                      <a:noFill/>
+                    </a:ln>
+                    <a:solidFill>
+                      <a:srgbClr val="0C2E86"/>
+                    </a:solidFill>
+                    <a:effectLst/>
+                    <a:latin typeface="Eurostile" panose="020B0504020202050204" pitchFamily="34" charset="0"/>
+                  </a:endParaRPr>
+                </a:p>
+              </p:txBody>
+            </p:sp>
+            <p:sp>
+              <p:nvSpPr>
+                <p:cNvPr id="115" name="Ellipse 114"/>
+                <p:cNvSpPr/>
+                <p:nvPr/>
+              </p:nvSpPr>
+              <p:spPr bwMode="auto">
+                <a:xfrm>
+                  <a:off x="5386281" y="4637089"/>
+                  <a:ext cx="675692" cy="675617"/>
+                </a:xfrm>
+                <a:prstGeom prst="ellipse">
+                  <a:avLst/>
+                </a:prstGeom>
+                <a:solidFill>
+                  <a:schemeClr val="bg1"/>
+                </a:solidFill>
+                <a:ln w="9525" cap="flat" cmpd="sng" algn="ctr">
+                  <a:solidFill>
+                    <a:schemeClr val="tx1"/>
+                  </a:solidFill>
+                  <a:prstDash val="solid"/>
+                  <a:round/>
+                  <a:headEnd type="none" w="med" len="med"/>
+                  <a:tailEnd type="none" w="med" len="med"/>
+                </a:ln>
+                <a:effectLst/>
+                <a:extLst/>
+              </p:spPr>
+              <p:txBody>
+                <a:bodyPr vert="eaVert" wrap="square" lIns="91440" tIns="45720" rIns="91440" bIns="45720" numCol="1" rtlCol="0" anchor="ctr" anchorCtr="1" compatLnSpc="1">
+                  <a:prstTxWarp prst="textNoShape">
+                    <a:avLst/>
+                  </a:prstTxWarp>
+                </a:bodyPr>
+                <a:lstStyle/>
+                <a:p>
+                  <a:pPr marL="0" marR="0" indent="0" algn="l" defTabSz="914400" rtl="0" eaLnBrk="1" fontAlgn="base" latinLnBrk="0" hangingPunct="1">
+                    <a:lnSpc>
+                      <a:spcPct val="100000"/>
+                    </a:lnSpc>
+                    <a:spcBef>
+                      <a:spcPct val="0"/>
+                    </a:spcBef>
+                    <a:spcAft>
+                      <a:spcPct val="0"/>
+                    </a:spcAft>
+                    <a:buClrTx/>
+                    <a:buSzTx/>
+                    <a:buFontTx/>
+                    <a:buNone/>
+                    <a:tabLst/>
+                  </a:pPr>
+                  <a:endParaRPr kumimoji="0" lang="fr-FR" sz="2000" b="1" i="0" u="none" strike="noStrike" cap="none" normalizeH="0" baseline="0" smtClean="0">
+                    <a:ln>
+                      <a:noFill/>
+                    </a:ln>
+                    <a:solidFill>
+                      <a:srgbClr val="0C2E86"/>
+                    </a:solidFill>
+                    <a:effectLst/>
+                    <a:latin typeface="Eurostile" panose="020B0504020202050204" pitchFamily="34" charset="0"/>
+                  </a:endParaRPr>
+                </a:p>
+              </p:txBody>
+            </p:sp>
+          </p:grpSp>
+        </p:grpSp>
+        <p:sp>
+          <p:nvSpPr>
+            <p:cNvPr id="98" name="Forme libre 97"/>
+            <p:cNvSpPr/>
+            <p:nvPr/>
+          </p:nvSpPr>
+          <p:spPr>
+            <a:xfrm rot="563768">
+              <a:off x="1643736" y="3691119"/>
+              <a:ext cx="1268559" cy="849938"/>
+            </a:xfrm>
+            <a:custGeom>
+              <a:avLst/>
+              <a:gdLst>
+                <a:gd name="connsiteX0" fmla="*/ 0 w 1076325"/>
+                <a:gd name="connsiteY0" fmla="*/ 0 h 519681"/>
+                <a:gd name="connsiteX1" fmla="*/ 190500 w 1076325"/>
+                <a:gd name="connsiteY1" fmla="*/ 247650 h 519681"/>
+                <a:gd name="connsiteX2" fmla="*/ 523875 w 1076325"/>
+                <a:gd name="connsiteY2" fmla="*/ 247650 h 519681"/>
+                <a:gd name="connsiteX3" fmla="*/ 762000 w 1076325"/>
+                <a:gd name="connsiteY3" fmla="*/ 514350 h 519681"/>
+                <a:gd name="connsiteX4" fmla="*/ 1076325 w 1076325"/>
+                <a:gd name="connsiteY4" fmla="*/ 400050 h 519681"/>
+              </a:gdLst>
+              <a:ahLst/>
+              <a:cxnLst>
+                <a:cxn ang="0">
+                  <a:pos x="connsiteX0" y="connsiteY0"/>
+                </a:cxn>
+                <a:cxn ang="0">
+                  <a:pos x="connsiteX1" y="connsiteY1"/>
+                </a:cxn>
+                <a:cxn ang="0">
+                  <a:pos x="connsiteX2" y="connsiteY2"/>
+                </a:cxn>
+                <a:cxn ang="0">
+                  <a:pos x="connsiteX3" y="connsiteY3"/>
+                </a:cxn>
+                <a:cxn ang="0">
+                  <a:pos x="connsiteX4" y="connsiteY4"/>
+                </a:cxn>
+              </a:cxnLst>
+              <a:rect l="l" t="t" r="r" b="b"/>
+              <a:pathLst>
+                <a:path w="1076325" h="519681">
+                  <a:moveTo>
+                    <a:pt x="0" y="0"/>
+                  </a:moveTo>
+                  <a:cubicBezTo>
+                    <a:pt x="51594" y="103187"/>
+                    <a:pt x="103188" y="206375"/>
+                    <a:pt x="190500" y="247650"/>
+                  </a:cubicBezTo>
+                  <a:cubicBezTo>
+                    <a:pt x="277813" y="288925"/>
+                    <a:pt x="428625" y="203200"/>
+                    <a:pt x="523875" y="247650"/>
+                  </a:cubicBezTo>
+                  <a:cubicBezTo>
+                    <a:pt x="619125" y="292100"/>
+                    <a:pt x="669925" y="488950"/>
+                    <a:pt x="762000" y="514350"/>
+                  </a:cubicBezTo>
+                  <a:cubicBezTo>
+                    <a:pt x="854075" y="539750"/>
+                    <a:pt x="965200" y="469900"/>
+                    <a:pt x="1076325" y="400050"/>
+                  </a:cubicBezTo>
+                </a:path>
+              </a:pathLst>
+            </a:custGeom>
+            <a:noFill/>
+            <a:ln w="28575">
+              <a:solidFill>
+                <a:schemeClr val="tx2">
+                  <a:lumMod val="75000"/>
+                </a:schemeClr>
+              </a:solidFill>
+            </a:ln>
+          </p:spPr>
+          <p:style>
+            <a:lnRef idx="2">
+              <a:schemeClr val="accent1">
+                <a:shade val="50000"/>
+              </a:schemeClr>
+            </a:lnRef>
+            <a:fillRef idx="1">
+              <a:schemeClr val="accent1"/>
+            </a:fillRef>
+            <a:effectRef idx="0">
+              <a:schemeClr val="accent1"/>
+            </a:effectRef>
+            <a:fontRef idx="minor">
+              <a:schemeClr val="lt1"/>
+            </a:fontRef>
+          </p:style>
+          <p:txBody>
+            <a:bodyPr rtlCol="0" anchor="ctr"/>
+            <a:lstStyle/>
+            <a:p>
+              <a:pPr algn="ctr"/>
+              <a:endParaRPr lang="en-US"/>
+            </a:p>
+          </p:txBody>
+        </p:sp>
+      </p:grpSp>
       <p:sp>
         <p:nvSpPr>
-          <p:cNvPr id="7" name="ZoneTexte 3"/>
+          <p:cNvPr id="6" name="ZoneTexte 3"/>
           <p:cNvSpPr txBox="1">
             <a:spLocks noChangeArrowheads="1"/>
           </p:cNvSpPr>
@@ -6035,8 +8288,8 @@
         </p:nvSpPr>
         <p:spPr bwMode="auto">
           <a:xfrm>
-            <a:off x="514914" y="1411417"/>
-            <a:ext cx="4527649" cy="461665"/>
+            <a:off x="1337191" y="5253691"/>
+            <a:ext cx="399486" cy="461665"/>
           </a:xfrm>
           <a:prstGeom prst="rect">
             <a:avLst/>
@@ -6177,455 +8430,6 @@
             </a:lvl9pPr>
           </a:lstStyle>
           <a:p>
-            <a:r>
-              <a:rPr lang="fr-FR" altLang="fr-FR" sz="2400" dirty="0" err="1" smtClean="0">
-                <a:solidFill>
-                  <a:srgbClr val="068EC8"/>
-                </a:solidFill>
-                <a:latin typeface="Arial" panose="020B0604020202020204" pitchFamily="34" charset="0"/>
-              </a:rPr>
-              <a:t>Context</a:t>
-            </a:r>
-            <a:endParaRPr lang="fr-FR" altLang="fr-FR" sz="2400" dirty="0">
-              <a:solidFill>
-                <a:srgbClr val="068EC8"/>
-              </a:solidFill>
-              <a:latin typeface="Arial" panose="020B0604020202020204" pitchFamily="34" charset="0"/>
-            </a:endParaRPr>
-          </a:p>
-        </p:txBody>
-      </p:sp>
-      <p:sp>
-        <p:nvSpPr>
-          <p:cNvPr id="9" name="Rectangle 8"/>
-          <p:cNvSpPr/>
-          <p:nvPr/>
-        </p:nvSpPr>
-        <p:spPr>
-          <a:xfrm>
-            <a:off x="514914" y="1995208"/>
-            <a:ext cx="3457165" cy="2492990"/>
-          </a:xfrm>
-          <a:prstGeom prst="rect">
-            <a:avLst/>
-          </a:prstGeom>
-        </p:spPr>
-        <p:txBody>
-          <a:bodyPr wrap="none">
-            <a:spAutoFit/>
-          </a:bodyPr>
-          <a:lstStyle/>
-          <a:p>
-            <a:r>
-              <a:rPr lang="en-US" sz="1600" b="1" dirty="0" smtClean="0">
-                <a:latin typeface="arial" panose="020B0604020202020204" pitchFamily="34" charset="0"/>
-              </a:rPr>
-              <a:t>MULTI DOF miniature robotic arm</a:t>
-            </a:r>
-          </a:p>
-          <a:p>
-            <a:r>
-              <a:rPr lang="en-US" sz="1600" b="1" dirty="0" smtClean="0">
-                <a:latin typeface="arial" panose="020B0604020202020204" pitchFamily="34" charset="0"/>
-              </a:rPr>
-              <a:t>	</a:t>
-            </a:r>
-            <a:r>
-              <a:rPr lang="en-US" sz="1600" b="1" dirty="0" smtClean="0">
-                <a:latin typeface="arial" panose="020B0604020202020204" pitchFamily="34" charset="0"/>
-                <a:sym typeface="Wingdings" panose="05000000000000000000" pitchFamily="2" charset="2"/>
-              </a:rPr>
-              <a:t> Arduino control</a:t>
-            </a:r>
-          </a:p>
-          <a:p>
-            <a:r>
-              <a:rPr lang="en-US" sz="1600" b="1" dirty="0">
-                <a:latin typeface="arial" panose="020B0604020202020204" pitchFamily="34" charset="0"/>
-                <a:sym typeface="Wingdings" panose="05000000000000000000" pitchFamily="2" charset="2"/>
-              </a:rPr>
-              <a:t>	</a:t>
-            </a:r>
-            <a:r>
-              <a:rPr lang="en-US" sz="1600" b="1" dirty="0" smtClean="0">
-                <a:latin typeface="arial" panose="020B0604020202020204" pitchFamily="34" charset="0"/>
-                <a:sym typeface="Wingdings" panose="05000000000000000000" pitchFamily="2" charset="2"/>
-              </a:rPr>
-              <a:t> 4 DOF</a:t>
-            </a:r>
-            <a:endParaRPr lang="en-US" sz="1600" b="1" dirty="0" smtClean="0">
-              <a:latin typeface="arial" panose="020B0604020202020204" pitchFamily="34" charset="0"/>
-            </a:endParaRPr>
-          </a:p>
-          <a:p>
-            <a:endParaRPr lang="fr-FR" sz="1200" b="1" dirty="0" smtClean="0">
-              <a:latin typeface="arial" panose="020B0604020202020204" pitchFamily="34" charset="0"/>
-            </a:endParaRPr>
-          </a:p>
-          <a:p>
-            <a:r>
-              <a:rPr lang="en-US" sz="1600" b="1" dirty="0" smtClean="0">
-                <a:latin typeface="arial" panose="020B0604020202020204" pitchFamily="34" charset="0"/>
-              </a:rPr>
-              <a:t>MECHANICAL DESIGN </a:t>
-            </a:r>
-          </a:p>
-          <a:p>
-            <a:r>
-              <a:rPr lang="en-US" sz="1600" b="1" dirty="0" smtClean="0">
-                <a:latin typeface="arial" panose="020B0604020202020204" pitchFamily="34" charset="0"/>
-              </a:rPr>
-              <a:t>FABRICATION</a:t>
-            </a:r>
-          </a:p>
-          <a:p>
-            <a:r>
-              <a:rPr lang="en-US" sz="1600" b="1" dirty="0" smtClean="0">
-                <a:latin typeface="arial" panose="020B0604020202020204" pitchFamily="34" charset="0"/>
-                <a:sym typeface="Wingdings" panose="05000000000000000000" pitchFamily="2" charset="2"/>
-              </a:rPr>
-              <a:t>	 3D Printing</a:t>
-            </a:r>
-            <a:endParaRPr lang="en-US" sz="1600" b="1" dirty="0">
-              <a:latin typeface="arial" panose="020B0604020202020204" pitchFamily="34" charset="0"/>
-            </a:endParaRPr>
-          </a:p>
-          <a:p>
-            <a:endParaRPr lang="en-US" sz="1600" b="1" dirty="0" smtClean="0">
-              <a:latin typeface="arial" panose="020B0604020202020204" pitchFamily="34" charset="0"/>
-            </a:endParaRPr>
-          </a:p>
-          <a:p>
-            <a:r>
-              <a:rPr lang="en-US" sz="1600" b="1" dirty="0" smtClean="0">
-                <a:latin typeface="arial" panose="020B0604020202020204" pitchFamily="34" charset="0"/>
-              </a:rPr>
-              <a:t>ASSEMBLY</a:t>
-            </a:r>
-          </a:p>
-          <a:p>
-            <a:r>
-              <a:rPr lang="en-US" sz="1600" b="1" dirty="0" smtClean="0">
-                <a:latin typeface="arial" panose="020B0604020202020204" pitchFamily="34" charset="0"/>
-              </a:rPr>
-              <a:t>DEMONSTRATION	</a:t>
-            </a:r>
-          </a:p>
-        </p:txBody>
-      </p:sp>
-      <p:pic>
-        <p:nvPicPr>
-          <p:cNvPr id="11" name="Image 10"/>
-          <p:cNvPicPr>
-            <a:picLocks noChangeAspect="1"/>
-          </p:cNvPicPr>
-          <p:nvPr/>
-        </p:nvPicPr>
-        <p:blipFill>
-          <a:blip r:embed="rId2" cstate="print">
-            <a:clrChange>
-              <a:clrFrom>
-                <a:srgbClr val="FFFFFF"/>
-              </a:clrFrom>
-              <a:clrTo>
-                <a:srgbClr val="FFFFFF">
-                  <a:alpha val="0"/>
-                </a:srgbClr>
-              </a:clrTo>
-            </a:clrChange>
-            <a:duotone>
-              <a:schemeClr val="accent2">
-                <a:shade val="45000"/>
-                <a:satMod val="135000"/>
-              </a:schemeClr>
-              <a:prstClr val="white"/>
-            </a:duotone>
-            <a:extLst>
-              <a:ext uri="{28A0092B-C50C-407E-A947-70E740481C1C}">
-                <a14:useLocalDpi xmlns:a14="http://schemas.microsoft.com/office/drawing/2010/main" val="0"/>
-              </a:ext>
-            </a:extLst>
-          </a:blip>
-          <a:stretch>
-            <a:fillRect/>
-          </a:stretch>
-        </p:blipFill>
-        <p:spPr>
-          <a:xfrm>
-            <a:off x="6889899" y="3791094"/>
-            <a:ext cx="2170396" cy="1893831"/>
-          </a:xfrm>
-          <a:prstGeom prst="rect">
-            <a:avLst/>
-          </a:prstGeom>
-        </p:spPr>
-      </p:pic>
-      <p:pic>
-        <p:nvPicPr>
-          <p:cNvPr id="13" name="Image 12"/>
-          <p:cNvPicPr>
-            <a:picLocks noChangeAspect="1"/>
-          </p:cNvPicPr>
-          <p:nvPr/>
-        </p:nvPicPr>
-        <p:blipFill>
-          <a:blip r:embed="rId3" cstate="print">
-            <a:clrChange>
-              <a:clrFrom>
-                <a:srgbClr val="FFFFFF"/>
-              </a:clrFrom>
-              <a:clrTo>
-                <a:srgbClr val="FFFFFF">
-                  <a:alpha val="0"/>
-                </a:srgbClr>
-              </a:clrTo>
-            </a:clrChange>
-            <a:duotone>
-              <a:prstClr val="black"/>
-              <a:schemeClr val="accent2">
-                <a:tint val="45000"/>
-                <a:satMod val="400000"/>
-              </a:schemeClr>
-            </a:duotone>
-            <a:extLst>
-              <a:ext uri="{28A0092B-C50C-407E-A947-70E740481C1C}">
-                <a14:useLocalDpi xmlns:a14="http://schemas.microsoft.com/office/drawing/2010/main" val="0"/>
-              </a:ext>
-            </a:extLst>
-          </a:blip>
-          <a:stretch>
-            <a:fillRect/>
-          </a:stretch>
-        </p:blipFill>
-        <p:spPr>
-          <a:xfrm>
-            <a:off x="341309" y="4738009"/>
-            <a:ext cx="2241680" cy="1989265"/>
-          </a:xfrm>
-          <a:prstGeom prst="rect">
-            <a:avLst/>
-          </a:prstGeom>
-        </p:spPr>
-      </p:pic>
-      <p:pic>
-        <p:nvPicPr>
-          <p:cNvPr id="3" name="Image 2"/>
-          <p:cNvPicPr>
-            <a:picLocks noChangeAspect="1"/>
-          </p:cNvPicPr>
-          <p:nvPr/>
-        </p:nvPicPr>
-        <p:blipFill>
-          <a:blip r:embed="rId4" cstate="print">
-            <a:extLst>
-              <a:ext uri="{28A0092B-C50C-407E-A947-70E740481C1C}">
-                <a14:useLocalDpi xmlns:a14="http://schemas.microsoft.com/office/drawing/2010/main" val="0"/>
-              </a:ext>
-            </a:extLst>
-          </a:blip>
-          <a:stretch>
-            <a:fillRect/>
-          </a:stretch>
-        </p:blipFill>
-        <p:spPr>
-          <a:xfrm>
-            <a:off x="2582989" y="965322"/>
-            <a:ext cx="6136813" cy="4552762"/>
-          </a:xfrm>
-          <a:prstGeom prst="rect">
-            <a:avLst/>
-          </a:prstGeom>
-        </p:spPr>
-      </p:pic>
-    </p:spTree>
-    <p:extLst>
-      <p:ext uri="{BB962C8B-B14F-4D97-AF65-F5344CB8AC3E}">
-        <p14:creationId xmlns:p14="http://schemas.microsoft.com/office/powerpoint/2010/main" val="3480962242"/>
-      </p:ext>
-    </p:extLst>
-  </p:cSld>
-  <p:clrMapOvr>
-    <a:masterClrMapping/>
-  </p:clrMapOvr>
-  <p:timing>
-    <p:tnLst>
-      <p:par>
-        <p:cTn id="1" dur="indefinite" restart="never" nodeType="tmRoot"/>
-      </p:par>
-    </p:tnLst>
-  </p:timing>
-</p:sld>
-</file>
-
-<file path=ppt/slides/slide8.xml><?xml version="1.0" encoding="utf-8"?>
-<p:sld xmlns:a="http://schemas.openxmlformats.org/drawingml/2006/main" xmlns:r="http://schemas.openxmlformats.org/officeDocument/2006/relationships" xmlns:p="http://schemas.openxmlformats.org/presentationml/2006/main">
-  <p:cSld>
-    <p:spTree>
-      <p:nvGrpSpPr>
-        <p:cNvPr id="1" name=""/>
-        <p:cNvGrpSpPr/>
-        <p:nvPr/>
-      </p:nvGrpSpPr>
-      <p:grpSpPr>
-        <a:xfrm>
-          <a:off x="0" y="0"/>
-          <a:ext cx="0" cy="0"/>
-          <a:chOff x="0" y="0"/>
-          <a:chExt cx="0" cy="0"/>
-        </a:xfrm>
-      </p:grpSpPr>
-      <p:sp>
-        <p:nvSpPr>
-          <p:cNvPr id="6" name="ZoneTexte 3"/>
-          <p:cNvSpPr txBox="1">
-            <a:spLocks noChangeArrowheads="1"/>
-          </p:cNvSpPr>
-          <p:nvPr/>
-        </p:nvSpPr>
-        <p:spPr bwMode="auto">
-          <a:xfrm>
-            <a:off x="1330829" y="6296766"/>
-            <a:ext cx="399486" cy="461665"/>
-          </a:xfrm>
-          <a:prstGeom prst="rect">
-            <a:avLst/>
-          </a:prstGeom>
-          <a:noFill/>
-          <a:ln>
-            <a:noFill/>
-          </a:ln>
-          <a:extLst>
-            <a:ext uri="{909E8E84-426E-40DD-AFC4-6F175D3DCCD1}">
-              <a14:hiddenFill xmlns:a14="http://schemas.microsoft.com/office/drawing/2010/main">
-                <a:solidFill>
-                  <a:srgbClr val="FFFFFF"/>
-                </a:solidFill>
-              </a14:hiddenFill>
-            </a:ext>
-            <a:ext uri="{91240B29-F687-4F45-9708-019B960494DF}">
-              <a14:hiddenLine xmlns:a14="http://schemas.microsoft.com/office/drawing/2010/main" w="9525">
-                <a:solidFill>
-                  <a:srgbClr val="000000"/>
-                </a:solidFill>
-                <a:miter lim="800000"/>
-                <a:headEnd/>
-                <a:tailEnd/>
-              </a14:hiddenLine>
-            </a:ext>
-          </a:extLst>
-        </p:spPr>
-        <p:txBody>
-          <a:bodyPr wrap="square">
-            <a:spAutoFit/>
-          </a:bodyPr>
-          <a:lstStyle>
-            <a:lvl1pPr>
-              <a:defRPr sz="2000" b="1">
-                <a:solidFill>
-                  <a:srgbClr val="0C2E86"/>
-                </a:solidFill>
-                <a:latin typeface="Eurostile" pitchFamily="34" charset="0"/>
-                <a:cs typeface="Arial" panose="020B0604020202020204" pitchFamily="34" charset="0"/>
-              </a:defRPr>
-            </a:lvl1pPr>
-            <a:lvl2pPr marL="742950" indent="-285750">
-              <a:defRPr sz="2000" b="1">
-                <a:solidFill>
-                  <a:srgbClr val="0C2E86"/>
-                </a:solidFill>
-                <a:latin typeface="Eurostile" pitchFamily="34" charset="0"/>
-                <a:cs typeface="Arial" panose="020B0604020202020204" pitchFamily="34" charset="0"/>
-              </a:defRPr>
-            </a:lvl2pPr>
-            <a:lvl3pPr marL="1143000" indent="-228600">
-              <a:defRPr sz="2000" b="1">
-                <a:solidFill>
-                  <a:srgbClr val="0C2E86"/>
-                </a:solidFill>
-                <a:latin typeface="Eurostile" pitchFamily="34" charset="0"/>
-                <a:cs typeface="Arial" panose="020B0604020202020204" pitchFamily="34" charset="0"/>
-              </a:defRPr>
-            </a:lvl3pPr>
-            <a:lvl4pPr marL="1600200" indent="-228600">
-              <a:defRPr sz="2000" b="1">
-                <a:solidFill>
-                  <a:srgbClr val="0C2E86"/>
-                </a:solidFill>
-                <a:latin typeface="Eurostile" pitchFamily="34" charset="0"/>
-                <a:cs typeface="Arial" panose="020B0604020202020204" pitchFamily="34" charset="0"/>
-              </a:defRPr>
-            </a:lvl4pPr>
-            <a:lvl5pPr marL="2057400" indent="-228600">
-              <a:defRPr sz="2000" b="1">
-                <a:solidFill>
-                  <a:srgbClr val="0C2E86"/>
-                </a:solidFill>
-                <a:latin typeface="Eurostile" pitchFamily="34" charset="0"/>
-                <a:cs typeface="Arial" panose="020B0604020202020204" pitchFamily="34" charset="0"/>
-              </a:defRPr>
-            </a:lvl5pPr>
-            <a:lvl6pPr marL="2514600" indent="-228600" eaLnBrk="0" fontAlgn="base" hangingPunct="0">
-              <a:spcBef>
-                <a:spcPct val="0"/>
-              </a:spcBef>
-              <a:spcAft>
-                <a:spcPct val="0"/>
-              </a:spcAft>
-              <a:defRPr sz="2000" b="1">
-                <a:solidFill>
-                  <a:srgbClr val="0C2E86"/>
-                </a:solidFill>
-                <a:latin typeface="Eurostile" pitchFamily="34" charset="0"/>
-                <a:cs typeface="Arial" panose="020B0604020202020204" pitchFamily="34" charset="0"/>
-              </a:defRPr>
-            </a:lvl6pPr>
-            <a:lvl7pPr marL="2971800" indent="-228600" eaLnBrk="0" fontAlgn="base" hangingPunct="0">
-              <a:spcBef>
-                <a:spcPct val="0"/>
-              </a:spcBef>
-              <a:spcAft>
-                <a:spcPct val="0"/>
-              </a:spcAft>
-              <a:defRPr sz="2000" b="1">
-                <a:solidFill>
-                  <a:srgbClr val="0C2E86"/>
-                </a:solidFill>
-                <a:latin typeface="Eurostile" pitchFamily="34" charset="0"/>
-                <a:cs typeface="Arial" panose="020B0604020202020204" pitchFamily="34" charset="0"/>
-              </a:defRPr>
-            </a:lvl7pPr>
-            <a:lvl8pPr marL="3429000" indent="-228600" eaLnBrk="0" fontAlgn="base" hangingPunct="0">
-              <a:spcBef>
-                <a:spcPct val="0"/>
-              </a:spcBef>
-              <a:spcAft>
-                <a:spcPct val="0"/>
-              </a:spcAft>
-              <a:defRPr sz="2000" b="1">
-                <a:solidFill>
-                  <a:srgbClr val="0C2E86"/>
-                </a:solidFill>
-                <a:latin typeface="Eurostile" pitchFamily="34" charset="0"/>
-                <a:cs typeface="Arial" panose="020B0604020202020204" pitchFamily="34" charset="0"/>
-              </a:defRPr>
-            </a:lvl8pPr>
-            <a:lvl9pPr marL="3886200" indent="-228600" eaLnBrk="0" fontAlgn="base" hangingPunct="0">
-              <a:spcBef>
-                <a:spcPct val="0"/>
-              </a:spcBef>
-              <a:spcAft>
-                <a:spcPct val="0"/>
-              </a:spcAft>
-              <a:defRPr sz="2000" b="1">
-                <a:solidFill>
-                  <a:srgbClr val="0C2E86"/>
-                </a:solidFill>
-                <a:latin typeface="Eurostile" pitchFamily="34" charset="0"/>
-                <a:cs typeface="Arial" panose="020B0604020202020204" pitchFamily="34" charset="0"/>
-              </a:defRPr>
-            </a:lvl9pPr>
-          </a:lstStyle>
-          <a:p>
             <a:pPr algn="ctr"/>
             <a:r>
               <a:rPr lang="fr-FR" altLang="fr-FR" sz="2400" dirty="0" smtClean="0">
@@ -6653,124 +8457,39 @@
         </p:nvSpPr>
         <p:spPr>
           <a:xfrm>
-            <a:off x="514914" y="1884293"/>
-            <a:ext cx="6306535" cy="1877437"/>
+            <a:off x="501736" y="1732523"/>
+            <a:ext cx="8385089" cy="584775"/>
           </a:xfrm>
           <a:prstGeom prst="rect">
             <a:avLst/>
           </a:prstGeom>
         </p:spPr>
         <p:txBody>
-          <a:bodyPr wrap="none">
+          <a:bodyPr wrap="square">
             <a:spAutoFit/>
           </a:bodyPr>
           <a:lstStyle/>
           <a:p>
+            <a:pPr algn="ctr"/>
             <a:r>
               <a:rPr lang="en-US" sz="1600" b="1" dirty="0" smtClean="0">
                 <a:latin typeface="arial" panose="020B0604020202020204" pitchFamily="34" charset="0"/>
               </a:rPr>
-              <a:t>DEMONSTRATE: 	a functional 4DOF robotic arm using </a:t>
-            </a:r>
-          </a:p>
-          <a:p>
-            <a:r>
-              <a:rPr lang="en-US" sz="1600" b="1" dirty="0" smtClean="0">
-                <a:latin typeface="arial" panose="020B0604020202020204" pitchFamily="34" charset="0"/>
-              </a:rPr>
-              <a:t>		</a:t>
-            </a:r>
-          </a:p>
-          <a:p>
-            <a:r>
-              <a:rPr lang="en-US" sz="1600" b="1" dirty="0">
-                <a:latin typeface="arial" panose="020B0604020202020204" pitchFamily="34" charset="0"/>
-                <a:sym typeface="Wingdings" panose="05000000000000000000" pitchFamily="2" charset="2"/>
-              </a:rPr>
-              <a:t> </a:t>
+              <a:t>DEMONSTRATE a functional 4DOF robotic arm using             achieving </a:t>
             </a:r>
             <a:r>
               <a:rPr lang="en-US" sz="1600" b="1" dirty="0" smtClean="0">
                 <a:latin typeface="arial" panose="020B0604020202020204" pitchFamily="34" charset="0"/>
                 <a:sym typeface="Wingdings" panose="05000000000000000000" pitchFamily="2" charset="2"/>
               </a:rPr>
-              <a:t>     ACHIEVING a specific “grab-move-drop” motion</a:t>
-            </a:r>
-          </a:p>
-          <a:p>
-            <a:r>
-              <a:rPr lang="en-US" sz="1600" b="1" dirty="0" smtClean="0">
-                <a:latin typeface="arial" panose="020B0604020202020204" pitchFamily="34" charset="0"/>
-                <a:sym typeface="Wingdings" panose="05000000000000000000" pitchFamily="2" charset="2"/>
-              </a:rPr>
-              <a:t>      MAXIMIZING the precision and smoothness of the motion</a:t>
-            </a:r>
-            <a:endParaRPr lang="en-US" sz="1600" b="1" dirty="0" smtClean="0">
-              <a:latin typeface="arial" panose="020B0604020202020204" pitchFamily="34" charset="0"/>
-            </a:endParaRPr>
-          </a:p>
-          <a:p>
-            <a:endParaRPr lang="fr-FR" sz="1200" b="1" dirty="0" smtClean="0">
-              <a:latin typeface="arial" panose="020B0604020202020204" pitchFamily="34" charset="0"/>
-            </a:endParaRPr>
-          </a:p>
-          <a:p>
+              <a:t>a specific “surface tracking” motion</a:t>
+            </a:r>
             <a:endParaRPr lang="fr-FR" sz="1200" b="1" dirty="0">
               <a:latin typeface="arial" panose="020B0604020202020204" pitchFamily="34" charset="0"/>
             </a:endParaRPr>
           </a:p>
-          <a:p>
-            <a:endParaRPr lang="en-US" sz="1200" b="1" dirty="0" smtClean="0">
-              <a:latin typeface="arial" panose="020B0604020202020204" pitchFamily="34" charset="0"/>
-            </a:endParaRPr>
-          </a:p>
-          <a:p>
-            <a:endParaRPr lang="en-US" sz="1600" b="1" dirty="0" smtClean="0">
-              <a:latin typeface="arial" panose="020B0604020202020204" pitchFamily="34" charset="0"/>
-            </a:endParaRPr>
-          </a:p>
         </p:txBody>
       </p:sp>
-      <p:cxnSp>
-        <p:nvCxnSpPr>
-          <p:cNvPr id="8" name="Connecteur droit 7"/>
-          <p:cNvCxnSpPr/>
-          <p:nvPr/>
-        </p:nvCxnSpPr>
-        <p:spPr bwMode="auto">
-          <a:xfrm>
-            <a:off x="409158" y="1895505"/>
-            <a:ext cx="0" cy="1223667"/>
-          </a:xfrm>
-          <a:prstGeom prst="line">
-            <a:avLst/>
-          </a:prstGeom>
-          <a:solidFill>
-            <a:schemeClr val="accent1"/>
-          </a:solidFill>
-          <a:ln w="57150" cap="flat" cmpd="sng" algn="ctr">
-            <a:solidFill>
-              <a:srgbClr val="0397D6"/>
-            </a:solidFill>
-            <a:prstDash val="solid"/>
-            <a:round/>
-            <a:headEnd type="none" w="med" len="med"/>
-            <a:tailEnd type="none" w="med" len="med"/>
-          </a:ln>
-          <a:effectLst/>
-          <a:extLst>
-            <a:ext uri="{AF507438-7753-43E0-B8FC-AC1667EBCBE1}">
-              <a14:hiddenEffects xmlns:a14="http://schemas.microsoft.com/office/drawing/2010/main">
-                <a:effectLst>
-                  <a:outerShdw dist="35921" dir="2700000" algn="ctr" rotWithShape="0">
-                    <a:schemeClr val="bg2"/>
-                  </a:outerShdw>
-                </a:effectLst>
-              </a14:hiddenEffects>
-            </a:ext>
-          </a:extLst>
-        </p:spPr>
-      </p:cxnSp>
       <p:pic>
         <p:nvPicPr>
           <p:cNvPr id="20" name="Picture 2" descr="Résultat de recherche d'images pour &quot;arduino logo&quot;"/>
@@ -6794,7 +8513,7 @@
         </p:blipFill>
         <p:spPr bwMode="auto">
           <a:xfrm>
-            <a:off x="6126123" y="1895505"/>
+            <a:off x="6019816" y="1732522"/>
             <a:ext cx="507040" cy="348590"/>
           </a:xfrm>
           <a:prstGeom prst="rect">
@@ -6812,1392 +8531,6 @@
           </a:extLst>
         </p:spPr>
       </p:pic>
-      <p:grpSp>
-        <p:nvGrpSpPr>
-          <p:cNvPr id="34" name="Groupe 33"/>
-          <p:cNvGrpSpPr/>
-          <p:nvPr/>
-        </p:nvGrpSpPr>
-        <p:grpSpPr>
-          <a:xfrm flipV="1">
-            <a:off x="41022" y="3426176"/>
-            <a:ext cx="2900890" cy="2702351"/>
-            <a:chOff x="1522718" y="1730306"/>
-            <a:chExt cx="5310379" cy="4946933"/>
-          </a:xfrm>
-        </p:grpSpPr>
-        <p:grpSp>
-          <p:nvGrpSpPr>
-            <p:cNvPr id="25" name="Groupe 24"/>
-            <p:cNvGrpSpPr/>
-            <p:nvPr/>
-          </p:nvGrpSpPr>
-          <p:grpSpPr>
-            <a:xfrm>
-              <a:off x="2854732" y="1730306"/>
-              <a:ext cx="2645460" cy="2645166"/>
-              <a:chOff x="4896035" y="4149080"/>
-              <a:chExt cx="1656184" cy="1656000"/>
-            </a:xfrm>
-          </p:grpSpPr>
-          <p:sp>
-            <p:nvSpPr>
-              <p:cNvPr id="26" name="Ellipse 25"/>
-              <p:cNvSpPr/>
-              <p:nvPr/>
-            </p:nvSpPr>
-            <p:spPr bwMode="auto">
-              <a:xfrm>
-                <a:off x="4896035" y="4149080"/>
-                <a:ext cx="1656184" cy="1656000"/>
-              </a:xfrm>
-              <a:prstGeom prst="ellipse">
-                <a:avLst/>
-              </a:prstGeom>
-              <a:solidFill>
-                <a:schemeClr val="bg1">
-                  <a:lumMod val="95000"/>
-                </a:schemeClr>
-              </a:solidFill>
-              <a:ln w="9525" cap="flat" cmpd="sng" algn="ctr">
-                <a:solidFill>
-                  <a:schemeClr val="tx1"/>
-                </a:solidFill>
-                <a:prstDash val="solid"/>
-                <a:round/>
-                <a:headEnd type="none" w="med" len="med"/>
-                <a:tailEnd type="none" w="med" len="med"/>
-              </a:ln>
-              <a:effectLst/>
-              <a:extLst/>
-            </p:spPr>
-            <p:txBody>
-              <a:bodyPr vert="eaVert" wrap="square" lIns="91440" tIns="45720" rIns="91440" bIns="45720" numCol="1" rtlCol="0" anchor="ctr" anchorCtr="1" compatLnSpc="1">
-                <a:prstTxWarp prst="textNoShape">
-                  <a:avLst/>
-                </a:prstTxWarp>
-              </a:bodyPr>
-              <a:lstStyle/>
-              <a:p>
-                <a:pPr marL="0" marR="0" indent="0" algn="l" defTabSz="914400" rtl="0" eaLnBrk="1" fontAlgn="base" latinLnBrk="0" hangingPunct="1">
-                  <a:lnSpc>
-                    <a:spcPct val="100000"/>
-                  </a:lnSpc>
-                  <a:spcBef>
-                    <a:spcPct val="0"/>
-                  </a:spcBef>
-                  <a:spcAft>
-                    <a:spcPct val="0"/>
-                  </a:spcAft>
-                  <a:buClrTx/>
-                  <a:buSzTx/>
-                  <a:buFontTx/>
-                  <a:buNone/>
-                  <a:tabLst/>
-                </a:pPr>
-                <a:endParaRPr kumimoji="0" lang="fr-FR" sz="2000" b="1" i="0" u="none" strike="noStrike" cap="none" normalizeH="0" baseline="0" smtClean="0">
-                  <a:ln>
-                    <a:noFill/>
-                  </a:ln>
-                  <a:solidFill>
-                    <a:srgbClr val="0C2E86"/>
-                  </a:solidFill>
-                  <a:effectLst/>
-                  <a:latin typeface="Eurostile" panose="020B0504020202050204" pitchFamily="34" charset="0"/>
-                </a:endParaRPr>
-              </a:p>
-            </p:txBody>
-          </p:sp>
-          <p:sp>
-            <p:nvSpPr>
-              <p:cNvPr id="27" name="Ellipse 26"/>
-              <p:cNvSpPr/>
-              <p:nvPr/>
-            </p:nvSpPr>
-            <p:spPr bwMode="auto">
-              <a:xfrm>
-                <a:off x="5386281" y="4637089"/>
-                <a:ext cx="675692" cy="675617"/>
-              </a:xfrm>
-              <a:prstGeom prst="ellipse">
-                <a:avLst/>
-              </a:prstGeom>
-              <a:solidFill>
-                <a:schemeClr val="bg1"/>
-              </a:solidFill>
-              <a:ln w="9525" cap="flat" cmpd="sng" algn="ctr">
-                <a:solidFill>
-                  <a:schemeClr val="tx1"/>
-                </a:solidFill>
-                <a:prstDash val="solid"/>
-                <a:round/>
-                <a:headEnd type="none" w="med" len="med"/>
-                <a:tailEnd type="none" w="med" len="med"/>
-              </a:ln>
-              <a:effectLst/>
-              <a:extLst/>
-            </p:spPr>
-            <p:txBody>
-              <a:bodyPr vert="eaVert" wrap="square" lIns="91440" tIns="45720" rIns="91440" bIns="45720" numCol="1" rtlCol="0" anchor="ctr" anchorCtr="1" compatLnSpc="1">
-                <a:prstTxWarp prst="textNoShape">
-                  <a:avLst/>
-                </a:prstTxWarp>
-              </a:bodyPr>
-              <a:lstStyle/>
-              <a:p>
-                <a:pPr marL="0" marR="0" indent="0" algn="l" defTabSz="914400" rtl="0" eaLnBrk="1" fontAlgn="base" latinLnBrk="0" hangingPunct="1">
-                  <a:lnSpc>
-                    <a:spcPct val="100000"/>
-                  </a:lnSpc>
-                  <a:spcBef>
-                    <a:spcPct val="0"/>
-                  </a:spcBef>
-                  <a:spcAft>
-                    <a:spcPct val="0"/>
-                  </a:spcAft>
-                  <a:buClrTx/>
-                  <a:buSzTx/>
-                  <a:buFontTx/>
-                  <a:buNone/>
-                  <a:tabLst/>
-                </a:pPr>
-                <a:endParaRPr kumimoji="0" lang="fr-FR" sz="2000" b="1" i="0" u="none" strike="noStrike" cap="none" normalizeH="0" baseline="0" smtClean="0">
-                  <a:ln>
-                    <a:noFill/>
-                  </a:ln>
-                  <a:solidFill>
-                    <a:srgbClr val="0C2E86"/>
-                  </a:solidFill>
-                  <a:effectLst/>
-                  <a:latin typeface="Eurostile" panose="020B0504020202050204" pitchFamily="34" charset="0"/>
-                </a:endParaRPr>
-              </a:p>
-            </p:txBody>
-          </p:sp>
-        </p:grpSp>
-        <p:grpSp>
-          <p:nvGrpSpPr>
-            <p:cNvPr id="28" name="Groupe 27"/>
-            <p:cNvGrpSpPr/>
-            <p:nvPr/>
-          </p:nvGrpSpPr>
-          <p:grpSpPr>
-            <a:xfrm>
-              <a:off x="1522718" y="4032073"/>
-              <a:ext cx="2645460" cy="2645166"/>
-              <a:chOff x="4896035" y="4149080"/>
-              <a:chExt cx="1656184" cy="1656000"/>
-            </a:xfrm>
-          </p:grpSpPr>
-          <p:sp>
-            <p:nvSpPr>
-              <p:cNvPr id="29" name="Ellipse 28"/>
-              <p:cNvSpPr/>
-              <p:nvPr/>
-            </p:nvSpPr>
-            <p:spPr bwMode="auto">
-              <a:xfrm>
-                <a:off x="4896035" y="4149080"/>
-                <a:ext cx="1656184" cy="1656000"/>
-              </a:xfrm>
-              <a:prstGeom prst="ellipse">
-                <a:avLst/>
-              </a:prstGeom>
-              <a:solidFill>
-                <a:schemeClr val="bg1">
-                  <a:lumMod val="95000"/>
-                </a:schemeClr>
-              </a:solidFill>
-              <a:ln w="9525" cap="flat" cmpd="sng" algn="ctr">
-                <a:solidFill>
-                  <a:schemeClr val="tx1"/>
-                </a:solidFill>
-                <a:prstDash val="solid"/>
-                <a:round/>
-                <a:headEnd type="none" w="med" len="med"/>
-                <a:tailEnd type="none" w="med" len="med"/>
-              </a:ln>
-              <a:effectLst/>
-              <a:extLst/>
-            </p:spPr>
-            <p:txBody>
-              <a:bodyPr vert="eaVert" wrap="square" lIns="91440" tIns="45720" rIns="91440" bIns="45720" numCol="1" rtlCol="0" anchor="ctr" anchorCtr="1" compatLnSpc="1">
-                <a:prstTxWarp prst="textNoShape">
-                  <a:avLst/>
-                </a:prstTxWarp>
-              </a:bodyPr>
-              <a:lstStyle/>
-              <a:p>
-                <a:pPr marL="0" marR="0" indent="0" algn="l" defTabSz="914400" rtl="0" eaLnBrk="1" fontAlgn="base" latinLnBrk="0" hangingPunct="1">
-                  <a:lnSpc>
-                    <a:spcPct val="100000"/>
-                  </a:lnSpc>
-                  <a:spcBef>
-                    <a:spcPct val="0"/>
-                  </a:spcBef>
-                  <a:spcAft>
-                    <a:spcPct val="0"/>
-                  </a:spcAft>
-                  <a:buClrTx/>
-                  <a:buSzTx/>
-                  <a:buFontTx/>
-                  <a:buNone/>
-                  <a:tabLst/>
-                </a:pPr>
-                <a:endParaRPr kumimoji="0" lang="fr-FR" sz="2000" b="1" i="0" u="none" strike="noStrike" cap="none" normalizeH="0" baseline="0" smtClean="0">
-                  <a:ln>
-                    <a:noFill/>
-                  </a:ln>
-                  <a:solidFill>
-                    <a:srgbClr val="0C2E86"/>
-                  </a:solidFill>
-                  <a:effectLst/>
-                  <a:latin typeface="Eurostile" panose="020B0504020202050204" pitchFamily="34" charset="0"/>
-                </a:endParaRPr>
-              </a:p>
-            </p:txBody>
-          </p:sp>
-          <p:sp>
-            <p:nvSpPr>
-              <p:cNvPr id="30" name="Ellipse 29"/>
-              <p:cNvSpPr/>
-              <p:nvPr/>
-            </p:nvSpPr>
-            <p:spPr bwMode="auto">
-              <a:xfrm>
-                <a:off x="5386281" y="4637089"/>
-                <a:ext cx="675692" cy="675617"/>
-              </a:xfrm>
-              <a:prstGeom prst="ellipse">
-                <a:avLst/>
-              </a:prstGeom>
-              <a:solidFill>
-                <a:schemeClr val="bg1"/>
-              </a:solidFill>
-              <a:ln w="9525" cap="flat" cmpd="sng" algn="ctr">
-                <a:solidFill>
-                  <a:schemeClr val="tx1"/>
-                </a:solidFill>
-                <a:prstDash val="solid"/>
-                <a:round/>
-                <a:headEnd type="none" w="med" len="med"/>
-                <a:tailEnd type="none" w="med" len="med"/>
-              </a:ln>
-              <a:effectLst/>
-              <a:extLst/>
-            </p:spPr>
-            <p:txBody>
-              <a:bodyPr vert="eaVert" wrap="square" lIns="91440" tIns="45720" rIns="91440" bIns="45720" numCol="1" rtlCol="0" anchor="ctr" anchorCtr="1" compatLnSpc="1">
-                <a:prstTxWarp prst="textNoShape">
-                  <a:avLst/>
-                </a:prstTxWarp>
-              </a:bodyPr>
-              <a:lstStyle/>
-              <a:p>
-                <a:pPr marL="0" marR="0" indent="0" algn="l" defTabSz="914400" rtl="0" eaLnBrk="1" fontAlgn="base" latinLnBrk="0" hangingPunct="1">
-                  <a:lnSpc>
-                    <a:spcPct val="100000"/>
-                  </a:lnSpc>
-                  <a:spcBef>
-                    <a:spcPct val="0"/>
-                  </a:spcBef>
-                  <a:spcAft>
-                    <a:spcPct val="0"/>
-                  </a:spcAft>
-                  <a:buClrTx/>
-                  <a:buSzTx/>
-                  <a:buFontTx/>
-                  <a:buNone/>
-                  <a:tabLst/>
-                </a:pPr>
-                <a:endParaRPr kumimoji="0" lang="fr-FR" sz="2000" b="1" i="0" u="none" strike="noStrike" cap="none" normalizeH="0" baseline="0" smtClean="0">
-                  <a:ln>
-                    <a:noFill/>
-                  </a:ln>
-                  <a:solidFill>
-                    <a:srgbClr val="0C2E86"/>
-                  </a:solidFill>
-                  <a:effectLst/>
-                  <a:latin typeface="Eurostile" panose="020B0504020202050204" pitchFamily="34" charset="0"/>
-                </a:endParaRPr>
-              </a:p>
-            </p:txBody>
-          </p:sp>
-        </p:grpSp>
-        <p:grpSp>
-          <p:nvGrpSpPr>
-            <p:cNvPr id="31" name="Groupe 30"/>
-            <p:cNvGrpSpPr/>
-            <p:nvPr/>
-          </p:nvGrpSpPr>
-          <p:grpSpPr>
-            <a:xfrm>
-              <a:off x="4187637" y="4032073"/>
-              <a:ext cx="2645460" cy="2645166"/>
-              <a:chOff x="4896035" y="4149080"/>
-              <a:chExt cx="1656184" cy="1656000"/>
-            </a:xfrm>
-          </p:grpSpPr>
-          <p:sp>
-            <p:nvSpPr>
-              <p:cNvPr id="32" name="Ellipse 31"/>
-              <p:cNvSpPr/>
-              <p:nvPr/>
-            </p:nvSpPr>
-            <p:spPr bwMode="auto">
-              <a:xfrm>
-                <a:off x="4896035" y="4149080"/>
-                <a:ext cx="1656184" cy="1656000"/>
-              </a:xfrm>
-              <a:prstGeom prst="ellipse">
-                <a:avLst/>
-              </a:prstGeom>
-              <a:solidFill>
-                <a:schemeClr val="bg1">
-                  <a:lumMod val="95000"/>
-                </a:schemeClr>
-              </a:solidFill>
-              <a:ln w="9525" cap="flat" cmpd="sng" algn="ctr">
-                <a:solidFill>
-                  <a:schemeClr val="tx1"/>
-                </a:solidFill>
-                <a:prstDash val="solid"/>
-                <a:round/>
-                <a:headEnd type="none" w="med" len="med"/>
-                <a:tailEnd type="none" w="med" len="med"/>
-              </a:ln>
-              <a:effectLst/>
-              <a:extLst/>
-            </p:spPr>
-            <p:txBody>
-              <a:bodyPr vert="eaVert" wrap="square" lIns="91440" tIns="45720" rIns="91440" bIns="45720" numCol="1" rtlCol="0" anchor="ctr" anchorCtr="1" compatLnSpc="1">
-                <a:prstTxWarp prst="textNoShape">
-                  <a:avLst/>
-                </a:prstTxWarp>
-              </a:bodyPr>
-              <a:lstStyle/>
-              <a:p>
-                <a:pPr marL="0" marR="0" indent="0" algn="l" defTabSz="914400" rtl="0" eaLnBrk="1" fontAlgn="base" latinLnBrk="0" hangingPunct="1">
-                  <a:lnSpc>
-                    <a:spcPct val="100000"/>
-                  </a:lnSpc>
-                  <a:spcBef>
-                    <a:spcPct val="0"/>
-                  </a:spcBef>
-                  <a:spcAft>
-                    <a:spcPct val="0"/>
-                  </a:spcAft>
-                  <a:buClrTx/>
-                  <a:buSzTx/>
-                  <a:buFontTx/>
-                  <a:buNone/>
-                  <a:tabLst/>
-                </a:pPr>
-                <a:endParaRPr kumimoji="0" lang="fr-FR" sz="2000" b="1" i="0" u="none" strike="noStrike" cap="none" normalizeH="0" baseline="0" smtClean="0">
-                  <a:ln>
-                    <a:noFill/>
-                  </a:ln>
-                  <a:solidFill>
-                    <a:srgbClr val="0C2E86"/>
-                  </a:solidFill>
-                  <a:effectLst/>
-                  <a:latin typeface="Eurostile" panose="020B0504020202050204" pitchFamily="34" charset="0"/>
-                </a:endParaRPr>
-              </a:p>
-            </p:txBody>
-          </p:sp>
-          <p:sp>
-            <p:nvSpPr>
-              <p:cNvPr id="33" name="Ellipse 32"/>
-              <p:cNvSpPr/>
-              <p:nvPr/>
-            </p:nvSpPr>
-            <p:spPr bwMode="auto">
-              <a:xfrm>
-                <a:off x="5386281" y="4637089"/>
-                <a:ext cx="675692" cy="675617"/>
-              </a:xfrm>
-              <a:prstGeom prst="ellipse">
-                <a:avLst/>
-              </a:prstGeom>
-              <a:solidFill>
-                <a:schemeClr val="bg1"/>
-              </a:solidFill>
-              <a:ln w="9525" cap="flat" cmpd="sng" algn="ctr">
-                <a:solidFill>
-                  <a:schemeClr val="tx1"/>
-                </a:solidFill>
-                <a:prstDash val="solid"/>
-                <a:round/>
-                <a:headEnd type="none" w="med" len="med"/>
-                <a:tailEnd type="none" w="med" len="med"/>
-              </a:ln>
-              <a:effectLst/>
-              <a:extLst/>
-            </p:spPr>
-            <p:txBody>
-              <a:bodyPr vert="eaVert" wrap="square" lIns="91440" tIns="45720" rIns="91440" bIns="45720" numCol="1" rtlCol="0" anchor="ctr" anchorCtr="1" compatLnSpc="1">
-                <a:prstTxWarp prst="textNoShape">
-                  <a:avLst/>
-                </a:prstTxWarp>
-              </a:bodyPr>
-              <a:lstStyle/>
-              <a:p>
-                <a:pPr marL="0" marR="0" indent="0" algn="l" defTabSz="914400" rtl="0" eaLnBrk="1" fontAlgn="base" latinLnBrk="0" hangingPunct="1">
-                  <a:lnSpc>
-                    <a:spcPct val="100000"/>
-                  </a:lnSpc>
-                  <a:spcBef>
-                    <a:spcPct val="0"/>
-                  </a:spcBef>
-                  <a:spcAft>
-                    <a:spcPct val="0"/>
-                  </a:spcAft>
-                  <a:buClrTx/>
-                  <a:buSzTx/>
-                  <a:buFontTx/>
-                  <a:buNone/>
-                  <a:tabLst/>
-                </a:pPr>
-                <a:endParaRPr kumimoji="0" lang="fr-FR" sz="2000" b="1" i="0" u="none" strike="noStrike" cap="none" normalizeH="0" baseline="0" smtClean="0">
-                  <a:ln>
-                    <a:noFill/>
-                  </a:ln>
-                  <a:solidFill>
-                    <a:srgbClr val="0C2E86"/>
-                  </a:solidFill>
-                  <a:effectLst/>
-                  <a:latin typeface="Eurostile" panose="020B0504020202050204" pitchFamily="34" charset="0"/>
-                </a:endParaRPr>
-              </a:p>
-            </p:txBody>
-          </p:sp>
-        </p:grpSp>
-      </p:grpSp>
-      <p:grpSp>
-        <p:nvGrpSpPr>
-          <p:cNvPr id="35" name="Groupe 34"/>
-          <p:cNvGrpSpPr/>
-          <p:nvPr/>
-        </p:nvGrpSpPr>
-        <p:grpSpPr>
-          <a:xfrm flipV="1">
-            <a:off x="3131489" y="3426176"/>
-            <a:ext cx="2900890" cy="2702351"/>
-            <a:chOff x="1522718" y="1730306"/>
-            <a:chExt cx="5310379" cy="4946933"/>
-          </a:xfrm>
-        </p:grpSpPr>
-        <p:grpSp>
-          <p:nvGrpSpPr>
-            <p:cNvPr id="36" name="Groupe 35"/>
-            <p:cNvGrpSpPr/>
-            <p:nvPr/>
-          </p:nvGrpSpPr>
-          <p:grpSpPr>
-            <a:xfrm>
-              <a:off x="2854732" y="1730306"/>
-              <a:ext cx="2645460" cy="2645166"/>
-              <a:chOff x="4896035" y="4149080"/>
-              <a:chExt cx="1656184" cy="1656000"/>
-            </a:xfrm>
-          </p:grpSpPr>
-          <p:sp>
-            <p:nvSpPr>
-              <p:cNvPr id="43" name="Ellipse 42"/>
-              <p:cNvSpPr/>
-              <p:nvPr/>
-            </p:nvSpPr>
-            <p:spPr bwMode="auto">
-              <a:xfrm>
-                <a:off x="4896035" y="4149080"/>
-                <a:ext cx="1656184" cy="1656000"/>
-              </a:xfrm>
-              <a:prstGeom prst="ellipse">
-                <a:avLst/>
-              </a:prstGeom>
-              <a:solidFill>
-                <a:schemeClr val="bg1">
-                  <a:lumMod val="95000"/>
-                </a:schemeClr>
-              </a:solidFill>
-              <a:ln w="9525" cap="flat" cmpd="sng" algn="ctr">
-                <a:solidFill>
-                  <a:schemeClr val="tx1"/>
-                </a:solidFill>
-                <a:prstDash val="solid"/>
-                <a:round/>
-                <a:headEnd type="none" w="med" len="med"/>
-                <a:tailEnd type="none" w="med" len="med"/>
-              </a:ln>
-              <a:effectLst/>
-              <a:extLst/>
-            </p:spPr>
-            <p:txBody>
-              <a:bodyPr vert="eaVert" wrap="square" lIns="91440" tIns="45720" rIns="91440" bIns="45720" numCol="1" rtlCol="0" anchor="ctr" anchorCtr="1" compatLnSpc="1">
-                <a:prstTxWarp prst="textNoShape">
-                  <a:avLst/>
-                </a:prstTxWarp>
-              </a:bodyPr>
-              <a:lstStyle/>
-              <a:p>
-                <a:pPr marL="0" marR="0" indent="0" algn="l" defTabSz="914400" rtl="0" eaLnBrk="1" fontAlgn="base" latinLnBrk="0" hangingPunct="1">
-                  <a:lnSpc>
-                    <a:spcPct val="100000"/>
-                  </a:lnSpc>
-                  <a:spcBef>
-                    <a:spcPct val="0"/>
-                  </a:spcBef>
-                  <a:spcAft>
-                    <a:spcPct val="0"/>
-                  </a:spcAft>
-                  <a:buClrTx/>
-                  <a:buSzTx/>
-                  <a:buFontTx/>
-                  <a:buNone/>
-                  <a:tabLst/>
-                </a:pPr>
-                <a:endParaRPr kumimoji="0" lang="fr-FR" sz="2000" b="1" i="0" u="none" strike="noStrike" cap="none" normalizeH="0" baseline="0" smtClean="0">
-                  <a:ln>
-                    <a:noFill/>
-                  </a:ln>
-                  <a:solidFill>
-                    <a:srgbClr val="0C2E86"/>
-                  </a:solidFill>
-                  <a:effectLst/>
-                  <a:latin typeface="Eurostile" panose="020B0504020202050204" pitchFamily="34" charset="0"/>
-                </a:endParaRPr>
-              </a:p>
-            </p:txBody>
-          </p:sp>
-          <p:sp>
-            <p:nvSpPr>
-              <p:cNvPr id="44" name="Ellipse 43"/>
-              <p:cNvSpPr/>
-              <p:nvPr/>
-            </p:nvSpPr>
-            <p:spPr bwMode="auto">
-              <a:xfrm>
-                <a:off x="5386281" y="4637089"/>
-                <a:ext cx="675692" cy="675617"/>
-              </a:xfrm>
-              <a:prstGeom prst="ellipse">
-                <a:avLst/>
-              </a:prstGeom>
-              <a:solidFill>
-                <a:schemeClr val="bg1"/>
-              </a:solidFill>
-              <a:ln w="9525" cap="flat" cmpd="sng" algn="ctr">
-                <a:solidFill>
-                  <a:schemeClr val="tx1"/>
-                </a:solidFill>
-                <a:prstDash val="solid"/>
-                <a:round/>
-                <a:headEnd type="none" w="med" len="med"/>
-                <a:tailEnd type="none" w="med" len="med"/>
-              </a:ln>
-              <a:effectLst/>
-              <a:extLst/>
-            </p:spPr>
-            <p:txBody>
-              <a:bodyPr vert="eaVert" wrap="square" lIns="91440" tIns="45720" rIns="91440" bIns="45720" numCol="1" rtlCol="0" anchor="ctr" anchorCtr="1" compatLnSpc="1">
-                <a:prstTxWarp prst="textNoShape">
-                  <a:avLst/>
-                </a:prstTxWarp>
-              </a:bodyPr>
-              <a:lstStyle/>
-              <a:p>
-                <a:pPr marL="0" marR="0" indent="0" algn="l" defTabSz="914400" rtl="0" eaLnBrk="1" fontAlgn="base" latinLnBrk="0" hangingPunct="1">
-                  <a:lnSpc>
-                    <a:spcPct val="100000"/>
-                  </a:lnSpc>
-                  <a:spcBef>
-                    <a:spcPct val="0"/>
-                  </a:spcBef>
-                  <a:spcAft>
-                    <a:spcPct val="0"/>
-                  </a:spcAft>
-                  <a:buClrTx/>
-                  <a:buSzTx/>
-                  <a:buFontTx/>
-                  <a:buNone/>
-                  <a:tabLst/>
-                </a:pPr>
-                <a:endParaRPr kumimoji="0" lang="fr-FR" sz="2000" b="1" i="0" u="none" strike="noStrike" cap="none" normalizeH="0" baseline="0" smtClean="0">
-                  <a:ln>
-                    <a:noFill/>
-                  </a:ln>
-                  <a:solidFill>
-                    <a:srgbClr val="0C2E86"/>
-                  </a:solidFill>
-                  <a:effectLst/>
-                  <a:latin typeface="Eurostile" panose="020B0504020202050204" pitchFamily="34" charset="0"/>
-                </a:endParaRPr>
-              </a:p>
-            </p:txBody>
-          </p:sp>
-        </p:grpSp>
-        <p:grpSp>
-          <p:nvGrpSpPr>
-            <p:cNvPr id="37" name="Groupe 36"/>
-            <p:cNvGrpSpPr/>
-            <p:nvPr/>
-          </p:nvGrpSpPr>
-          <p:grpSpPr>
-            <a:xfrm>
-              <a:off x="1522718" y="4032073"/>
-              <a:ext cx="2645460" cy="2645166"/>
-              <a:chOff x="4896035" y="4149080"/>
-              <a:chExt cx="1656184" cy="1656000"/>
-            </a:xfrm>
-          </p:grpSpPr>
-          <p:sp>
-            <p:nvSpPr>
-              <p:cNvPr id="41" name="Ellipse 40"/>
-              <p:cNvSpPr/>
-              <p:nvPr/>
-            </p:nvSpPr>
-            <p:spPr bwMode="auto">
-              <a:xfrm>
-                <a:off x="4896035" y="4149080"/>
-                <a:ext cx="1656184" cy="1656000"/>
-              </a:xfrm>
-              <a:prstGeom prst="ellipse">
-                <a:avLst/>
-              </a:prstGeom>
-              <a:solidFill>
-                <a:schemeClr val="bg1">
-                  <a:lumMod val="95000"/>
-                </a:schemeClr>
-              </a:solidFill>
-              <a:ln w="9525" cap="flat" cmpd="sng" algn="ctr">
-                <a:solidFill>
-                  <a:schemeClr val="tx1"/>
-                </a:solidFill>
-                <a:prstDash val="solid"/>
-                <a:round/>
-                <a:headEnd type="none" w="med" len="med"/>
-                <a:tailEnd type="none" w="med" len="med"/>
-              </a:ln>
-              <a:effectLst/>
-              <a:extLst/>
-            </p:spPr>
-            <p:txBody>
-              <a:bodyPr vert="eaVert" wrap="square" lIns="91440" tIns="45720" rIns="91440" bIns="45720" numCol="1" rtlCol="0" anchor="ctr" anchorCtr="1" compatLnSpc="1">
-                <a:prstTxWarp prst="textNoShape">
-                  <a:avLst/>
-                </a:prstTxWarp>
-              </a:bodyPr>
-              <a:lstStyle/>
-              <a:p>
-                <a:pPr marL="0" marR="0" indent="0" algn="l" defTabSz="914400" rtl="0" eaLnBrk="1" fontAlgn="base" latinLnBrk="0" hangingPunct="1">
-                  <a:lnSpc>
-                    <a:spcPct val="100000"/>
-                  </a:lnSpc>
-                  <a:spcBef>
-                    <a:spcPct val="0"/>
-                  </a:spcBef>
-                  <a:spcAft>
-                    <a:spcPct val="0"/>
-                  </a:spcAft>
-                  <a:buClrTx/>
-                  <a:buSzTx/>
-                  <a:buFontTx/>
-                  <a:buNone/>
-                  <a:tabLst/>
-                </a:pPr>
-                <a:endParaRPr kumimoji="0" lang="fr-FR" sz="2000" b="1" i="0" u="none" strike="noStrike" cap="none" normalizeH="0" baseline="0" smtClean="0">
-                  <a:ln>
-                    <a:noFill/>
-                  </a:ln>
-                  <a:solidFill>
-                    <a:srgbClr val="0C2E86"/>
-                  </a:solidFill>
-                  <a:effectLst/>
-                  <a:latin typeface="Eurostile" panose="020B0504020202050204" pitchFamily="34" charset="0"/>
-                </a:endParaRPr>
-              </a:p>
-            </p:txBody>
-          </p:sp>
-          <p:sp>
-            <p:nvSpPr>
-              <p:cNvPr id="42" name="Ellipse 41"/>
-              <p:cNvSpPr/>
-              <p:nvPr/>
-            </p:nvSpPr>
-            <p:spPr bwMode="auto">
-              <a:xfrm>
-                <a:off x="5386281" y="4637089"/>
-                <a:ext cx="675692" cy="675617"/>
-              </a:xfrm>
-              <a:prstGeom prst="ellipse">
-                <a:avLst/>
-              </a:prstGeom>
-              <a:solidFill>
-                <a:schemeClr val="bg1"/>
-              </a:solidFill>
-              <a:ln w="9525" cap="flat" cmpd="sng" algn="ctr">
-                <a:solidFill>
-                  <a:schemeClr val="tx1"/>
-                </a:solidFill>
-                <a:prstDash val="solid"/>
-                <a:round/>
-                <a:headEnd type="none" w="med" len="med"/>
-                <a:tailEnd type="none" w="med" len="med"/>
-              </a:ln>
-              <a:effectLst/>
-              <a:extLst/>
-            </p:spPr>
-            <p:txBody>
-              <a:bodyPr vert="eaVert" wrap="square" lIns="91440" tIns="45720" rIns="91440" bIns="45720" numCol="1" rtlCol="0" anchor="ctr" anchorCtr="1" compatLnSpc="1">
-                <a:prstTxWarp prst="textNoShape">
-                  <a:avLst/>
-                </a:prstTxWarp>
-              </a:bodyPr>
-              <a:lstStyle/>
-              <a:p>
-                <a:pPr marL="0" marR="0" indent="0" algn="l" defTabSz="914400" rtl="0" eaLnBrk="1" fontAlgn="base" latinLnBrk="0" hangingPunct="1">
-                  <a:lnSpc>
-                    <a:spcPct val="100000"/>
-                  </a:lnSpc>
-                  <a:spcBef>
-                    <a:spcPct val="0"/>
-                  </a:spcBef>
-                  <a:spcAft>
-                    <a:spcPct val="0"/>
-                  </a:spcAft>
-                  <a:buClrTx/>
-                  <a:buSzTx/>
-                  <a:buFontTx/>
-                  <a:buNone/>
-                  <a:tabLst/>
-                </a:pPr>
-                <a:endParaRPr kumimoji="0" lang="fr-FR" sz="2000" b="1" i="0" u="none" strike="noStrike" cap="none" normalizeH="0" baseline="0" smtClean="0">
-                  <a:ln>
-                    <a:noFill/>
-                  </a:ln>
-                  <a:solidFill>
-                    <a:srgbClr val="0C2E86"/>
-                  </a:solidFill>
-                  <a:effectLst/>
-                  <a:latin typeface="Eurostile" panose="020B0504020202050204" pitchFamily="34" charset="0"/>
-                </a:endParaRPr>
-              </a:p>
-            </p:txBody>
-          </p:sp>
-        </p:grpSp>
-        <p:grpSp>
-          <p:nvGrpSpPr>
-            <p:cNvPr id="38" name="Groupe 37"/>
-            <p:cNvGrpSpPr/>
-            <p:nvPr/>
-          </p:nvGrpSpPr>
-          <p:grpSpPr>
-            <a:xfrm>
-              <a:off x="4187637" y="4032073"/>
-              <a:ext cx="2645460" cy="2645166"/>
-              <a:chOff x="4896035" y="4149080"/>
-              <a:chExt cx="1656184" cy="1656000"/>
-            </a:xfrm>
-          </p:grpSpPr>
-          <p:sp>
-            <p:nvSpPr>
-              <p:cNvPr id="39" name="Ellipse 38"/>
-              <p:cNvSpPr/>
-              <p:nvPr/>
-            </p:nvSpPr>
-            <p:spPr bwMode="auto">
-              <a:xfrm>
-                <a:off x="4896035" y="4149080"/>
-                <a:ext cx="1656184" cy="1656000"/>
-              </a:xfrm>
-              <a:prstGeom prst="ellipse">
-                <a:avLst/>
-              </a:prstGeom>
-              <a:solidFill>
-                <a:schemeClr val="bg1">
-                  <a:lumMod val="95000"/>
-                </a:schemeClr>
-              </a:solidFill>
-              <a:ln w="9525" cap="flat" cmpd="sng" algn="ctr">
-                <a:solidFill>
-                  <a:schemeClr val="tx1"/>
-                </a:solidFill>
-                <a:prstDash val="solid"/>
-                <a:round/>
-                <a:headEnd type="none" w="med" len="med"/>
-                <a:tailEnd type="none" w="med" len="med"/>
-              </a:ln>
-              <a:effectLst/>
-              <a:extLst/>
-            </p:spPr>
-            <p:txBody>
-              <a:bodyPr vert="eaVert" wrap="square" lIns="91440" tIns="45720" rIns="91440" bIns="45720" numCol="1" rtlCol="0" anchor="ctr" anchorCtr="1" compatLnSpc="1">
-                <a:prstTxWarp prst="textNoShape">
-                  <a:avLst/>
-                </a:prstTxWarp>
-              </a:bodyPr>
-              <a:lstStyle/>
-              <a:p>
-                <a:pPr marL="0" marR="0" indent="0" algn="l" defTabSz="914400" rtl="0" eaLnBrk="1" fontAlgn="base" latinLnBrk="0" hangingPunct="1">
-                  <a:lnSpc>
-                    <a:spcPct val="100000"/>
-                  </a:lnSpc>
-                  <a:spcBef>
-                    <a:spcPct val="0"/>
-                  </a:spcBef>
-                  <a:spcAft>
-                    <a:spcPct val="0"/>
-                  </a:spcAft>
-                  <a:buClrTx/>
-                  <a:buSzTx/>
-                  <a:buFontTx/>
-                  <a:buNone/>
-                  <a:tabLst/>
-                </a:pPr>
-                <a:endParaRPr kumimoji="0" lang="fr-FR" sz="2000" b="1" i="0" u="none" strike="noStrike" cap="none" normalizeH="0" baseline="0" smtClean="0">
-                  <a:ln>
-                    <a:noFill/>
-                  </a:ln>
-                  <a:solidFill>
-                    <a:srgbClr val="0C2E86"/>
-                  </a:solidFill>
-                  <a:effectLst/>
-                  <a:latin typeface="Eurostile" panose="020B0504020202050204" pitchFamily="34" charset="0"/>
-                </a:endParaRPr>
-              </a:p>
-            </p:txBody>
-          </p:sp>
-          <p:sp>
-            <p:nvSpPr>
-              <p:cNvPr id="40" name="Ellipse 39"/>
-              <p:cNvSpPr/>
-              <p:nvPr/>
-            </p:nvSpPr>
-            <p:spPr bwMode="auto">
-              <a:xfrm>
-                <a:off x="5386281" y="4637089"/>
-                <a:ext cx="675692" cy="675617"/>
-              </a:xfrm>
-              <a:prstGeom prst="ellipse">
-                <a:avLst/>
-              </a:prstGeom>
-              <a:solidFill>
-                <a:schemeClr val="bg1"/>
-              </a:solidFill>
-              <a:ln w="9525" cap="flat" cmpd="sng" algn="ctr">
-                <a:solidFill>
-                  <a:schemeClr val="tx1"/>
-                </a:solidFill>
-                <a:prstDash val="solid"/>
-                <a:round/>
-                <a:headEnd type="none" w="med" len="med"/>
-                <a:tailEnd type="none" w="med" len="med"/>
-              </a:ln>
-              <a:effectLst/>
-              <a:extLst/>
-            </p:spPr>
-            <p:txBody>
-              <a:bodyPr vert="eaVert" wrap="square" lIns="91440" tIns="45720" rIns="91440" bIns="45720" numCol="1" rtlCol="0" anchor="ctr" anchorCtr="1" compatLnSpc="1">
-                <a:prstTxWarp prst="textNoShape">
-                  <a:avLst/>
-                </a:prstTxWarp>
-              </a:bodyPr>
-              <a:lstStyle/>
-              <a:p>
-                <a:pPr marL="0" marR="0" indent="0" algn="l" defTabSz="914400" rtl="0" eaLnBrk="1" fontAlgn="base" latinLnBrk="0" hangingPunct="1">
-                  <a:lnSpc>
-                    <a:spcPct val="100000"/>
-                  </a:lnSpc>
-                  <a:spcBef>
-                    <a:spcPct val="0"/>
-                  </a:spcBef>
-                  <a:spcAft>
-                    <a:spcPct val="0"/>
-                  </a:spcAft>
-                  <a:buClrTx/>
-                  <a:buSzTx/>
-                  <a:buFontTx/>
-                  <a:buNone/>
-                  <a:tabLst/>
-                </a:pPr>
-                <a:endParaRPr kumimoji="0" lang="fr-FR" sz="2000" b="1" i="0" u="none" strike="noStrike" cap="none" normalizeH="0" baseline="0" smtClean="0">
-                  <a:ln>
-                    <a:noFill/>
-                  </a:ln>
-                  <a:solidFill>
-                    <a:srgbClr val="0C2E86"/>
-                  </a:solidFill>
-                  <a:effectLst/>
-                  <a:latin typeface="Eurostile" panose="020B0504020202050204" pitchFamily="34" charset="0"/>
-                </a:endParaRPr>
-              </a:p>
-            </p:txBody>
-          </p:sp>
-        </p:grpSp>
-      </p:grpSp>
-      <p:grpSp>
-        <p:nvGrpSpPr>
-          <p:cNvPr id="45" name="Groupe 44"/>
-          <p:cNvGrpSpPr/>
-          <p:nvPr/>
-        </p:nvGrpSpPr>
-        <p:grpSpPr>
-          <a:xfrm flipV="1">
-            <a:off x="6221955" y="3426176"/>
-            <a:ext cx="2900890" cy="2702351"/>
-            <a:chOff x="1522718" y="1730306"/>
-            <a:chExt cx="5310379" cy="4946933"/>
-          </a:xfrm>
-        </p:grpSpPr>
-        <p:grpSp>
-          <p:nvGrpSpPr>
-            <p:cNvPr id="46" name="Groupe 45"/>
-            <p:cNvGrpSpPr/>
-            <p:nvPr/>
-          </p:nvGrpSpPr>
-          <p:grpSpPr>
-            <a:xfrm>
-              <a:off x="2854732" y="1730306"/>
-              <a:ext cx="2645460" cy="2645166"/>
-              <a:chOff x="4896035" y="4149080"/>
-              <a:chExt cx="1656184" cy="1656000"/>
-            </a:xfrm>
-          </p:grpSpPr>
-          <p:sp>
-            <p:nvSpPr>
-              <p:cNvPr id="53" name="Ellipse 52"/>
-              <p:cNvSpPr/>
-              <p:nvPr/>
-            </p:nvSpPr>
-            <p:spPr bwMode="auto">
-              <a:xfrm>
-                <a:off x="4896035" y="4149080"/>
-                <a:ext cx="1656184" cy="1656000"/>
-              </a:xfrm>
-              <a:prstGeom prst="ellipse">
-                <a:avLst/>
-              </a:prstGeom>
-              <a:solidFill>
-                <a:schemeClr val="bg1">
-                  <a:lumMod val="95000"/>
-                </a:schemeClr>
-              </a:solidFill>
-              <a:ln w="9525" cap="flat" cmpd="sng" algn="ctr">
-                <a:solidFill>
-                  <a:schemeClr val="tx1"/>
-                </a:solidFill>
-                <a:prstDash val="solid"/>
-                <a:round/>
-                <a:headEnd type="none" w="med" len="med"/>
-                <a:tailEnd type="none" w="med" len="med"/>
-              </a:ln>
-              <a:effectLst/>
-              <a:extLst/>
-            </p:spPr>
-            <p:txBody>
-              <a:bodyPr vert="eaVert" wrap="square" lIns="91440" tIns="45720" rIns="91440" bIns="45720" numCol="1" rtlCol="0" anchor="ctr" anchorCtr="1" compatLnSpc="1">
-                <a:prstTxWarp prst="textNoShape">
-                  <a:avLst/>
-                </a:prstTxWarp>
-              </a:bodyPr>
-              <a:lstStyle/>
-              <a:p>
-                <a:pPr marL="0" marR="0" indent="0" algn="l" defTabSz="914400" rtl="0" eaLnBrk="1" fontAlgn="base" latinLnBrk="0" hangingPunct="1">
-                  <a:lnSpc>
-                    <a:spcPct val="100000"/>
-                  </a:lnSpc>
-                  <a:spcBef>
-                    <a:spcPct val="0"/>
-                  </a:spcBef>
-                  <a:spcAft>
-                    <a:spcPct val="0"/>
-                  </a:spcAft>
-                  <a:buClrTx/>
-                  <a:buSzTx/>
-                  <a:buFontTx/>
-                  <a:buNone/>
-                  <a:tabLst/>
-                </a:pPr>
-                <a:endParaRPr kumimoji="0" lang="fr-FR" sz="2000" b="1" i="0" u="none" strike="noStrike" cap="none" normalizeH="0" baseline="0" smtClean="0">
-                  <a:ln>
-                    <a:noFill/>
-                  </a:ln>
-                  <a:solidFill>
-                    <a:srgbClr val="0C2E86"/>
-                  </a:solidFill>
-                  <a:effectLst/>
-                  <a:latin typeface="Eurostile" panose="020B0504020202050204" pitchFamily="34" charset="0"/>
-                </a:endParaRPr>
-              </a:p>
-            </p:txBody>
-          </p:sp>
-          <p:sp>
-            <p:nvSpPr>
-              <p:cNvPr id="54" name="Ellipse 53"/>
-              <p:cNvSpPr/>
-              <p:nvPr/>
-            </p:nvSpPr>
-            <p:spPr bwMode="auto">
-              <a:xfrm>
-                <a:off x="5386281" y="4637089"/>
-                <a:ext cx="675692" cy="675617"/>
-              </a:xfrm>
-              <a:prstGeom prst="ellipse">
-                <a:avLst/>
-              </a:prstGeom>
-              <a:solidFill>
-                <a:schemeClr val="bg1"/>
-              </a:solidFill>
-              <a:ln w="9525" cap="flat" cmpd="sng" algn="ctr">
-                <a:solidFill>
-                  <a:schemeClr val="tx1"/>
-                </a:solidFill>
-                <a:prstDash val="solid"/>
-                <a:round/>
-                <a:headEnd type="none" w="med" len="med"/>
-                <a:tailEnd type="none" w="med" len="med"/>
-              </a:ln>
-              <a:effectLst/>
-              <a:extLst/>
-            </p:spPr>
-            <p:txBody>
-              <a:bodyPr vert="eaVert" wrap="square" lIns="91440" tIns="45720" rIns="91440" bIns="45720" numCol="1" rtlCol="0" anchor="ctr" anchorCtr="1" compatLnSpc="1">
-                <a:prstTxWarp prst="textNoShape">
-                  <a:avLst/>
-                </a:prstTxWarp>
-              </a:bodyPr>
-              <a:lstStyle/>
-              <a:p>
-                <a:pPr marL="0" marR="0" indent="0" algn="l" defTabSz="914400" rtl="0" eaLnBrk="1" fontAlgn="base" latinLnBrk="0" hangingPunct="1">
-                  <a:lnSpc>
-                    <a:spcPct val="100000"/>
-                  </a:lnSpc>
-                  <a:spcBef>
-                    <a:spcPct val="0"/>
-                  </a:spcBef>
-                  <a:spcAft>
-                    <a:spcPct val="0"/>
-                  </a:spcAft>
-                  <a:buClrTx/>
-                  <a:buSzTx/>
-                  <a:buFontTx/>
-                  <a:buNone/>
-                  <a:tabLst/>
-                </a:pPr>
-                <a:endParaRPr kumimoji="0" lang="fr-FR" sz="2000" b="1" i="0" u="none" strike="noStrike" cap="none" normalizeH="0" baseline="0" smtClean="0">
-                  <a:ln>
-                    <a:noFill/>
-                  </a:ln>
-                  <a:solidFill>
-                    <a:srgbClr val="0C2E86"/>
-                  </a:solidFill>
-                  <a:effectLst/>
-                  <a:latin typeface="Eurostile" panose="020B0504020202050204" pitchFamily="34" charset="0"/>
-                </a:endParaRPr>
-              </a:p>
-            </p:txBody>
-          </p:sp>
-        </p:grpSp>
-        <p:grpSp>
-          <p:nvGrpSpPr>
-            <p:cNvPr id="47" name="Groupe 46"/>
-            <p:cNvGrpSpPr/>
-            <p:nvPr/>
-          </p:nvGrpSpPr>
-          <p:grpSpPr>
-            <a:xfrm>
-              <a:off x="1522718" y="4032073"/>
-              <a:ext cx="2645460" cy="2645166"/>
-              <a:chOff x="4896035" y="4149080"/>
-              <a:chExt cx="1656184" cy="1656000"/>
-            </a:xfrm>
-          </p:grpSpPr>
-          <p:sp>
-            <p:nvSpPr>
-              <p:cNvPr id="51" name="Ellipse 50"/>
-              <p:cNvSpPr/>
-              <p:nvPr/>
-            </p:nvSpPr>
-            <p:spPr bwMode="auto">
-              <a:xfrm>
-                <a:off x="4896035" y="4149080"/>
-                <a:ext cx="1656184" cy="1656000"/>
-              </a:xfrm>
-              <a:prstGeom prst="ellipse">
-                <a:avLst/>
-              </a:prstGeom>
-              <a:solidFill>
-                <a:schemeClr val="bg1">
-                  <a:lumMod val="95000"/>
-                </a:schemeClr>
-              </a:solidFill>
-              <a:ln w="9525" cap="flat" cmpd="sng" algn="ctr">
-                <a:solidFill>
-                  <a:schemeClr val="tx1"/>
-                </a:solidFill>
-                <a:prstDash val="solid"/>
-                <a:round/>
-                <a:headEnd type="none" w="med" len="med"/>
-                <a:tailEnd type="none" w="med" len="med"/>
-              </a:ln>
-              <a:effectLst/>
-              <a:extLst/>
-            </p:spPr>
-            <p:txBody>
-              <a:bodyPr vert="eaVert" wrap="square" lIns="91440" tIns="45720" rIns="91440" bIns="45720" numCol="1" rtlCol="0" anchor="ctr" anchorCtr="1" compatLnSpc="1">
-                <a:prstTxWarp prst="textNoShape">
-                  <a:avLst/>
-                </a:prstTxWarp>
-              </a:bodyPr>
-              <a:lstStyle/>
-              <a:p>
-                <a:pPr marL="0" marR="0" indent="0" algn="l" defTabSz="914400" rtl="0" eaLnBrk="1" fontAlgn="base" latinLnBrk="0" hangingPunct="1">
-                  <a:lnSpc>
-                    <a:spcPct val="100000"/>
-                  </a:lnSpc>
-                  <a:spcBef>
-                    <a:spcPct val="0"/>
-                  </a:spcBef>
-                  <a:spcAft>
-                    <a:spcPct val="0"/>
-                  </a:spcAft>
-                  <a:buClrTx/>
-                  <a:buSzTx/>
-                  <a:buFontTx/>
-                  <a:buNone/>
-                  <a:tabLst/>
-                </a:pPr>
-                <a:endParaRPr kumimoji="0" lang="fr-FR" sz="2000" b="1" i="0" u="none" strike="noStrike" cap="none" normalizeH="0" baseline="0" smtClean="0">
-                  <a:ln>
-                    <a:noFill/>
-                  </a:ln>
-                  <a:solidFill>
-                    <a:srgbClr val="0C2E86"/>
-                  </a:solidFill>
-                  <a:effectLst/>
-                  <a:latin typeface="Eurostile" panose="020B0504020202050204" pitchFamily="34" charset="0"/>
-                </a:endParaRPr>
-              </a:p>
-            </p:txBody>
-          </p:sp>
-          <p:sp>
-            <p:nvSpPr>
-              <p:cNvPr id="52" name="Ellipse 51"/>
-              <p:cNvSpPr/>
-              <p:nvPr/>
-            </p:nvSpPr>
-            <p:spPr bwMode="auto">
-              <a:xfrm>
-                <a:off x="5386281" y="4637089"/>
-                <a:ext cx="675692" cy="675617"/>
-              </a:xfrm>
-              <a:prstGeom prst="ellipse">
-                <a:avLst/>
-              </a:prstGeom>
-              <a:solidFill>
-                <a:schemeClr val="bg1"/>
-              </a:solidFill>
-              <a:ln w="9525" cap="flat" cmpd="sng" algn="ctr">
-                <a:solidFill>
-                  <a:schemeClr val="tx1"/>
-                </a:solidFill>
-                <a:prstDash val="solid"/>
-                <a:round/>
-                <a:headEnd type="none" w="med" len="med"/>
-                <a:tailEnd type="none" w="med" len="med"/>
-              </a:ln>
-              <a:effectLst/>
-              <a:extLst/>
-            </p:spPr>
-            <p:txBody>
-              <a:bodyPr vert="eaVert" wrap="square" lIns="91440" tIns="45720" rIns="91440" bIns="45720" numCol="1" rtlCol="0" anchor="ctr" anchorCtr="1" compatLnSpc="1">
-                <a:prstTxWarp prst="textNoShape">
-                  <a:avLst/>
-                </a:prstTxWarp>
-              </a:bodyPr>
-              <a:lstStyle/>
-              <a:p>
-                <a:pPr marL="0" marR="0" indent="0" algn="l" defTabSz="914400" rtl="0" eaLnBrk="1" fontAlgn="base" latinLnBrk="0" hangingPunct="1">
-                  <a:lnSpc>
-                    <a:spcPct val="100000"/>
-                  </a:lnSpc>
-                  <a:spcBef>
-                    <a:spcPct val="0"/>
-                  </a:spcBef>
-                  <a:spcAft>
-                    <a:spcPct val="0"/>
-                  </a:spcAft>
-                  <a:buClrTx/>
-                  <a:buSzTx/>
-                  <a:buFontTx/>
-                  <a:buNone/>
-                  <a:tabLst/>
-                </a:pPr>
-                <a:endParaRPr kumimoji="0" lang="fr-FR" sz="2000" b="1" i="0" u="none" strike="noStrike" cap="none" normalizeH="0" baseline="0" smtClean="0">
-                  <a:ln>
-                    <a:noFill/>
-                  </a:ln>
-                  <a:solidFill>
-                    <a:srgbClr val="0C2E86"/>
-                  </a:solidFill>
-                  <a:effectLst/>
-                  <a:latin typeface="Eurostile" panose="020B0504020202050204" pitchFamily="34" charset="0"/>
-                </a:endParaRPr>
-              </a:p>
-            </p:txBody>
-          </p:sp>
-        </p:grpSp>
-        <p:grpSp>
-          <p:nvGrpSpPr>
-            <p:cNvPr id="48" name="Groupe 47"/>
-            <p:cNvGrpSpPr/>
-            <p:nvPr/>
-          </p:nvGrpSpPr>
-          <p:grpSpPr>
-            <a:xfrm>
-              <a:off x="4187637" y="4032073"/>
-              <a:ext cx="2645460" cy="2645166"/>
-              <a:chOff x="4896035" y="4149080"/>
-              <a:chExt cx="1656184" cy="1656000"/>
-            </a:xfrm>
-          </p:grpSpPr>
-          <p:sp>
-            <p:nvSpPr>
-              <p:cNvPr id="49" name="Ellipse 48"/>
-              <p:cNvSpPr/>
-              <p:nvPr/>
-            </p:nvSpPr>
-            <p:spPr bwMode="auto">
-              <a:xfrm>
-                <a:off x="4896035" y="4149080"/>
-                <a:ext cx="1656184" cy="1656000"/>
-              </a:xfrm>
-              <a:prstGeom prst="ellipse">
-                <a:avLst/>
-              </a:prstGeom>
-              <a:solidFill>
-                <a:schemeClr val="bg1">
-                  <a:lumMod val="95000"/>
-                </a:schemeClr>
-              </a:solidFill>
-              <a:ln w="9525" cap="flat" cmpd="sng" algn="ctr">
-                <a:solidFill>
-                  <a:schemeClr val="tx1"/>
-                </a:solidFill>
-                <a:prstDash val="solid"/>
-                <a:round/>
-                <a:headEnd type="none" w="med" len="med"/>
-                <a:tailEnd type="none" w="med" len="med"/>
-              </a:ln>
-              <a:effectLst/>
-              <a:extLst/>
-            </p:spPr>
-            <p:txBody>
-              <a:bodyPr vert="eaVert" wrap="square" lIns="91440" tIns="45720" rIns="91440" bIns="45720" numCol="1" rtlCol="0" anchor="ctr" anchorCtr="1" compatLnSpc="1">
-                <a:prstTxWarp prst="textNoShape">
-                  <a:avLst/>
-                </a:prstTxWarp>
-              </a:bodyPr>
-              <a:lstStyle/>
-              <a:p>
-                <a:pPr marL="0" marR="0" indent="0" algn="l" defTabSz="914400" rtl="0" eaLnBrk="1" fontAlgn="base" latinLnBrk="0" hangingPunct="1">
-                  <a:lnSpc>
-                    <a:spcPct val="100000"/>
-                  </a:lnSpc>
-                  <a:spcBef>
-                    <a:spcPct val="0"/>
-                  </a:spcBef>
-                  <a:spcAft>
-                    <a:spcPct val="0"/>
-                  </a:spcAft>
-                  <a:buClrTx/>
-                  <a:buSzTx/>
-                  <a:buFontTx/>
-                  <a:buNone/>
-                  <a:tabLst/>
-                </a:pPr>
-                <a:endParaRPr kumimoji="0" lang="fr-FR" sz="2000" b="1" i="0" u="none" strike="noStrike" cap="none" normalizeH="0" baseline="0" smtClean="0">
-                  <a:ln>
-                    <a:noFill/>
-                  </a:ln>
-                  <a:solidFill>
-                    <a:srgbClr val="0C2E86"/>
-                  </a:solidFill>
-                  <a:effectLst/>
-                  <a:latin typeface="Eurostile" panose="020B0504020202050204" pitchFamily="34" charset="0"/>
-                </a:endParaRPr>
-              </a:p>
-            </p:txBody>
-          </p:sp>
-          <p:sp>
-            <p:nvSpPr>
-              <p:cNvPr id="50" name="Ellipse 49"/>
-              <p:cNvSpPr/>
-              <p:nvPr/>
-            </p:nvSpPr>
-            <p:spPr bwMode="auto">
-              <a:xfrm>
-                <a:off x="5386281" y="4637089"/>
-                <a:ext cx="675692" cy="675617"/>
-              </a:xfrm>
-              <a:prstGeom prst="ellipse">
-                <a:avLst/>
-              </a:prstGeom>
-              <a:solidFill>
-                <a:schemeClr val="bg1"/>
-              </a:solidFill>
-              <a:ln w="9525" cap="flat" cmpd="sng" algn="ctr">
-                <a:solidFill>
-                  <a:schemeClr val="tx1"/>
-                </a:solidFill>
-                <a:prstDash val="solid"/>
-                <a:round/>
-                <a:headEnd type="none" w="med" len="med"/>
-                <a:tailEnd type="none" w="med" len="med"/>
-              </a:ln>
-              <a:effectLst/>
-              <a:extLst/>
-            </p:spPr>
-            <p:txBody>
-              <a:bodyPr vert="eaVert" wrap="square" lIns="91440" tIns="45720" rIns="91440" bIns="45720" numCol="1" rtlCol="0" anchor="ctr" anchorCtr="1" compatLnSpc="1">
-                <a:prstTxWarp prst="textNoShape">
-                  <a:avLst/>
-                </a:prstTxWarp>
-              </a:bodyPr>
-              <a:lstStyle/>
-              <a:p>
-                <a:pPr marL="0" marR="0" indent="0" algn="l" defTabSz="914400" rtl="0" eaLnBrk="1" fontAlgn="base" latinLnBrk="0" hangingPunct="1">
-                  <a:lnSpc>
-                    <a:spcPct val="100000"/>
-                  </a:lnSpc>
-                  <a:spcBef>
-                    <a:spcPct val="0"/>
-                  </a:spcBef>
-                  <a:spcAft>
-                    <a:spcPct val="0"/>
-                  </a:spcAft>
-                  <a:buClrTx/>
-                  <a:buSzTx/>
-                  <a:buFontTx/>
-                  <a:buNone/>
-                  <a:tabLst/>
-                </a:pPr>
-                <a:endParaRPr kumimoji="0" lang="fr-FR" sz="2000" b="1" i="0" u="none" strike="noStrike" cap="none" normalizeH="0" baseline="0" smtClean="0">
-                  <a:ln>
-                    <a:noFill/>
-                  </a:ln>
-                  <a:solidFill>
-                    <a:srgbClr val="0C2E86"/>
-                  </a:solidFill>
-                  <a:effectLst/>
-                  <a:latin typeface="Eurostile" panose="020B0504020202050204" pitchFamily="34" charset="0"/>
-                </a:endParaRPr>
-              </a:p>
-            </p:txBody>
-          </p:sp>
-        </p:grpSp>
-      </p:grpSp>
       <p:sp>
         <p:nvSpPr>
           <p:cNvPr id="55" name="ZoneTexte 3"/>
@@ -8208,8 +8541,8 @@
         </p:nvSpPr>
         <p:spPr bwMode="auto">
           <a:xfrm>
-            <a:off x="645718" y="1348772"/>
-            <a:ext cx="4527649" cy="461665"/>
+            <a:off x="3329878" y="1233390"/>
+            <a:ext cx="2592969" cy="461665"/>
           </a:xfrm>
           <a:prstGeom prst="rect">
             <a:avLst/>
@@ -8350,6 +8683,7 @@
             </a:lvl9pPr>
           </a:lstStyle>
           <a:p>
+            <a:pPr algn="ctr"/>
             <a:r>
               <a:rPr lang="fr-FR" altLang="fr-FR" sz="2400" dirty="0" smtClean="0">
                 <a:solidFill>
@@ -8387,7 +8721,7 @@
         </p:nvSpPr>
         <p:spPr bwMode="auto">
           <a:xfrm>
-            <a:off x="7384927" y="6296766"/>
+            <a:off x="7391289" y="5253691"/>
             <a:ext cx="640442" cy="461665"/>
           </a:xfrm>
           <a:prstGeom prst="rect">
@@ -8558,7 +8892,7 @@
         </p:nvSpPr>
         <p:spPr bwMode="auto">
           <a:xfrm>
-            <a:off x="4387506" y="6296766"/>
+            <a:off x="4393868" y="5253691"/>
             <a:ext cx="399486" cy="461665"/>
           </a:xfrm>
           <a:prstGeom prst="rect">
@@ -8719,183 +9053,6 @@
           </a:p>
         </p:txBody>
       </p:sp>
-      <p:pic>
-        <p:nvPicPr>
-          <p:cNvPr id="58" name="Image 57"/>
-          <p:cNvPicPr>
-            <a:picLocks noChangeAspect="1"/>
-          </p:cNvPicPr>
-          <p:nvPr/>
-        </p:nvPicPr>
-        <p:blipFill>
-          <a:blip r:embed="rId3" cstate="print">
-            <a:clrChange>
-              <a:clrFrom>
-                <a:srgbClr val="FEFEFE"/>
-              </a:clrFrom>
-              <a:clrTo>
-                <a:srgbClr val="FEFEFE">
-                  <a:alpha val="0"/>
-                </a:srgbClr>
-              </a:clrTo>
-            </a:clrChange>
-            <a:duotone>
-              <a:schemeClr val="accent2">
-                <a:shade val="45000"/>
-                <a:satMod val="135000"/>
-              </a:schemeClr>
-              <a:prstClr val="white"/>
-            </a:duotone>
-            <a:extLst>
-              <a:ext uri="{BEBA8EAE-BF5A-486C-A8C5-ECC9F3942E4B}">
-                <a14:imgProps xmlns:a14="http://schemas.microsoft.com/office/drawing/2010/main">
-                  <a14:imgLayer r:embed="rId4">
-                    <a14:imgEffect>
-                      <a14:sharpenSoften amount="50000"/>
-                    </a14:imgEffect>
-                    <a14:imgEffect>
-                      <a14:brightnessContrast contrast="-20000"/>
-                    </a14:imgEffect>
-                  </a14:imgLayer>
-                </a14:imgProps>
-              </a:ext>
-              <a:ext uri="{28A0092B-C50C-407E-A947-70E740481C1C}">
-                <a14:useLocalDpi xmlns:a14="http://schemas.microsoft.com/office/drawing/2010/main" val="0"/>
-              </a:ext>
-            </a:extLst>
-          </a:blip>
-          <a:stretch>
-            <a:fillRect/>
-          </a:stretch>
-        </p:blipFill>
-        <p:spPr>
-          <a:xfrm>
-            <a:off x="360056" y="3731563"/>
-            <a:ext cx="824048" cy="838004"/>
-          </a:xfrm>
-          <a:prstGeom prst="rect">
-            <a:avLst/>
-          </a:prstGeom>
-        </p:spPr>
-      </p:pic>
-      <p:pic>
-        <p:nvPicPr>
-          <p:cNvPr id="59" name="Image 58"/>
-          <p:cNvPicPr>
-            <a:picLocks noChangeAspect="1"/>
-          </p:cNvPicPr>
-          <p:nvPr/>
-        </p:nvPicPr>
-        <p:blipFill>
-          <a:blip r:embed="rId3" cstate="print">
-            <a:clrChange>
-              <a:clrFrom>
-                <a:srgbClr val="FEFEFE"/>
-              </a:clrFrom>
-              <a:clrTo>
-                <a:srgbClr val="FEFEFE">
-                  <a:alpha val="0"/>
-                </a:srgbClr>
-              </a:clrTo>
-            </a:clrChange>
-            <a:duotone>
-              <a:schemeClr val="accent2">
-                <a:shade val="45000"/>
-                <a:satMod val="135000"/>
-              </a:schemeClr>
-              <a:prstClr val="white"/>
-            </a:duotone>
-            <a:extLst>
-              <a:ext uri="{BEBA8EAE-BF5A-486C-A8C5-ECC9F3942E4B}">
-                <a14:imgProps xmlns:a14="http://schemas.microsoft.com/office/drawing/2010/main">
-                  <a14:imgLayer r:embed="rId4">
-                    <a14:imgEffect>
-                      <a14:sharpenSoften amount="50000"/>
-                    </a14:imgEffect>
-                    <a14:imgEffect>
-                      <a14:brightnessContrast contrast="-20000"/>
-                    </a14:imgEffect>
-                  </a14:imgLayer>
-                </a14:imgProps>
-              </a:ext>
-              <a:ext uri="{28A0092B-C50C-407E-A947-70E740481C1C}">
-                <a14:useLocalDpi xmlns:a14="http://schemas.microsoft.com/office/drawing/2010/main" val="0"/>
-              </a:ext>
-            </a:extLst>
-          </a:blip>
-          <a:stretch>
-            <a:fillRect/>
-          </a:stretch>
-        </p:blipFill>
-        <p:spPr>
-          <a:xfrm>
-            <a:off x="4141162" y="3249786"/>
-            <a:ext cx="808861" cy="822559"/>
-          </a:xfrm>
-          <a:prstGeom prst="rect">
-            <a:avLst/>
-          </a:prstGeom>
-        </p:spPr>
-      </p:pic>
-      <p:pic>
-        <p:nvPicPr>
-          <p:cNvPr id="60" name="Image 59"/>
-          <p:cNvPicPr>
-            <a:picLocks noChangeAspect="1"/>
-          </p:cNvPicPr>
-          <p:nvPr/>
-        </p:nvPicPr>
-        <p:blipFill>
-          <a:blip r:embed="rId3" cstate="print">
-            <a:clrChange>
-              <a:clrFrom>
-                <a:srgbClr val="FEFEFE"/>
-              </a:clrFrom>
-              <a:clrTo>
-                <a:srgbClr val="FEFEFE">
-                  <a:alpha val="0"/>
-                </a:srgbClr>
-              </a:clrTo>
-            </a:clrChange>
-            <a:duotone>
-              <a:schemeClr val="accent2">
-                <a:shade val="45000"/>
-                <a:satMod val="135000"/>
-              </a:schemeClr>
-              <a:prstClr val="white"/>
-            </a:duotone>
-            <a:extLst>
-              <a:ext uri="{BEBA8EAE-BF5A-486C-A8C5-ECC9F3942E4B}">
-                <a14:imgProps xmlns:a14="http://schemas.microsoft.com/office/drawing/2010/main">
-                  <a14:imgLayer r:embed="rId4">
-                    <a14:imgEffect>
-                      <a14:sharpenSoften amount="50000"/>
-                    </a14:imgEffect>
-                    <a14:imgEffect>
-                      <a14:brightnessContrast contrast="-20000"/>
-                    </a14:imgEffect>
-                  </a14:imgLayer>
-                </a14:imgProps>
-              </a:ext>
-              <a:ext uri="{28A0092B-C50C-407E-A947-70E740481C1C}">
-                <a14:useLocalDpi xmlns:a14="http://schemas.microsoft.com/office/drawing/2010/main" val="0"/>
-              </a:ext>
-            </a:extLst>
-          </a:blip>
-          <a:stretch>
-            <a:fillRect/>
-          </a:stretch>
-        </p:blipFill>
-        <p:spPr>
-          <a:xfrm>
-            <a:off x="8026864" y="3737380"/>
-            <a:ext cx="808861" cy="822559"/>
-          </a:xfrm>
-          <a:prstGeom prst="rect">
-            <a:avLst/>
-          </a:prstGeom>
-        </p:spPr>
-      </p:pic>
       <p:sp>
         <p:nvSpPr>
           <p:cNvPr id="61" name="Arc 60"/>
@@ -8904,7 +9061,7 @@
         </p:nvSpPr>
         <p:spPr bwMode="auto">
           <a:xfrm>
-            <a:off x="3717250" y="3593269"/>
+            <a:off x="3723612" y="2603984"/>
             <a:ext cx="1653103" cy="2432212"/>
           </a:xfrm>
           <a:prstGeom prst="arc">
@@ -8971,8 +9128,8 @@
         </p:nvCxnSpPr>
         <p:spPr>
           <a:xfrm>
-            <a:off x="502236" y="4268482"/>
-            <a:ext cx="254894" cy="217191"/>
+            <a:off x="188548" y="3819935"/>
+            <a:ext cx="326560" cy="29196"/>
           </a:xfrm>
           <a:prstGeom prst="line">
             <a:avLst/>
@@ -9006,8 +9163,8 @@
         </p:nvCxnSpPr>
         <p:spPr>
           <a:xfrm>
-            <a:off x="1011595" y="3978178"/>
-            <a:ext cx="56446" cy="351894"/>
+            <a:off x="651542" y="3229209"/>
+            <a:ext cx="128548" cy="300352"/>
           </a:xfrm>
           <a:prstGeom prst="line">
             <a:avLst/>
@@ -9040,8 +9197,8 @@
           <p:nvPr/>
         </p:nvGrpSpPr>
         <p:grpSpPr>
-          <a:xfrm rot="594305">
-            <a:off x="668167" y="4267226"/>
+          <a:xfrm rot="21060422">
+            <a:off x="550478" y="3494344"/>
             <a:ext cx="967280" cy="1163796"/>
             <a:chOff x="-755543" y="4290257"/>
             <a:chExt cx="1138630" cy="1270511"/>
@@ -9394,13 +9551,15 @@
       <p:cxnSp>
         <p:nvCxnSpPr>
           <p:cNvPr id="85" name="Connecteur droit 84"/>
-          <p:cNvCxnSpPr/>
+          <p:cNvCxnSpPr>
+            <a:stCxn id="135" idx="1"/>
+          </p:cNvCxnSpPr>
           <p:nvPr/>
         </p:nvCxnSpPr>
         <p:spPr>
-          <a:xfrm flipH="1">
-            <a:off x="4389969" y="3530444"/>
-            <a:ext cx="32482" cy="363835"/>
+          <a:xfrm>
+            <a:off x="4351985" y="3359106"/>
+            <a:ext cx="34829" cy="289934"/>
           </a:xfrm>
           <a:prstGeom prst="line">
             <a:avLst/>
@@ -9429,13 +9588,15 @@
       <p:cxnSp>
         <p:nvCxnSpPr>
           <p:cNvPr id="86" name="Connecteur droit 85"/>
-          <p:cNvCxnSpPr/>
+          <p:cNvCxnSpPr>
+            <a:stCxn id="135" idx="3"/>
+          </p:cNvCxnSpPr>
           <p:nvPr/>
         </p:nvCxnSpPr>
         <p:spPr>
-          <a:xfrm>
-            <a:off x="4656629" y="3516176"/>
-            <a:ext cx="58048" cy="348621"/>
+          <a:xfrm flipH="1">
+            <a:off x="4717008" y="3359106"/>
+            <a:ext cx="77090" cy="376301"/>
           </a:xfrm>
           <a:prstGeom prst="line">
             <a:avLst/>
@@ -9469,24 +9630,25 @@
         </p:nvGrpSpPr>
         <p:grpSpPr>
           <a:xfrm rot="2316258">
-            <a:off x="3911226" y="3841690"/>
-            <a:ext cx="1274648" cy="1456594"/>
-            <a:chOff x="-755543" y="4290257"/>
-            <a:chExt cx="1417670" cy="1620009"/>
+            <a:off x="4127053" y="3537061"/>
+            <a:ext cx="834863" cy="905771"/>
+            <a:chOff x="-266416" y="4902879"/>
+            <a:chExt cx="928543" cy="1007387"/>
           </a:xfrm>
         </p:grpSpPr>
         <p:cxnSp>
           <p:nvCxnSpPr>
             <p:cNvPr id="88" name="Connecteur droit 87"/>
             <p:cNvCxnSpPr>
+              <a:stCxn id="119" idx="4"/>
               <a:endCxn id="89" idx="1"/>
             </p:cNvCxnSpPr>
             <p:nvPr/>
           </p:nvCxnSpPr>
           <p:spPr>
             <a:xfrm rot="19283742">
-              <a:off x="2331" y="4419421"/>
-              <a:ext cx="17844" cy="1472988"/>
+              <a:off x="267009" y="5131824"/>
+              <a:ext cx="2677" cy="667885"/>
             </a:xfrm>
             <a:prstGeom prst="line">
               <a:avLst/>
@@ -9566,8 +9728,8 @@
           </p:nvSpPr>
           <p:spPr>
             <a:xfrm>
-              <a:off x="-489526" y="4290257"/>
-              <a:ext cx="216000" cy="216000"/>
+              <a:off x="-395" y="4902879"/>
+              <a:ext cx="216002" cy="215999"/>
             </a:xfrm>
             <a:prstGeom prst="ellipse">
               <a:avLst/>
@@ -9612,8 +9774,8 @@
           </p:nvSpPr>
           <p:spPr>
             <a:xfrm>
-              <a:off x="-755543" y="4512871"/>
-              <a:ext cx="216000" cy="216000"/>
+              <a:off x="-266416" y="5125490"/>
+              <a:ext cx="216002" cy="215999"/>
             </a:xfrm>
             <a:prstGeom prst="ellipse">
               <a:avLst/>
@@ -9661,8 +9823,8 @@
           </p:nvCxnSpPr>
           <p:spPr>
             <a:xfrm flipV="1">
-              <a:off x="-571175" y="4474625"/>
-              <a:ext cx="266017" cy="222614"/>
+              <a:off x="-82047" y="5087249"/>
+              <a:ext cx="266018" cy="222613"/>
             </a:xfrm>
             <a:prstGeom prst="line">
               <a:avLst/>
@@ -9696,7 +9858,7 @@
           </p:nvSpPr>
           <p:spPr>
             <a:xfrm>
-              <a:off x="-416129" y="4361025"/>
+              <a:off x="73000" y="4973647"/>
               <a:ext cx="72000" cy="72000"/>
             </a:xfrm>
             <a:prstGeom prst="ellipse">
@@ -9740,7 +9902,7 @@
           </p:nvSpPr>
           <p:spPr>
             <a:xfrm>
-              <a:off x="-688973" y="4584871"/>
+              <a:off x="-199841" y="5197494"/>
               <a:ext cx="72000" cy="72000"/>
             </a:xfrm>
             <a:prstGeom prst="ellipse">
@@ -9829,10 +9991,10 @@
         </p:nvGrpSpPr>
         <p:grpSpPr>
           <a:xfrm rot="193959" flipH="1">
-            <a:off x="7525997" y="3992291"/>
-            <a:ext cx="1133211" cy="1452844"/>
-            <a:chOff x="-1873408" y="4083510"/>
-            <a:chExt cx="1133211" cy="1452844"/>
+            <a:off x="7503031" y="3293591"/>
+            <a:ext cx="993133" cy="1264843"/>
+            <a:chOff x="-1771536" y="4197440"/>
+            <a:chExt cx="993133" cy="1264843"/>
           </a:xfrm>
         </p:grpSpPr>
         <p:cxnSp>
@@ -9842,9 +10004,9 @@
             <p:nvPr/>
           </p:nvCxnSpPr>
           <p:spPr>
-            <a:xfrm>
-              <a:off x="-1873408" y="4373814"/>
-              <a:ext cx="254894" cy="217191"/>
+            <a:xfrm rot="193959">
+              <a:off x="-1771536" y="4394601"/>
+              <a:ext cx="159348" cy="164123"/>
             </a:xfrm>
             <a:prstGeom prst="line">
               <a:avLst/>
@@ -9877,9 +10039,9 @@
             <p:nvPr/>
           </p:nvCxnSpPr>
           <p:spPr>
-            <a:xfrm>
-              <a:off x="-1364049" y="4083510"/>
-              <a:ext cx="56446" cy="351894"/>
+            <a:xfrm rot="193959">
+              <a:off x="-1389220" y="4197440"/>
+              <a:ext cx="88509" cy="229400"/>
             </a:xfrm>
             <a:prstGeom prst="line">
               <a:avLst/>
@@ -9913,10 +10075,10 @@
           </p:nvGrpSpPr>
           <p:grpSpPr>
             <a:xfrm rot="594305">
-              <a:off x="-1707477" y="4372558"/>
-              <a:ext cx="967280" cy="1163796"/>
+              <a:off x="-1701059" y="4369251"/>
+              <a:ext cx="922656" cy="1093032"/>
               <a:chOff x="-755543" y="4290257"/>
-              <a:chExt cx="1138630" cy="1270511"/>
+              <a:chExt cx="1086101" cy="1193257"/>
             </a:xfrm>
           </p:grpSpPr>
           <p:cxnSp>
@@ -9926,9 +10088,9 @@
               <p:nvPr/>
             </p:nvCxnSpPr>
             <p:spPr>
-              <a:xfrm>
-                <a:off x="-455252" y="4585932"/>
-                <a:ext cx="686961" cy="821568"/>
+              <a:xfrm rot="21199654">
+                <a:off x="-388688" y="4552258"/>
+                <a:ext cx="497238" cy="763850"/>
               </a:xfrm>
               <a:prstGeom prst="line">
                 <a:avLst/>
@@ -9962,7 +10124,7 @@
             </p:nvSpPr>
             <p:spPr>
               <a:xfrm>
-                <a:off x="167087" y="5344768"/>
+                <a:off x="114558" y="5267514"/>
                 <a:ext cx="216000" cy="216000"/>
               </a:xfrm>
               <a:prstGeom prst="ellipse">
@@ -10226,8 +10388,8 @@
             </p:nvSpPr>
             <p:spPr>
               <a:xfrm>
-                <a:off x="239009" y="5418593"/>
-                <a:ext cx="72000" cy="72000"/>
+                <a:off x="183628" y="5340222"/>
+                <a:ext cx="72000" cy="71999"/>
               </a:xfrm>
               <a:prstGeom prst="ellipse">
                 <a:avLst/>
@@ -10273,7 +10435,7 @@
           <p:nvPr/>
         </p:nvPicPr>
         <p:blipFill>
-          <a:blip r:embed="rId5" cstate="print">
+          <a:blip r:embed="rId3" cstate="print">
             <a:extLst>
               <a:ext uri="{28A0092B-C50C-407E-A947-70E740481C1C}">
                 <a14:useLocalDpi xmlns:a14="http://schemas.microsoft.com/office/drawing/2010/main" val="0"/>
@@ -10310,6 +10472,1411 @@
           </a:extLst>
         </p:spPr>
       </p:pic>
+      <p:pic>
+        <p:nvPicPr>
+          <p:cNvPr id="2050" name="Picture 2" descr="TZT Ultrasonic sensor HC SR04 HCSR04 to world Ultrasonic Wave Detector  Ranging Module HC SR04 HCSR04 Distance Sensor For Arduino|module  hc-sr04|module for arduinomodule arduino - AliExpress"/>
+          <p:cNvPicPr>
+            <a:picLocks noChangeAspect="1" noChangeArrowheads="1"/>
+          </p:cNvPicPr>
+          <p:nvPr/>
+        </p:nvPicPr>
+        <p:blipFill rotWithShape="1">
+          <a:blip r:embed="rId4" cstate="print">
+            <a:clrChange>
+              <a:clrFrom>
+                <a:srgbClr val="FCFDFF"/>
+              </a:clrFrom>
+              <a:clrTo>
+                <a:srgbClr val="FCFDFF">
+                  <a:alpha val="0"/>
+                </a:srgbClr>
+              </a:clrTo>
+            </a:clrChange>
+            <a:extLst>
+              <a:ext uri="{28A0092B-C50C-407E-A947-70E740481C1C}">
+                <a14:useLocalDpi xmlns:a14="http://schemas.microsoft.com/office/drawing/2010/main" val="0"/>
+              </a:ext>
+            </a:extLst>
+          </a:blip>
+          <a:srcRect l="15833" t="20125" r="16291" b="40500"/>
+          <a:stretch/>
+        </p:blipFill>
+        <p:spPr bwMode="auto">
+          <a:xfrm rot="18253790">
+            <a:off x="184857" y="3362282"/>
+            <a:ext cx="442113" cy="256474"/>
+          </a:xfrm>
+          <a:prstGeom prst="rect">
+            <a:avLst/>
+          </a:prstGeom>
+          <a:noFill/>
+          <a:extLst>
+            <a:ext uri="{909E8E84-426E-40DD-AFC4-6F175D3DCCD1}">
+              <a14:hiddenFill xmlns:a14="http://schemas.microsoft.com/office/drawing/2010/main">
+                <a:solidFill>
+                  <a:srgbClr val="FFFFFF"/>
+                </a:solidFill>
+              </a14:hiddenFill>
+            </a:ext>
+          </a:extLst>
+        </p:spPr>
+      </p:pic>
+      <p:sp>
+        <p:nvSpPr>
+          <p:cNvPr id="82" name="ZoneTexte 3"/>
+          <p:cNvSpPr txBox="1">
+            <a:spLocks noChangeArrowheads="1"/>
+          </p:cNvSpPr>
+          <p:nvPr/>
+        </p:nvSpPr>
+        <p:spPr bwMode="auto">
+          <a:xfrm>
+            <a:off x="825590" y="5659905"/>
+            <a:ext cx="1527650" cy="307777"/>
+          </a:xfrm>
+          <a:prstGeom prst="rect">
+            <a:avLst/>
+          </a:prstGeom>
+          <a:noFill/>
+          <a:ln>
+            <a:noFill/>
+          </a:ln>
+          <a:extLst>
+            <a:ext uri="{909E8E84-426E-40DD-AFC4-6F175D3DCCD1}">
+              <a14:hiddenFill xmlns:a14="http://schemas.microsoft.com/office/drawing/2010/main">
+                <a:solidFill>
+                  <a:srgbClr val="FFFFFF"/>
+                </a:solidFill>
+              </a14:hiddenFill>
+            </a:ext>
+            <a:ext uri="{91240B29-F687-4F45-9708-019B960494DF}">
+              <a14:hiddenLine xmlns:a14="http://schemas.microsoft.com/office/drawing/2010/main" w="9525">
+                <a:solidFill>
+                  <a:srgbClr val="000000"/>
+                </a:solidFill>
+                <a:miter lim="800000"/>
+                <a:headEnd/>
+                <a:tailEnd/>
+              </a14:hiddenLine>
+            </a:ext>
+          </a:extLst>
+        </p:spPr>
+        <p:txBody>
+          <a:bodyPr wrap="square">
+            <a:spAutoFit/>
+          </a:bodyPr>
+          <a:lstStyle>
+            <a:lvl1pPr>
+              <a:defRPr sz="2000" b="1">
+                <a:solidFill>
+                  <a:srgbClr val="0C2E86"/>
+                </a:solidFill>
+                <a:latin typeface="Eurostile" pitchFamily="34" charset="0"/>
+                <a:cs typeface="Arial" panose="020B0604020202020204" pitchFamily="34" charset="0"/>
+              </a:defRPr>
+            </a:lvl1pPr>
+            <a:lvl2pPr marL="742950" indent="-285750">
+              <a:defRPr sz="2000" b="1">
+                <a:solidFill>
+                  <a:srgbClr val="0C2E86"/>
+                </a:solidFill>
+                <a:latin typeface="Eurostile" pitchFamily="34" charset="0"/>
+                <a:cs typeface="Arial" panose="020B0604020202020204" pitchFamily="34" charset="0"/>
+              </a:defRPr>
+            </a:lvl2pPr>
+            <a:lvl3pPr marL="1143000" indent="-228600">
+              <a:defRPr sz="2000" b="1">
+                <a:solidFill>
+                  <a:srgbClr val="0C2E86"/>
+                </a:solidFill>
+                <a:latin typeface="Eurostile" pitchFamily="34" charset="0"/>
+                <a:cs typeface="Arial" panose="020B0604020202020204" pitchFamily="34" charset="0"/>
+              </a:defRPr>
+            </a:lvl3pPr>
+            <a:lvl4pPr marL="1600200" indent="-228600">
+              <a:defRPr sz="2000" b="1">
+                <a:solidFill>
+                  <a:srgbClr val="0C2E86"/>
+                </a:solidFill>
+                <a:latin typeface="Eurostile" pitchFamily="34" charset="0"/>
+                <a:cs typeface="Arial" panose="020B0604020202020204" pitchFamily="34" charset="0"/>
+              </a:defRPr>
+            </a:lvl4pPr>
+            <a:lvl5pPr marL="2057400" indent="-228600">
+              <a:defRPr sz="2000" b="1">
+                <a:solidFill>
+                  <a:srgbClr val="0C2E86"/>
+                </a:solidFill>
+                <a:latin typeface="Eurostile" pitchFamily="34" charset="0"/>
+                <a:cs typeface="Arial" panose="020B0604020202020204" pitchFamily="34" charset="0"/>
+              </a:defRPr>
+            </a:lvl5pPr>
+            <a:lvl6pPr marL="2514600" indent="-228600" eaLnBrk="0" fontAlgn="base" hangingPunct="0">
+              <a:spcBef>
+                <a:spcPct val="0"/>
+              </a:spcBef>
+              <a:spcAft>
+                <a:spcPct val="0"/>
+              </a:spcAft>
+              <a:defRPr sz="2000" b="1">
+                <a:solidFill>
+                  <a:srgbClr val="0C2E86"/>
+                </a:solidFill>
+                <a:latin typeface="Eurostile" pitchFamily="34" charset="0"/>
+                <a:cs typeface="Arial" panose="020B0604020202020204" pitchFamily="34" charset="0"/>
+              </a:defRPr>
+            </a:lvl6pPr>
+            <a:lvl7pPr marL="2971800" indent="-228600" eaLnBrk="0" fontAlgn="base" hangingPunct="0">
+              <a:spcBef>
+                <a:spcPct val="0"/>
+              </a:spcBef>
+              <a:spcAft>
+                <a:spcPct val="0"/>
+              </a:spcAft>
+              <a:defRPr sz="2000" b="1">
+                <a:solidFill>
+                  <a:srgbClr val="0C2E86"/>
+                </a:solidFill>
+                <a:latin typeface="Eurostile" pitchFamily="34" charset="0"/>
+                <a:cs typeface="Arial" panose="020B0604020202020204" pitchFamily="34" charset="0"/>
+              </a:defRPr>
+            </a:lvl7pPr>
+            <a:lvl8pPr marL="3429000" indent="-228600" eaLnBrk="0" fontAlgn="base" hangingPunct="0">
+              <a:spcBef>
+                <a:spcPct val="0"/>
+              </a:spcBef>
+              <a:spcAft>
+                <a:spcPct val="0"/>
+              </a:spcAft>
+              <a:defRPr sz="2000" b="1">
+                <a:solidFill>
+                  <a:srgbClr val="0C2E86"/>
+                </a:solidFill>
+                <a:latin typeface="Eurostile" pitchFamily="34" charset="0"/>
+                <a:cs typeface="Arial" panose="020B0604020202020204" pitchFamily="34" charset="0"/>
+              </a:defRPr>
+            </a:lvl8pPr>
+            <a:lvl9pPr marL="3886200" indent="-228600" eaLnBrk="0" fontAlgn="base" hangingPunct="0">
+              <a:spcBef>
+                <a:spcPct val="0"/>
+              </a:spcBef>
+              <a:spcAft>
+                <a:spcPct val="0"/>
+              </a:spcAft>
+              <a:defRPr sz="2000" b="1">
+                <a:solidFill>
+                  <a:srgbClr val="0C2E86"/>
+                </a:solidFill>
+                <a:latin typeface="Eurostile" pitchFamily="34" charset="0"/>
+                <a:cs typeface="Arial" panose="020B0604020202020204" pitchFamily="34" charset="0"/>
+              </a:defRPr>
+            </a:lvl9pPr>
+          </a:lstStyle>
+          <a:p>
+            <a:pPr algn="ctr"/>
+            <a:r>
+              <a:rPr lang="fr-FR" altLang="fr-FR" sz="1400" b="0" dirty="0" err="1" smtClean="0">
+                <a:solidFill>
+                  <a:srgbClr val="068EC8"/>
+                </a:solidFill>
+                <a:latin typeface="Arial" panose="020B0604020202020204" pitchFamily="34" charset="0"/>
+              </a:rPr>
+              <a:t>Grab</a:t>
+            </a:r>
+            <a:r>
+              <a:rPr lang="fr-FR" altLang="fr-FR" sz="1400" b="0" dirty="0" smtClean="0">
+                <a:solidFill>
+                  <a:srgbClr val="068EC8"/>
+                </a:solidFill>
+                <a:latin typeface="Arial" panose="020B0604020202020204" pitchFamily="34" charset="0"/>
+              </a:rPr>
+              <a:t>  the </a:t>
+            </a:r>
+            <a:r>
+              <a:rPr lang="fr-FR" altLang="fr-FR" sz="1400" b="0" dirty="0" err="1" smtClean="0">
+                <a:solidFill>
+                  <a:srgbClr val="068EC8"/>
+                </a:solidFill>
+                <a:latin typeface="Arial" panose="020B0604020202020204" pitchFamily="34" charset="0"/>
+              </a:rPr>
+              <a:t>sensor</a:t>
+            </a:r>
+            <a:endParaRPr lang="fr-FR" altLang="fr-FR" sz="1400" b="0" dirty="0">
+              <a:solidFill>
+                <a:srgbClr val="068EC8"/>
+              </a:solidFill>
+              <a:latin typeface="Arial" panose="020B0604020202020204" pitchFamily="34" charset="0"/>
+            </a:endParaRPr>
+          </a:p>
+        </p:txBody>
+      </p:sp>
+      <p:sp>
+        <p:nvSpPr>
+          <p:cNvPr id="83" name="ZoneTexte 3"/>
+          <p:cNvSpPr txBox="1">
+            <a:spLocks noChangeArrowheads="1"/>
+          </p:cNvSpPr>
+          <p:nvPr/>
+        </p:nvSpPr>
+        <p:spPr bwMode="auto">
+          <a:xfrm>
+            <a:off x="3707842" y="5678943"/>
+            <a:ext cx="1784098" cy="523220"/>
+          </a:xfrm>
+          <a:prstGeom prst="rect">
+            <a:avLst/>
+          </a:prstGeom>
+          <a:noFill/>
+          <a:ln>
+            <a:noFill/>
+          </a:ln>
+          <a:extLst>
+            <a:ext uri="{909E8E84-426E-40DD-AFC4-6F175D3DCCD1}">
+              <a14:hiddenFill xmlns:a14="http://schemas.microsoft.com/office/drawing/2010/main">
+                <a:solidFill>
+                  <a:srgbClr val="FFFFFF"/>
+                </a:solidFill>
+              </a14:hiddenFill>
+            </a:ext>
+            <a:ext uri="{91240B29-F687-4F45-9708-019B960494DF}">
+              <a14:hiddenLine xmlns:a14="http://schemas.microsoft.com/office/drawing/2010/main" w="9525">
+                <a:solidFill>
+                  <a:srgbClr val="000000"/>
+                </a:solidFill>
+                <a:miter lim="800000"/>
+                <a:headEnd/>
+                <a:tailEnd/>
+              </a14:hiddenLine>
+            </a:ext>
+          </a:extLst>
+        </p:spPr>
+        <p:txBody>
+          <a:bodyPr wrap="square">
+            <a:spAutoFit/>
+          </a:bodyPr>
+          <a:lstStyle>
+            <a:lvl1pPr>
+              <a:defRPr sz="2000" b="1">
+                <a:solidFill>
+                  <a:srgbClr val="0C2E86"/>
+                </a:solidFill>
+                <a:latin typeface="Eurostile" pitchFamily="34" charset="0"/>
+                <a:cs typeface="Arial" panose="020B0604020202020204" pitchFamily="34" charset="0"/>
+              </a:defRPr>
+            </a:lvl1pPr>
+            <a:lvl2pPr marL="742950" indent="-285750">
+              <a:defRPr sz="2000" b="1">
+                <a:solidFill>
+                  <a:srgbClr val="0C2E86"/>
+                </a:solidFill>
+                <a:latin typeface="Eurostile" pitchFamily="34" charset="0"/>
+                <a:cs typeface="Arial" panose="020B0604020202020204" pitchFamily="34" charset="0"/>
+              </a:defRPr>
+            </a:lvl2pPr>
+            <a:lvl3pPr marL="1143000" indent="-228600">
+              <a:defRPr sz="2000" b="1">
+                <a:solidFill>
+                  <a:srgbClr val="0C2E86"/>
+                </a:solidFill>
+                <a:latin typeface="Eurostile" pitchFamily="34" charset="0"/>
+                <a:cs typeface="Arial" panose="020B0604020202020204" pitchFamily="34" charset="0"/>
+              </a:defRPr>
+            </a:lvl3pPr>
+            <a:lvl4pPr marL="1600200" indent="-228600">
+              <a:defRPr sz="2000" b="1">
+                <a:solidFill>
+                  <a:srgbClr val="0C2E86"/>
+                </a:solidFill>
+                <a:latin typeface="Eurostile" pitchFamily="34" charset="0"/>
+                <a:cs typeface="Arial" panose="020B0604020202020204" pitchFamily="34" charset="0"/>
+              </a:defRPr>
+            </a:lvl4pPr>
+            <a:lvl5pPr marL="2057400" indent="-228600">
+              <a:defRPr sz="2000" b="1">
+                <a:solidFill>
+                  <a:srgbClr val="0C2E86"/>
+                </a:solidFill>
+                <a:latin typeface="Eurostile" pitchFamily="34" charset="0"/>
+                <a:cs typeface="Arial" panose="020B0604020202020204" pitchFamily="34" charset="0"/>
+              </a:defRPr>
+            </a:lvl5pPr>
+            <a:lvl6pPr marL="2514600" indent="-228600" eaLnBrk="0" fontAlgn="base" hangingPunct="0">
+              <a:spcBef>
+                <a:spcPct val="0"/>
+              </a:spcBef>
+              <a:spcAft>
+                <a:spcPct val="0"/>
+              </a:spcAft>
+              <a:defRPr sz="2000" b="1">
+                <a:solidFill>
+                  <a:srgbClr val="0C2E86"/>
+                </a:solidFill>
+                <a:latin typeface="Eurostile" pitchFamily="34" charset="0"/>
+                <a:cs typeface="Arial" panose="020B0604020202020204" pitchFamily="34" charset="0"/>
+              </a:defRPr>
+            </a:lvl6pPr>
+            <a:lvl7pPr marL="2971800" indent="-228600" eaLnBrk="0" fontAlgn="base" hangingPunct="0">
+              <a:spcBef>
+                <a:spcPct val="0"/>
+              </a:spcBef>
+              <a:spcAft>
+                <a:spcPct val="0"/>
+              </a:spcAft>
+              <a:defRPr sz="2000" b="1">
+                <a:solidFill>
+                  <a:srgbClr val="0C2E86"/>
+                </a:solidFill>
+                <a:latin typeface="Eurostile" pitchFamily="34" charset="0"/>
+                <a:cs typeface="Arial" panose="020B0604020202020204" pitchFamily="34" charset="0"/>
+              </a:defRPr>
+            </a:lvl7pPr>
+            <a:lvl8pPr marL="3429000" indent="-228600" eaLnBrk="0" fontAlgn="base" hangingPunct="0">
+              <a:spcBef>
+                <a:spcPct val="0"/>
+              </a:spcBef>
+              <a:spcAft>
+                <a:spcPct val="0"/>
+              </a:spcAft>
+              <a:defRPr sz="2000" b="1">
+                <a:solidFill>
+                  <a:srgbClr val="0C2E86"/>
+                </a:solidFill>
+                <a:latin typeface="Eurostile" pitchFamily="34" charset="0"/>
+                <a:cs typeface="Arial" panose="020B0604020202020204" pitchFamily="34" charset="0"/>
+              </a:defRPr>
+            </a:lvl8pPr>
+            <a:lvl9pPr marL="3886200" indent="-228600" eaLnBrk="0" fontAlgn="base" hangingPunct="0">
+              <a:spcBef>
+                <a:spcPct val="0"/>
+              </a:spcBef>
+              <a:spcAft>
+                <a:spcPct val="0"/>
+              </a:spcAft>
+              <a:defRPr sz="2000" b="1">
+                <a:solidFill>
+                  <a:srgbClr val="0C2E86"/>
+                </a:solidFill>
+                <a:latin typeface="Eurostile" pitchFamily="34" charset="0"/>
+                <a:cs typeface="Arial" panose="020B0604020202020204" pitchFamily="34" charset="0"/>
+              </a:defRPr>
+            </a:lvl9pPr>
+          </a:lstStyle>
+          <a:p>
+            <a:pPr algn="ctr"/>
+            <a:r>
+              <a:rPr lang="fr-FR" altLang="fr-FR" sz="1400" b="0" dirty="0" smtClean="0">
+                <a:solidFill>
+                  <a:srgbClr val="068EC8"/>
+                </a:solidFill>
+                <a:latin typeface="Arial" panose="020B0604020202020204" pitchFamily="34" charset="0"/>
+              </a:rPr>
+              <a:t>Move the </a:t>
+            </a:r>
+            <a:r>
+              <a:rPr lang="fr-FR" altLang="fr-FR" sz="1400" b="0" dirty="0" err="1" smtClean="0">
+                <a:solidFill>
+                  <a:srgbClr val="068EC8"/>
+                </a:solidFill>
+                <a:latin typeface="Arial" panose="020B0604020202020204" pitchFamily="34" charset="0"/>
+              </a:rPr>
+              <a:t>sensor</a:t>
+            </a:r>
+            <a:r>
+              <a:rPr lang="fr-FR" altLang="fr-FR" sz="1400" b="0" dirty="0" smtClean="0">
+                <a:solidFill>
+                  <a:srgbClr val="068EC8"/>
+                </a:solidFill>
+                <a:latin typeface="Arial" panose="020B0604020202020204" pitchFamily="34" charset="0"/>
+              </a:rPr>
+              <a:t> to the operation zone</a:t>
+            </a:r>
+            <a:endParaRPr lang="fr-FR" altLang="fr-FR" sz="1400" b="0" dirty="0">
+              <a:solidFill>
+                <a:srgbClr val="068EC8"/>
+              </a:solidFill>
+              <a:latin typeface="Arial" panose="020B0604020202020204" pitchFamily="34" charset="0"/>
+            </a:endParaRPr>
+          </a:p>
+        </p:txBody>
+      </p:sp>
+      <p:sp>
+        <p:nvSpPr>
+          <p:cNvPr id="84" name="ZoneTexte 3"/>
+          <p:cNvSpPr txBox="1">
+            <a:spLocks noChangeArrowheads="1"/>
+          </p:cNvSpPr>
+          <p:nvPr/>
+        </p:nvSpPr>
+        <p:spPr bwMode="auto">
+          <a:xfrm>
+            <a:off x="6840262" y="5736655"/>
+            <a:ext cx="1784098" cy="307777"/>
+          </a:xfrm>
+          <a:prstGeom prst="rect">
+            <a:avLst/>
+          </a:prstGeom>
+          <a:noFill/>
+          <a:ln>
+            <a:noFill/>
+          </a:ln>
+          <a:extLst>
+            <a:ext uri="{909E8E84-426E-40DD-AFC4-6F175D3DCCD1}">
+              <a14:hiddenFill xmlns:a14="http://schemas.microsoft.com/office/drawing/2010/main">
+                <a:solidFill>
+                  <a:srgbClr val="FFFFFF"/>
+                </a:solidFill>
+              </a14:hiddenFill>
+            </a:ext>
+            <a:ext uri="{91240B29-F687-4F45-9708-019B960494DF}">
+              <a14:hiddenLine xmlns:a14="http://schemas.microsoft.com/office/drawing/2010/main" w="9525">
+                <a:solidFill>
+                  <a:srgbClr val="000000"/>
+                </a:solidFill>
+                <a:miter lim="800000"/>
+                <a:headEnd/>
+                <a:tailEnd/>
+              </a14:hiddenLine>
+            </a:ext>
+          </a:extLst>
+        </p:spPr>
+        <p:txBody>
+          <a:bodyPr wrap="square">
+            <a:spAutoFit/>
+          </a:bodyPr>
+          <a:lstStyle>
+            <a:lvl1pPr>
+              <a:defRPr sz="2000" b="1">
+                <a:solidFill>
+                  <a:srgbClr val="0C2E86"/>
+                </a:solidFill>
+                <a:latin typeface="Eurostile" pitchFamily="34" charset="0"/>
+                <a:cs typeface="Arial" panose="020B0604020202020204" pitchFamily="34" charset="0"/>
+              </a:defRPr>
+            </a:lvl1pPr>
+            <a:lvl2pPr marL="742950" indent="-285750">
+              <a:defRPr sz="2000" b="1">
+                <a:solidFill>
+                  <a:srgbClr val="0C2E86"/>
+                </a:solidFill>
+                <a:latin typeface="Eurostile" pitchFamily="34" charset="0"/>
+                <a:cs typeface="Arial" panose="020B0604020202020204" pitchFamily="34" charset="0"/>
+              </a:defRPr>
+            </a:lvl2pPr>
+            <a:lvl3pPr marL="1143000" indent="-228600">
+              <a:defRPr sz="2000" b="1">
+                <a:solidFill>
+                  <a:srgbClr val="0C2E86"/>
+                </a:solidFill>
+                <a:latin typeface="Eurostile" pitchFamily="34" charset="0"/>
+                <a:cs typeface="Arial" panose="020B0604020202020204" pitchFamily="34" charset="0"/>
+              </a:defRPr>
+            </a:lvl3pPr>
+            <a:lvl4pPr marL="1600200" indent="-228600">
+              <a:defRPr sz="2000" b="1">
+                <a:solidFill>
+                  <a:srgbClr val="0C2E86"/>
+                </a:solidFill>
+                <a:latin typeface="Eurostile" pitchFamily="34" charset="0"/>
+                <a:cs typeface="Arial" panose="020B0604020202020204" pitchFamily="34" charset="0"/>
+              </a:defRPr>
+            </a:lvl4pPr>
+            <a:lvl5pPr marL="2057400" indent="-228600">
+              <a:defRPr sz="2000" b="1">
+                <a:solidFill>
+                  <a:srgbClr val="0C2E86"/>
+                </a:solidFill>
+                <a:latin typeface="Eurostile" pitchFamily="34" charset="0"/>
+                <a:cs typeface="Arial" panose="020B0604020202020204" pitchFamily="34" charset="0"/>
+              </a:defRPr>
+            </a:lvl5pPr>
+            <a:lvl6pPr marL="2514600" indent="-228600" eaLnBrk="0" fontAlgn="base" hangingPunct="0">
+              <a:spcBef>
+                <a:spcPct val="0"/>
+              </a:spcBef>
+              <a:spcAft>
+                <a:spcPct val="0"/>
+              </a:spcAft>
+              <a:defRPr sz="2000" b="1">
+                <a:solidFill>
+                  <a:srgbClr val="0C2E86"/>
+                </a:solidFill>
+                <a:latin typeface="Eurostile" pitchFamily="34" charset="0"/>
+                <a:cs typeface="Arial" panose="020B0604020202020204" pitchFamily="34" charset="0"/>
+              </a:defRPr>
+            </a:lvl6pPr>
+            <a:lvl7pPr marL="2971800" indent="-228600" eaLnBrk="0" fontAlgn="base" hangingPunct="0">
+              <a:spcBef>
+                <a:spcPct val="0"/>
+              </a:spcBef>
+              <a:spcAft>
+                <a:spcPct val="0"/>
+              </a:spcAft>
+              <a:defRPr sz="2000" b="1">
+                <a:solidFill>
+                  <a:srgbClr val="0C2E86"/>
+                </a:solidFill>
+                <a:latin typeface="Eurostile" pitchFamily="34" charset="0"/>
+                <a:cs typeface="Arial" panose="020B0604020202020204" pitchFamily="34" charset="0"/>
+              </a:defRPr>
+            </a:lvl7pPr>
+            <a:lvl8pPr marL="3429000" indent="-228600" eaLnBrk="0" fontAlgn="base" hangingPunct="0">
+              <a:spcBef>
+                <a:spcPct val="0"/>
+              </a:spcBef>
+              <a:spcAft>
+                <a:spcPct val="0"/>
+              </a:spcAft>
+              <a:defRPr sz="2000" b="1">
+                <a:solidFill>
+                  <a:srgbClr val="0C2E86"/>
+                </a:solidFill>
+                <a:latin typeface="Eurostile" pitchFamily="34" charset="0"/>
+                <a:cs typeface="Arial" panose="020B0604020202020204" pitchFamily="34" charset="0"/>
+              </a:defRPr>
+            </a:lvl8pPr>
+            <a:lvl9pPr marL="3886200" indent="-228600" eaLnBrk="0" fontAlgn="base" hangingPunct="0">
+              <a:spcBef>
+                <a:spcPct val="0"/>
+              </a:spcBef>
+              <a:spcAft>
+                <a:spcPct val="0"/>
+              </a:spcAft>
+              <a:defRPr sz="2000" b="1">
+                <a:solidFill>
+                  <a:srgbClr val="0C2E86"/>
+                </a:solidFill>
+                <a:latin typeface="Eurostile" pitchFamily="34" charset="0"/>
+                <a:cs typeface="Arial" panose="020B0604020202020204" pitchFamily="34" charset="0"/>
+              </a:defRPr>
+            </a:lvl9pPr>
+          </a:lstStyle>
+          <a:p>
+            <a:pPr algn="ctr"/>
+            <a:r>
+              <a:rPr lang="fr-FR" altLang="fr-FR" sz="1400" b="0" dirty="0" err="1" smtClean="0">
+                <a:solidFill>
+                  <a:srgbClr val="068EC8"/>
+                </a:solidFill>
+                <a:latin typeface="Arial" panose="020B0604020202020204" pitchFamily="34" charset="0"/>
+              </a:rPr>
+              <a:t>Track</a:t>
+            </a:r>
+            <a:r>
+              <a:rPr lang="fr-FR" altLang="fr-FR" sz="1400" b="0" dirty="0" smtClean="0">
+                <a:solidFill>
+                  <a:srgbClr val="068EC8"/>
+                </a:solidFill>
+                <a:latin typeface="Arial" panose="020B0604020202020204" pitchFamily="34" charset="0"/>
+              </a:rPr>
+              <a:t> the surface</a:t>
+            </a:r>
+            <a:endParaRPr lang="fr-FR" altLang="fr-FR" sz="1400" b="0" dirty="0">
+              <a:solidFill>
+                <a:srgbClr val="068EC8"/>
+              </a:solidFill>
+              <a:latin typeface="Arial" panose="020B0604020202020204" pitchFamily="34" charset="0"/>
+            </a:endParaRPr>
+          </a:p>
+        </p:txBody>
+      </p:sp>
+      <p:sp>
+        <p:nvSpPr>
+          <p:cNvPr id="133" name="ZoneTexte 3"/>
+          <p:cNvSpPr txBox="1">
+            <a:spLocks noChangeArrowheads="1"/>
+          </p:cNvSpPr>
+          <p:nvPr/>
+        </p:nvSpPr>
+        <p:spPr bwMode="auto">
+          <a:xfrm>
+            <a:off x="2562384" y="6094723"/>
+            <a:ext cx="640442" cy="461665"/>
+          </a:xfrm>
+          <a:prstGeom prst="rect">
+            <a:avLst/>
+          </a:prstGeom>
+          <a:noFill/>
+          <a:ln>
+            <a:noFill/>
+          </a:ln>
+          <a:extLst>
+            <a:ext uri="{909E8E84-426E-40DD-AFC4-6F175D3DCCD1}">
+              <a14:hiddenFill xmlns:a14="http://schemas.microsoft.com/office/drawing/2010/main">
+                <a:solidFill>
+                  <a:srgbClr val="FFFFFF"/>
+                </a:solidFill>
+              </a14:hiddenFill>
+            </a:ext>
+            <a:ext uri="{91240B29-F687-4F45-9708-019B960494DF}">
+              <a14:hiddenLine xmlns:a14="http://schemas.microsoft.com/office/drawing/2010/main" w="9525">
+                <a:solidFill>
+                  <a:srgbClr val="000000"/>
+                </a:solidFill>
+                <a:miter lim="800000"/>
+                <a:headEnd/>
+                <a:tailEnd/>
+              </a14:hiddenLine>
+            </a:ext>
+          </a:extLst>
+        </p:spPr>
+        <p:txBody>
+          <a:bodyPr wrap="square">
+            <a:spAutoFit/>
+          </a:bodyPr>
+          <a:lstStyle>
+            <a:lvl1pPr>
+              <a:defRPr sz="2000" b="1">
+                <a:solidFill>
+                  <a:srgbClr val="0C2E86"/>
+                </a:solidFill>
+                <a:latin typeface="Eurostile" pitchFamily="34" charset="0"/>
+                <a:cs typeface="Arial" panose="020B0604020202020204" pitchFamily="34" charset="0"/>
+              </a:defRPr>
+            </a:lvl1pPr>
+            <a:lvl2pPr marL="742950" indent="-285750">
+              <a:defRPr sz="2000" b="1">
+                <a:solidFill>
+                  <a:srgbClr val="0C2E86"/>
+                </a:solidFill>
+                <a:latin typeface="Eurostile" pitchFamily="34" charset="0"/>
+                <a:cs typeface="Arial" panose="020B0604020202020204" pitchFamily="34" charset="0"/>
+              </a:defRPr>
+            </a:lvl2pPr>
+            <a:lvl3pPr marL="1143000" indent="-228600">
+              <a:defRPr sz="2000" b="1">
+                <a:solidFill>
+                  <a:srgbClr val="0C2E86"/>
+                </a:solidFill>
+                <a:latin typeface="Eurostile" pitchFamily="34" charset="0"/>
+                <a:cs typeface="Arial" panose="020B0604020202020204" pitchFamily="34" charset="0"/>
+              </a:defRPr>
+            </a:lvl3pPr>
+            <a:lvl4pPr marL="1600200" indent="-228600">
+              <a:defRPr sz="2000" b="1">
+                <a:solidFill>
+                  <a:srgbClr val="0C2E86"/>
+                </a:solidFill>
+                <a:latin typeface="Eurostile" pitchFamily="34" charset="0"/>
+                <a:cs typeface="Arial" panose="020B0604020202020204" pitchFamily="34" charset="0"/>
+              </a:defRPr>
+            </a:lvl4pPr>
+            <a:lvl5pPr marL="2057400" indent="-228600">
+              <a:defRPr sz="2000" b="1">
+                <a:solidFill>
+                  <a:srgbClr val="0C2E86"/>
+                </a:solidFill>
+                <a:latin typeface="Eurostile" pitchFamily="34" charset="0"/>
+                <a:cs typeface="Arial" panose="020B0604020202020204" pitchFamily="34" charset="0"/>
+              </a:defRPr>
+            </a:lvl5pPr>
+            <a:lvl6pPr marL="2514600" indent="-228600" eaLnBrk="0" fontAlgn="base" hangingPunct="0">
+              <a:spcBef>
+                <a:spcPct val="0"/>
+              </a:spcBef>
+              <a:spcAft>
+                <a:spcPct val="0"/>
+              </a:spcAft>
+              <a:defRPr sz="2000" b="1">
+                <a:solidFill>
+                  <a:srgbClr val="0C2E86"/>
+                </a:solidFill>
+                <a:latin typeface="Eurostile" pitchFamily="34" charset="0"/>
+                <a:cs typeface="Arial" panose="020B0604020202020204" pitchFamily="34" charset="0"/>
+              </a:defRPr>
+            </a:lvl6pPr>
+            <a:lvl7pPr marL="2971800" indent="-228600" eaLnBrk="0" fontAlgn="base" hangingPunct="0">
+              <a:spcBef>
+                <a:spcPct val="0"/>
+              </a:spcBef>
+              <a:spcAft>
+                <a:spcPct val="0"/>
+              </a:spcAft>
+              <a:defRPr sz="2000" b="1">
+                <a:solidFill>
+                  <a:srgbClr val="0C2E86"/>
+                </a:solidFill>
+                <a:latin typeface="Eurostile" pitchFamily="34" charset="0"/>
+                <a:cs typeface="Arial" panose="020B0604020202020204" pitchFamily="34" charset="0"/>
+              </a:defRPr>
+            </a:lvl7pPr>
+            <a:lvl8pPr marL="3429000" indent="-228600" eaLnBrk="0" fontAlgn="base" hangingPunct="0">
+              <a:spcBef>
+                <a:spcPct val="0"/>
+              </a:spcBef>
+              <a:spcAft>
+                <a:spcPct val="0"/>
+              </a:spcAft>
+              <a:defRPr sz="2000" b="1">
+                <a:solidFill>
+                  <a:srgbClr val="0C2E86"/>
+                </a:solidFill>
+                <a:latin typeface="Eurostile" pitchFamily="34" charset="0"/>
+                <a:cs typeface="Arial" panose="020B0604020202020204" pitchFamily="34" charset="0"/>
+              </a:defRPr>
+            </a:lvl8pPr>
+            <a:lvl9pPr marL="3886200" indent="-228600" eaLnBrk="0" fontAlgn="base" hangingPunct="0">
+              <a:spcBef>
+                <a:spcPct val="0"/>
+              </a:spcBef>
+              <a:spcAft>
+                <a:spcPct val="0"/>
+              </a:spcAft>
+              <a:defRPr sz="2000" b="1">
+                <a:solidFill>
+                  <a:srgbClr val="0C2E86"/>
+                </a:solidFill>
+                <a:latin typeface="Eurostile" pitchFamily="34" charset="0"/>
+                <a:cs typeface="Arial" panose="020B0604020202020204" pitchFamily="34" charset="0"/>
+              </a:defRPr>
+            </a:lvl9pPr>
+          </a:lstStyle>
+          <a:p>
+            <a:pPr algn="ctr"/>
+            <a:r>
+              <a:rPr lang="fr-FR" altLang="fr-FR" sz="2400" dirty="0" smtClean="0">
+                <a:solidFill>
+                  <a:srgbClr val="068EC8"/>
+                </a:solidFill>
+                <a:latin typeface="Arial" panose="020B0604020202020204" pitchFamily="34" charset="0"/>
+              </a:rPr>
+              <a:t>IV</a:t>
+            </a:r>
+            <a:endParaRPr lang="fr-FR" altLang="fr-FR" sz="2400" dirty="0">
+              <a:solidFill>
+                <a:srgbClr val="068EC8"/>
+              </a:solidFill>
+              <a:latin typeface="Arial" panose="020B0604020202020204" pitchFamily="34" charset="0"/>
+            </a:endParaRPr>
+          </a:p>
+        </p:txBody>
+      </p:sp>
+      <p:sp>
+        <p:nvSpPr>
+          <p:cNvPr id="134" name="ZoneTexte 3"/>
+          <p:cNvSpPr txBox="1">
+            <a:spLocks noChangeArrowheads="1"/>
+          </p:cNvSpPr>
+          <p:nvPr/>
+        </p:nvSpPr>
+        <p:spPr bwMode="auto">
+          <a:xfrm>
+            <a:off x="1838455" y="6448948"/>
+            <a:ext cx="2038986" cy="307777"/>
+          </a:xfrm>
+          <a:prstGeom prst="rect">
+            <a:avLst/>
+          </a:prstGeom>
+          <a:noFill/>
+          <a:ln>
+            <a:noFill/>
+          </a:ln>
+          <a:extLst>
+            <a:ext uri="{909E8E84-426E-40DD-AFC4-6F175D3DCCD1}">
+              <a14:hiddenFill xmlns:a14="http://schemas.microsoft.com/office/drawing/2010/main">
+                <a:solidFill>
+                  <a:srgbClr val="FFFFFF"/>
+                </a:solidFill>
+              </a14:hiddenFill>
+            </a:ext>
+            <a:ext uri="{91240B29-F687-4F45-9708-019B960494DF}">
+              <a14:hiddenLine xmlns:a14="http://schemas.microsoft.com/office/drawing/2010/main" w="9525">
+                <a:solidFill>
+                  <a:srgbClr val="000000"/>
+                </a:solidFill>
+                <a:miter lim="800000"/>
+                <a:headEnd/>
+                <a:tailEnd/>
+              </a14:hiddenLine>
+            </a:ext>
+          </a:extLst>
+        </p:spPr>
+        <p:txBody>
+          <a:bodyPr wrap="square">
+            <a:spAutoFit/>
+          </a:bodyPr>
+          <a:lstStyle>
+            <a:lvl1pPr>
+              <a:defRPr sz="2000" b="1">
+                <a:solidFill>
+                  <a:srgbClr val="0C2E86"/>
+                </a:solidFill>
+                <a:latin typeface="Eurostile" pitchFamily="34" charset="0"/>
+                <a:cs typeface="Arial" panose="020B0604020202020204" pitchFamily="34" charset="0"/>
+              </a:defRPr>
+            </a:lvl1pPr>
+            <a:lvl2pPr marL="742950" indent="-285750">
+              <a:defRPr sz="2000" b="1">
+                <a:solidFill>
+                  <a:srgbClr val="0C2E86"/>
+                </a:solidFill>
+                <a:latin typeface="Eurostile" pitchFamily="34" charset="0"/>
+                <a:cs typeface="Arial" panose="020B0604020202020204" pitchFamily="34" charset="0"/>
+              </a:defRPr>
+            </a:lvl2pPr>
+            <a:lvl3pPr marL="1143000" indent="-228600">
+              <a:defRPr sz="2000" b="1">
+                <a:solidFill>
+                  <a:srgbClr val="0C2E86"/>
+                </a:solidFill>
+                <a:latin typeface="Eurostile" pitchFamily="34" charset="0"/>
+                <a:cs typeface="Arial" panose="020B0604020202020204" pitchFamily="34" charset="0"/>
+              </a:defRPr>
+            </a:lvl3pPr>
+            <a:lvl4pPr marL="1600200" indent="-228600">
+              <a:defRPr sz="2000" b="1">
+                <a:solidFill>
+                  <a:srgbClr val="0C2E86"/>
+                </a:solidFill>
+                <a:latin typeface="Eurostile" pitchFamily="34" charset="0"/>
+                <a:cs typeface="Arial" panose="020B0604020202020204" pitchFamily="34" charset="0"/>
+              </a:defRPr>
+            </a:lvl4pPr>
+            <a:lvl5pPr marL="2057400" indent="-228600">
+              <a:defRPr sz="2000" b="1">
+                <a:solidFill>
+                  <a:srgbClr val="0C2E86"/>
+                </a:solidFill>
+                <a:latin typeface="Eurostile" pitchFamily="34" charset="0"/>
+                <a:cs typeface="Arial" panose="020B0604020202020204" pitchFamily="34" charset="0"/>
+              </a:defRPr>
+            </a:lvl5pPr>
+            <a:lvl6pPr marL="2514600" indent="-228600" eaLnBrk="0" fontAlgn="base" hangingPunct="0">
+              <a:spcBef>
+                <a:spcPct val="0"/>
+              </a:spcBef>
+              <a:spcAft>
+                <a:spcPct val="0"/>
+              </a:spcAft>
+              <a:defRPr sz="2000" b="1">
+                <a:solidFill>
+                  <a:srgbClr val="0C2E86"/>
+                </a:solidFill>
+                <a:latin typeface="Eurostile" pitchFamily="34" charset="0"/>
+                <a:cs typeface="Arial" panose="020B0604020202020204" pitchFamily="34" charset="0"/>
+              </a:defRPr>
+            </a:lvl6pPr>
+            <a:lvl7pPr marL="2971800" indent="-228600" eaLnBrk="0" fontAlgn="base" hangingPunct="0">
+              <a:spcBef>
+                <a:spcPct val="0"/>
+              </a:spcBef>
+              <a:spcAft>
+                <a:spcPct val="0"/>
+              </a:spcAft>
+              <a:defRPr sz="2000" b="1">
+                <a:solidFill>
+                  <a:srgbClr val="0C2E86"/>
+                </a:solidFill>
+                <a:latin typeface="Eurostile" pitchFamily="34" charset="0"/>
+                <a:cs typeface="Arial" panose="020B0604020202020204" pitchFamily="34" charset="0"/>
+              </a:defRPr>
+            </a:lvl7pPr>
+            <a:lvl8pPr marL="3429000" indent="-228600" eaLnBrk="0" fontAlgn="base" hangingPunct="0">
+              <a:spcBef>
+                <a:spcPct val="0"/>
+              </a:spcBef>
+              <a:spcAft>
+                <a:spcPct val="0"/>
+              </a:spcAft>
+              <a:defRPr sz="2000" b="1">
+                <a:solidFill>
+                  <a:srgbClr val="0C2E86"/>
+                </a:solidFill>
+                <a:latin typeface="Eurostile" pitchFamily="34" charset="0"/>
+                <a:cs typeface="Arial" panose="020B0604020202020204" pitchFamily="34" charset="0"/>
+              </a:defRPr>
+            </a:lvl8pPr>
+            <a:lvl9pPr marL="3886200" indent="-228600" eaLnBrk="0" fontAlgn="base" hangingPunct="0">
+              <a:spcBef>
+                <a:spcPct val="0"/>
+              </a:spcBef>
+              <a:spcAft>
+                <a:spcPct val="0"/>
+              </a:spcAft>
+              <a:defRPr sz="2000" b="1">
+                <a:solidFill>
+                  <a:srgbClr val="0C2E86"/>
+                </a:solidFill>
+                <a:latin typeface="Eurostile" pitchFamily="34" charset="0"/>
+                <a:cs typeface="Arial" panose="020B0604020202020204" pitchFamily="34" charset="0"/>
+              </a:defRPr>
+            </a:lvl9pPr>
+          </a:lstStyle>
+          <a:p>
+            <a:pPr algn="ctr"/>
+            <a:r>
+              <a:rPr lang="fr-FR" altLang="fr-FR" sz="1400" b="0" dirty="0" smtClean="0">
+                <a:solidFill>
+                  <a:srgbClr val="068EC8"/>
+                </a:solidFill>
+                <a:latin typeface="Arial" panose="020B0604020202020204" pitchFamily="34" charset="0"/>
+              </a:rPr>
+              <a:t>Drop the </a:t>
+            </a:r>
+            <a:r>
+              <a:rPr lang="fr-FR" altLang="fr-FR" sz="1400" b="0" dirty="0" err="1" smtClean="0">
+                <a:solidFill>
+                  <a:srgbClr val="068EC8"/>
+                </a:solidFill>
+                <a:latin typeface="Arial" panose="020B0604020202020204" pitchFamily="34" charset="0"/>
+              </a:rPr>
+              <a:t>sensor</a:t>
+            </a:r>
+            <a:r>
+              <a:rPr lang="fr-FR" altLang="fr-FR" sz="1400" b="0" dirty="0" smtClean="0">
+                <a:solidFill>
+                  <a:srgbClr val="068EC8"/>
+                </a:solidFill>
+                <a:latin typeface="Arial" panose="020B0604020202020204" pitchFamily="34" charset="0"/>
+              </a:rPr>
+              <a:t> back</a:t>
+            </a:r>
+            <a:endParaRPr lang="fr-FR" altLang="fr-FR" sz="1400" b="0" dirty="0">
+              <a:solidFill>
+                <a:srgbClr val="068EC8"/>
+              </a:solidFill>
+              <a:latin typeface="Arial" panose="020B0604020202020204" pitchFamily="34" charset="0"/>
+            </a:endParaRPr>
+          </a:p>
+        </p:txBody>
+      </p:sp>
+      <p:pic>
+        <p:nvPicPr>
+          <p:cNvPr id="135" name="Picture 2" descr="TZT Ultrasonic sensor HC SR04 HCSR04 to world Ultrasonic Wave Detector  Ranging Module HC SR04 HCSR04 Distance Sensor For Arduino|module  hc-sr04|module for arduinomodule arduino - AliExpress"/>
+          <p:cNvPicPr>
+            <a:picLocks noChangeAspect="1" noChangeArrowheads="1"/>
+          </p:cNvPicPr>
+          <p:nvPr/>
+        </p:nvPicPr>
+        <p:blipFill rotWithShape="1">
+          <a:blip r:embed="rId4" cstate="print">
+            <a:clrChange>
+              <a:clrFrom>
+                <a:srgbClr val="FCFDFF"/>
+              </a:clrFrom>
+              <a:clrTo>
+                <a:srgbClr val="FCFDFF">
+                  <a:alpha val="0"/>
+                </a:srgbClr>
+              </a:clrTo>
+            </a:clrChange>
+            <a:extLst>
+              <a:ext uri="{28A0092B-C50C-407E-A947-70E740481C1C}">
+                <a14:useLocalDpi xmlns:a14="http://schemas.microsoft.com/office/drawing/2010/main" val="0"/>
+              </a:ext>
+            </a:extLst>
+          </a:blip>
+          <a:srcRect l="15833" t="20125" r="16291" b="40500"/>
+          <a:stretch/>
+        </p:blipFill>
+        <p:spPr bwMode="auto">
+          <a:xfrm>
+            <a:off x="4351985" y="3230869"/>
+            <a:ext cx="442113" cy="256474"/>
+          </a:xfrm>
+          <a:prstGeom prst="rect">
+            <a:avLst/>
+          </a:prstGeom>
+          <a:noFill/>
+          <a:extLst>
+            <a:ext uri="{909E8E84-426E-40DD-AFC4-6F175D3DCCD1}">
+              <a14:hiddenFill xmlns:a14="http://schemas.microsoft.com/office/drawing/2010/main">
+                <a:solidFill>
+                  <a:srgbClr val="FFFFFF"/>
+                </a:solidFill>
+              </a14:hiddenFill>
+            </a:ext>
+          </a:extLst>
+        </p:spPr>
+      </p:pic>
+      <p:cxnSp>
+        <p:nvCxnSpPr>
+          <p:cNvPr id="14" name="Connecteur droit avec flèche 13"/>
+          <p:cNvCxnSpPr>
+            <a:stCxn id="84" idx="2"/>
+            <a:endCxn id="134" idx="3"/>
+          </p:cNvCxnSpPr>
+          <p:nvPr/>
+        </p:nvCxnSpPr>
+        <p:spPr>
+          <a:xfrm rot="5400000">
+            <a:off x="5525674" y="4396199"/>
+            <a:ext cx="558405" cy="3854870"/>
+          </a:xfrm>
+          <a:prstGeom prst="bentConnector2">
+            <a:avLst/>
+          </a:prstGeom>
+          <a:ln w="38100">
+            <a:solidFill>
+              <a:schemeClr val="accent1"/>
+            </a:solidFill>
+            <a:tailEnd type="triangle"/>
+          </a:ln>
+        </p:spPr>
+        <p:style>
+          <a:lnRef idx="1">
+            <a:schemeClr val="accent1"/>
+          </a:lnRef>
+          <a:fillRef idx="0">
+            <a:schemeClr val="accent1"/>
+          </a:fillRef>
+          <a:effectRef idx="0">
+            <a:schemeClr val="accent1"/>
+          </a:effectRef>
+          <a:fontRef idx="minor">
+            <a:schemeClr val="tx1"/>
+          </a:fontRef>
+        </p:style>
+      </p:cxnSp>
+      <p:cxnSp>
+        <p:nvCxnSpPr>
+          <p:cNvPr id="137" name="Connecteur droit avec flèche 13"/>
+          <p:cNvCxnSpPr>
+            <a:stCxn id="134" idx="1"/>
+            <a:endCxn id="82" idx="2"/>
+          </p:cNvCxnSpPr>
+          <p:nvPr/>
+        </p:nvCxnSpPr>
+        <p:spPr>
+          <a:xfrm rot="10800000">
+            <a:off x="1589415" y="5967683"/>
+            <a:ext cx="249040" cy="635155"/>
+          </a:xfrm>
+          <a:prstGeom prst="bentConnector2">
+            <a:avLst/>
+          </a:prstGeom>
+          <a:ln w="38100">
+            <a:solidFill>
+              <a:schemeClr val="accent1"/>
+            </a:solidFill>
+            <a:tailEnd type="triangle"/>
+          </a:ln>
+        </p:spPr>
+        <p:style>
+          <a:lnRef idx="1">
+            <a:schemeClr val="accent1"/>
+          </a:lnRef>
+          <a:fillRef idx="0">
+            <a:schemeClr val="accent1"/>
+          </a:fillRef>
+          <a:effectRef idx="0">
+            <a:schemeClr val="accent1"/>
+          </a:effectRef>
+          <a:fontRef idx="minor">
+            <a:schemeClr val="tx1"/>
+          </a:fontRef>
+        </p:style>
+      </p:cxnSp>
+      <p:cxnSp>
+        <p:nvCxnSpPr>
+          <p:cNvPr id="138" name="Connecteur droit avec flèche 13"/>
+          <p:cNvCxnSpPr>
+            <a:stCxn id="82" idx="3"/>
+          </p:cNvCxnSpPr>
+          <p:nvPr/>
+        </p:nvCxnSpPr>
+        <p:spPr>
+          <a:xfrm>
+            <a:off x="2353240" y="5813794"/>
+            <a:ext cx="1348322" cy="163172"/>
+          </a:xfrm>
+          <a:prstGeom prst="bentConnector3">
+            <a:avLst>
+              <a:gd name="adj1" fmla="val 50000"/>
+            </a:avLst>
+          </a:prstGeom>
+          <a:ln w="38100">
+            <a:solidFill>
+              <a:schemeClr val="accent1"/>
+            </a:solidFill>
+            <a:tailEnd type="triangle"/>
+          </a:ln>
+        </p:spPr>
+        <p:style>
+          <a:lnRef idx="1">
+            <a:schemeClr val="accent1"/>
+          </a:lnRef>
+          <a:fillRef idx="0">
+            <a:schemeClr val="accent1"/>
+          </a:fillRef>
+          <a:effectRef idx="0">
+            <a:schemeClr val="accent1"/>
+          </a:effectRef>
+          <a:fontRef idx="minor">
+            <a:schemeClr val="tx1"/>
+          </a:fontRef>
+        </p:style>
+      </p:cxnSp>
+      <p:cxnSp>
+        <p:nvCxnSpPr>
+          <p:cNvPr id="139" name="Connecteur droit avec flèche 13"/>
+          <p:cNvCxnSpPr>
+            <a:endCxn id="84" idx="1"/>
+          </p:cNvCxnSpPr>
+          <p:nvPr/>
+        </p:nvCxnSpPr>
+        <p:spPr>
+          <a:xfrm flipV="1">
+            <a:off x="5485660" y="5890544"/>
+            <a:ext cx="1354602" cy="86422"/>
+          </a:xfrm>
+          <a:prstGeom prst="bentConnector3">
+            <a:avLst>
+              <a:gd name="adj1" fmla="val 50000"/>
+            </a:avLst>
+          </a:prstGeom>
+          <a:ln w="38100">
+            <a:solidFill>
+              <a:schemeClr val="accent1"/>
+            </a:solidFill>
+            <a:tailEnd type="triangle"/>
+          </a:ln>
+        </p:spPr>
+        <p:style>
+          <a:lnRef idx="1">
+            <a:schemeClr val="accent1"/>
+          </a:lnRef>
+          <a:fillRef idx="0">
+            <a:schemeClr val="accent1"/>
+          </a:fillRef>
+          <a:effectRef idx="0">
+            <a:schemeClr val="accent1"/>
+          </a:effectRef>
+          <a:fontRef idx="minor">
+            <a:schemeClr val="tx1"/>
+          </a:fontRef>
+        </p:style>
+      </p:cxnSp>
+      <p:cxnSp>
+        <p:nvCxnSpPr>
+          <p:cNvPr id="142" name="Connecteur droit 141"/>
+          <p:cNvCxnSpPr/>
+          <p:nvPr/>
+        </p:nvCxnSpPr>
+        <p:spPr>
+          <a:xfrm>
+            <a:off x="241133" y="3646790"/>
+            <a:ext cx="293593" cy="178347"/>
+          </a:xfrm>
+          <a:prstGeom prst="line">
+            <a:avLst/>
+          </a:prstGeom>
+          <a:ln w="38100">
+            <a:solidFill>
+              <a:srgbClr val="068EC8"/>
+            </a:solidFill>
+          </a:ln>
+        </p:spPr>
+        <p:style>
+          <a:lnRef idx="1">
+            <a:schemeClr val="accent1"/>
+          </a:lnRef>
+          <a:fillRef idx="0">
+            <a:schemeClr val="accent1"/>
+          </a:fillRef>
+          <a:effectRef idx="0">
+            <a:schemeClr val="accent1"/>
+          </a:effectRef>
+          <a:fontRef idx="minor">
+            <a:schemeClr val="tx1"/>
+          </a:fontRef>
+        </p:style>
+      </p:cxnSp>
+      <p:cxnSp>
+        <p:nvCxnSpPr>
+          <p:cNvPr id="143" name="Connecteur droit 142"/>
+          <p:cNvCxnSpPr>
+            <a:stCxn id="2050" idx="3"/>
+            <a:endCxn id="65" idx="1"/>
+          </p:cNvCxnSpPr>
+          <p:nvPr/>
+        </p:nvCxnSpPr>
+        <p:spPr>
+          <a:xfrm>
+            <a:off x="530261" y="3307752"/>
+            <a:ext cx="189482" cy="258438"/>
+          </a:xfrm>
+          <a:prstGeom prst="line">
+            <a:avLst/>
+          </a:prstGeom>
+          <a:ln w="38100">
+            <a:solidFill>
+              <a:srgbClr val="068EC8"/>
+            </a:solidFill>
+          </a:ln>
+        </p:spPr>
+        <p:style>
+          <a:lnRef idx="1">
+            <a:schemeClr val="accent1"/>
+          </a:lnRef>
+          <a:fillRef idx="0">
+            <a:schemeClr val="accent1"/>
+          </a:fillRef>
+          <a:effectRef idx="0">
+            <a:schemeClr val="accent1"/>
+          </a:effectRef>
+          <a:fontRef idx="minor">
+            <a:schemeClr val="tx1"/>
+          </a:fontRef>
+        </p:style>
+      </p:cxnSp>
+      <p:sp>
+        <p:nvSpPr>
+          <p:cNvPr id="144" name="Forme libre 143"/>
+          <p:cNvSpPr/>
+          <p:nvPr/>
+        </p:nvSpPr>
+        <p:spPr>
+          <a:xfrm rot="563768">
+            <a:off x="7705370" y="2949861"/>
+            <a:ext cx="1268559" cy="849938"/>
+          </a:xfrm>
+          <a:custGeom>
+            <a:avLst/>
+            <a:gdLst>
+              <a:gd name="connsiteX0" fmla="*/ 0 w 1076325"/>
+              <a:gd name="connsiteY0" fmla="*/ 0 h 519681"/>
+              <a:gd name="connsiteX1" fmla="*/ 190500 w 1076325"/>
+              <a:gd name="connsiteY1" fmla="*/ 247650 h 519681"/>
+              <a:gd name="connsiteX2" fmla="*/ 523875 w 1076325"/>
+              <a:gd name="connsiteY2" fmla="*/ 247650 h 519681"/>
+              <a:gd name="connsiteX3" fmla="*/ 762000 w 1076325"/>
+              <a:gd name="connsiteY3" fmla="*/ 514350 h 519681"/>
+              <a:gd name="connsiteX4" fmla="*/ 1076325 w 1076325"/>
+              <a:gd name="connsiteY4" fmla="*/ 400050 h 519681"/>
+            </a:gdLst>
+            <a:ahLst/>
+            <a:cxnLst>
+              <a:cxn ang="0">
+                <a:pos x="connsiteX0" y="connsiteY0"/>
+              </a:cxn>
+              <a:cxn ang="0">
+                <a:pos x="connsiteX1" y="connsiteY1"/>
+              </a:cxn>
+              <a:cxn ang="0">
+                <a:pos x="connsiteX2" y="connsiteY2"/>
+              </a:cxn>
+              <a:cxn ang="0">
+                <a:pos x="connsiteX3" y="connsiteY3"/>
+              </a:cxn>
+              <a:cxn ang="0">
+                <a:pos x="connsiteX4" y="connsiteY4"/>
+              </a:cxn>
+            </a:cxnLst>
+            <a:rect l="l" t="t" r="r" b="b"/>
+            <a:pathLst>
+              <a:path w="1076325" h="519681">
+                <a:moveTo>
+                  <a:pt x="0" y="0"/>
+                </a:moveTo>
+                <a:cubicBezTo>
+                  <a:pt x="51594" y="103187"/>
+                  <a:pt x="103188" y="206375"/>
+                  <a:pt x="190500" y="247650"/>
+                </a:cubicBezTo>
+                <a:cubicBezTo>
+                  <a:pt x="277813" y="288925"/>
+                  <a:pt x="428625" y="203200"/>
+                  <a:pt x="523875" y="247650"/>
+                </a:cubicBezTo>
+                <a:cubicBezTo>
+                  <a:pt x="619125" y="292100"/>
+                  <a:pt x="669925" y="488950"/>
+                  <a:pt x="762000" y="514350"/>
+                </a:cubicBezTo>
+                <a:cubicBezTo>
+                  <a:pt x="854075" y="539750"/>
+                  <a:pt x="965200" y="469900"/>
+                  <a:pt x="1076325" y="400050"/>
+                </a:cubicBezTo>
+              </a:path>
+            </a:pathLst>
+          </a:custGeom>
+          <a:noFill/>
+          <a:ln w="28575">
+            <a:solidFill>
+              <a:schemeClr val="tx2">
+                <a:lumMod val="75000"/>
+              </a:schemeClr>
+            </a:solidFill>
+            <a:prstDash val="sysDot"/>
+            <a:headEnd type="none" w="med" len="med"/>
+            <a:tailEnd type="triangle" w="med" len="med"/>
+          </a:ln>
+        </p:spPr>
+        <p:style>
+          <a:lnRef idx="2">
+            <a:schemeClr val="accent1">
+              <a:shade val="50000"/>
+            </a:schemeClr>
+          </a:lnRef>
+          <a:fillRef idx="1">
+            <a:schemeClr val="accent1"/>
+          </a:fillRef>
+          <a:effectRef idx="0">
+            <a:schemeClr val="accent1"/>
+          </a:effectRef>
+          <a:fontRef idx="minor">
+            <a:schemeClr val="lt1"/>
+          </a:fontRef>
+        </p:style>
+        <p:txBody>
+          <a:bodyPr rtlCol="0" anchor="ctr"/>
+          <a:lstStyle/>
+          <a:p>
+            <a:pPr algn="ctr"/>
+            <a:endParaRPr lang="en-US"/>
+          </a:p>
+        </p:txBody>
+      </p:sp>
+      <p:pic>
+        <p:nvPicPr>
+          <p:cNvPr id="136" name="Picture 2" descr="TZT Ultrasonic sensor HC SR04 HCSR04 to world Ultrasonic Wave Detector  Ranging Module HC SR04 HCSR04 Distance Sensor For Arduino|module  hc-sr04|module for arduinomodule arduino - AliExpress"/>
+          <p:cNvPicPr>
+            <a:picLocks noChangeAspect="1" noChangeArrowheads="1"/>
+          </p:cNvPicPr>
+          <p:nvPr/>
+        </p:nvPicPr>
+        <p:blipFill rotWithShape="1">
+          <a:blip r:embed="rId4" cstate="print">
+            <a:clrChange>
+              <a:clrFrom>
+                <a:srgbClr val="FCFDFF"/>
+              </a:clrFrom>
+              <a:clrTo>
+                <a:srgbClr val="FCFDFF">
+                  <a:alpha val="0"/>
+                </a:srgbClr>
+              </a:clrTo>
+            </a:clrChange>
+            <a:extLst>
+              <a:ext uri="{28A0092B-C50C-407E-A947-70E740481C1C}">
+                <a14:useLocalDpi xmlns:a14="http://schemas.microsoft.com/office/drawing/2010/main" val="0"/>
+              </a:ext>
+            </a:extLst>
+          </a:blip>
+          <a:srcRect l="15833" t="20125" r="16291" b="40500"/>
+          <a:stretch/>
+        </p:blipFill>
+        <p:spPr bwMode="auto">
+          <a:xfrm rot="1955676">
+            <a:off x="8097822" y="3297430"/>
+            <a:ext cx="442113" cy="256474"/>
+          </a:xfrm>
+          <a:prstGeom prst="rect">
+            <a:avLst/>
+          </a:prstGeom>
+          <a:noFill/>
+          <a:extLst>
+            <a:ext uri="{909E8E84-426E-40DD-AFC4-6F175D3DCCD1}">
+              <a14:hiddenFill xmlns:a14="http://schemas.microsoft.com/office/drawing/2010/main">
+                <a:solidFill>
+                  <a:srgbClr val="FFFFFF"/>
+                </a:solidFill>
+              </a14:hiddenFill>
+            </a:ext>
+          </a:extLst>
+        </p:spPr>
+      </p:pic>
     </p:spTree>
     <p:extLst>
       <p:ext uri="{BB962C8B-B14F-4D97-AF65-F5344CB8AC3E}">
@@ -10323,14 +11890,823 @@
   <p:timing>
     <p:tnLst>
       <p:par>
-        <p:cTn id="1" dur="indefinite" restart="never" nodeType="tmRoot"/>
+        <p:cTn id="1" dur="indefinite" restart="never" nodeType="tmRoot">
+          <p:childTnLst>
+            <p:seq concurrent="1" nextAc="seek">
+              <p:cTn id="2" dur="indefinite" nodeType="mainSeq">
+                <p:childTnLst>
+                  <p:par>
+                    <p:cTn id="3" fill="hold">
+                      <p:stCondLst>
+                        <p:cond delay="indefinite"/>
+                      </p:stCondLst>
+                      <p:childTnLst>
+                        <p:par>
+                          <p:cTn id="4" fill="hold">
+                            <p:stCondLst>
+                              <p:cond delay="0"/>
+                            </p:stCondLst>
+                            <p:childTnLst>
+                              <p:par>
+                                <p:cTn id="5" presetID="1" presetClass="entr" presetSubtype="0" fill="hold" grpId="0" nodeType="clickEffect">
+                                  <p:stCondLst>
+                                    <p:cond delay="0"/>
+                                  </p:stCondLst>
+                                  <p:childTnLst>
+                                    <p:set>
+                                      <p:cBhvr>
+                                        <p:cTn id="6" dur="1" fill="hold">
+                                          <p:stCondLst>
+                                            <p:cond delay="0"/>
+                                          </p:stCondLst>
+                                        </p:cTn>
+                                        <p:tgtEl>
+                                          <p:spTgt spid="6"/>
+                                        </p:tgtEl>
+                                        <p:attrNameLst>
+                                          <p:attrName>style.visibility</p:attrName>
+                                        </p:attrNameLst>
+                                      </p:cBhvr>
+                                      <p:to>
+                                        <p:strVal val="visible"/>
+                                      </p:to>
+                                    </p:set>
+                                  </p:childTnLst>
+                                </p:cTn>
+                              </p:par>
+                              <p:par>
+                                <p:cTn id="7" presetID="1" presetClass="entr" presetSubtype="0" fill="hold" grpId="0" nodeType="withEffect">
+                                  <p:stCondLst>
+                                    <p:cond delay="0"/>
+                                  </p:stCondLst>
+                                  <p:childTnLst>
+                                    <p:set>
+                                      <p:cBhvr>
+                                        <p:cTn id="8" dur="1" fill="hold">
+                                          <p:stCondLst>
+                                            <p:cond delay="0"/>
+                                          </p:stCondLst>
+                                        </p:cTn>
+                                        <p:tgtEl>
+                                          <p:spTgt spid="82"/>
+                                        </p:tgtEl>
+                                        <p:attrNameLst>
+                                          <p:attrName>style.visibility</p:attrName>
+                                        </p:attrNameLst>
+                                      </p:cBhvr>
+                                      <p:to>
+                                        <p:strVal val="visible"/>
+                                      </p:to>
+                                    </p:set>
+                                  </p:childTnLst>
+                                </p:cTn>
+                              </p:par>
+                              <p:par>
+                                <p:cTn id="9" presetID="1" presetClass="exit" presetSubtype="0" fill="hold" nodeType="withEffect">
+                                  <p:stCondLst>
+                                    <p:cond delay="0"/>
+                                  </p:stCondLst>
+                                  <p:childTnLst>
+                                    <p:set>
+                                      <p:cBhvr>
+                                        <p:cTn id="10" dur="1" fill="hold">
+                                          <p:stCondLst>
+                                            <p:cond delay="0"/>
+                                          </p:stCondLst>
+                                        </p:cTn>
+                                        <p:tgtEl>
+                                          <p:spTgt spid="69"/>
+                                        </p:tgtEl>
+                                        <p:attrNameLst>
+                                          <p:attrName>style.visibility</p:attrName>
+                                        </p:attrNameLst>
+                                      </p:cBhvr>
+                                      <p:to>
+                                        <p:strVal val="hidden"/>
+                                      </p:to>
+                                    </p:set>
+                                  </p:childTnLst>
+                                </p:cTn>
+                              </p:par>
+                              <p:par>
+                                <p:cTn id="11" presetID="1" presetClass="exit" presetSubtype="0" fill="hold" nodeType="withEffect">
+                                  <p:stCondLst>
+                                    <p:cond delay="0"/>
+                                  </p:stCondLst>
+                                  <p:childTnLst>
+                                    <p:set>
+                                      <p:cBhvr>
+                                        <p:cTn id="12" dur="1" fill="hold">
+                                          <p:stCondLst>
+                                            <p:cond delay="0"/>
+                                          </p:stCondLst>
+                                        </p:cTn>
+                                        <p:tgtEl>
+                                          <p:spTgt spid="67"/>
+                                        </p:tgtEl>
+                                        <p:attrNameLst>
+                                          <p:attrName>style.visibility</p:attrName>
+                                        </p:attrNameLst>
+                                      </p:cBhvr>
+                                      <p:to>
+                                        <p:strVal val="hidden"/>
+                                      </p:to>
+                                    </p:set>
+                                  </p:childTnLst>
+                                </p:cTn>
+                              </p:par>
+                              <p:par>
+                                <p:cTn id="13" presetID="1" presetClass="entr" presetSubtype="0" fill="hold" nodeType="withEffect">
+                                  <p:stCondLst>
+                                    <p:cond delay="0"/>
+                                  </p:stCondLst>
+                                  <p:childTnLst>
+                                    <p:set>
+                                      <p:cBhvr>
+                                        <p:cTn id="14" dur="1" fill="hold">
+                                          <p:stCondLst>
+                                            <p:cond delay="0"/>
+                                          </p:stCondLst>
+                                        </p:cTn>
+                                        <p:tgtEl>
+                                          <p:spTgt spid="143"/>
+                                        </p:tgtEl>
+                                        <p:attrNameLst>
+                                          <p:attrName>style.visibility</p:attrName>
+                                        </p:attrNameLst>
+                                      </p:cBhvr>
+                                      <p:to>
+                                        <p:strVal val="visible"/>
+                                      </p:to>
+                                    </p:set>
+                                  </p:childTnLst>
+                                </p:cTn>
+                              </p:par>
+                              <p:par>
+                                <p:cTn id="15" presetID="1" presetClass="entr" presetSubtype="0" fill="hold" nodeType="withEffect">
+                                  <p:stCondLst>
+                                    <p:cond delay="0"/>
+                                  </p:stCondLst>
+                                  <p:childTnLst>
+                                    <p:set>
+                                      <p:cBhvr>
+                                        <p:cTn id="16" dur="1" fill="hold">
+                                          <p:stCondLst>
+                                            <p:cond delay="0"/>
+                                          </p:stCondLst>
+                                        </p:cTn>
+                                        <p:tgtEl>
+                                          <p:spTgt spid="142"/>
+                                        </p:tgtEl>
+                                        <p:attrNameLst>
+                                          <p:attrName>style.visibility</p:attrName>
+                                        </p:attrNameLst>
+                                      </p:cBhvr>
+                                      <p:to>
+                                        <p:strVal val="visible"/>
+                                      </p:to>
+                                    </p:set>
+                                  </p:childTnLst>
+                                </p:cTn>
+                              </p:par>
+                            </p:childTnLst>
+                          </p:cTn>
+                        </p:par>
+                      </p:childTnLst>
+                    </p:cTn>
+                  </p:par>
+                  <p:par>
+                    <p:cTn id="17" fill="hold">
+                      <p:stCondLst>
+                        <p:cond delay="indefinite"/>
+                      </p:stCondLst>
+                      <p:childTnLst>
+                        <p:par>
+                          <p:cTn id="18" fill="hold">
+                            <p:stCondLst>
+                              <p:cond delay="0"/>
+                            </p:stCondLst>
+                            <p:childTnLst>
+                              <p:par>
+                                <p:cTn id="19" presetID="1" presetClass="entr" presetSubtype="0" fill="hold" nodeType="clickEffect">
+                                  <p:stCondLst>
+                                    <p:cond delay="0"/>
+                                  </p:stCondLst>
+                                  <p:childTnLst>
+                                    <p:set>
+                                      <p:cBhvr>
+                                        <p:cTn id="20" dur="1" fill="hold">
+                                          <p:stCondLst>
+                                            <p:cond delay="0"/>
+                                          </p:stCondLst>
+                                        </p:cTn>
+                                        <p:tgtEl>
+                                          <p:spTgt spid="96"/>
+                                        </p:tgtEl>
+                                        <p:attrNameLst>
+                                          <p:attrName>style.visibility</p:attrName>
+                                        </p:attrNameLst>
+                                      </p:cBhvr>
+                                      <p:to>
+                                        <p:strVal val="visible"/>
+                                      </p:to>
+                                    </p:set>
+                                  </p:childTnLst>
+                                </p:cTn>
+                              </p:par>
+                              <p:par>
+                                <p:cTn id="21" presetID="1" presetClass="entr" presetSubtype="0" fill="hold" grpId="0" nodeType="withEffect">
+                                  <p:stCondLst>
+                                    <p:cond delay="0"/>
+                                  </p:stCondLst>
+                                  <p:childTnLst>
+                                    <p:set>
+                                      <p:cBhvr>
+                                        <p:cTn id="22" dur="1" fill="hold">
+                                          <p:stCondLst>
+                                            <p:cond delay="0"/>
+                                          </p:stCondLst>
+                                        </p:cTn>
+                                        <p:tgtEl>
+                                          <p:spTgt spid="61"/>
+                                        </p:tgtEl>
+                                        <p:attrNameLst>
+                                          <p:attrName>style.visibility</p:attrName>
+                                        </p:attrNameLst>
+                                      </p:cBhvr>
+                                      <p:to>
+                                        <p:strVal val="visible"/>
+                                      </p:to>
+                                    </p:set>
+                                  </p:childTnLst>
+                                </p:cTn>
+                              </p:par>
+                              <p:par>
+                                <p:cTn id="23" presetID="1" presetClass="entr" presetSubtype="0" fill="hold" nodeType="withEffect">
+                                  <p:stCondLst>
+                                    <p:cond delay="0"/>
+                                  </p:stCondLst>
+                                  <p:childTnLst>
+                                    <p:set>
+                                      <p:cBhvr>
+                                        <p:cTn id="24" dur="1" fill="hold">
+                                          <p:stCondLst>
+                                            <p:cond delay="0"/>
+                                          </p:stCondLst>
+                                        </p:cTn>
+                                        <p:tgtEl>
+                                          <p:spTgt spid="85"/>
+                                        </p:tgtEl>
+                                        <p:attrNameLst>
+                                          <p:attrName>style.visibility</p:attrName>
+                                        </p:attrNameLst>
+                                      </p:cBhvr>
+                                      <p:to>
+                                        <p:strVal val="visible"/>
+                                      </p:to>
+                                    </p:set>
+                                  </p:childTnLst>
+                                </p:cTn>
+                              </p:par>
+                              <p:par>
+                                <p:cTn id="25" presetID="1" presetClass="entr" presetSubtype="0" fill="hold" nodeType="withEffect">
+                                  <p:stCondLst>
+                                    <p:cond delay="0"/>
+                                  </p:stCondLst>
+                                  <p:childTnLst>
+                                    <p:set>
+                                      <p:cBhvr>
+                                        <p:cTn id="26" dur="1" fill="hold">
+                                          <p:stCondLst>
+                                            <p:cond delay="0"/>
+                                          </p:stCondLst>
+                                        </p:cTn>
+                                        <p:tgtEl>
+                                          <p:spTgt spid="86"/>
+                                        </p:tgtEl>
+                                        <p:attrNameLst>
+                                          <p:attrName>style.visibility</p:attrName>
+                                        </p:attrNameLst>
+                                      </p:cBhvr>
+                                      <p:to>
+                                        <p:strVal val="visible"/>
+                                      </p:to>
+                                    </p:set>
+                                  </p:childTnLst>
+                                </p:cTn>
+                              </p:par>
+                              <p:par>
+                                <p:cTn id="27" presetID="1" presetClass="entr" presetSubtype="0" fill="hold" nodeType="withEffect">
+                                  <p:stCondLst>
+                                    <p:cond delay="0"/>
+                                  </p:stCondLst>
+                                  <p:childTnLst>
+                                    <p:set>
+                                      <p:cBhvr>
+                                        <p:cTn id="28" dur="1" fill="hold">
+                                          <p:stCondLst>
+                                            <p:cond delay="0"/>
+                                          </p:stCondLst>
+                                        </p:cTn>
+                                        <p:tgtEl>
+                                          <p:spTgt spid="87"/>
+                                        </p:tgtEl>
+                                        <p:attrNameLst>
+                                          <p:attrName>style.visibility</p:attrName>
+                                        </p:attrNameLst>
+                                      </p:cBhvr>
+                                      <p:to>
+                                        <p:strVal val="visible"/>
+                                      </p:to>
+                                    </p:set>
+                                  </p:childTnLst>
+                                </p:cTn>
+                              </p:par>
+                              <p:par>
+                                <p:cTn id="29" presetID="1" presetClass="entr" presetSubtype="0" fill="hold" nodeType="withEffect">
+                                  <p:stCondLst>
+                                    <p:cond delay="0"/>
+                                  </p:stCondLst>
+                                  <p:childTnLst>
+                                    <p:set>
+                                      <p:cBhvr>
+                                        <p:cTn id="30" dur="1" fill="hold">
+                                          <p:stCondLst>
+                                            <p:cond delay="0"/>
+                                          </p:stCondLst>
+                                        </p:cTn>
+                                        <p:tgtEl>
+                                          <p:spTgt spid="135"/>
+                                        </p:tgtEl>
+                                        <p:attrNameLst>
+                                          <p:attrName>style.visibility</p:attrName>
+                                        </p:attrNameLst>
+                                      </p:cBhvr>
+                                      <p:to>
+                                        <p:strVal val="visible"/>
+                                      </p:to>
+                                    </p:set>
+                                  </p:childTnLst>
+                                </p:cTn>
+                              </p:par>
+                              <p:par>
+                                <p:cTn id="31" presetID="1" presetClass="entr" presetSubtype="0" fill="hold" grpId="0" nodeType="withEffect">
+                                  <p:stCondLst>
+                                    <p:cond delay="0"/>
+                                  </p:stCondLst>
+                                  <p:childTnLst>
+                                    <p:set>
+                                      <p:cBhvr>
+                                        <p:cTn id="32" dur="1" fill="hold">
+                                          <p:stCondLst>
+                                            <p:cond delay="0"/>
+                                          </p:stCondLst>
+                                        </p:cTn>
+                                        <p:tgtEl>
+                                          <p:spTgt spid="57"/>
+                                        </p:tgtEl>
+                                        <p:attrNameLst>
+                                          <p:attrName>style.visibility</p:attrName>
+                                        </p:attrNameLst>
+                                      </p:cBhvr>
+                                      <p:to>
+                                        <p:strVal val="visible"/>
+                                      </p:to>
+                                    </p:set>
+                                  </p:childTnLst>
+                                </p:cTn>
+                              </p:par>
+                              <p:par>
+                                <p:cTn id="33" presetID="1" presetClass="entr" presetSubtype="0" fill="hold" grpId="0" nodeType="withEffect">
+                                  <p:stCondLst>
+                                    <p:cond delay="0"/>
+                                  </p:stCondLst>
+                                  <p:childTnLst>
+                                    <p:set>
+                                      <p:cBhvr>
+                                        <p:cTn id="34" dur="1" fill="hold">
+                                          <p:stCondLst>
+                                            <p:cond delay="0"/>
+                                          </p:stCondLst>
+                                        </p:cTn>
+                                        <p:tgtEl>
+                                          <p:spTgt spid="83"/>
+                                        </p:tgtEl>
+                                        <p:attrNameLst>
+                                          <p:attrName>style.visibility</p:attrName>
+                                        </p:attrNameLst>
+                                      </p:cBhvr>
+                                      <p:to>
+                                        <p:strVal val="visible"/>
+                                      </p:to>
+                                    </p:set>
+                                  </p:childTnLst>
+                                </p:cTn>
+                              </p:par>
+                              <p:par>
+                                <p:cTn id="35" presetID="1" presetClass="entr" presetSubtype="0" fill="hold" nodeType="withEffect">
+                                  <p:stCondLst>
+                                    <p:cond delay="0"/>
+                                  </p:stCondLst>
+                                  <p:childTnLst>
+                                    <p:set>
+                                      <p:cBhvr>
+                                        <p:cTn id="36" dur="1" fill="hold">
+                                          <p:stCondLst>
+                                            <p:cond delay="0"/>
+                                          </p:stCondLst>
+                                        </p:cTn>
+                                        <p:tgtEl>
+                                          <p:spTgt spid="138"/>
+                                        </p:tgtEl>
+                                        <p:attrNameLst>
+                                          <p:attrName>style.visibility</p:attrName>
+                                        </p:attrNameLst>
+                                      </p:cBhvr>
+                                      <p:to>
+                                        <p:strVal val="visible"/>
+                                      </p:to>
+                                    </p:set>
+                                  </p:childTnLst>
+                                </p:cTn>
+                              </p:par>
+                            </p:childTnLst>
+                          </p:cTn>
+                        </p:par>
+                      </p:childTnLst>
+                    </p:cTn>
+                  </p:par>
+                  <p:par>
+                    <p:cTn id="37" fill="hold">
+                      <p:stCondLst>
+                        <p:cond delay="indefinite"/>
+                      </p:stCondLst>
+                      <p:childTnLst>
+                        <p:par>
+                          <p:cTn id="38" fill="hold">
+                            <p:stCondLst>
+                              <p:cond delay="0"/>
+                            </p:stCondLst>
+                            <p:childTnLst>
+                              <p:par>
+                                <p:cTn id="39" presetID="1" presetClass="entr" presetSubtype="0" fill="hold" nodeType="clickEffect">
+                                  <p:stCondLst>
+                                    <p:cond delay="0"/>
+                                  </p:stCondLst>
+                                  <p:childTnLst>
+                                    <p:set>
+                                      <p:cBhvr>
+                                        <p:cTn id="40" dur="1" fill="hold">
+                                          <p:stCondLst>
+                                            <p:cond delay="0"/>
+                                          </p:stCondLst>
+                                        </p:cTn>
+                                        <p:tgtEl>
+                                          <p:spTgt spid="121"/>
+                                        </p:tgtEl>
+                                        <p:attrNameLst>
+                                          <p:attrName>style.visibility</p:attrName>
+                                        </p:attrNameLst>
+                                      </p:cBhvr>
+                                      <p:to>
+                                        <p:strVal val="visible"/>
+                                      </p:to>
+                                    </p:set>
+                                  </p:childTnLst>
+                                </p:cTn>
+                              </p:par>
+                              <p:par>
+                                <p:cTn id="41" presetID="1" presetClass="entr" presetSubtype="0" fill="hold" nodeType="withEffect">
+                                  <p:stCondLst>
+                                    <p:cond delay="0"/>
+                                  </p:stCondLst>
+                                  <p:childTnLst>
+                                    <p:set>
+                                      <p:cBhvr>
+                                        <p:cTn id="42" dur="1" fill="hold">
+                                          <p:stCondLst>
+                                            <p:cond delay="0"/>
+                                          </p:stCondLst>
+                                        </p:cTn>
+                                        <p:tgtEl>
+                                          <p:spTgt spid="114"/>
+                                        </p:tgtEl>
+                                        <p:attrNameLst>
+                                          <p:attrName>style.visibility</p:attrName>
+                                        </p:attrNameLst>
+                                      </p:cBhvr>
+                                      <p:to>
+                                        <p:strVal val="visible"/>
+                                      </p:to>
+                                    </p:set>
+                                  </p:childTnLst>
+                                </p:cTn>
+                              </p:par>
+                              <p:par>
+                                <p:cTn id="43" presetID="1" presetClass="entr" presetSubtype="0" fill="hold" nodeType="withEffect">
+                                  <p:stCondLst>
+                                    <p:cond delay="0"/>
+                                  </p:stCondLst>
+                                  <p:childTnLst>
+                                    <p:set>
+                                      <p:cBhvr>
+                                        <p:cTn id="44" dur="1" fill="hold">
+                                          <p:stCondLst>
+                                            <p:cond delay="0"/>
+                                          </p:stCondLst>
+                                        </p:cTn>
+                                        <p:tgtEl>
+                                          <p:spTgt spid="136"/>
+                                        </p:tgtEl>
+                                        <p:attrNameLst>
+                                          <p:attrName>style.visibility</p:attrName>
+                                        </p:attrNameLst>
+                                      </p:cBhvr>
+                                      <p:to>
+                                        <p:strVal val="visible"/>
+                                      </p:to>
+                                    </p:set>
+                                  </p:childTnLst>
+                                </p:cTn>
+                              </p:par>
+                              <p:par>
+                                <p:cTn id="45" presetID="1" presetClass="entr" presetSubtype="0" fill="hold" grpId="0" nodeType="withEffect">
+                                  <p:stCondLst>
+                                    <p:cond delay="0"/>
+                                  </p:stCondLst>
+                                  <p:childTnLst>
+                                    <p:set>
+                                      <p:cBhvr>
+                                        <p:cTn id="46" dur="1" fill="hold">
+                                          <p:stCondLst>
+                                            <p:cond delay="0"/>
+                                          </p:stCondLst>
+                                        </p:cTn>
+                                        <p:tgtEl>
+                                          <p:spTgt spid="56"/>
+                                        </p:tgtEl>
+                                        <p:attrNameLst>
+                                          <p:attrName>style.visibility</p:attrName>
+                                        </p:attrNameLst>
+                                      </p:cBhvr>
+                                      <p:to>
+                                        <p:strVal val="visible"/>
+                                      </p:to>
+                                    </p:set>
+                                  </p:childTnLst>
+                                </p:cTn>
+                              </p:par>
+                              <p:par>
+                                <p:cTn id="47" presetID="1" presetClass="entr" presetSubtype="0" fill="hold" grpId="0" nodeType="withEffect">
+                                  <p:stCondLst>
+                                    <p:cond delay="0"/>
+                                  </p:stCondLst>
+                                  <p:childTnLst>
+                                    <p:set>
+                                      <p:cBhvr>
+                                        <p:cTn id="48" dur="1" fill="hold">
+                                          <p:stCondLst>
+                                            <p:cond delay="0"/>
+                                          </p:stCondLst>
+                                        </p:cTn>
+                                        <p:tgtEl>
+                                          <p:spTgt spid="84"/>
+                                        </p:tgtEl>
+                                        <p:attrNameLst>
+                                          <p:attrName>style.visibility</p:attrName>
+                                        </p:attrNameLst>
+                                      </p:cBhvr>
+                                      <p:to>
+                                        <p:strVal val="visible"/>
+                                      </p:to>
+                                    </p:set>
+                                  </p:childTnLst>
+                                </p:cTn>
+                              </p:par>
+                              <p:par>
+                                <p:cTn id="49" presetID="1" presetClass="entr" presetSubtype="0" fill="hold" nodeType="withEffect">
+                                  <p:stCondLst>
+                                    <p:cond delay="0"/>
+                                  </p:stCondLst>
+                                  <p:childTnLst>
+                                    <p:set>
+                                      <p:cBhvr>
+                                        <p:cTn id="50" dur="1" fill="hold">
+                                          <p:stCondLst>
+                                            <p:cond delay="0"/>
+                                          </p:stCondLst>
+                                        </p:cTn>
+                                        <p:tgtEl>
+                                          <p:spTgt spid="139"/>
+                                        </p:tgtEl>
+                                        <p:attrNameLst>
+                                          <p:attrName>style.visibility</p:attrName>
+                                        </p:attrNameLst>
+                                      </p:cBhvr>
+                                      <p:to>
+                                        <p:strVal val="visible"/>
+                                      </p:to>
+                                    </p:set>
+                                  </p:childTnLst>
+                                </p:cTn>
+                              </p:par>
+                              <p:par>
+                                <p:cTn id="51" presetID="1" presetClass="entr" presetSubtype="0" fill="hold" grpId="0" nodeType="withEffect">
+                                  <p:stCondLst>
+                                    <p:cond delay="0"/>
+                                  </p:stCondLst>
+                                  <p:childTnLst>
+                                    <p:set>
+                                      <p:cBhvr>
+                                        <p:cTn id="52" dur="1" fill="hold">
+                                          <p:stCondLst>
+                                            <p:cond delay="0"/>
+                                          </p:stCondLst>
+                                        </p:cTn>
+                                        <p:tgtEl>
+                                          <p:spTgt spid="144"/>
+                                        </p:tgtEl>
+                                        <p:attrNameLst>
+                                          <p:attrName>style.visibility</p:attrName>
+                                        </p:attrNameLst>
+                                      </p:cBhvr>
+                                      <p:to>
+                                        <p:strVal val="visible"/>
+                                      </p:to>
+                                    </p:set>
+                                  </p:childTnLst>
+                                </p:cTn>
+                              </p:par>
+                            </p:childTnLst>
+                          </p:cTn>
+                        </p:par>
+                      </p:childTnLst>
+                    </p:cTn>
+                  </p:par>
+                  <p:par>
+                    <p:cTn id="53" fill="hold">
+                      <p:stCondLst>
+                        <p:cond delay="indefinite"/>
+                      </p:stCondLst>
+                      <p:childTnLst>
+                        <p:par>
+                          <p:cTn id="54" fill="hold">
+                            <p:stCondLst>
+                              <p:cond delay="0"/>
+                            </p:stCondLst>
+                            <p:childTnLst>
+                              <p:par>
+                                <p:cTn id="55" presetID="1" presetClass="entr" presetSubtype="0" fill="hold" nodeType="clickEffect">
+                                  <p:stCondLst>
+                                    <p:cond delay="0"/>
+                                  </p:stCondLst>
+                                  <p:childTnLst>
+                                    <p:set>
+                                      <p:cBhvr>
+                                        <p:cTn id="56" dur="1" fill="hold">
+                                          <p:stCondLst>
+                                            <p:cond delay="0"/>
+                                          </p:stCondLst>
+                                        </p:cTn>
+                                        <p:tgtEl>
+                                          <p:spTgt spid="14"/>
+                                        </p:tgtEl>
+                                        <p:attrNameLst>
+                                          <p:attrName>style.visibility</p:attrName>
+                                        </p:attrNameLst>
+                                      </p:cBhvr>
+                                      <p:to>
+                                        <p:strVal val="visible"/>
+                                      </p:to>
+                                    </p:set>
+                                  </p:childTnLst>
+                                </p:cTn>
+                              </p:par>
+                              <p:par>
+                                <p:cTn id="57" presetID="1" presetClass="entr" presetSubtype="0" fill="hold" grpId="0" nodeType="withEffect">
+                                  <p:stCondLst>
+                                    <p:cond delay="0"/>
+                                  </p:stCondLst>
+                                  <p:childTnLst>
+                                    <p:set>
+                                      <p:cBhvr>
+                                        <p:cTn id="58" dur="1" fill="hold">
+                                          <p:stCondLst>
+                                            <p:cond delay="0"/>
+                                          </p:stCondLst>
+                                        </p:cTn>
+                                        <p:tgtEl>
+                                          <p:spTgt spid="134"/>
+                                        </p:tgtEl>
+                                        <p:attrNameLst>
+                                          <p:attrName>style.visibility</p:attrName>
+                                        </p:attrNameLst>
+                                      </p:cBhvr>
+                                      <p:to>
+                                        <p:strVal val="visible"/>
+                                      </p:to>
+                                    </p:set>
+                                  </p:childTnLst>
+                                </p:cTn>
+                              </p:par>
+                              <p:par>
+                                <p:cTn id="59" presetID="1" presetClass="entr" presetSubtype="0" fill="hold" grpId="0" nodeType="withEffect">
+                                  <p:stCondLst>
+                                    <p:cond delay="0"/>
+                                  </p:stCondLst>
+                                  <p:childTnLst>
+                                    <p:set>
+                                      <p:cBhvr>
+                                        <p:cTn id="60" dur="1" fill="hold">
+                                          <p:stCondLst>
+                                            <p:cond delay="0"/>
+                                          </p:stCondLst>
+                                        </p:cTn>
+                                        <p:tgtEl>
+                                          <p:spTgt spid="133"/>
+                                        </p:tgtEl>
+                                        <p:attrNameLst>
+                                          <p:attrName>style.visibility</p:attrName>
+                                        </p:attrNameLst>
+                                      </p:cBhvr>
+                                      <p:to>
+                                        <p:strVal val="visible"/>
+                                      </p:to>
+                                    </p:set>
+                                  </p:childTnLst>
+                                </p:cTn>
+                              </p:par>
+                              <p:par>
+                                <p:cTn id="61" presetID="1" presetClass="entr" presetSubtype="0" fill="hold" nodeType="withEffect">
+                                  <p:stCondLst>
+                                    <p:cond delay="0"/>
+                                  </p:stCondLst>
+                                  <p:childTnLst>
+                                    <p:set>
+                                      <p:cBhvr>
+                                        <p:cTn id="62" dur="1" fill="hold">
+                                          <p:stCondLst>
+                                            <p:cond delay="0"/>
+                                          </p:stCondLst>
+                                        </p:cTn>
+                                        <p:tgtEl>
+                                          <p:spTgt spid="137"/>
+                                        </p:tgtEl>
+                                        <p:attrNameLst>
+                                          <p:attrName>style.visibility</p:attrName>
+                                        </p:attrNameLst>
+                                      </p:cBhvr>
+                                      <p:to>
+                                        <p:strVal val="visible"/>
+                                      </p:to>
+                                    </p:set>
+                                  </p:childTnLst>
+                                </p:cTn>
+                              </p:par>
+                            </p:childTnLst>
+                          </p:cTn>
+                        </p:par>
+                      </p:childTnLst>
+                    </p:cTn>
+                  </p:par>
+                </p:childTnLst>
+              </p:cTn>
+              <p:prevCondLst>
+                <p:cond evt="onPrev" delay="0">
+                  <p:tgtEl>
+                    <p:sldTgt/>
+                  </p:tgtEl>
+                </p:cond>
+              </p:prevCondLst>
+              <p:nextCondLst>
+                <p:cond evt="onNext" delay="0">
+                  <p:tgtEl>
+                    <p:sldTgt/>
+                  </p:tgtEl>
+                </p:cond>
+              </p:nextCondLst>
+            </p:seq>
+          </p:childTnLst>
+        </p:cTn>
       </p:par>
     </p:tnLst>
+    <p:bldLst>
+      <p:bldP spid="6" grpId="0"/>
+      <p:bldP spid="56" grpId="0"/>
+      <p:bldP spid="57" grpId="0"/>
+      <p:bldP spid="61" grpId="0" animBg="1"/>
+      <p:bldP spid="82" grpId="0"/>
+      <p:bldP spid="83" grpId="0"/>
+      <p:bldP spid="84" grpId="0"/>
+      <p:bldP spid="133" grpId="0"/>
+      <p:bldP spid="134" grpId="0"/>
+      <p:bldP spid="144" grpId="0" animBg="1"/>
+    </p:bldLst>
   </p:timing>
 </p:sld>
 </file>
 
-<file path=ppt/slides/slide9.xml><?xml version="1.0" encoding="utf-8"?>
+<file path=ppt/slides/slide8.xml><?xml version="1.0" encoding="utf-8"?>
 <p:sld xmlns:a="http://schemas.openxmlformats.org/drawingml/2006/main" xmlns:r="http://schemas.openxmlformats.org/officeDocument/2006/relationships" xmlns:p="http://schemas.openxmlformats.org/presentationml/2006/main">
   <p:cSld>
     <p:spTree>
@@ -10347,55 +12723,6 @@
           <a:chExt cx="0" cy="0"/>
         </a:xfrm>
       </p:grpSpPr>
-      <p:pic>
-        <p:nvPicPr>
-          <p:cNvPr id="2050" name="Picture 2" descr="RÃ©sultat de recherche d'images pour &quot;3D filament reel empty&quot;"/>
-          <p:cNvPicPr>
-            <a:picLocks noChangeAspect="1" noChangeArrowheads="1"/>
-          </p:cNvPicPr>
-          <p:nvPr/>
-        </p:nvPicPr>
-        <p:blipFill rotWithShape="1">
-          <a:blip r:embed="rId2">
-            <a:clrChange>
-              <a:clrFrom>
-                <a:srgbClr val="F8F2F2"/>
-              </a:clrFrom>
-              <a:clrTo>
-                <a:srgbClr val="F8F2F2">
-                  <a:alpha val="0"/>
-                </a:srgbClr>
-              </a:clrTo>
-            </a:clrChange>
-            <a:extLst>
-              <a:ext uri="{28A0092B-C50C-407E-A947-70E740481C1C}">
-                <a14:useLocalDpi xmlns:a14="http://schemas.microsoft.com/office/drawing/2010/main" val="0"/>
-              </a:ext>
-            </a:extLst>
-          </a:blip>
-          <a:srcRect l="8248" t="18469" r="5162" b="11413"/>
-          <a:stretch/>
-        </p:blipFill>
-        <p:spPr bwMode="auto">
-          <a:xfrm>
-            <a:off x="5476711" y="4676253"/>
-            <a:ext cx="3198829" cy="2590355"/>
-          </a:xfrm>
-          <a:prstGeom prst="rect">
-            <a:avLst/>
-          </a:prstGeom>
-          <a:noFill/>
-          <a:extLst>
-            <a:ext uri="{909E8E84-426E-40DD-AFC4-6F175D3DCCD1}">
-              <a14:hiddenFill xmlns:a14="http://schemas.microsoft.com/office/drawing/2010/main">
-                <a:solidFill>
-                  <a:srgbClr val="FFFFFF"/>
-                </a:solidFill>
-              </a14:hiddenFill>
-            </a:ext>
-          </a:extLst>
-        </p:spPr>
-      </p:pic>
       <p:sp>
         <p:nvSpPr>
           <p:cNvPr id="7" name="Rectangle 6"/>
@@ -10405,7 +12732,7 @@
         <p:spPr>
           <a:xfrm>
             <a:off x="514914" y="1884293"/>
-            <a:ext cx="5065810" cy="1569660"/>
+            <a:ext cx="6486071" cy="3293209"/>
           </a:xfrm>
           <a:prstGeom prst="rect">
             <a:avLst/>
@@ -10417,12 +12744,63 @@
           </a:bodyPr>
           <a:lstStyle/>
           <a:p>
-            <a:r>
-              <a:rPr lang="en-US" sz="1600" b="1" dirty="0" smtClean="0">
+            <a:pPr marL="285750" indent="-285750">
+              <a:buFont typeface="Wingdings" panose="05000000000000000000" pitchFamily="2" charset="2"/>
+              <a:buChar char="è"/>
+            </a:pPr>
+            <a:r>
+              <a:rPr lang="fr-FR" sz="1600" b="1" dirty="0" smtClean="0">
                 <a:latin typeface="arial" panose="020B0604020202020204" pitchFamily="34" charset="0"/>
+                <a:sym typeface="Wingdings" panose="05000000000000000000" pitchFamily="2" charset="2"/>
               </a:rPr>
-              <a:t>DESIGN: 	a constrained 3D printed interface</a:t>
-            </a:r>
+              <a:t>mechanical interface (arm </a:t>
+            </a:r>
+            <a:r>
+              <a:rPr lang="fr-FR" sz="1600" b="1" dirty="0" err="1" smtClean="0">
+                <a:latin typeface="arial" panose="020B0604020202020204" pitchFamily="34" charset="0"/>
+                <a:sym typeface="Wingdings" panose="05000000000000000000" pitchFamily="2" charset="2"/>
+              </a:rPr>
+              <a:t>with</a:t>
+            </a:r>
+            <a:r>
+              <a:rPr lang="fr-FR" sz="1600" b="1" dirty="0" smtClean="0">
+                <a:latin typeface="arial" panose="020B0604020202020204" pitchFamily="34" charset="0"/>
+                <a:sym typeface="Wingdings" panose="05000000000000000000" pitchFamily="2" charset="2"/>
+              </a:rPr>
+              <a:t> frame &amp; gripper </a:t>
+            </a:r>
+            <a:r>
+              <a:rPr lang="fr-FR" sz="1600" b="1" dirty="0" err="1" smtClean="0">
+                <a:latin typeface="arial" panose="020B0604020202020204" pitchFamily="34" charset="0"/>
+                <a:sym typeface="Wingdings" panose="05000000000000000000" pitchFamily="2" charset="2"/>
+              </a:rPr>
+              <a:t>with</a:t>
+            </a:r>
+            <a:r>
+              <a:rPr lang="fr-FR" sz="1600" b="1" dirty="0" smtClean="0">
+                <a:latin typeface="arial" panose="020B0604020202020204" pitchFamily="34" charset="0"/>
+                <a:sym typeface="Wingdings" panose="05000000000000000000" pitchFamily="2" charset="2"/>
+              </a:rPr>
+              <a:t> </a:t>
+            </a:r>
+            <a:r>
+              <a:rPr lang="fr-FR" sz="1600" b="1" dirty="0" err="1" smtClean="0">
+                <a:latin typeface="arial" panose="020B0604020202020204" pitchFamily="34" charset="0"/>
+                <a:sym typeface="Wingdings" panose="05000000000000000000" pitchFamily="2" charset="2"/>
+              </a:rPr>
+              <a:t>sensor</a:t>
+            </a:r>
+            <a:r>
+              <a:rPr lang="fr-FR" sz="1600" b="1" dirty="0" smtClean="0">
+                <a:latin typeface="arial" panose="020B0604020202020204" pitchFamily="34" charset="0"/>
+                <a:sym typeface="Wingdings" panose="05000000000000000000" pitchFamily="2" charset="2"/>
+              </a:rPr>
+              <a:t>)</a:t>
+            </a:r>
+            <a:endParaRPr lang="en-US" sz="1600" b="1" dirty="0">
+              <a:latin typeface="arial" panose="020B0604020202020204" pitchFamily="34" charset="0"/>
+              <a:sym typeface="Wingdings" panose="05000000000000000000" pitchFamily="2" charset="2"/>
+            </a:endParaRPr>
           </a:p>
           <a:p>
             <a:endParaRPr lang="fr-FR" sz="1600" b="1" dirty="0">
@@ -10430,12 +12808,26 @@
             </a:endParaRPr>
           </a:p>
           <a:p>
+            <a:pPr marL="285750" indent="-285750">
+              <a:buFont typeface="Arial" panose="020B0604020202020204" pitchFamily="34" charset="0"/>
+              <a:buChar char="•"/>
+            </a:pPr>
+            <a:r>
+              <a:rPr lang="en-US" sz="1600" b="1" dirty="0" smtClean="0">
+                <a:solidFill>
+                  <a:srgbClr val="FF0000"/>
+                </a:solidFill>
+                <a:latin typeface="arial" panose="020B0604020202020204" pitchFamily="34" charset="0"/>
+                <a:sym typeface="Wingdings" panose="05000000000000000000" pitchFamily="2" charset="2"/>
+              </a:rPr>
+              <a:t>MINIMIZING</a:t>
+            </a:r>
             <a:r>
               <a:rPr lang="en-US" sz="1600" b="1" dirty="0" smtClean="0">
                 <a:latin typeface="arial" panose="020B0604020202020204" pitchFamily="34" charset="0"/>
                 <a:sym typeface="Wingdings" panose="05000000000000000000" pitchFamily="2" charset="2"/>
               </a:rPr>
-              <a:t>      MINIMIZING the material</a:t>
+              <a:t> the material mass</a:t>
             </a:r>
             <a:endParaRPr lang="en-US" sz="1600" b="1" dirty="0">
               <a:latin typeface="arial" panose="020B0604020202020204" pitchFamily="34" charset="0"/>
@@ -10443,12 +12835,26 @@
             </a:endParaRPr>
           </a:p>
           <a:p>
+            <a:pPr marL="285750" indent="-285750">
+              <a:buFont typeface="Arial" panose="020B0604020202020204" pitchFamily="34" charset="0"/>
+              <a:buChar char="•"/>
+            </a:pPr>
+            <a:r>
+              <a:rPr lang="en-US" sz="1600" b="1" dirty="0" smtClean="0">
+                <a:solidFill>
+                  <a:srgbClr val="FF0000"/>
+                </a:solidFill>
+                <a:latin typeface="arial" panose="020B0604020202020204" pitchFamily="34" charset="0"/>
+                <a:sym typeface="Wingdings" panose="05000000000000000000" pitchFamily="2" charset="2"/>
+              </a:rPr>
+              <a:t>MINIMIZING</a:t>
+            </a:r>
             <a:r>
               <a:rPr lang="en-US" sz="1600" b="1" dirty="0" smtClean="0">
                 <a:latin typeface="arial" panose="020B0604020202020204" pitchFamily="34" charset="0"/>
                 <a:sym typeface="Wingdings" panose="05000000000000000000" pitchFamily="2" charset="2"/>
               </a:rPr>
-              <a:t>      MINIMIZING </a:t>
+              <a:t> </a:t>
             </a:r>
             <a:r>
               <a:rPr lang="en-US" sz="1600" b="1" dirty="0">
@@ -10466,27 +12872,166 @@
             </a:r>
           </a:p>
           <a:p>
+            <a:pPr marL="285750" indent="-285750">
+              <a:buFont typeface="Arial" panose="020B0604020202020204" pitchFamily="34" charset="0"/>
+              <a:buChar char="•"/>
+            </a:pPr>
+            <a:r>
+              <a:rPr lang="en-US" sz="1600" b="1" dirty="0" smtClean="0">
+                <a:solidFill>
+                  <a:srgbClr val="FF0000"/>
+                </a:solidFill>
+                <a:latin typeface="arial" panose="020B0604020202020204" pitchFamily="34" charset="0"/>
+                <a:sym typeface="Wingdings" panose="05000000000000000000" pitchFamily="2" charset="2"/>
+              </a:rPr>
+              <a:t>MAXIMIZING</a:t>
+            </a:r>
             <a:r>
               <a:rPr lang="en-US" sz="1600" b="1" dirty="0" smtClean="0">
                 <a:latin typeface="arial" panose="020B0604020202020204" pitchFamily="34" charset="0"/>
                 <a:sym typeface="Wingdings" panose="05000000000000000000" pitchFamily="2" charset="2"/>
               </a:rPr>
-              <a:t>      </a:t>
+              <a:t> the stiffness</a:t>
+            </a:r>
+          </a:p>
+          <a:p>
+            <a:pPr marL="285750" indent="-285750">
+              <a:buFont typeface="Arial" panose="020B0604020202020204" pitchFamily="34" charset="0"/>
+              <a:buChar char="•"/>
+            </a:pPr>
+            <a:endParaRPr lang="fr-FR" sz="1600" b="1" dirty="0">
+              <a:latin typeface="arial" panose="020B0604020202020204" pitchFamily="34" charset="0"/>
+              <a:sym typeface="Wingdings" panose="05000000000000000000" pitchFamily="2" charset="2"/>
+            </a:endParaRPr>
+          </a:p>
+          <a:p>
+            <a:pPr marL="285750" indent="-285750">
+              <a:buFont typeface="Wingdings" panose="05000000000000000000" pitchFamily="2" charset="2"/>
+              <a:buChar char="è"/>
+            </a:pPr>
+            <a:r>
+              <a:rPr lang="fr-FR" sz="1600" b="1" dirty="0" smtClean="0">
+                <a:latin typeface="arial" panose="020B0604020202020204" pitchFamily="34" charset="0"/>
+                <a:sym typeface="Wingdings" panose="05000000000000000000" pitchFamily="2" charset="2"/>
+              </a:rPr>
+              <a:t>Control</a:t>
+            </a:r>
+            <a:endParaRPr lang="en-US" sz="1600" b="1" dirty="0">
+              <a:latin typeface="arial" panose="020B0604020202020204" pitchFamily="34" charset="0"/>
+              <a:sym typeface="Wingdings" panose="05000000000000000000" pitchFamily="2" charset="2"/>
+            </a:endParaRPr>
+          </a:p>
+          <a:p>
+            <a:endParaRPr lang="fr-FR" sz="1600" b="1" dirty="0">
+              <a:latin typeface="arial" panose="020B0604020202020204" pitchFamily="34" charset="0"/>
+            </a:endParaRPr>
+          </a:p>
+          <a:p>
+            <a:pPr marL="285750" indent="-285750">
+              <a:buFont typeface="Arial" panose="020B0604020202020204" pitchFamily="34" charset="0"/>
+              <a:buChar char="•"/>
+            </a:pPr>
+            <a:r>
+              <a:rPr lang="en-US" sz="1600" b="1" dirty="0">
+                <a:solidFill>
+                  <a:srgbClr val="FF0000"/>
+                </a:solidFill>
+                <a:latin typeface="arial" panose="020B0604020202020204" pitchFamily="34" charset="0"/>
+                <a:sym typeface="Wingdings" panose="05000000000000000000" pitchFamily="2" charset="2"/>
+              </a:rPr>
+              <a:t>MINIMIZING</a:t>
             </a:r>
             <a:r>
               <a:rPr lang="en-US" sz="1600" b="1" dirty="0">
                 <a:latin typeface="arial" panose="020B0604020202020204" pitchFamily="34" charset="0"/>
                 <a:sym typeface="Wingdings" panose="05000000000000000000" pitchFamily="2" charset="2"/>
               </a:rPr>
-              <a:t>MAXIMIZING </a:t>
+              <a:t> the </a:t>
             </a:r>
             <a:r>
               <a:rPr lang="en-US" sz="1600" b="1" dirty="0" smtClean="0">
                 <a:latin typeface="arial" panose="020B0604020202020204" pitchFamily="34" charset="0"/>
                 <a:sym typeface="Wingdings" panose="05000000000000000000" pitchFamily="2" charset="2"/>
               </a:rPr>
-              <a:t>the stiffness and smoothness</a:t>
-            </a:r>
+              <a:t>distance between sensor and tracked surface</a:t>
+            </a:r>
+            <a:endParaRPr lang="en-US" sz="1600" b="1" dirty="0">
+              <a:latin typeface="arial" panose="020B0604020202020204" pitchFamily="34" charset="0"/>
+              <a:sym typeface="Wingdings" panose="05000000000000000000" pitchFamily="2" charset="2"/>
+            </a:endParaRPr>
+          </a:p>
+          <a:p>
+            <a:pPr marL="285750" indent="-285750">
+              <a:buFont typeface="Arial" panose="020B0604020202020204" pitchFamily="34" charset="0"/>
+              <a:buChar char="•"/>
+            </a:pPr>
+            <a:r>
+              <a:rPr lang="en-US" sz="1600" b="1" dirty="0">
+                <a:solidFill>
+                  <a:srgbClr val="FF0000"/>
+                </a:solidFill>
+                <a:latin typeface="arial" panose="020B0604020202020204" pitchFamily="34" charset="0"/>
+                <a:sym typeface="Wingdings" panose="05000000000000000000" pitchFamily="2" charset="2"/>
+              </a:rPr>
+              <a:t>AVOIDING </a:t>
+            </a:r>
+            <a:r>
+              <a:rPr lang="en-US" sz="1600" b="1" dirty="0" smtClean="0">
+                <a:latin typeface="arial" panose="020B0604020202020204" pitchFamily="34" charset="0"/>
+                <a:sym typeface="Wingdings" panose="05000000000000000000" pitchFamily="2" charset="2"/>
+              </a:rPr>
+              <a:t>any contact with the surface</a:t>
+            </a:r>
+            <a:endParaRPr lang="en-US" sz="1600" b="1" dirty="0">
+              <a:latin typeface="arial" panose="020B0604020202020204" pitchFamily="34" charset="0"/>
+            </a:endParaRPr>
+          </a:p>
+          <a:p>
+            <a:pPr marL="285750" indent="-285750">
+              <a:buFont typeface="Arial" panose="020B0604020202020204" pitchFamily="34" charset="0"/>
+              <a:buChar char="•"/>
+            </a:pPr>
+            <a:r>
+              <a:rPr lang="en-US" sz="1600" b="1" dirty="0" smtClean="0">
+                <a:solidFill>
+                  <a:srgbClr val="FF0000"/>
+                </a:solidFill>
+                <a:latin typeface="arial" panose="020B0604020202020204" pitchFamily="34" charset="0"/>
+                <a:sym typeface="Wingdings" panose="05000000000000000000" pitchFamily="2" charset="2"/>
+              </a:rPr>
+              <a:t>MAXIMIZING</a:t>
+            </a:r>
+            <a:r>
+              <a:rPr lang="en-US" sz="1600" b="1" dirty="0" smtClean="0">
+                <a:latin typeface="arial" panose="020B0604020202020204" pitchFamily="34" charset="0"/>
+                <a:sym typeface="Wingdings" panose="05000000000000000000" pitchFamily="2" charset="2"/>
+              </a:rPr>
+              <a:t> </a:t>
+            </a:r>
+            <a:r>
+              <a:rPr lang="en-US" sz="1600" b="1" dirty="0">
+                <a:latin typeface="arial" panose="020B0604020202020204" pitchFamily="34" charset="0"/>
+                <a:sym typeface="Wingdings" panose="05000000000000000000" pitchFamily="2" charset="2"/>
+              </a:rPr>
+              <a:t>the </a:t>
+            </a:r>
+            <a:r>
+              <a:rPr lang="en-US" sz="1600" b="1" dirty="0" smtClean="0">
+                <a:latin typeface="arial" panose="020B0604020202020204" pitchFamily="34" charset="0"/>
+                <a:sym typeface="Wingdings" panose="05000000000000000000" pitchFamily="2" charset="2"/>
+              </a:rPr>
+              <a:t>speed</a:t>
+            </a:r>
+            <a:endParaRPr lang="en-US" sz="1600" b="1" dirty="0">
+              <a:latin typeface="arial" panose="020B0604020202020204" pitchFamily="34" charset="0"/>
+              <a:sym typeface="Wingdings" panose="05000000000000000000" pitchFamily="2" charset="2"/>
+            </a:endParaRPr>
+          </a:p>
+          <a:p>
+            <a:pPr marL="285750" indent="-285750">
+              <a:buFont typeface="Arial" panose="020B0604020202020204" pitchFamily="34" charset="0"/>
+              <a:buChar char="•"/>
+            </a:pPr>
             <a:endParaRPr lang="en-US" sz="1600" b="1" dirty="0">
               <a:latin typeface="arial" panose="020B0604020202020204" pitchFamily="34" charset="0"/>
             </a:endParaRPr>
@@ -10538,299 +13083,6 @@
           </a:extLst>
         </p:spPr>
       </p:cxnSp>
-      <p:pic>
-        <p:nvPicPr>
-          <p:cNvPr id="11" name="Picture 8" descr="https://asset.conrad.com/media10/isa/160267/c1/-/fr/245075_BB_00_FB/image.jpg?x=1000&amp;y=1000&amp;ex=1000&amp;ey=1000&amp;align=center"/>
-          <p:cNvPicPr>
-            <a:picLocks noChangeAspect="1" noChangeArrowheads="1"/>
-          </p:cNvPicPr>
-          <p:nvPr/>
-        </p:nvPicPr>
-        <p:blipFill>
-          <a:blip r:embed="rId3" cstate="print">
-            <a:extLst>
-              <a:ext uri="{28A0092B-C50C-407E-A947-70E740481C1C}">
-                <a14:useLocalDpi xmlns:a14="http://schemas.microsoft.com/office/drawing/2010/main" val="0"/>
-              </a:ext>
-            </a:extLst>
-          </a:blip>
-          <a:srcRect/>
-          <a:stretch>
-            <a:fillRect/>
-          </a:stretch>
-        </p:blipFill>
-        <p:spPr bwMode="auto">
-          <a:xfrm>
-            <a:off x="409158" y="3722021"/>
-            <a:ext cx="823043" cy="823043"/>
-          </a:xfrm>
-          <a:prstGeom prst="rect">
-            <a:avLst/>
-          </a:prstGeom>
-          <a:noFill/>
-          <a:extLst>
-            <a:ext uri="{909E8E84-426E-40DD-AFC4-6F175D3DCCD1}">
-              <a14:hiddenFill xmlns:a14="http://schemas.microsoft.com/office/drawing/2010/main">
-                <a:solidFill>
-                  <a:srgbClr val="FFFFFF"/>
-                </a:solidFill>
-              </a14:hiddenFill>
-            </a:ext>
-          </a:extLst>
-        </p:spPr>
-      </p:pic>
-      <p:grpSp>
-        <p:nvGrpSpPr>
-          <p:cNvPr id="12" name="Groupe 11"/>
-          <p:cNvGrpSpPr/>
-          <p:nvPr/>
-        </p:nvGrpSpPr>
-        <p:grpSpPr>
-          <a:xfrm>
-            <a:off x="300312" y="5308525"/>
-            <a:ext cx="968051" cy="679688"/>
-            <a:chOff x="6399087" y="2402944"/>
-            <a:chExt cx="981449" cy="785737"/>
-          </a:xfrm>
-        </p:grpSpPr>
-        <p:pic>
-          <p:nvPicPr>
-            <p:cNvPr id="13" name="Picture 4" descr="RÃ©sultat de recherche d'images pour &quot;vis Ã  bois&quot;"/>
-            <p:cNvPicPr>
-              <a:picLocks noChangeAspect="1" noChangeArrowheads="1"/>
-            </p:cNvPicPr>
-            <p:nvPr/>
-          </p:nvPicPr>
-          <p:blipFill rotWithShape="1">
-            <a:blip r:embed="rId4" cstate="print">
-              <a:clrChange>
-                <a:clrFrom>
-                  <a:srgbClr val="FFFFFF"/>
-                </a:clrFrom>
-                <a:clrTo>
-                  <a:srgbClr val="FFFFFF">
-                    <a:alpha val="0"/>
-                  </a:srgbClr>
-                </a:clrTo>
-              </a:clrChange>
-              <a:extLst>
-                <a:ext uri="{28A0092B-C50C-407E-A947-70E740481C1C}">
-                  <a14:useLocalDpi xmlns:a14="http://schemas.microsoft.com/office/drawing/2010/main" val="0"/>
-                </a:ext>
-              </a:extLst>
-            </a:blip>
-            <a:srcRect l="22994" t="36300" r="22197" b="37240"/>
-            <a:stretch/>
-          </p:blipFill>
-          <p:spPr bwMode="auto">
-            <a:xfrm rot="5400000">
-              <a:off x="6268700" y="2630358"/>
-              <a:ext cx="504163" cy="243389"/>
-            </a:xfrm>
-            <a:prstGeom prst="rect">
-              <a:avLst/>
-            </a:prstGeom>
-            <a:noFill/>
-            <a:extLst>
-              <a:ext uri="{909E8E84-426E-40DD-AFC4-6F175D3DCCD1}">
-                <a14:hiddenFill xmlns:a14="http://schemas.microsoft.com/office/drawing/2010/main">
-                  <a:solidFill>
-                    <a:srgbClr val="FFFFFF"/>
-                  </a:solidFill>
-                </a14:hiddenFill>
-              </a:ext>
-            </a:extLst>
-          </p:spPr>
-        </p:pic>
-        <p:pic>
-          <p:nvPicPr>
-            <p:cNvPr id="14" name="Picture 4" descr="RÃ©sultat de recherche d'images pour &quot;vis Ã  bois&quot;"/>
-            <p:cNvPicPr>
-              <a:picLocks noChangeAspect="1" noChangeArrowheads="1"/>
-            </p:cNvPicPr>
-            <p:nvPr/>
-          </p:nvPicPr>
-          <p:blipFill rotWithShape="1">
-            <a:blip r:embed="rId4" cstate="print">
-              <a:clrChange>
-                <a:clrFrom>
-                  <a:srgbClr val="FFFFFF"/>
-                </a:clrFrom>
-                <a:clrTo>
-                  <a:srgbClr val="FFFFFF">
-                    <a:alpha val="0"/>
-                  </a:srgbClr>
-                </a:clrTo>
-              </a:clrChange>
-              <a:extLst>
-                <a:ext uri="{28A0092B-C50C-407E-A947-70E740481C1C}">
-                  <a14:useLocalDpi xmlns:a14="http://schemas.microsoft.com/office/drawing/2010/main" val="0"/>
-                </a:ext>
-              </a:extLst>
-            </a:blip>
-            <a:srcRect l="22994" t="36300" r="22197" b="37240"/>
-            <a:stretch/>
-          </p:blipFill>
-          <p:spPr bwMode="auto">
-            <a:xfrm rot="5400000">
-              <a:off x="6663854" y="2533331"/>
-              <a:ext cx="504163" cy="243389"/>
-            </a:xfrm>
-            <a:prstGeom prst="rect">
-              <a:avLst/>
-            </a:prstGeom>
-            <a:noFill/>
-            <a:extLst>
-              <a:ext uri="{909E8E84-426E-40DD-AFC4-6F175D3DCCD1}">
-                <a14:hiddenFill xmlns:a14="http://schemas.microsoft.com/office/drawing/2010/main">
-                  <a:solidFill>
-                    <a:srgbClr val="FFFFFF"/>
-                  </a:solidFill>
-                </a14:hiddenFill>
-              </a:ext>
-            </a:extLst>
-          </p:spPr>
-        </p:pic>
-        <p:pic>
-          <p:nvPicPr>
-            <p:cNvPr id="15" name="Picture 4" descr="RÃ©sultat de recherche d'images pour &quot;vis Ã  bois&quot;"/>
-            <p:cNvPicPr>
-              <a:picLocks noChangeAspect="1" noChangeArrowheads="1"/>
-            </p:cNvPicPr>
-            <p:nvPr/>
-          </p:nvPicPr>
-          <p:blipFill rotWithShape="1">
-            <a:blip r:embed="rId4" cstate="print">
-              <a:clrChange>
-                <a:clrFrom>
-                  <a:srgbClr val="FFFFFF"/>
-                </a:clrFrom>
-                <a:clrTo>
-                  <a:srgbClr val="FFFFFF">
-                    <a:alpha val="0"/>
-                  </a:srgbClr>
-                </a:clrTo>
-              </a:clrChange>
-              <a:extLst>
-                <a:ext uri="{28A0092B-C50C-407E-A947-70E740481C1C}">
-                  <a14:useLocalDpi xmlns:a14="http://schemas.microsoft.com/office/drawing/2010/main" val="0"/>
-                </a:ext>
-              </a:extLst>
-            </a:blip>
-            <a:srcRect l="22994" t="36300" r="22197" b="37240"/>
-            <a:stretch/>
-          </p:blipFill>
-          <p:spPr bwMode="auto">
-            <a:xfrm rot="5400000">
-              <a:off x="7006760" y="2814905"/>
-              <a:ext cx="504163" cy="243389"/>
-            </a:xfrm>
-            <a:prstGeom prst="rect">
-              <a:avLst/>
-            </a:prstGeom>
-            <a:noFill/>
-            <a:extLst>
-              <a:ext uri="{909E8E84-426E-40DD-AFC4-6F175D3DCCD1}">
-                <a14:hiddenFill xmlns:a14="http://schemas.microsoft.com/office/drawing/2010/main">
-                  <a:solidFill>
-                    <a:srgbClr val="FFFFFF"/>
-                  </a:solidFill>
-                </a14:hiddenFill>
-              </a:ext>
-            </a:extLst>
-          </p:spPr>
-        </p:pic>
-      </p:grpSp>
-      <p:pic>
-        <p:nvPicPr>
-          <p:cNvPr id="21" name="Picture 4" descr="RÃ©sultat de recherche d'images pour &quot;solidworks 2018 logo&quot;"/>
-          <p:cNvPicPr>
-            <a:picLocks noChangeAspect="1" noChangeArrowheads="1"/>
-          </p:cNvPicPr>
-          <p:nvPr/>
-        </p:nvPicPr>
-        <p:blipFill rotWithShape="1">
-          <a:blip r:embed="rId5" cstate="print">
-            <a:extLst>
-              <a:ext uri="{28A0092B-C50C-407E-A947-70E740481C1C}">
-                <a14:useLocalDpi xmlns:a14="http://schemas.microsoft.com/office/drawing/2010/main" val="0"/>
-              </a:ext>
-            </a:extLst>
-          </a:blip>
-          <a:srcRect t="19322" r="75641" b="30278"/>
-          <a:stretch/>
-        </p:blipFill>
-        <p:spPr bwMode="auto">
-          <a:xfrm>
-            <a:off x="2290233" y="3631330"/>
-            <a:ext cx="903411" cy="934608"/>
-          </a:xfrm>
-          <a:prstGeom prst="rect">
-            <a:avLst/>
-          </a:prstGeom>
-          <a:noFill/>
-          <a:extLst>
-            <a:ext uri="{909E8E84-426E-40DD-AFC4-6F175D3DCCD1}">
-              <a14:hiddenFill xmlns:a14="http://schemas.microsoft.com/office/drawing/2010/main">
-                <a:solidFill>
-                  <a:srgbClr val="FFFFFF"/>
-                </a:solidFill>
-              </a14:hiddenFill>
-            </a:ext>
-          </a:extLst>
-        </p:spPr>
-      </p:pic>
-      <p:pic>
-        <p:nvPicPr>
-          <p:cNvPr id="23" name="Picture 4" descr="RÃ©sultat de recherche d'images pour &quot;bobine vide fil impression 3D form futura&quot;"/>
-          <p:cNvPicPr>
-            <a:picLocks noChangeAspect="1" noChangeArrowheads="1"/>
-          </p:cNvPicPr>
-          <p:nvPr/>
-        </p:nvPicPr>
-        <p:blipFill>
-          <a:blip r:embed="rId6">
-            <a:clrChange>
-              <a:clrFrom>
-                <a:srgbClr val="FFFFFF"/>
-              </a:clrFrom>
-              <a:clrTo>
-                <a:srgbClr val="FFFFFF">
-                  <a:alpha val="0"/>
-                </a:srgbClr>
-              </a:clrTo>
-            </a:clrChange>
-            <a:extLst>
-              <a:ext uri="{28A0092B-C50C-407E-A947-70E740481C1C}">
-                <a14:useLocalDpi xmlns:a14="http://schemas.microsoft.com/office/drawing/2010/main" val="0"/>
-              </a:ext>
-            </a:extLst>
-          </a:blip>
-          <a:srcRect/>
-          <a:stretch>
-            <a:fillRect/>
-          </a:stretch>
-        </p:blipFill>
-        <p:spPr bwMode="auto">
-          <a:xfrm>
-            <a:off x="1822487" y="4487041"/>
-            <a:ext cx="2048188" cy="2048188"/>
-          </a:xfrm>
-          <a:prstGeom prst="rect">
-            <a:avLst/>
-          </a:prstGeom>
-          <a:noFill/>
-          <a:extLst>
-            <a:ext uri="{909E8E84-426E-40DD-AFC4-6F175D3DCCD1}">
-              <a14:hiddenFill xmlns:a14="http://schemas.microsoft.com/office/drawing/2010/main">
-                <a:solidFill>
-                  <a:srgbClr val="FFFFFF"/>
-                </a:solidFill>
-              </a14:hiddenFill>
-            </a:ext>
-          </a:extLst>
-        </p:spPr>
-      </p:pic>
       <p:sp>
         <p:nvSpPr>
           <p:cNvPr id="16" name="ZoneTexte 3"/>
@@ -10841,8 +13093,8 @@
         </p:nvSpPr>
         <p:spPr bwMode="auto">
           <a:xfrm>
-            <a:off x="645718" y="1348772"/>
-            <a:ext cx="4527649" cy="461665"/>
+            <a:off x="2001135" y="1313589"/>
+            <a:ext cx="5061593" cy="461665"/>
           </a:xfrm>
           <a:prstGeom prst="rect">
             <a:avLst/>
@@ -10990,7 +13242,7 @@
                 </a:solidFill>
                 <a:latin typeface="Arial" panose="020B0604020202020204" pitchFamily="34" charset="0"/>
               </a:rPr>
-              <a:t>Challenge </a:t>
+              <a:t>Challenge performance </a:t>
             </a:r>
             <a:r>
               <a:rPr lang="fr-FR" altLang="fr-FR" sz="2400" dirty="0" err="1" smtClean="0">
@@ -10999,7 +13251,7 @@
                 </a:solidFill>
                 <a:latin typeface="Arial" panose="020B0604020202020204" pitchFamily="34" charset="0"/>
               </a:rPr>
-              <a:t>brief</a:t>
+              <a:t>criteria</a:t>
             </a:r>
             <a:endParaRPr lang="fr-FR" altLang="fr-FR" sz="2400" dirty="0">
               <a:solidFill>
@@ -11019,7 +13271,7 @@
           <p:nvPr/>
         </p:nvPicPr>
         <p:blipFill>
-          <a:blip r:embed="rId7" cstate="print">
+          <a:blip r:embed="rId2" cstate="print">
             <a:extLst>
               <a:ext uri="{28A0092B-C50C-407E-A947-70E740481C1C}">
                 <a14:useLocalDpi xmlns:a14="http://schemas.microsoft.com/office/drawing/2010/main" val="0"/>
@@ -11065,7 +13317,7 @@
           <p:nvPr/>
         </p:nvPicPr>
         <p:blipFill>
-          <a:blip r:embed="rId8" cstate="print">
+          <a:blip r:embed="rId3" cstate="print">
             <a:clrChange>
               <a:clrFrom>
                 <a:srgbClr val="FFFFFF"/>
@@ -11088,8 +13340,8 @@
         </p:blipFill>
         <p:spPr>
           <a:xfrm flipH="1">
-            <a:off x="5880618" y="1389313"/>
-            <a:ext cx="3286940" cy="3286940"/>
+            <a:off x="6689641" y="1486268"/>
+            <a:ext cx="2364601" cy="2364601"/>
           </a:xfrm>
           <a:prstGeom prst="rect">
             <a:avLst/>
@@ -11104,8 +13356,8 @@
         </p:nvGrpSpPr>
         <p:grpSpPr>
           <a:xfrm>
-            <a:off x="6622939" y="4211835"/>
-            <a:ext cx="862810" cy="1096689"/>
+            <a:off x="7234950" y="3626245"/>
+            <a:ext cx="620699" cy="788950"/>
             <a:chOff x="6622939" y="4211835"/>
             <a:chExt cx="862810" cy="1096689"/>
           </a:xfrm>
@@ -11341,10 +13593,1376 @@
           </p:txBody>
         </p:sp>
       </p:grpSp>
+      <p:cxnSp>
+        <p:nvCxnSpPr>
+          <p:cNvPr id="17" name="Connecteur droit 16"/>
+          <p:cNvCxnSpPr/>
+          <p:nvPr/>
+        </p:nvCxnSpPr>
+        <p:spPr bwMode="auto">
+          <a:xfrm>
+            <a:off x="409158" y="3462984"/>
+            <a:ext cx="0" cy="1242366"/>
+          </a:xfrm>
+          <a:prstGeom prst="line">
+            <a:avLst/>
+          </a:prstGeom>
+          <a:solidFill>
+            <a:schemeClr val="accent1"/>
+          </a:solidFill>
+          <a:ln w="57150" cap="flat" cmpd="sng" algn="ctr">
+            <a:solidFill>
+              <a:srgbClr val="0397D6"/>
+            </a:solidFill>
+            <a:prstDash val="solid"/>
+            <a:round/>
+            <a:headEnd type="none" w="med" len="med"/>
+            <a:tailEnd type="none" w="med" len="med"/>
+          </a:ln>
+          <a:effectLst/>
+          <a:extLst>
+            <a:ext uri="{AF507438-7753-43E0-B8FC-AC1667EBCBE1}">
+              <a14:hiddenEffects xmlns:a14="http://schemas.microsoft.com/office/drawing/2010/main">
+                <a:effectLst>
+                  <a:outerShdw dist="35921" dir="2700000" algn="ctr" rotWithShape="0">
+                    <a:schemeClr val="bg2"/>
+                  </a:outerShdw>
+                </a:effectLst>
+              </a14:hiddenEffects>
+            </a:ext>
+          </a:extLst>
+        </p:spPr>
+      </p:cxnSp>
+      <p:grpSp>
+        <p:nvGrpSpPr>
+          <p:cNvPr id="4" name="Groupe 3"/>
+          <p:cNvGrpSpPr/>
+          <p:nvPr/>
+        </p:nvGrpSpPr>
+        <p:grpSpPr>
+          <a:xfrm>
+            <a:off x="6394691" y="4705350"/>
+            <a:ext cx="2444509" cy="1971675"/>
+            <a:chOff x="6394691" y="4705350"/>
+            <a:chExt cx="2444509" cy="1971675"/>
+          </a:xfrm>
+        </p:grpSpPr>
+        <p:pic>
+          <p:nvPicPr>
+            <p:cNvPr id="2050" name="Picture 2" descr="RÃ©sultat de recherche d'images pour &quot;3D filament reel empty&quot;"/>
+            <p:cNvPicPr>
+              <a:picLocks noChangeAspect="1" noChangeArrowheads="1"/>
+            </p:cNvPicPr>
+            <p:nvPr/>
+          </p:nvPicPr>
+          <p:blipFill rotWithShape="1">
+            <a:blip r:embed="rId4">
+              <a:clrChange>
+                <a:clrFrom>
+                  <a:srgbClr val="F8F2F2"/>
+                </a:clrFrom>
+                <a:clrTo>
+                  <a:srgbClr val="F8F2F2">
+                    <a:alpha val="0"/>
+                  </a:srgbClr>
+                </a:clrTo>
+              </a:clrChange>
+              <a:extLst>
+                <a:ext uri="{28A0092B-C50C-407E-A947-70E740481C1C}">
+                  <a14:useLocalDpi xmlns:a14="http://schemas.microsoft.com/office/drawing/2010/main" val="0"/>
+                </a:ext>
+              </a:extLst>
+            </a:blip>
+            <a:srcRect l="8248" t="18469" r="5162" b="11413"/>
+            <a:stretch/>
+          </p:blipFill>
+          <p:spPr bwMode="auto">
+            <a:xfrm>
+              <a:off x="6394691" y="4705350"/>
+              <a:ext cx="2301215" cy="1863483"/>
+            </a:xfrm>
+            <a:prstGeom prst="rect">
+              <a:avLst/>
+            </a:prstGeom>
+            <a:noFill/>
+            <a:extLst>
+              <a:ext uri="{909E8E84-426E-40DD-AFC4-6F175D3DCCD1}">
+                <a14:hiddenFill xmlns:a14="http://schemas.microsoft.com/office/drawing/2010/main">
+                  <a:solidFill>
+                    <a:srgbClr val="FFFFFF"/>
+                  </a:solidFill>
+                </a14:hiddenFill>
+              </a:ext>
+            </a:extLst>
+          </p:spPr>
+        </p:pic>
+        <p:sp>
+          <p:nvSpPr>
+            <p:cNvPr id="3" name="Rectangle 2"/>
+            <p:cNvSpPr/>
+            <p:nvPr/>
+          </p:nvSpPr>
+          <p:spPr>
+            <a:xfrm>
+              <a:off x="8372475" y="6381750"/>
+              <a:ext cx="466725" cy="295275"/>
+            </a:xfrm>
+            <a:prstGeom prst="rect">
+              <a:avLst/>
+            </a:prstGeom>
+            <a:solidFill>
+              <a:schemeClr val="bg1"/>
+            </a:solidFill>
+            <a:ln>
+              <a:solidFill>
+                <a:schemeClr val="bg1"/>
+              </a:solidFill>
+            </a:ln>
+          </p:spPr>
+          <p:style>
+            <a:lnRef idx="2">
+              <a:schemeClr val="accent1">
+                <a:shade val="50000"/>
+              </a:schemeClr>
+            </a:lnRef>
+            <a:fillRef idx="1">
+              <a:schemeClr val="accent1"/>
+            </a:fillRef>
+            <a:effectRef idx="0">
+              <a:schemeClr val="accent1"/>
+            </a:effectRef>
+            <a:fontRef idx="minor">
+              <a:schemeClr val="lt1"/>
+            </a:fontRef>
+          </p:style>
+          <p:txBody>
+            <a:bodyPr rtlCol="0" anchor="ctr"/>
+            <a:lstStyle/>
+            <a:p>
+              <a:pPr algn="ctr"/>
+              <a:endParaRPr lang="en-US"/>
+            </a:p>
+          </p:txBody>
+        </p:sp>
+      </p:grpSp>
     </p:spTree>
     <p:extLst>
       <p:ext uri="{BB962C8B-B14F-4D97-AF65-F5344CB8AC3E}">
         <p14:creationId xmlns:p14="http://schemas.microsoft.com/office/powerpoint/2010/main" val="2103597714"/>
+      </p:ext>
+    </p:extLst>
+  </p:cSld>
+  <p:clrMapOvr>
+    <a:masterClrMapping/>
+  </p:clrMapOvr>
+  <p:timing>
+    <p:tnLst>
+      <p:par>
+        <p:cTn id="1" dur="indefinite" restart="never" nodeType="tmRoot"/>
+      </p:par>
+    </p:tnLst>
+  </p:timing>
+</p:sld>
+</file>
+
+<file path=ppt/slides/slide9.xml><?xml version="1.0" encoding="utf-8"?>
+<p:sld xmlns:a="http://schemas.openxmlformats.org/drawingml/2006/main" xmlns:r="http://schemas.openxmlformats.org/officeDocument/2006/relationships" xmlns:p="http://schemas.openxmlformats.org/presentationml/2006/main">
+  <p:cSld>
+    <p:spTree>
+      <p:nvGrpSpPr>
+        <p:cNvPr id="1" name=""/>
+        <p:cNvGrpSpPr/>
+        <p:nvPr/>
+      </p:nvGrpSpPr>
+      <p:grpSpPr>
+        <a:xfrm>
+          <a:off x="0" y="0"/>
+          <a:ext cx="0" cy="0"/>
+          <a:chOff x="0" y="0"/>
+          <a:chExt cx="0" cy="0"/>
+        </a:xfrm>
+      </p:grpSpPr>
+      <p:sp>
+        <p:nvSpPr>
+          <p:cNvPr id="7" name="Rectangle 6"/>
+          <p:cNvSpPr/>
+          <p:nvPr/>
+        </p:nvSpPr>
+        <p:spPr>
+          <a:xfrm>
+            <a:off x="373677" y="1942073"/>
+            <a:ext cx="5282985" cy="4031873"/>
+          </a:xfrm>
+          <a:prstGeom prst="rect">
+            <a:avLst/>
+          </a:prstGeom>
+        </p:spPr>
+        <p:txBody>
+          <a:bodyPr wrap="none">
+            <a:spAutoFit/>
+          </a:bodyPr>
+          <a:lstStyle/>
+          <a:p>
+            <a:pPr marL="285750" indent="-285750">
+              <a:buFont typeface="Wingdings" panose="05000000000000000000" pitchFamily="2" charset="2"/>
+              <a:buChar char="è"/>
+            </a:pPr>
+            <a:r>
+              <a:rPr lang="en-US" sz="1600" b="1" dirty="0" smtClean="0">
+                <a:latin typeface="arial" panose="020B0604020202020204" pitchFamily="34" charset="0"/>
+              </a:rPr>
+              <a:t>SIX to SEVEN students </a:t>
+            </a:r>
+            <a:r>
+              <a:rPr lang="en-US" sz="1600" b="1" u="sng" dirty="0" smtClean="0">
+                <a:latin typeface="arial" panose="020B0604020202020204" pitchFamily="34" charset="0"/>
+              </a:rPr>
+              <a:t>mixed</a:t>
+            </a:r>
+            <a:r>
+              <a:rPr lang="en-US" sz="1600" b="1" dirty="0" smtClean="0">
+                <a:latin typeface="arial" panose="020B0604020202020204" pitchFamily="34" charset="0"/>
+              </a:rPr>
+              <a:t> teams</a:t>
+            </a:r>
+          </a:p>
+          <a:p>
+            <a:pPr marL="285750" indent="-285750">
+              <a:buFont typeface="Wingdings" panose="05000000000000000000" pitchFamily="2" charset="2"/>
+              <a:buChar char="è"/>
+            </a:pPr>
+            <a:endParaRPr lang="en-US" sz="1600" b="1" dirty="0">
+              <a:latin typeface="arial" panose="020B0604020202020204" pitchFamily="34" charset="0"/>
+            </a:endParaRPr>
+          </a:p>
+          <a:p>
+            <a:pPr marL="285750" indent="-285750">
+              <a:buFont typeface="Wingdings" panose="05000000000000000000" pitchFamily="2" charset="2"/>
+              <a:buChar char="è"/>
+            </a:pPr>
+            <a:r>
+              <a:rPr lang="en-US" sz="1600" b="1" dirty="0" smtClean="0">
+                <a:latin typeface="arial" panose="020B0604020202020204" pitchFamily="34" charset="0"/>
+              </a:rPr>
+              <a:t>OPERATING a functional </a:t>
+            </a:r>
+            <a:r>
+              <a:rPr lang="en-US" sz="1600" b="1" dirty="0">
+                <a:latin typeface="arial" panose="020B0604020202020204" pitchFamily="34" charset="0"/>
+              </a:rPr>
+              <a:t>4DOF robotic </a:t>
+            </a:r>
+            <a:r>
+              <a:rPr lang="en-US" sz="1600" b="1" dirty="0" smtClean="0">
+                <a:latin typeface="arial" panose="020B0604020202020204" pitchFamily="34" charset="0"/>
+              </a:rPr>
+              <a:t>arm using</a:t>
+            </a:r>
+          </a:p>
+          <a:p>
+            <a:pPr marL="285750" indent="-285750">
+              <a:buFont typeface="Wingdings" panose="05000000000000000000" pitchFamily="2" charset="2"/>
+              <a:buChar char="è"/>
+            </a:pPr>
+            <a:endParaRPr lang="en-US" sz="1600" b="1" dirty="0" smtClean="0">
+              <a:latin typeface="arial" panose="020B0604020202020204" pitchFamily="34" charset="0"/>
+              <a:sym typeface="Wingdings" panose="05000000000000000000" pitchFamily="2" charset="2"/>
+            </a:endParaRPr>
+          </a:p>
+          <a:p>
+            <a:pPr marL="285750" indent="-285750">
+              <a:buFont typeface="Wingdings" panose="05000000000000000000" pitchFamily="2" charset="2"/>
+              <a:buChar char="è"/>
+            </a:pPr>
+            <a:r>
+              <a:rPr lang="fr-FR" sz="1600" b="1" dirty="0" smtClean="0">
+                <a:latin typeface="arial" panose="020B0604020202020204" pitchFamily="34" charset="0"/>
+                <a:sym typeface="Wingdings" panose="05000000000000000000" pitchFamily="2" charset="2"/>
+              </a:rPr>
+              <a:t>U</a:t>
+            </a:r>
+            <a:r>
+              <a:rPr lang="en-US" sz="1600" b="1" dirty="0">
+                <a:latin typeface="arial" panose="020B0604020202020204" pitchFamily="34" charset="0"/>
+                <a:sym typeface="Wingdings" panose="05000000000000000000" pitchFamily="2" charset="2"/>
+              </a:rPr>
+              <a:t>SING an ultrasonic distance </a:t>
+            </a:r>
+            <a:r>
+              <a:rPr lang="en-US" sz="1600" b="1" dirty="0" smtClean="0">
+                <a:latin typeface="arial" panose="020B0604020202020204" pitchFamily="34" charset="0"/>
+                <a:sym typeface="Wingdings" panose="05000000000000000000" pitchFamily="2" charset="2"/>
+              </a:rPr>
+              <a:t>sensor</a:t>
+            </a:r>
+          </a:p>
+          <a:p>
+            <a:pPr marL="285750" indent="-285750">
+              <a:buFont typeface="Wingdings" panose="05000000000000000000" pitchFamily="2" charset="2"/>
+              <a:buChar char="è"/>
+            </a:pPr>
+            <a:endParaRPr lang="fr-FR" sz="1600" b="1" dirty="0" smtClean="0">
+              <a:latin typeface="arial" panose="020B0604020202020204" pitchFamily="34" charset="0"/>
+              <a:sym typeface="Wingdings" panose="05000000000000000000" pitchFamily="2" charset="2"/>
+            </a:endParaRPr>
+          </a:p>
+          <a:p>
+            <a:pPr marL="285750" indent="-285750">
+              <a:buFont typeface="Wingdings" panose="05000000000000000000" pitchFamily="2" charset="2"/>
+              <a:buChar char="è"/>
+            </a:pPr>
+            <a:endParaRPr lang="en-US" sz="1600" b="1" dirty="0" smtClean="0">
+              <a:latin typeface="arial" panose="020B0604020202020204" pitchFamily="34" charset="0"/>
+              <a:sym typeface="Wingdings" panose="05000000000000000000" pitchFamily="2" charset="2"/>
+            </a:endParaRPr>
+          </a:p>
+          <a:p>
+            <a:pPr marL="285750" indent="-285750">
+              <a:buFont typeface="Wingdings" panose="05000000000000000000" pitchFamily="2" charset="2"/>
+              <a:buChar char="è"/>
+            </a:pPr>
+            <a:r>
+              <a:rPr lang="fr-FR" sz="1600" b="1" dirty="0" smtClean="0">
+                <a:latin typeface="arial" panose="020B0604020202020204" pitchFamily="34" charset="0"/>
+                <a:sym typeface="Wingdings" panose="05000000000000000000" pitchFamily="2" charset="2"/>
+              </a:rPr>
+              <a:t>DESIGNING mechanical interfaces</a:t>
+            </a:r>
+          </a:p>
+          <a:p>
+            <a:pPr lvl="1"/>
+            <a:endParaRPr lang="fr-FR" sz="1600" b="1" dirty="0">
+              <a:latin typeface="arial" panose="020B0604020202020204" pitchFamily="34" charset="0"/>
+              <a:sym typeface="Wingdings" panose="05000000000000000000" pitchFamily="2" charset="2"/>
+            </a:endParaRPr>
+          </a:p>
+          <a:p>
+            <a:pPr lvl="1"/>
+            <a:r>
+              <a:rPr lang="fr-FR" sz="1600" b="1" dirty="0" err="1" smtClean="0">
+                <a:latin typeface="arial" panose="020B0604020202020204" pitchFamily="34" charset="0"/>
+                <a:sym typeface="Wingdings" panose="05000000000000000000" pitchFamily="2" charset="2"/>
+              </a:rPr>
+              <a:t>Robotic</a:t>
+            </a:r>
+            <a:r>
+              <a:rPr lang="fr-FR" sz="1600" b="1" dirty="0" smtClean="0">
+                <a:latin typeface="arial" panose="020B0604020202020204" pitchFamily="34" charset="0"/>
+                <a:sym typeface="Wingdings" panose="05000000000000000000" pitchFamily="2" charset="2"/>
+              </a:rPr>
+              <a:t> arm </a:t>
+            </a:r>
+            <a:r>
+              <a:rPr lang="fr-FR" sz="1600" b="1" dirty="0" err="1" smtClean="0">
+                <a:latin typeface="arial" panose="020B0604020202020204" pitchFamily="34" charset="0"/>
+                <a:sym typeface="Wingdings" panose="05000000000000000000" pitchFamily="2" charset="2"/>
+              </a:rPr>
+              <a:t>with</a:t>
+            </a:r>
+            <a:r>
+              <a:rPr lang="fr-FR" sz="1600" b="1" dirty="0" smtClean="0">
+                <a:latin typeface="arial" panose="020B0604020202020204" pitchFamily="34" charset="0"/>
+                <a:sym typeface="Wingdings" panose="05000000000000000000" pitchFamily="2" charset="2"/>
+              </a:rPr>
+              <a:t> frame</a:t>
+            </a:r>
+          </a:p>
+          <a:p>
+            <a:pPr lvl="1"/>
+            <a:r>
+              <a:rPr lang="fr-FR" sz="1600" b="1" dirty="0" err="1" smtClean="0">
+                <a:latin typeface="arial" panose="020B0604020202020204" pitchFamily="34" charset="0"/>
+                <a:sym typeface="Wingdings" panose="05000000000000000000" pitchFamily="2" charset="2"/>
+              </a:rPr>
+              <a:t>Sensor</a:t>
+            </a:r>
+            <a:r>
+              <a:rPr lang="fr-FR" sz="1600" b="1" dirty="0" smtClean="0">
+                <a:latin typeface="arial" panose="020B0604020202020204" pitchFamily="34" charset="0"/>
+                <a:sym typeface="Wingdings" panose="05000000000000000000" pitchFamily="2" charset="2"/>
+              </a:rPr>
+              <a:t> </a:t>
+            </a:r>
+            <a:r>
+              <a:rPr lang="fr-FR" sz="1600" b="1" dirty="0" err="1" smtClean="0">
+                <a:latin typeface="arial" panose="020B0604020202020204" pitchFamily="34" charset="0"/>
+                <a:sym typeface="Wingdings" panose="05000000000000000000" pitchFamily="2" charset="2"/>
+              </a:rPr>
+              <a:t>with</a:t>
+            </a:r>
+            <a:r>
+              <a:rPr lang="fr-FR" sz="1600" b="1" dirty="0" smtClean="0">
+                <a:latin typeface="arial" panose="020B0604020202020204" pitchFamily="34" charset="0"/>
+                <a:sym typeface="Wingdings" panose="05000000000000000000" pitchFamily="2" charset="2"/>
+              </a:rPr>
+              <a:t> arm gripper</a:t>
+            </a:r>
+          </a:p>
+          <a:p>
+            <a:endParaRPr lang="fr-FR" sz="1600" b="1" dirty="0">
+              <a:latin typeface="arial" panose="020B0604020202020204" pitchFamily="34" charset="0"/>
+              <a:sym typeface="Wingdings" panose="05000000000000000000" pitchFamily="2" charset="2"/>
+            </a:endParaRPr>
+          </a:p>
+          <a:p>
+            <a:pPr marL="285750" indent="-285750">
+              <a:buFont typeface="Wingdings" panose="05000000000000000000" pitchFamily="2" charset="2"/>
+              <a:buChar char="è"/>
+            </a:pPr>
+            <a:endParaRPr lang="fr-FR" sz="1600" b="1" dirty="0" smtClean="0">
+              <a:latin typeface="arial" panose="020B0604020202020204" pitchFamily="34" charset="0"/>
+              <a:sym typeface="Wingdings" panose="05000000000000000000" pitchFamily="2" charset="2"/>
+            </a:endParaRPr>
+          </a:p>
+          <a:p>
+            <a:pPr marL="285750" indent="-285750">
+              <a:buFont typeface="Wingdings" panose="05000000000000000000" pitchFamily="2" charset="2"/>
+              <a:buChar char="è"/>
+            </a:pPr>
+            <a:r>
+              <a:rPr lang="fr-FR" sz="1600" b="1" dirty="0" smtClean="0">
+                <a:latin typeface="arial" panose="020B0604020202020204" pitchFamily="34" charset="0"/>
+                <a:sym typeface="Wingdings" panose="05000000000000000000" pitchFamily="2" charset="2"/>
+              </a:rPr>
+              <a:t>FABRICATING </a:t>
+            </a:r>
+            <a:r>
+              <a:rPr lang="fr-FR" sz="1600" b="1" dirty="0" err="1" smtClean="0">
+                <a:latin typeface="arial" panose="020B0604020202020204" pitchFamily="34" charset="0"/>
+                <a:sym typeface="Wingdings" panose="05000000000000000000" pitchFamily="2" charset="2"/>
+              </a:rPr>
+              <a:t>using</a:t>
+            </a:r>
+            <a:r>
+              <a:rPr lang="fr-FR" sz="1600" b="1" dirty="0" smtClean="0">
+                <a:latin typeface="arial" panose="020B0604020202020204" pitchFamily="34" charset="0"/>
+                <a:sym typeface="Wingdings" panose="05000000000000000000" pitchFamily="2" charset="2"/>
+              </a:rPr>
+              <a:t> ra</a:t>
+            </a:r>
+            <a:r>
+              <a:rPr lang="en-US" sz="1600" b="1" dirty="0" err="1" smtClean="0">
+                <a:latin typeface="arial" panose="020B0604020202020204" pitchFamily="34" charset="0"/>
+                <a:sym typeface="Wingdings" panose="05000000000000000000" pitchFamily="2" charset="2"/>
+              </a:rPr>
+              <a:t>pid</a:t>
+            </a:r>
+            <a:r>
+              <a:rPr lang="en-US" sz="1600" b="1" dirty="0" smtClean="0">
+                <a:latin typeface="arial" panose="020B0604020202020204" pitchFamily="34" charset="0"/>
+                <a:sym typeface="Wingdings" panose="05000000000000000000" pitchFamily="2" charset="2"/>
+              </a:rPr>
+              <a:t> </a:t>
+            </a:r>
+            <a:r>
+              <a:rPr lang="en-US" sz="1600" b="1" dirty="0">
+                <a:latin typeface="arial" panose="020B0604020202020204" pitchFamily="34" charset="0"/>
+                <a:sym typeface="Wingdings" panose="05000000000000000000" pitchFamily="2" charset="2"/>
+              </a:rPr>
+              <a:t>prototyping</a:t>
+            </a:r>
+            <a:endParaRPr lang="en-US" sz="1600" b="1" dirty="0">
+              <a:solidFill>
+                <a:srgbClr val="FF0000"/>
+              </a:solidFill>
+              <a:latin typeface="arial" panose="020B0604020202020204" pitchFamily="34" charset="0"/>
+              <a:sym typeface="Wingdings" panose="05000000000000000000" pitchFamily="2" charset="2"/>
+            </a:endParaRPr>
+          </a:p>
+          <a:p>
+            <a:endParaRPr lang="fr-FR" sz="1600" b="1" dirty="0" smtClean="0">
+              <a:latin typeface="arial" panose="020B0604020202020204" pitchFamily="34" charset="0"/>
+              <a:sym typeface="Wingdings" panose="05000000000000000000" pitchFamily="2" charset="2"/>
+            </a:endParaRPr>
+          </a:p>
+          <a:p>
+            <a:endParaRPr lang="en-US" sz="1600" b="1" dirty="0">
+              <a:latin typeface="arial" panose="020B0604020202020204" pitchFamily="34" charset="0"/>
+              <a:sym typeface="Wingdings" panose="05000000000000000000" pitchFamily="2" charset="2"/>
+            </a:endParaRPr>
+          </a:p>
+        </p:txBody>
+      </p:sp>
+      <p:cxnSp>
+        <p:nvCxnSpPr>
+          <p:cNvPr id="8" name="Connecteur droit 7"/>
+          <p:cNvCxnSpPr/>
+          <p:nvPr/>
+        </p:nvCxnSpPr>
+        <p:spPr bwMode="auto">
+          <a:xfrm>
+            <a:off x="340735" y="2019970"/>
+            <a:ext cx="0" cy="3461533"/>
+          </a:xfrm>
+          <a:prstGeom prst="line">
+            <a:avLst/>
+          </a:prstGeom>
+          <a:solidFill>
+            <a:schemeClr val="accent1"/>
+          </a:solidFill>
+          <a:ln w="57150" cap="flat" cmpd="sng" algn="ctr">
+            <a:solidFill>
+              <a:srgbClr val="0397D6"/>
+            </a:solidFill>
+            <a:prstDash val="solid"/>
+            <a:round/>
+            <a:headEnd type="none" w="med" len="med"/>
+            <a:tailEnd type="none" w="med" len="med"/>
+          </a:ln>
+          <a:effectLst/>
+          <a:extLst>
+            <a:ext uri="{AF507438-7753-43E0-B8FC-AC1667EBCBE1}">
+              <a14:hiddenEffects xmlns:a14="http://schemas.microsoft.com/office/drawing/2010/main">
+                <a:effectLst>
+                  <a:outerShdw dist="35921" dir="2700000" algn="ctr" rotWithShape="0">
+                    <a:schemeClr val="bg2"/>
+                  </a:outerShdw>
+                </a:effectLst>
+              </a14:hiddenEffects>
+            </a:ext>
+          </a:extLst>
+        </p:spPr>
+      </p:cxnSp>
+      <p:pic>
+        <p:nvPicPr>
+          <p:cNvPr id="20" name="Picture 2" descr="Résultat de recherche d'images pour &quot;arduino logo&quot;"/>
+          <p:cNvPicPr>
+            <a:picLocks noChangeAspect="1" noChangeArrowheads="1"/>
+          </p:cNvPicPr>
+          <p:nvPr/>
+        </p:nvPicPr>
+        <p:blipFill>
+          <a:blip r:embed="rId2" cstate="print">
+            <a:extLst>
+              <a:ext uri="{28A0092B-C50C-407E-A947-70E740481C1C}">
+                <a14:useLocalDpi xmlns:a14="http://schemas.microsoft.com/office/drawing/2010/main" val="0"/>
+              </a:ext>
+            </a:extLst>
+          </a:blip>
+          <a:srcRect/>
+          <a:stretch>
+            <a:fillRect/>
+          </a:stretch>
+        </p:blipFill>
+        <p:spPr bwMode="auto">
+          <a:xfrm>
+            <a:off x="5733677" y="2462081"/>
+            <a:ext cx="507040" cy="348590"/>
+          </a:xfrm>
+          <a:prstGeom prst="rect">
+            <a:avLst/>
+          </a:prstGeom>
+          <a:noFill/>
+          <a:extLst>
+            <a:ext uri="{909E8E84-426E-40DD-AFC4-6F175D3DCCD1}">
+              <a14:hiddenFill xmlns:a14="http://schemas.microsoft.com/office/drawing/2010/main">
+                <a:solidFill>
+                  <a:srgbClr val="FFFFFF"/>
+                </a:solidFill>
+              </a14:hiddenFill>
+            </a:ext>
+          </a:extLst>
+        </p:spPr>
+      </p:pic>
+      <p:sp>
+        <p:nvSpPr>
+          <p:cNvPr id="55" name="ZoneTexte 3"/>
+          <p:cNvSpPr txBox="1">
+            <a:spLocks noChangeArrowheads="1"/>
+          </p:cNvSpPr>
+          <p:nvPr/>
+        </p:nvSpPr>
+        <p:spPr bwMode="auto">
+          <a:xfrm>
+            <a:off x="912279" y="1360821"/>
+            <a:ext cx="4527649" cy="461665"/>
+          </a:xfrm>
+          <a:prstGeom prst="rect">
+            <a:avLst/>
+          </a:prstGeom>
+          <a:noFill/>
+          <a:ln>
+            <a:noFill/>
+          </a:ln>
+          <a:extLst>
+            <a:ext uri="{909E8E84-426E-40DD-AFC4-6F175D3DCCD1}">
+              <a14:hiddenFill xmlns:a14="http://schemas.microsoft.com/office/drawing/2010/main">
+                <a:solidFill>
+                  <a:srgbClr val="FFFFFF"/>
+                </a:solidFill>
+              </a14:hiddenFill>
+            </a:ext>
+            <a:ext uri="{91240B29-F687-4F45-9708-019B960494DF}">
+              <a14:hiddenLine xmlns:a14="http://schemas.microsoft.com/office/drawing/2010/main" w="9525">
+                <a:solidFill>
+                  <a:srgbClr val="000000"/>
+                </a:solidFill>
+                <a:miter lim="800000"/>
+                <a:headEnd/>
+                <a:tailEnd/>
+              </a14:hiddenLine>
+            </a:ext>
+          </a:extLst>
+        </p:spPr>
+        <p:txBody>
+          <a:bodyPr wrap="square">
+            <a:spAutoFit/>
+          </a:bodyPr>
+          <a:lstStyle>
+            <a:lvl1pPr>
+              <a:defRPr sz="2000" b="1">
+                <a:solidFill>
+                  <a:srgbClr val="0C2E86"/>
+                </a:solidFill>
+                <a:latin typeface="Eurostile" pitchFamily="34" charset="0"/>
+                <a:cs typeface="Arial" panose="020B0604020202020204" pitchFamily="34" charset="0"/>
+              </a:defRPr>
+            </a:lvl1pPr>
+            <a:lvl2pPr marL="742950" indent="-285750">
+              <a:defRPr sz="2000" b="1">
+                <a:solidFill>
+                  <a:srgbClr val="0C2E86"/>
+                </a:solidFill>
+                <a:latin typeface="Eurostile" pitchFamily="34" charset="0"/>
+                <a:cs typeface="Arial" panose="020B0604020202020204" pitchFamily="34" charset="0"/>
+              </a:defRPr>
+            </a:lvl2pPr>
+            <a:lvl3pPr marL="1143000" indent="-228600">
+              <a:defRPr sz="2000" b="1">
+                <a:solidFill>
+                  <a:srgbClr val="0C2E86"/>
+                </a:solidFill>
+                <a:latin typeface="Eurostile" pitchFamily="34" charset="0"/>
+                <a:cs typeface="Arial" panose="020B0604020202020204" pitchFamily="34" charset="0"/>
+              </a:defRPr>
+            </a:lvl3pPr>
+            <a:lvl4pPr marL="1600200" indent="-228600">
+              <a:defRPr sz="2000" b="1">
+                <a:solidFill>
+                  <a:srgbClr val="0C2E86"/>
+                </a:solidFill>
+                <a:latin typeface="Eurostile" pitchFamily="34" charset="0"/>
+                <a:cs typeface="Arial" panose="020B0604020202020204" pitchFamily="34" charset="0"/>
+              </a:defRPr>
+            </a:lvl4pPr>
+            <a:lvl5pPr marL="2057400" indent="-228600">
+              <a:defRPr sz="2000" b="1">
+                <a:solidFill>
+                  <a:srgbClr val="0C2E86"/>
+                </a:solidFill>
+                <a:latin typeface="Eurostile" pitchFamily="34" charset="0"/>
+                <a:cs typeface="Arial" panose="020B0604020202020204" pitchFamily="34" charset="0"/>
+              </a:defRPr>
+            </a:lvl5pPr>
+            <a:lvl6pPr marL="2514600" indent="-228600" eaLnBrk="0" fontAlgn="base" hangingPunct="0">
+              <a:spcBef>
+                <a:spcPct val="0"/>
+              </a:spcBef>
+              <a:spcAft>
+                <a:spcPct val="0"/>
+              </a:spcAft>
+              <a:defRPr sz="2000" b="1">
+                <a:solidFill>
+                  <a:srgbClr val="0C2E86"/>
+                </a:solidFill>
+                <a:latin typeface="Eurostile" pitchFamily="34" charset="0"/>
+                <a:cs typeface="Arial" panose="020B0604020202020204" pitchFamily="34" charset="0"/>
+              </a:defRPr>
+            </a:lvl6pPr>
+            <a:lvl7pPr marL="2971800" indent="-228600" eaLnBrk="0" fontAlgn="base" hangingPunct="0">
+              <a:spcBef>
+                <a:spcPct val="0"/>
+              </a:spcBef>
+              <a:spcAft>
+                <a:spcPct val="0"/>
+              </a:spcAft>
+              <a:defRPr sz="2000" b="1">
+                <a:solidFill>
+                  <a:srgbClr val="0C2E86"/>
+                </a:solidFill>
+                <a:latin typeface="Eurostile" pitchFamily="34" charset="0"/>
+                <a:cs typeface="Arial" panose="020B0604020202020204" pitchFamily="34" charset="0"/>
+              </a:defRPr>
+            </a:lvl7pPr>
+            <a:lvl8pPr marL="3429000" indent="-228600" eaLnBrk="0" fontAlgn="base" hangingPunct="0">
+              <a:spcBef>
+                <a:spcPct val="0"/>
+              </a:spcBef>
+              <a:spcAft>
+                <a:spcPct val="0"/>
+              </a:spcAft>
+              <a:defRPr sz="2000" b="1">
+                <a:solidFill>
+                  <a:srgbClr val="0C2E86"/>
+                </a:solidFill>
+                <a:latin typeface="Eurostile" pitchFamily="34" charset="0"/>
+                <a:cs typeface="Arial" panose="020B0604020202020204" pitchFamily="34" charset="0"/>
+              </a:defRPr>
+            </a:lvl8pPr>
+            <a:lvl9pPr marL="3886200" indent="-228600" eaLnBrk="0" fontAlgn="base" hangingPunct="0">
+              <a:spcBef>
+                <a:spcPct val="0"/>
+              </a:spcBef>
+              <a:spcAft>
+                <a:spcPct val="0"/>
+              </a:spcAft>
+              <a:defRPr sz="2000" b="1">
+                <a:solidFill>
+                  <a:srgbClr val="0C2E86"/>
+                </a:solidFill>
+                <a:latin typeface="Eurostile" pitchFamily="34" charset="0"/>
+                <a:cs typeface="Arial" panose="020B0604020202020204" pitchFamily="34" charset="0"/>
+              </a:defRPr>
+            </a:lvl9pPr>
+          </a:lstStyle>
+          <a:p>
+            <a:pPr algn="ctr"/>
+            <a:r>
+              <a:rPr lang="fr-FR" altLang="fr-FR" sz="2400" dirty="0" smtClean="0">
+                <a:solidFill>
+                  <a:srgbClr val="068EC8"/>
+                </a:solidFill>
+                <a:latin typeface="Arial" panose="020B0604020202020204" pitchFamily="34" charset="0"/>
+              </a:rPr>
+              <a:t>Challenge </a:t>
+            </a:r>
+            <a:r>
+              <a:rPr lang="fr-FR" altLang="fr-FR" sz="2400" dirty="0" err="1" smtClean="0">
+                <a:solidFill>
+                  <a:srgbClr val="068EC8"/>
+                </a:solidFill>
+                <a:latin typeface="Arial" panose="020B0604020202020204" pitchFamily="34" charset="0"/>
+              </a:rPr>
+              <a:t>rules</a:t>
+            </a:r>
+            <a:endParaRPr lang="fr-FR" altLang="fr-FR" sz="2400" dirty="0">
+              <a:solidFill>
+                <a:srgbClr val="068EC8"/>
+              </a:solidFill>
+              <a:latin typeface="Arial" panose="020B0604020202020204" pitchFamily="34" charset="0"/>
+            </a:endParaRPr>
+          </a:p>
+        </p:txBody>
+      </p:sp>
+      <p:pic>
+        <p:nvPicPr>
+          <p:cNvPr id="82" name="Picture 2" descr="Cartes de développement - Capteur de distance à ultrasons, HC-SR FREI "/>
+          <p:cNvPicPr>
+            <a:picLocks noChangeAspect="1" noChangeArrowheads="1"/>
+          </p:cNvPicPr>
+          <p:nvPr/>
+        </p:nvPicPr>
+        <p:blipFill>
+          <a:blip r:embed="rId3" cstate="print">
+            <a:clrChange>
+              <a:clrFrom>
+                <a:srgbClr val="FFFFFF"/>
+              </a:clrFrom>
+              <a:clrTo>
+                <a:srgbClr val="FFFFFF">
+                  <a:alpha val="0"/>
+                </a:srgbClr>
+              </a:clrTo>
+            </a:clrChange>
+            <a:extLst>
+              <a:ext uri="{28A0092B-C50C-407E-A947-70E740481C1C}">
+                <a14:useLocalDpi xmlns:a14="http://schemas.microsoft.com/office/drawing/2010/main" val="0"/>
+              </a:ext>
+            </a:extLst>
+          </a:blip>
+          <a:srcRect/>
+          <a:stretch>
+            <a:fillRect/>
+          </a:stretch>
+        </p:blipFill>
+        <p:spPr bwMode="auto">
+          <a:xfrm>
+            <a:off x="7340201" y="2607873"/>
+            <a:ext cx="978321" cy="978321"/>
+          </a:xfrm>
+          <a:prstGeom prst="rect">
+            <a:avLst/>
+          </a:prstGeom>
+          <a:noFill/>
+          <a:extLst>
+            <a:ext uri="{909E8E84-426E-40DD-AFC4-6F175D3DCCD1}">
+              <a14:hiddenFill xmlns:a14="http://schemas.microsoft.com/office/drawing/2010/main">
+                <a:solidFill>
+                  <a:srgbClr val="FFFFFF"/>
+                </a:solidFill>
+              </a14:hiddenFill>
+            </a:ext>
+          </a:extLst>
+        </p:spPr>
+      </p:pic>
+      <p:cxnSp>
+        <p:nvCxnSpPr>
+          <p:cNvPr id="4" name="Connecteur droit 3"/>
+          <p:cNvCxnSpPr/>
+          <p:nvPr/>
+        </p:nvCxnSpPr>
+        <p:spPr>
+          <a:xfrm>
+            <a:off x="4476750" y="3119772"/>
+            <a:ext cx="2591707" cy="0"/>
+          </a:xfrm>
+          <a:prstGeom prst="line">
+            <a:avLst/>
+          </a:prstGeom>
+        </p:spPr>
+        <p:style>
+          <a:lnRef idx="1">
+            <a:schemeClr val="accent1"/>
+          </a:lnRef>
+          <a:fillRef idx="0">
+            <a:schemeClr val="accent1"/>
+          </a:fillRef>
+          <a:effectRef idx="0">
+            <a:schemeClr val="accent1"/>
+          </a:effectRef>
+          <a:fontRef idx="minor">
+            <a:schemeClr val="tx1"/>
+          </a:fontRef>
+        </p:style>
+      </p:cxnSp>
+      <p:pic>
+        <p:nvPicPr>
+          <p:cNvPr id="133" name="Picture 8" descr="https://asset.conrad.com/media10/isa/160267/c1/-/fr/245075_BB_00_FB/image.jpg?x=1000&amp;y=1000&amp;ex=1000&amp;ey=1000&amp;align=center"/>
+          <p:cNvPicPr>
+            <a:picLocks noChangeAspect="1" noChangeArrowheads="1"/>
+          </p:cNvPicPr>
+          <p:nvPr/>
+        </p:nvPicPr>
+        <p:blipFill>
+          <a:blip r:embed="rId4" cstate="print">
+            <a:extLst>
+              <a:ext uri="{28A0092B-C50C-407E-A947-70E740481C1C}">
+                <a14:useLocalDpi xmlns:a14="http://schemas.microsoft.com/office/drawing/2010/main" val="0"/>
+              </a:ext>
+            </a:extLst>
+          </a:blip>
+          <a:srcRect/>
+          <a:stretch>
+            <a:fillRect/>
+          </a:stretch>
+        </p:blipFill>
+        <p:spPr bwMode="auto">
+          <a:xfrm>
+            <a:off x="6866668" y="3837026"/>
+            <a:ext cx="947066" cy="947066"/>
+          </a:xfrm>
+          <a:prstGeom prst="rect">
+            <a:avLst/>
+          </a:prstGeom>
+          <a:noFill/>
+          <a:extLst>
+            <a:ext uri="{909E8E84-426E-40DD-AFC4-6F175D3DCCD1}">
+              <a14:hiddenFill xmlns:a14="http://schemas.microsoft.com/office/drawing/2010/main">
+                <a:solidFill>
+                  <a:srgbClr val="FFFFFF"/>
+                </a:solidFill>
+              </a14:hiddenFill>
+            </a:ext>
+          </a:extLst>
+        </p:spPr>
+      </p:pic>
+      <p:pic>
+        <p:nvPicPr>
+          <p:cNvPr id="134" name="Picture 4" descr="RÃ©sultat de recherche d'images pour &quot;solidworks 2018 logo&quot;"/>
+          <p:cNvPicPr>
+            <a:picLocks noChangeAspect="1" noChangeArrowheads="1"/>
+          </p:cNvPicPr>
+          <p:nvPr/>
+        </p:nvPicPr>
+        <p:blipFill rotWithShape="1">
+          <a:blip r:embed="rId5" cstate="print">
+            <a:extLst>
+              <a:ext uri="{28A0092B-C50C-407E-A947-70E740481C1C}">
+                <a14:useLocalDpi xmlns:a14="http://schemas.microsoft.com/office/drawing/2010/main" val="0"/>
+              </a:ext>
+            </a:extLst>
+          </a:blip>
+          <a:srcRect t="19322" r="75641" b="30278"/>
+          <a:stretch/>
+        </p:blipFill>
+        <p:spPr bwMode="auto">
+          <a:xfrm>
+            <a:off x="5677631" y="3830168"/>
+            <a:ext cx="903411" cy="934608"/>
+          </a:xfrm>
+          <a:prstGeom prst="rect">
+            <a:avLst/>
+          </a:prstGeom>
+          <a:noFill/>
+          <a:extLst>
+            <a:ext uri="{909E8E84-426E-40DD-AFC4-6F175D3DCCD1}">
+              <a14:hiddenFill xmlns:a14="http://schemas.microsoft.com/office/drawing/2010/main">
+                <a:solidFill>
+                  <a:srgbClr val="FFFFFF"/>
+                </a:solidFill>
+              </a14:hiddenFill>
+            </a:ext>
+          </a:extLst>
+        </p:spPr>
+      </p:pic>
+      <p:cxnSp>
+        <p:nvCxnSpPr>
+          <p:cNvPr id="135" name="Connecteur droit 134"/>
+          <p:cNvCxnSpPr/>
+          <p:nvPr/>
+        </p:nvCxnSpPr>
+        <p:spPr>
+          <a:xfrm>
+            <a:off x="4476750" y="3830168"/>
+            <a:ext cx="1233116" cy="467304"/>
+          </a:xfrm>
+          <a:prstGeom prst="bentConnector3">
+            <a:avLst>
+              <a:gd name="adj1" fmla="val 50000"/>
+            </a:avLst>
+          </a:prstGeom>
+        </p:spPr>
+        <p:style>
+          <a:lnRef idx="1">
+            <a:schemeClr val="accent1"/>
+          </a:lnRef>
+          <a:fillRef idx="0">
+            <a:schemeClr val="accent1"/>
+          </a:fillRef>
+          <a:effectRef idx="0">
+            <a:schemeClr val="accent1"/>
+          </a:effectRef>
+          <a:fontRef idx="minor">
+            <a:schemeClr val="tx1"/>
+          </a:fontRef>
+        </p:style>
+      </p:cxnSp>
+      <p:pic>
+        <p:nvPicPr>
+          <p:cNvPr id="3074" name="Picture 2" descr="https://flatrocktech.com/wp-content/uploads/2012/03/MixedTeam.png"/>
+          <p:cNvPicPr>
+            <a:picLocks noChangeAspect="1" noChangeArrowheads="1"/>
+          </p:cNvPicPr>
+          <p:nvPr/>
+        </p:nvPicPr>
+        <p:blipFill rotWithShape="1">
+          <a:blip r:embed="rId6">
+            <a:clrChange>
+              <a:clrFrom>
+                <a:srgbClr val="F4F4F4"/>
+              </a:clrFrom>
+              <a:clrTo>
+                <a:srgbClr val="F4F4F4">
+                  <a:alpha val="0"/>
+                </a:srgbClr>
+              </a:clrTo>
+            </a:clrChange>
+            <a:extLst>
+              <a:ext uri="{28A0092B-C50C-407E-A947-70E740481C1C}">
+                <a14:useLocalDpi xmlns:a14="http://schemas.microsoft.com/office/drawing/2010/main" val="0"/>
+              </a:ext>
+            </a:extLst>
+          </a:blip>
+          <a:srcRect l="7111" r="40889"/>
+          <a:stretch/>
+        </p:blipFill>
+        <p:spPr bwMode="auto">
+          <a:xfrm>
+            <a:off x="5610641" y="577474"/>
+            <a:ext cx="1457816" cy="934497"/>
+          </a:xfrm>
+          <a:prstGeom prst="rect">
+            <a:avLst/>
+          </a:prstGeom>
+          <a:noFill/>
+          <a:extLst>
+            <a:ext uri="{909E8E84-426E-40DD-AFC4-6F175D3DCCD1}">
+              <a14:hiddenFill xmlns:a14="http://schemas.microsoft.com/office/drawing/2010/main">
+                <a:solidFill>
+                  <a:srgbClr val="FFFFFF"/>
+                </a:solidFill>
+              </a14:hiddenFill>
+            </a:ext>
+          </a:extLst>
+        </p:spPr>
+      </p:pic>
+      <p:grpSp>
+        <p:nvGrpSpPr>
+          <p:cNvPr id="136" name="Groupe 135"/>
+          <p:cNvGrpSpPr/>
+          <p:nvPr/>
+        </p:nvGrpSpPr>
+        <p:grpSpPr>
+          <a:xfrm>
+            <a:off x="8211378" y="4008367"/>
+            <a:ext cx="728568" cy="444939"/>
+            <a:chOff x="6399087" y="2402944"/>
+            <a:chExt cx="981449" cy="785737"/>
+          </a:xfrm>
+        </p:grpSpPr>
+        <p:pic>
+          <p:nvPicPr>
+            <p:cNvPr id="137" name="Picture 4" descr="RÃ©sultat de recherche d'images pour &quot;vis Ã  bois&quot;"/>
+            <p:cNvPicPr>
+              <a:picLocks noChangeAspect="1" noChangeArrowheads="1"/>
+            </p:cNvPicPr>
+            <p:nvPr/>
+          </p:nvPicPr>
+          <p:blipFill rotWithShape="1">
+            <a:blip r:embed="rId7" cstate="print">
+              <a:clrChange>
+                <a:clrFrom>
+                  <a:srgbClr val="FFFFFF"/>
+                </a:clrFrom>
+                <a:clrTo>
+                  <a:srgbClr val="FFFFFF">
+                    <a:alpha val="0"/>
+                  </a:srgbClr>
+                </a:clrTo>
+              </a:clrChange>
+              <a:extLst>
+                <a:ext uri="{28A0092B-C50C-407E-A947-70E740481C1C}">
+                  <a14:useLocalDpi xmlns:a14="http://schemas.microsoft.com/office/drawing/2010/main" val="0"/>
+                </a:ext>
+              </a:extLst>
+            </a:blip>
+            <a:srcRect l="22994" t="36300" r="22197" b="37240"/>
+            <a:stretch/>
+          </p:blipFill>
+          <p:spPr bwMode="auto">
+            <a:xfrm rot="5400000">
+              <a:off x="6268700" y="2630358"/>
+              <a:ext cx="504163" cy="243389"/>
+            </a:xfrm>
+            <a:prstGeom prst="rect">
+              <a:avLst/>
+            </a:prstGeom>
+            <a:noFill/>
+            <a:extLst>
+              <a:ext uri="{909E8E84-426E-40DD-AFC4-6F175D3DCCD1}">
+                <a14:hiddenFill xmlns:a14="http://schemas.microsoft.com/office/drawing/2010/main">
+                  <a:solidFill>
+                    <a:srgbClr val="FFFFFF"/>
+                  </a:solidFill>
+                </a14:hiddenFill>
+              </a:ext>
+            </a:extLst>
+          </p:spPr>
+        </p:pic>
+        <p:pic>
+          <p:nvPicPr>
+            <p:cNvPr id="138" name="Picture 4" descr="RÃ©sultat de recherche d'images pour &quot;vis Ã  bois&quot;"/>
+            <p:cNvPicPr>
+              <a:picLocks noChangeAspect="1" noChangeArrowheads="1"/>
+            </p:cNvPicPr>
+            <p:nvPr/>
+          </p:nvPicPr>
+          <p:blipFill rotWithShape="1">
+            <a:blip r:embed="rId7" cstate="print">
+              <a:clrChange>
+                <a:clrFrom>
+                  <a:srgbClr val="FFFFFF"/>
+                </a:clrFrom>
+                <a:clrTo>
+                  <a:srgbClr val="FFFFFF">
+                    <a:alpha val="0"/>
+                  </a:srgbClr>
+                </a:clrTo>
+              </a:clrChange>
+              <a:extLst>
+                <a:ext uri="{28A0092B-C50C-407E-A947-70E740481C1C}">
+                  <a14:useLocalDpi xmlns:a14="http://schemas.microsoft.com/office/drawing/2010/main" val="0"/>
+                </a:ext>
+              </a:extLst>
+            </a:blip>
+            <a:srcRect l="22994" t="36300" r="22197" b="37240"/>
+            <a:stretch/>
+          </p:blipFill>
+          <p:spPr bwMode="auto">
+            <a:xfrm rot="5400000">
+              <a:off x="6663854" y="2533331"/>
+              <a:ext cx="504163" cy="243389"/>
+            </a:xfrm>
+            <a:prstGeom prst="rect">
+              <a:avLst/>
+            </a:prstGeom>
+            <a:noFill/>
+            <a:extLst>
+              <a:ext uri="{909E8E84-426E-40DD-AFC4-6F175D3DCCD1}">
+                <a14:hiddenFill xmlns:a14="http://schemas.microsoft.com/office/drawing/2010/main">
+                  <a:solidFill>
+                    <a:srgbClr val="FFFFFF"/>
+                  </a:solidFill>
+                </a14:hiddenFill>
+              </a:ext>
+            </a:extLst>
+          </p:spPr>
+        </p:pic>
+        <p:pic>
+          <p:nvPicPr>
+            <p:cNvPr id="139" name="Picture 4" descr="RÃ©sultat de recherche d'images pour &quot;vis Ã  bois&quot;"/>
+            <p:cNvPicPr>
+              <a:picLocks noChangeAspect="1" noChangeArrowheads="1"/>
+            </p:cNvPicPr>
+            <p:nvPr/>
+          </p:nvPicPr>
+          <p:blipFill rotWithShape="1">
+            <a:blip r:embed="rId7" cstate="print">
+              <a:clrChange>
+                <a:clrFrom>
+                  <a:srgbClr val="FFFFFF"/>
+                </a:clrFrom>
+                <a:clrTo>
+                  <a:srgbClr val="FFFFFF">
+                    <a:alpha val="0"/>
+                  </a:srgbClr>
+                </a:clrTo>
+              </a:clrChange>
+              <a:extLst>
+                <a:ext uri="{28A0092B-C50C-407E-A947-70E740481C1C}">
+                  <a14:useLocalDpi xmlns:a14="http://schemas.microsoft.com/office/drawing/2010/main" val="0"/>
+                </a:ext>
+              </a:extLst>
+            </a:blip>
+            <a:srcRect l="22994" t="36300" r="22197" b="37240"/>
+            <a:stretch/>
+          </p:blipFill>
+          <p:spPr bwMode="auto">
+            <a:xfrm rot="5400000">
+              <a:off x="7006760" y="2814905"/>
+              <a:ext cx="504163" cy="243389"/>
+            </a:xfrm>
+            <a:prstGeom prst="rect">
+              <a:avLst/>
+            </a:prstGeom>
+            <a:noFill/>
+            <a:extLst>
+              <a:ext uri="{909E8E84-426E-40DD-AFC4-6F175D3DCCD1}">
+                <a14:hiddenFill xmlns:a14="http://schemas.microsoft.com/office/drawing/2010/main">
+                  <a:solidFill>
+                    <a:srgbClr val="FFFFFF"/>
+                  </a:solidFill>
+                </a14:hiddenFill>
+              </a:ext>
+            </a:extLst>
+          </p:spPr>
+        </p:pic>
+      </p:grpSp>
+      <p:pic>
+        <p:nvPicPr>
+          <p:cNvPr id="17" name="Image 16"/>
+          <p:cNvPicPr>
+            <a:picLocks noChangeAspect="1"/>
+          </p:cNvPicPr>
+          <p:nvPr/>
+        </p:nvPicPr>
+        <p:blipFill rotWithShape="1">
+          <a:blip r:embed="rId8" cstate="print">
+            <a:extLst>
+              <a:ext uri="{28A0092B-C50C-407E-A947-70E740481C1C}">
+                <a14:useLocalDpi xmlns:a14="http://schemas.microsoft.com/office/drawing/2010/main" val="0"/>
+              </a:ext>
+            </a:extLst>
+          </a:blip>
+          <a:srcRect l="16925" r="15350" b="5113"/>
+          <a:stretch/>
+        </p:blipFill>
+        <p:spPr>
+          <a:xfrm>
+            <a:off x="6208768" y="5149153"/>
+            <a:ext cx="1315799" cy="1229027"/>
+          </a:xfrm>
+          <a:prstGeom prst="rect">
+            <a:avLst/>
+          </a:prstGeom>
+        </p:spPr>
+      </p:pic>
+      <p:cxnSp>
+        <p:nvCxnSpPr>
+          <p:cNvPr id="18" name="Connecteur droit 134"/>
+          <p:cNvCxnSpPr/>
+          <p:nvPr/>
+        </p:nvCxnSpPr>
+        <p:spPr>
+          <a:xfrm>
+            <a:off x="4476750" y="5300236"/>
+            <a:ext cx="1533279" cy="463430"/>
+          </a:xfrm>
+          <a:prstGeom prst="bentConnector3">
+            <a:avLst>
+              <a:gd name="adj1" fmla="val 50000"/>
+            </a:avLst>
+          </a:prstGeom>
+        </p:spPr>
+        <p:style>
+          <a:lnRef idx="1">
+            <a:schemeClr val="accent1"/>
+          </a:lnRef>
+          <a:fillRef idx="0">
+            <a:schemeClr val="accent1"/>
+          </a:fillRef>
+          <a:effectRef idx="0">
+            <a:schemeClr val="accent1"/>
+          </a:effectRef>
+          <a:fontRef idx="minor">
+            <a:schemeClr val="tx1"/>
+          </a:fontRef>
+        </p:style>
+      </p:cxnSp>
+      <p:cxnSp>
+        <p:nvCxnSpPr>
+          <p:cNvPr id="19" name="Connecteur droit 18"/>
+          <p:cNvCxnSpPr/>
+          <p:nvPr/>
+        </p:nvCxnSpPr>
+        <p:spPr>
+          <a:xfrm flipV="1">
+            <a:off x="4476750" y="1353224"/>
+            <a:ext cx="1029048" cy="776293"/>
+          </a:xfrm>
+          <a:prstGeom prst="bentConnector3">
+            <a:avLst>
+              <a:gd name="adj1" fmla="val 50000"/>
+            </a:avLst>
+          </a:prstGeom>
+        </p:spPr>
+        <p:style>
+          <a:lnRef idx="1">
+            <a:schemeClr val="accent1"/>
+          </a:lnRef>
+          <a:fillRef idx="0">
+            <a:schemeClr val="accent1"/>
+          </a:fillRef>
+          <a:effectRef idx="0">
+            <a:schemeClr val="accent1"/>
+          </a:effectRef>
+          <a:fontRef idx="minor">
+            <a:schemeClr val="tx1"/>
+          </a:fontRef>
+        </p:style>
+      </p:cxnSp>
+      <p:cxnSp>
+        <p:nvCxnSpPr>
+          <p:cNvPr id="23" name="Connecteur droit 22"/>
+          <p:cNvCxnSpPr/>
+          <p:nvPr/>
+        </p:nvCxnSpPr>
+        <p:spPr>
+          <a:xfrm flipV="1">
+            <a:off x="6381749" y="2221638"/>
+            <a:ext cx="535469" cy="414740"/>
+          </a:xfrm>
+          <a:prstGeom prst="bentConnector3">
+            <a:avLst>
+              <a:gd name="adj1" fmla="val 50000"/>
+            </a:avLst>
+          </a:prstGeom>
+        </p:spPr>
+        <p:style>
+          <a:lnRef idx="1">
+            <a:schemeClr val="accent1"/>
+          </a:lnRef>
+          <a:fillRef idx="0">
+            <a:schemeClr val="accent1"/>
+          </a:fillRef>
+          <a:effectRef idx="0">
+            <a:schemeClr val="accent1"/>
+          </a:effectRef>
+          <a:fontRef idx="minor">
+            <a:schemeClr val="tx1"/>
+          </a:fontRef>
+        </p:style>
+      </p:cxnSp>
+      <p:pic>
+        <p:nvPicPr>
+          <p:cNvPr id="27" name="Picture 2" descr="RÃ©sultat de recherche d'images pour &quot;robot 4 dof&quot;"/>
+          <p:cNvPicPr>
+            <a:picLocks noChangeAspect="1" noChangeArrowheads="1"/>
+          </p:cNvPicPr>
+          <p:nvPr/>
+        </p:nvPicPr>
+        <p:blipFill rotWithShape="1">
+          <a:blip r:embed="rId9" cstate="print">
+            <a:clrChange>
+              <a:clrFrom>
+                <a:srgbClr val="FEFEFE"/>
+              </a:clrFrom>
+              <a:clrTo>
+                <a:srgbClr val="FEFEFE">
+                  <a:alpha val="0"/>
+                </a:srgbClr>
+              </a:clrTo>
+            </a:clrChange>
+            <a:duotone>
+              <a:schemeClr val="accent1">
+                <a:shade val="45000"/>
+                <a:satMod val="135000"/>
+              </a:schemeClr>
+              <a:prstClr val="white"/>
+            </a:duotone>
+            <a:extLst>
+              <a:ext uri="{28A0092B-C50C-407E-A947-70E740481C1C}">
+                <a14:useLocalDpi xmlns:a14="http://schemas.microsoft.com/office/drawing/2010/main" val="0"/>
+              </a:ext>
+            </a:extLst>
+          </a:blip>
+          <a:srcRect t="7910" b="13958"/>
+          <a:stretch/>
+        </p:blipFill>
+        <p:spPr bwMode="auto">
+          <a:xfrm flipH="1">
+            <a:off x="7022061" y="809919"/>
+            <a:ext cx="2114578" cy="1652162"/>
+          </a:xfrm>
+          <a:prstGeom prst="rect">
+            <a:avLst/>
+          </a:prstGeom>
+          <a:noFill/>
+          <a:extLst>
+            <a:ext uri="{909E8E84-426E-40DD-AFC4-6F175D3DCCD1}">
+              <a14:hiddenFill xmlns:a14="http://schemas.microsoft.com/office/drawing/2010/main">
+                <a:solidFill>
+                  <a:srgbClr val="FFFFFF"/>
+                </a:solidFill>
+              </a14:hiddenFill>
+            </a:ext>
+          </a:extLst>
+        </p:spPr>
+      </p:pic>
+      <p:cxnSp>
+        <p:nvCxnSpPr>
+          <p:cNvPr id="31" name="Connecteur droit 30"/>
+          <p:cNvCxnSpPr/>
+          <p:nvPr/>
+        </p:nvCxnSpPr>
+        <p:spPr>
+          <a:xfrm flipV="1">
+            <a:off x="5987197" y="2868501"/>
+            <a:ext cx="0" cy="252000"/>
+          </a:xfrm>
+          <a:prstGeom prst="line">
+            <a:avLst/>
+          </a:prstGeom>
+        </p:spPr>
+        <p:style>
+          <a:lnRef idx="1">
+            <a:schemeClr val="accent1"/>
+          </a:lnRef>
+          <a:fillRef idx="0">
+            <a:schemeClr val="accent1"/>
+          </a:fillRef>
+          <a:effectRef idx="0">
+            <a:schemeClr val="accent1"/>
+          </a:effectRef>
+          <a:fontRef idx="minor">
+            <a:schemeClr val="tx1"/>
+          </a:fontRef>
+        </p:style>
+      </p:cxnSp>
+    </p:spTree>
+    <p:extLst>
+      <p:ext uri="{BB962C8B-B14F-4D97-AF65-F5344CB8AC3E}">
+        <p14:creationId xmlns:p14="http://schemas.microsoft.com/office/powerpoint/2010/main" val="3651803795"/>
       </p:ext>
     </p:extLst>
   </p:cSld>
